--- a/ISO/作业指导书/21问题处理清单及跟踪作业指导书 - 软件版本规划和控制.pptx
+++ b/ISO/作业指导书/21问题处理清单及跟踪作业指导书 - 软件版本规划和控制.pptx
@@ -4,6 +4,9 @@
   <p:sldMasterIdLst>
     <p:sldMasterId id="2147483648" r:id="rId1"/>
   </p:sldMasterIdLst>
+  <p:notesMasterIdLst>
+    <p:notesMasterId r:id="rId20"/>
+  </p:notesMasterIdLst>
   <p:sldIdLst>
     <p:sldId id="256" r:id="rId2"/>
     <p:sldId id="257" r:id="rId3"/>
@@ -17,11 +20,12 @@
     <p:sldId id="294" r:id="rId11"/>
     <p:sldId id="292" r:id="rId12"/>
     <p:sldId id="284" r:id="rId13"/>
-    <p:sldId id="293" r:id="rId14"/>
-    <p:sldId id="287" r:id="rId15"/>
-    <p:sldId id="288" r:id="rId16"/>
-    <p:sldId id="290" r:id="rId17"/>
-    <p:sldId id="289" r:id="rId18"/>
+    <p:sldId id="297" r:id="rId14"/>
+    <p:sldId id="293" r:id="rId15"/>
+    <p:sldId id="287" r:id="rId16"/>
+    <p:sldId id="288" r:id="rId17"/>
+    <p:sldId id="290" r:id="rId18"/>
+    <p:sldId id="289" r:id="rId19"/>
   </p:sldIdLst>
   <p:sldSz cx="12192000" cy="6858000"/>
   <p:notesSz cx="6858000" cy="9144000"/>
@@ -140,6 +144,355 @@
 </p:cmAuthorLst>
 </file>
 
+<file path=ppt/notesMasters/notesMaster1.xml><?xml version="1.0" encoding="utf-8"?>
+<p:notesMaster xmlns:a="http://schemas.openxmlformats.org/drawingml/2006/main" xmlns:r="http://schemas.openxmlformats.org/officeDocument/2006/relationships" xmlns:p="http://schemas.openxmlformats.org/presentationml/2006/main">
+  <p:cSld>
+    <p:bg>
+      <p:bgRef idx="1001">
+        <a:schemeClr val="bg1"/>
+      </p:bgRef>
+    </p:bg>
+    <p:spTree>
+      <p:nvGrpSpPr>
+        <p:cNvPr id="1" name=""/>
+        <p:cNvGrpSpPr/>
+        <p:nvPr/>
+      </p:nvGrpSpPr>
+      <p:grpSpPr>
+        <a:xfrm>
+          <a:off x="0" y="0"/>
+          <a:ext cx="0" cy="0"/>
+          <a:chOff x="0" y="0"/>
+          <a:chExt cx="0" cy="0"/>
+        </a:xfrm>
+      </p:grpSpPr>
+      <p:sp>
+        <p:nvSpPr>
+          <p:cNvPr id="2" name="页眉占位符 1"/>
+          <p:cNvSpPr>
+            <a:spLocks noGrp="1"/>
+          </p:cNvSpPr>
+          <p:nvPr>
+            <p:ph type="hdr" sz="quarter"/>
+          </p:nvPr>
+        </p:nvSpPr>
+        <p:spPr>
+          <a:xfrm>
+            <a:off x="0" y="0"/>
+            <a:ext cx="2971800" cy="458788"/>
+          </a:xfrm>
+          <a:prstGeom prst="rect">
+            <a:avLst/>
+          </a:prstGeom>
+        </p:spPr>
+        <p:txBody>
+          <a:bodyPr vert="horz" lIns="91440" tIns="45720" rIns="91440" bIns="45720" rtlCol="0"/>
+          <a:lstStyle>
+            <a:lvl1pPr algn="l">
+              <a:defRPr sz="1200"/>
+            </a:lvl1pPr>
+          </a:lstStyle>
+          <a:p>
+            <a:endParaRPr lang="zh-CN" altLang="en-US"/>
+          </a:p>
+        </p:txBody>
+      </p:sp>
+      <p:sp>
+        <p:nvSpPr>
+          <p:cNvPr id="3" name="日期占位符 2"/>
+          <p:cNvSpPr>
+            <a:spLocks noGrp="1"/>
+          </p:cNvSpPr>
+          <p:nvPr>
+            <p:ph type="dt" idx="1"/>
+          </p:nvPr>
+        </p:nvSpPr>
+        <p:spPr>
+          <a:xfrm>
+            <a:off x="3884613" y="0"/>
+            <a:ext cx="2971800" cy="458788"/>
+          </a:xfrm>
+          <a:prstGeom prst="rect">
+            <a:avLst/>
+          </a:prstGeom>
+        </p:spPr>
+        <p:txBody>
+          <a:bodyPr vert="horz" lIns="91440" tIns="45720" rIns="91440" bIns="45720" rtlCol="0"/>
+          <a:lstStyle>
+            <a:lvl1pPr algn="r">
+              <a:defRPr sz="1200"/>
+            </a:lvl1pPr>
+          </a:lstStyle>
+          <a:p>
+            <a:fld id="{C282855B-475D-462C-9146-D652E44A6146}" type="datetimeFigureOut">
+              <a:rPr lang="zh-CN" altLang="en-US" smtClean="0"/>
+              <a:t>2023-11-02</a:t>
+            </a:fld>
+            <a:endParaRPr lang="zh-CN" altLang="en-US"/>
+          </a:p>
+        </p:txBody>
+      </p:sp>
+      <p:sp>
+        <p:nvSpPr>
+          <p:cNvPr id="4" name="幻灯片图像占位符 3"/>
+          <p:cNvSpPr>
+            <a:spLocks noGrp="1" noRot="1" noChangeAspect="1"/>
+          </p:cNvSpPr>
+          <p:nvPr>
+            <p:ph type="sldImg" idx="2"/>
+          </p:nvPr>
+        </p:nvSpPr>
+        <p:spPr>
+          <a:xfrm>
+            <a:off x="685800" y="1143000"/>
+            <a:ext cx="5486400" cy="3086100"/>
+          </a:xfrm>
+          <a:prstGeom prst="rect">
+            <a:avLst/>
+          </a:prstGeom>
+          <a:noFill/>
+          <a:ln w="12700">
+            <a:solidFill>
+              <a:prstClr val="black"/>
+            </a:solidFill>
+          </a:ln>
+        </p:spPr>
+        <p:txBody>
+          <a:bodyPr vert="horz" lIns="91440" tIns="45720" rIns="91440" bIns="45720" rtlCol="0" anchor="ctr"/>
+          <a:lstStyle/>
+          <a:p>
+            <a:endParaRPr lang="zh-CN" altLang="en-US"/>
+          </a:p>
+        </p:txBody>
+      </p:sp>
+      <p:sp>
+        <p:nvSpPr>
+          <p:cNvPr id="5" name="备注占位符 4"/>
+          <p:cNvSpPr>
+            <a:spLocks noGrp="1"/>
+          </p:cNvSpPr>
+          <p:nvPr>
+            <p:ph type="body" sz="quarter" idx="3"/>
+          </p:nvPr>
+        </p:nvSpPr>
+        <p:spPr>
+          <a:xfrm>
+            <a:off x="685800" y="4400550"/>
+            <a:ext cx="5486400" cy="3600450"/>
+          </a:xfrm>
+          <a:prstGeom prst="rect">
+            <a:avLst/>
+          </a:prstGeom>
+        </p:spPr>
+        <p:txBody>
+          <a:bodyPr vert="horz" lIns="91440" tIns="45720" rIns="91440" bIns="45720" rtlCol="0"/>
+          <a:lstStyle/>
+          <a:p>
+            <a:pPr lvl="0"/>
+            <a:r>
+              <a:rPr lang="zh-CN" altLang="en-US"/>
+              <a:t>单击此处编辑母版文本样式</a:t>
+            </a:r>
+          </a:p>
+          <a:p>
+            <a:pPr lvl="1"/>
+            <a:r>
+              <a:rPr lang="zh-CN" altLang="en-US"/>
+              <a:t>二级</a:t>
+            </a:r>
+          </a:p>
+          <a:p>
+            <a:pPr lvl="2"/>
+            <a:r>
+              <a:rPr lang="zh-CN" altLang="en-US"/>
+              <a:t>三级</a:t>
+            </a:r>
+          </a:p>
+          <a:p>
+            <a:pPr lvl="3"/>
+            <a:r>
+              <a:rPr lang="zh-CN" altLang="en-US"/>
+              <a:t>四级</a:t>
+            </a:r>
+          </a:p>
+          <a:p>
+            <a:pPr lvl="4"/>
+            <a:r>
+              <a:rPr lang="zh-CN" altLang="en-US"/>
+              <a:t>五级</a:t>
+            </a:r>
+          </a:p>
+        </p:txBody>
+      </p:sp>
+      <p:sp>
+        <p:nvSpPr>
+          <p:cNvPr id="6" name="页脚占位符 5"/>
+          <p:cNvSpPr>
+            <a:spLocks noGrp="1"/>
+          </p:cNvSpPr>
+          <p:nvPr>
+            <p:ph type="ftr" sz="quarter" idx="4"/>
+          </p:nvPr>
+        </p:nvSpPr>
+        <p:spPr>
+          <a:xfrm>
+            <a:off x="0" y="8685213"/>
+            <a:ext cx="2971800" cy="458787"/>
+          </a:xfrm>
+          <a:prstGeom prst="rect">
+            <a:avLst/>
+          </a:prstGeom>
+        </p:spPr>
+        <p:txBody>
+          <a:bodyPr vert="horz" lIns="91440" tIns="45720" rIns="91440" bIns="45720" rtlCol="0" anchor="b"/>
+          <a:lstStyle>
+            <a:lvl1pPr algn="l">
+              <a:defRPr sz="1200"/>
+            </a:lvl1pPr>
+          </a:lstStyle>
+          <a:p>
+            <a:endParaRPr lang="zh-CN" altLang="en-US"/>
+          </a:p>
+        </p:txBody>
+      </p:sp>
+      <p:sp>
+        <p:nvSpPr>
+          <p:cNvPr id="7" name="灯片编号占位符 6"/>
+          <p:cNvSpPr>
+            <a:spLocks noGrp="1"/>
+          </p:cNvSpPr>
+          <p:nvPr>
+            <p:ph type="sldNum" sz="quarter" idx="5"/>
+          </p:nvPr>
+        </p:nvSpPr>
+        <p:spPr>
+          <a:xfrm>
+            <a:off x="3884613" y="8685213"/>
+            <a:ext cx="2971800" cy="458787"/>
+          </a:xfrm>
+          <a:prstGeom prst="rect">
+            <a:avLst/>
+          </a:prstGeom>
+        </p:spPr>
+        <p:txBody>
+          <a:bodyPr vert="horz" lIns="91440" tIns="45720" rIns="91440" bIns="45720" rtlCol="0" anchor="b"/>
+          <a:lstStyle>
+            <a:lvl1pPr algn="r">
+              <a:defRPr sz="1200"/>
+            </a:lvl1pPr>
+          </a:lstStyle>
+          <a:p>
+            <a:fld id="{7DCA3BF7-E80D-40FD-B4D2-86431F7C90BF}" type="slidenum">
+              <a:rPr lang="zh-CN" altLang="en-US" smtClean="0"/>
+              <a:t>‹#›</a:t>
+            </a:fld>
+            <a:endParaRPr lang="zh-CN" altLang="en-US"/>
+          </a:p>
+        </p:txBody>
+      </p:sp>
+    </p:spTree>
+    <p:extLst>
+      <p:ext uri="{BB962C8B-B14F-4D97-AF65-F5344CB8AC3E}">
+        <p14:creationId xmlns:p14="http://schemas.microsoft.com/office/powerpoint/2010/main" val="2894412966"/>
+      </p:ext>
+    </p:extLst>
+  </p:cSld>
+  <p:clrMap bg1="lt1" tx1="dk1" bg2="lt2" tx2="dk2" accent1="accent1" accent2="accent2" accent3="accent3" accent4="accent4" accent5="accent5" accent6="accent6" hlink="hlink" folHlink="folHlink"/>
+  <p:notesStyle>
+    <a:lvl1pPr marL="0" algn="l" defTabSz="914400" rtl="0" eaLnBrk="1" latinLnBrk="0" hangingPunct="1">
+      <a:defRPr sz="1200" kern="1200">
+        <a:solidFill>
+          <a:schemeClr val="tx1"/>
+        </a:solidFill>
+        <a:latin typeface="+mn-lt"/>
+        <a:ea typeface="+mn-ea"/>
+        <a:cs typeface="+mn-cs"/>
+      </a:defRPr>
+    </a:lvl1pPr>
+    <a:lvl2pPr marL="457200" algn="l" defTabSz="914400" rtl="0" eaLnBrk="1" latinLnBrk="0" hangingPunct="1">
+      <a:defRPr sz="1200" kern="1200">
+        <a:solidFill>
+          <a:schemeClr val="tx1"/>
+        </a:solidFill>
+        <a:latin typeface="+mn-lt"/>
+        <a:ea typeface="+mn-ea"/>
+        <a:cs typeface="+mn-cs"/>
+      </a:defRPr>
+    </a:lvl2pPr>
+    <a:lvl3pPr marL="914400" algn="l" defTabSz="914400" rtl="0" eaLnBrk="1" latinLnBrk="0" hangingPunct="1">
+      <a:defRPr sz="1200" kern="1200">
+        <a:solidFill>
+          <a:schemeClr val="tx1"/>
+        </a:solidFill>
+        <a:latin typeface="+mn-lt"/>
+        <a:ea typeface="+mn-ea"/>
+        <a:cs typeface="+mn-cs"/>
+      </a:defRPr>
+    </a:lvl3pPr>
+    <a:lvl4pPr marL="1371600" algn="l" defTabSz="914400" rtl="0" eaLnBrk="1" latinLnBrk="0" hangingPunct="1">
+      <a:defRPr sz="1200" kern="1200">
+        <a:solidFill>
+          <a:schemeClr val="tx1"/>
+        </a:solidFill>
+        <a:latin typeface="+mn-lt"/>
+        <a:ea typeface="+mn-ea"/>
+        <a:cs typeface="+mn-cs"/>
+      </a:defRPr>
+    </a:lvl4pPr>
+    <a:lvl5pPr marL="1828800" algn="l" defTabSz="914400" rtl="0" eaLnBrk="1" latinLnBrk="0" hangingPunct="1">
+      <a:defRPr sz="1200" kern="1200">
+        <a:solidFill>
+          <a:schemeClr val="tx1"/>
+        </a:solidFill>
+        <a:latin typeface="+mn-lt"/>
+        <a:ea typeface="+mn-ea"/>
+        <a:cs typeface="+mn-cs"/>
+      </a:defRPr>
+    </a:lvl5pPr>
+    <a:lvl6pPr marL="2286000" algn="l" defTabSz="914400" rtl="0" eaLnBrk="1" latinLnBrk="0" hangingPunct="1">
+      <a:defRPr sz="1200" kern="1200">
+        <a:solidFill>
+          <a:schemeClr val="tx1"/>
+        </a:solidFill>
+        <a:latin typeface="+mn-lt"/>
+        <a:ea typeface="+mn-ea"/>
+        <a:cs typeface="+mn-cs"/>
+      </a:defRPr>
+    </a:lvl6pPr>
+    <a:lvl7pPr marL="2743200" algn="l" defTabSz="914400" rtl="0" eaLnBrk="1" latinLnBrk="0" hangingPunct="1">
+      <a:defRPr sz="1200" kern="1200">
+        <a:solidFill>
+          <a:schemeClr val="tx1"/>
+        </a:solidFill>
+        <a:latin typeface="+mn-lt"/>
+        <a:ea typeface="+mn-ea"/>
+        <a:cs typeface="+mn-cs"/>
+      </a:defRPr>
+    </a:lvl7pPr>
+    <a:lvl8pPr marL="3200400" algn="l" defTabSz="914400" rtl="0" eaLnBrk="1" latinLnBrk="0" hangingPunct="1">
+      <a:defRPr sz="1200" kern="1200">
+        <a:solidFill>
+          <a:schemeClr val="tx1"/>
+        </a:solidFill>
+        <a:latin typeface="+mn-lt"/>
+        <a:ea typeface="+mn-ea"/>
+        <a:cs typeface="+mn-cs"/>
+      </a:defRPr>
+    </a:lvl8pPr>
+    <a:lvl9pPr marL="3657600" algn="l" defTabSz="914400" rtl="0" eaLnBrk="1" latinLnBrk="0" hangingPunct="1">
+      <a:defRPr sz="1200" kern="1200">
+        <a:solidFill>
+          <a:schemeClr val="tx1"/>
+        </a:solidFill>
+        <a:latin typeface="+mn-lt"/>
+        <a:ea typeface="+mn-ea"/>
+        <a:cs typeface="+mn-cs"/>
+      </a:defRPr>
+    </a:lvl9pPr>
+  </p:notesStyle>
+</p:notesMaster>
+</file>
+
 <file path=ppt/slideLayouts/slideLayout1.xml><?xml version="1.0" encoding="utf-8"?>
 <p:sldLayout xmlns:a="http://schemas.openxmlformats.org/drawingml/2006/main" xmlns:r="http://schemas.openxmlformats.org/officeDocument/2006/relationships" xmlns:p="http://schemas.openxmlformats.org/presentationml/2006/main" type="title" preserve="1">
   <p:cSld name="标题幻灯片">
@@ -287,7 +640,7 @@
           <a:p>
             <a:fld id="{936DC3CE-B3BE-4193-B7CD-007BC062B0EA}" type="datetimeFigureOut">
               <a:rPr lang="zh-CN" altLang="en-US" smtClean="0"/>
-              <a:t>2023-10-24</a:t>
+              <a:t>2023-11-02</a:t>
             </a:fld>
             <a:endParaRPr lang="zh-CN" altLang="en-US"/>
           </a:p>
@@ -485,7 +838,7 @@
           <a:p>
             <a:fld id="{936DC3CE-B3BE-4193-B7CD-007BC062B0EA}" type="datetimeFigureOut">
               <a:rPr lang="zh-CN" altLang="en-US" smtClean="0"/>
-              <a:t>2023-10-24</a:t>
+              <a:t>2023-11-02</a:t>
             </a:fld>
             <a:endParaRPr lang="zh-CN" altLang="en-US"/>
           </a:p>
@@ -693,7 +1046,7 @@
           <a:p>
             <a:fld id="{936DC3CE-B3BE-4193-B7CD-007BC062B0EA}" type="datetimeFigureOut">
               <a:rPr lang="zh-CN" altLang="en-US" smtClean="0"/>
-              <a:t>2023-10-24</a:t>
+              <a:t>2023-11-02</a:t>
             </a:fld>
             <a:endParaRPr lang="zh-CN" altLang="en-US"/>
           </a:p>
@@ -891,7 +1244,7 @@
           <a:p>
             <a:fld id="{936DC3CE-B3BE-4193-B7CD-007BC062B0EA}" type="datetimeFigureOut">
               <a:rPr lang="zh-CN" altLang="en-US" smtClean="0"/>
-              <a:t>2023-10-24</a:t>
+              <a:t>2023-11-02</a:t>
             </a:fld>
             <a:endParaRPr lang="zh-CN" altLang="en-US"/>
           </a:p>
@@ -1166,7 +1519,7 @@
           <a:p>
             <a:fld id="{936DC3CE-B3BE-4193-B7CD-007BC062B0EA}" type="datetimeFigureOut">
               <a:rPr lang="zh-CN" altLang="en-US" smtClean="0"/>
-              <a:t>2023-10-24</a:t>
+              <a:t>2023-11-02</a:t>
             </a:fld>
             <a:endParaRPr lang="zh-CN" altLang="en-US"/>
           </a:p>
@@ -1431,7 +1784,7 @@
           <a:p>
             <a:fld id="{936DC3CE-B3BE-4193-B7CD-007BC062B0EA}" type="datetimeFigureOut">
               <a:rPr lang="zh-CN" altLang="en-US" smtClean="0"/>
-              <a:t>2023-10-24</a:t>
+              <a:t>2023-11-02</a:t>
             </a:fld>
             <a:endParaRPr lang="zh-CN" altLang="en-US"/>
           </a:p>
@@ -1843,7 +2196,7 @@
           <a:p>
             <a:fld id="{936DC3CE-B3BE-4193-B7CD-007BC062B0EA}" type="datetimeFigureOut">
               <a:rPr lang="zh-CN" altLang="en-US" smtClean="0"/>
-              <a:t>2023-10-24</a:t>
+              <a:t>2023-11-02</a:t>
             </a:fld>
             <a:endParaRPr lang="zh-CN" altLang="en-US"/>
           </a:p>
@@ -1984,7 +2337,7 @@
           <a:p>
             <a:fld id="{936DC3CE-B3BE-4193-B7CD-007BC062B0EA}" type="datetimeFigureOut">
               <a:rPr lang="zh-CN" altLang="en-US" smtClean="0"/>
-              <a:t>2023-10-24</a:t>
+              <a:t>2023-11-02</a:t>
             </a:fld>
             <a:endParaRPr lang="zh-CN" altLang="en-US"/>
           </a:p>
@@ -2097,7 +2450,7 @@
           <a:p>
             <a:fld id="{936DC3CE-B3BE-4193-B7CD-007BC062B0EA}" type="datetimeFigureOut">
               <a:rPr lang="zh-CN" altLang="en-US" smtClean="0"/>
-              <a:t>2023-10-24</a:t>
+              <a:t>2023-11-02</a:t>
             </a:fld>
             <a:endParaRPr lang="zh-CN" altLang="en-US"/>
           </a:p>
@@ -2408,7 +2761,7 @@
           <a:p>
             <a:fld id="{936DC3CE-B3BE-4193-B7CD-007BC062B0EA}" type="datetimeFigureOut">
               <a:rPr lang="zh-CN" altLang="en-US" smtClean="0"/>
-              <a:t>2023-10-24</a:t>
+              <a:t>2023-11-02</a:t>
             </a:fld>
             <a:endParaRPr lang="zh-CN" altLang="en-US"/>
           </a:p>
@@ -2696,7 +3049,7 @@
           <a:p>
             <a:fld id="{936DC3CE-B3BE-4193-B7CD-007BC062B0EA}" type="datetimeFigureOut">
               <a:rPr lang="zh-CN" altLang="en-US" smtClean="0"/>
-              <a:t>2023-10-24</a:t>
+              <a:t>2023-11-02</a:t>
             </a:fld>
             <a:endParaRPr lang="zh-CN" altLang="en-US"/>
           </a:p>
@@ -2937,7 +3290,7 @@
           <a:p>
             <a:fld id="{936DC3CE-B3BE-4193-B7CD-007BC062B0EA}" type="datetimeFigureOut">
               <a:rPr lang="zh-CN" altLang="en-US" smtClean="0"/>
-              <a:t>2023-10-24</a:t>
+              <a:t>2023-11-02</a:t>
             </a:fld>
             <a:endParaRPr lang="zh-CN" altLang="en-US"/>
           </a:p>
@@ -3377,7 +3730,7 @@
           <a:p>
             <a:r>
               <a:rPr lang="zh-CN" altLang="en-US" dirty="0"/>
-              <a:t>问题处理记录单</a:t>
+              <a:t>问题处理清单及跟踪</a:t>
             </a:r>
           </a:p>
         </p:txBody>
@@ -5382,11 +5735,7 @@
             </a:pPr>
             <a:r>
               <a:rPr lang="zh-CN" altLang="en-US" dirty="0"/>
-              <a:t>所谓“模块”，本文</a:t>
-            </a:r>
-            <a:r>
-              <a:rPr lang="zh-CN" altLang="en-US" sz="1800" dirty="0"/>
-              <a:t>特指可切割出来纳入本次问题处理工作的最小范围的代码文件、工程文件等的集合。</a:t>
+              <a:t>如果同一个问题由两人以上处理，只要分工合理，各自签出自己负责的文档进行工作，可以互不干扰。</a:t>
             </a:r>
             <a:endParaRPr lang="en-US" altLang="zh-CN" dirty="0"/>
           </a:p>
@@ -5400,7 +5749,7 @@
             </a:pPr>
             <a:r>
               <a:rPr lang="zh-CN" altLang="en-US" dirty="0"/>
-              <a:t>如果同一个问题由两人以上处理，只要分工合理，各自签出自己负责的文档进行工作，可以互不干扰。</a:t>
+              <a:t>需求分析师要分析和记录好问题和问题之间的上下游关系、问题和模块之间的对应关系、模块和模块之间的关联关系，基于此来对任务进度做跟踪，和客户讨论确定发版范围（问题清单里哪些已具备发版条件，哪些有关联需当期或延期一起发版）。</a:t>
             </a:r>
             <a:endParaRPr lang="en-US" altLang="zh-CN" dirty="0"/>
           </a:p>
@@ -5414,7 +5763,7 @@
             </a:pPr>
             <a:r>
               <a:rPr lang="zh-CN" altLang="en-US" dirty="0"/>
-              <a:t>需求分析师要分析和记录好问题和问题之间的上下游关系、问题和模块之间的对应关系、模块和模块之间的关联关系，基于此来对任务进度做跟踪，和客户讨论确定发版范围（问题清单里哪些已具备发版条件，哪些有关联需当期或延期一起发版）。</a:t>
+              <a:t>关联模块，无法分拆上线，只要其中有一个模块未测试或验证通过，就应该一并延期到后续进行发版。</a:t>
             </a:r>
             <a:endParaRPr lang="en-US" altLang="zh-CN" dirty="0"/>
           </a:p>
@@ -5428,21 +5777,7 @@
             </a:pPr>
             <a:r>
               <a:rPr lang="zh-CN" altLang="en-US" dirty="0"/>
-              <a:t>关联模块，无法分拆上线，只要其中有一个模块未测试或验证通过，就应该一并延期到后续进行发版。</a:t>
-            </a:r>
-            <a:endParaRPr lang="en-US" altLang="zh-CN" dirty="0"/>
-          </a:p>
-          <a:p>
-            <a:pPr marL="285750" indent="-285750">
-              <a:lnSpc>
-                <a:spcPct val="150000"/>
-              </a:lnSpc>
-              <a:buFont typeface="Wingdings" panose="05000000000000000000" pitchFamily="2" charset="2"/>
-              <a:buChar char="n"/>
-            </a:pPr>
-            <a:r>
-              <a:rPr lang="zh-CN" altLang="en-US" dirty="0"/>
-              <a:t>如果下一批采集到的问题有涉及到当前正在处理的模块，应该等到完成当下升级后再安排新一轮处理。</a:t>
+              <a:t>如果下一批采集到的问题有涉及到当前正在处理的模块，赶不上本次的开发计划或无法插队，应该说服客户，只能等到本次升级完成后，安排到次一轮的升级计划中。</a:t>
             </a:r>
           </a:p>
         </p:txBody>
@@ -5689,10 +6024,10 @@
       </p:grpSpPr>
       <p:sp>
         <p:nvSpPr>
-          <p:cNvPr id="4" name="文本框 3">
-            <a:extLst>
-              <a:ext uri="{FF2B5EF4-FFF2-40B4-BE49-F238E27FC236}">
-                <a16:creationId xmlns:a16="http://schemas.microsoft.com/office/drawing/2014/main" id="{57E7016D-F20C-4F34-8A19-F1C79881003D}"/>
+          <p:cNvPr id="3" name="文本框 2">
+            <a:extLst>
+              <a:ext uri="{FF2B5EF4-FFF2-40B4-BE49-F238E27FC236}">
+                <a16:creationId xmlns:a16="http://schemas.microsoft.com/office/drawing/2014/main" id="{30BE157A-1944-9CE0-F9C9-DA3537C9595C}"/>
               </a:ext>
             </a:extLst>
           </p:cNvPr>
@@ -5701,8 +6036,8 @@
         </p:nvSpPr>
         <p:spPr>
           <a:xfrm>
-            <a:off x="2986432" y="2838967"/>
-            <a:ext cx="6219135" cy="590033"/>
+            <a:off x="838200" y="1178599"/>
+            <a:ext cx="10611255" cy="1296637"/>
           </a:xfrm>
           <a:prstGeom prst="rect">
             <a:avLst/>
@@ -5721,33 +6056,103 @@
               </a:lnSpc>
             </a:pPr>
             <a:r>
-              <a:rPr lang="zh-CN" altLang="en-US" sz="2400" dirty="0"/>
-              <a:t>附件一：在</a:t>
-            </a:r>
-            <a:r>
-              <a:rPr lang="en-US" altLang="zh-CN" sz="2400" dirty="0"/>
-              <a:t>VS</a:t>
-            </a:r>
-            <a:r>
-              <a:rPr lang="zh-CN" altLang="en-US" sz="2400" dirty="0"/>
-              <a:t>工具上配置</a:t>
-            </a:r>
-            <a:r>
-              <a:rPr lang="en-US" altLang="zh-CN" sz="2400" dirty="0"/>
-              <a:t>TFS</a:t>
-            </a:r>
-            <a:r>
-              <a:rPr lang="zh-CN" altLang="en-US" sz="2400" dirty="0"/>
-              <a:t>的“签出独占锁”</a:t>
-            </a:r>
-            <a:endParaRPr lang="en-US" altLang="zh-CN" sz="2400" dirty="0"/>
+              <a:rPr lang="zh-CN" altLang="en-US" dirty="0"/>
+              <a:t>这里提供的开发规范，是均衡利弊后的考虑，可参考采纳 ：</a:t>
+            </a:r>
+            <a:endParaRPr lang="en-US" altLang="zh-CN" dirty="0"/>
+          </a:p>
+          <a:p>
+            <a:pPr marL="285750" indent="-285750">
+              <a:lnSpc>
+                <a:spcPct val="150000"/>
+              </a:lnSpc>
+              <a:buFont typeface="Wingdings" panose="05000000000000000000" pitchFamily="2" charset="2"/>
+              <a:buChar char="n"/>
+            </a:pPr>
+            <a:r>
+              <a:rPr lang="zh-CN" altLang="en-US" dirty="0"/>
+              <a:t>所谓“模块”，本文</a:t>
+            </a:r>
+            <a:r>
+              <a:rPr lang="zh-CN" altLang="en-US" sz="1800" dirty="0"/>
+              <a:t>特指可切割出来纳入本次问题处理工作的最小范围的代码文件、工程文件等的集合。</a:t>
+            </a:r>
+            <a:endParaRPr lang="en-US" altLang="zh-CN" sz="1800" dirty="0"/>
+          </a:p>
+          <a:p>
+            <a:pPr marL="285750" indent="-285750">
+              <a:lnSpc>
+                <a:spcPct val="150000"/>
+              </a:lnSpc>
+              <a:buFont typeface="Wingdings" panose="05000000000000000000" pitchFamily="2" charset="2"/>
+              <a:buChar char="n"/>
+            </a:pPr>
+            <a:r>
+              <a:rPr lang="zh-CN" altLang="en-US" dirty="0"/>
+              <a:t>模块的边界范围应该尽可能小，如果变得越来越庞大，有必要通过代码重构等设计技巧进行拆解重组。</a:t>
+            </a:r>
+            <a:endParaRPr lang="en-US" altLang="zh-CN" dirty="0"/>
+          </a:p>
+        </p:txBody>
+      </p:sp>
+      <p:sp>
+        <p:nvSpPr>
+          <p:cNvPr id="6" name="标题 1">
+            <a:extLst>
+              <a:ext uri="{FF2B5EF4-FFF2-40B4-BE49-F238E27FC236}">
+                <a16:creationId xmlns:a16="http://schemas.microsoft.com/office/drawing/2014/main" id="{72C3EFBE-B651-8D45-BA2F-26C62F3114D2}"/>
+              </a:ext>
+            </a:extLst>
+          </p:cNvPr>
+          <p:cNvSpPr txBox="1">
+            <a:spLocks/>
+          </p:cNvSpPr>
+          <p:nvPr/>
+        </p:nvSpPr>
+        <p:spPr>
+          <a:xfrm>
+            <a:off x="838200" y="321226"/>
+            <a:ext cx="10515600" cy="701731"/>
+          </a:xfrm>
+          <a:prstGeom prst="rect">
+            <a:avLst/>
+          </a:prstGeom>
+        </p:spPr>
+        <p:txBody>
+          <a:bodyPr vert="horz" lIns="91440" tIns="45720" rIns="91440" bIns="45720" rtlCol="0" anchor="ctr">
+            <a:spAutoFit/>
+          </a:bodyPr>
+          <a:lstStyle>
+            <a:lvl1pPr algn="l" defTabSz="914400" rtl="0" eaLnBrk="1" latinLnBrk="0" hangingPunct="1">
+              <a:lnSpc>
+                <a:spcPct val="90000"/>
+              </a:lnSpc>
+              <a:spcBef>
+                <a:spcPct val="0"/>
+              </a:spcBef>
+              <a:buNone/>
+              <a:defRPr sz="4400" kern="1200">
+                <a:solidFill>
+                  <a:schemeClr val="tx1"/>
+                </a:solidFill>
+                <a:latin typeface="+mj-lt"/>
+                <a:ea typeface="+mj-ea"/>
+                <a:cs typeface="+mj-cs"/>
+              </a:defRPr>
+            </a:lvl1pPr>
+          </a:lstStyle>
+          <a:p>
+            <a:r>
+              <a:rPr lang="zh-CN" altLang="en-US" dirty="0"/>
+              <a:t>模块升级策略：小模块靠重构</a:t>
+            </a:r>
           </a:p>
         </p:txBody>
       </p:sp>
     </p:spTree>
     <p:extLst>
       <p:ext uri="{BB962C8B-B14F-4D97-AF65-F5344CB8AC3E}">
-        <p14:creationId xmlns:p14="http://schemas.microsoft.com/office/powerpoint/2010/main" val="1977275524"/>
+        <p14:creationId xmlns:p14="http://schemas.microsoft.com/office/powerpoint/2010/main" val="1693509101"/>
       </p:ext>
     </p:extLst>
   </p:cSld>
@@ -5776,79 +6181,65 @@
       </p:grpSpPr>
       <p:sp>
         <p:nvSpPr>
-          <p:cNvPr id="2" name="标题 1">
-            <a:extLst>
-              <a:ext uri="{FF2B5EF4-FFF2-40B4-BE49-F238E27FC236}">
-                <a16:creationId xmlns:a16="http://schemas.microsoft.com/office/drawing/2014/main" id="{9203AA04-3D70-46A3-8D3D-FB1CA9218721}"/>
-              </a:ext>
-            </a:extLst>
-          </p:cNvPr>
-          <p:cNvSpPr>
-            <a:spLocks noGrp="1"/>
-          </p:cNvSpPr>
-          <p:nvPr>
-            <p:ph type="title"/>
-          </p:nvPr>
-        </p:nvSpPr>
-        <p:spPr>
-          <a:xfrm>
-            <a:off x="838200" y="321226"/>
-            <a:ext cx="10515600" cy="701731"/>
-          </a:xfrm>
-        </p:spPr>
-        <p:txBody>
-          <a:bodyPr>
+          <p:cNvPr id="4" name="文本框 3">
+            <a:extLst>
+              <a:ext uri="{FF2B5EF4-FFF2-40B4-BE49-F238E27FC236}">
+                <a16:creationId xmlns:a16="http://schemas.microsoft.com/office/drawing/2014/main" id="{57E7016D-F20C-4F34-8A19-F1C79881003D}"/>
+              </a:ext>
+            </a:extLst>
+          </p:cNvPr>
+          <p:cNvSpPr txBox="1"/>
+          <p:nvPr/>
+        </p:nvSpPr>
+        <p:spPr>
+          <a:xfrm>
+            <a:off x="2986432" y="2838967"/>
+            <a:ext cx="6219135" cy="590033"/>
+          </a:xfrm>
+          <a:prstGeom prst="rect">
+            <a:avLst/>
+          </a:prstGeom>
+          <a:noFill/>
+        </p:spPr>
+        <p:txBody>
+          <a:bodyPr wrap="square" rtlCol="0">
             <a:spAutoFit/>
           </a:bodyPr>
           <a:lstStyle/>
           <a:p>
-            <a:r>
-              <a:rPr lang="zh-CN" altLang="en-US" dirty="0"/>
-              <a:t>模块开发策略：尽量减少分支</a:t>
-            </a:r>
-          </a:p>
-        </p:txBody>
-      </p:sp>
-      <p:pic>
-        <p:nvPicPr>
-          <p:cNvPr id="4" name="图片 3">
-            <a:extLst>
-              <a:ext uri="{FF2B5EF4-FFF2-40B4-BE49-F238E27FC236}">
-                <a16:creationId xmlns:a16="http://schemas.microsoft.com/office/drawing/2014/main" id="{5947F681-3947-3E83-1739-0AFBEA4E98FB}"/>
-              </a:ext>
-            </a:extLst>
-          </p:cNvPr>
-          <p:cNvPicPr>
-            <a:picLocks noChangeAspect="1"/>
-          </p:cNvPicPr>
-          <p:nvPr/>
-        </p:nvPicPr>
-        <p:blipFill>
-          <a:blip r:embed="rId2">
-            <a:extLst>
-              <a:ext uri="{28A0092B-C50C-407E-A947-70E740481C1C}">
-                <a14:useLocalDpi xmlns:a14="http://schemas.microsoft.com/office/drawing/2010/main" val="0"/>
-              </a:ext>
-            </a:extLst>
-          </a:blip>
-          <a:stretch>
-            <a:fillRect/>
-          </a:stretch>
-        </p:blipFill>
-        <p:spPr>
-          <a:xfrm>
-            <a:off x="2817592" y="1062488"/>
-            <a:ext cx="6556816" cy="5795512"/>
-          </a:xfrm>
-          <a:prstGeom prst="rect">
-            <a:avLst/>
-          </a:prstGeom>
-        </p:spPr>
-      </p:pic>
+            <a:pPr>
+              <a:lnSpc>
+                <a:spcPct val="150000"/>
+              </a:lnSpc>
+            </a:pPr>
+            <a:r>
+              <a:rPr lang="zh-CN" altLang="en-US" sz="2400" dirty="0"/>
+              <a:t>附件一：在</a:t>
+            </a:r>
+            <a:r>
+              <a:rPr lang="en-US" altLang="zh-CN" sz="2400" dirty="0"/>
+              <a:t>VS</a:t>
+            </a:r>
+            <a:r>
+              <a:rPr lang="zh-CN" altLang="en-US" sz="2400" dirty="0"/>
+              <a:t>工具上配置</a:t>
+            </a:r>
+            <a:r>
+              <a:rPr lang="en-US" altLang="zh-CN" sz="2400" dirty="0"/>
+              <a:t>TFS</a:t>
+            </a:r>
+            <a:r>
+              <a:rPr lang="zh-CN" altLang="en-US" sz="2400" dirty="0"/>
+              <a:t>的“签出独占锁”</a:t>
+            </a:r>
+            <a:endParaRPr lang="en-US" altLang="zh-CN" sz="2400" dirty="0"/>
+          </a:p>
+        </p:txBody>
+      </p:sp>
     </p:spTree>
     <p:extLst>
       <p:ext uri="{BB962C8B-B14F-4D97-AF65-F5344CB8AC3E}">
-        <p14:creationId xmlns:p14="http://schemas.microsoft.com/office/powerpoint/2010/main" val="4024053514"/>
+        <p14:creationId xmlns:p14="http://schemas.microsoft.com/office/powerpoint/2010/main" val="1977275524"/>
       </p:ext>
     </p:extLst>
   </p:cSld>
@@ -5915,7 +6306,7 @@
           <p:cNvPr id="4" name="图片 3">
             <a:extLst>
               <a:ext uri="{FF2B5EF4-FFF2-40B4-BE49-F238E27FC236}">
-                <a16:creationId xmlns:a16="http://schemas.microsoft.com/office/drawing/2014/main" id="{2BB9CD59-01CA-3F9D-430A-B5C3807132E5}"/>
+                <a16:creationId xmlns:a16="http://schemas.microsoft.com/office/drawing/2014/main" id="{5947F681-3947-3E83-1739-0AFBEA4E98FB}"/>
               </a:ext>
             </a:extLst>
           </p:cNvPr>
@@ -5938,8 +6329,8 @@
         </p:blipFill>
         <p:spPr>
           <a:xfrm>
-            <a:off x="2838168" y="1515927"/>
-            <a:ext cx="6515664" cy="4643268"/>
+            <a:off x="2817592" y="1062488"/>
+            <a:ext cx="6556816" cy="5795512"/>
           </a:xfrm>
           <a:prstGeom prst="rect">
             <a:avLst/>
@@ -5949,7 +6340,7 @@
     </p:spTree>
     <p:extLst>
       <p:ext uri="{BB962C8B-B14F-4D97-AF65-F5344CB8AC3E}">
-        <p14:creationId xmlns:p14="http://schemas.microsoft.com/office/powerpoint/2010/main" val="868294780"/>
+        <p14:creationId xmlns:p14="http://schemas.microsoft.com/office/powerpoint/2010/main" val="4024053514"/>
       </p:ext>
     </p:extLst>
   </p:cSld>
@@ -6013,6 +6404,107 @@
       </p:sp>
       <p:pic>
         <p:nvPicPr>
+          <p:cNvPr id="4" name="图片 3">
+            <a:extLst>
+              <a:ext uri="{FF2B5EF4-FFF2-40B4-BE49-F238E27FC236}">
+                <a16:creationId xmlns:a16="http://schemas.microsoft.com/office/drawing/2014/main" id="{2BB9CD59-01CA-3F9D-430A-B5C3807132E5}"/>
+              </a:ext>
+            </a:extLst>
+          </p:cNvPr>
+          <p:cNvPicPr>
+            <a:picLocks noChangeAspect="1"/>
+          </p:cNvPicPr>
+          <p:nvPr/>
+        </p:nvPicPr>
+        <p:blipFill>
+          <a:blip r:embed="rId2">
+            <a:extLst>
+              <a:ext uri="{28A0092B-C50C-407E-A947-70E740481C1C}">
+                <a14:useLocalDpi xmlns:a14="http://schemas.microsoft.com/office/drawing/2010/main" val="0"/>
+              </a:ext>
+            </a:extLst>
+          </a:blip>
+          <a:stretch>
+            <a:fillRect/>
+          </a:stretch>
+        </p:blipFill>
+        <p:spPr>
+          <a:xfrm>
+            <a:off x="2838168" y="1515927"/>
+            <a:ext cx="6515664" cy="4643268"/>
+          </a:xfrm>
+          <a:prstGeom prst="rect">
+            <a:avLst/>
+          </a:prstGeom>
+        </p:spPr>
+      </p:pic>
+    </p:spTree>
+    <p:extLst>
+      <p:ext uri="{BB962C8B-B14F-4D97-AF65-F5344CB8AC3E}">
+        <p14:creationId xmlns:p14="http://schemas.microsoft.com/office/powerpoint/2010/main" val="868294780"/>
+      </p:ext>
+    </p:extLst>
+  </p:cSld>
+  <p:clrMapOvr>
+    <a:masterClrMapping/>
+  </p:clrMapOvr>
+</p:sld>
+</file>
+
+<file path=ppt/slides/slide17.xml><?xml version="1.0" encoding="utf-8"?>
+<p:sld xmlns:a="http://schemas.openxmlformats.org/drawingml/2006/main" xmlns:r="http://schemas.openxmlformats.org/officeDocument/2006/relationships" xmlns:p="http://schemas.openxmlformats.org/presentationml/2006/main">
+  <p:cSld>
+    <p:spTree>
+      <p:nvGrpSpPr>
+        <p:cNvPr id="1" name=""/>
+        <p:cNvGrpSpPr/>
+        <p:nvPr/>
+      </p:nvGrpSpPr>
+      <p:grpSpPr>
+        <a:xfrm>
+          <a:off x="0" y="0"/>
+          <a:ext cx="0" cy="0"/>
+          <a:chOff x="0" y="0"/>
+          <a:chExt cx="0" cy="0"/>
+        </a:xfrm>
+      </p:grpSpPr>
+      <p:sp>
+        <p:nvSpPr>
+          <p:cNvPr id="2" name="标题 1">
+            <a:extLst>
+              <a:ext uri="{FF2B5EF4-FFF2-40B4-BE49-F238E27FC236}">
+                <a16:creationId xmlns:a16="http://schemas.microsoft.com/office/drawing/2014/main" id="{9203AA04-3D70-46A3-8D3D-FB1CA9218721}"/>
+              </a:ext>
+            </a:extLst>
+          </p:cNvPr>
+          <p:cNvSpPr>
+            <a:spLocks noGrp="1"/>
+          </p:cNvSpPr>
+          <p:nvPr>
+            <p:ph type="title"/>
+          </p:nvPr>
+        </p:nvSpPr>
+        <p:spPr>
+          <a:xfrm>
+            <a:off x="838200" y="321226"/>
+            <a:ext cx="10515600" cy="701731"/>
+          </a:xfrm>
+        </p:spPr>
+        <p:txBody>
+          <a:bodyPr>
+            <a:spAutoFit/>
+          </a:bodyPr>
+          <a:lstStyle/>
+          <a:p>
+            <a:r>
+              <a:rPr lang="zh-CN" altLang="en-US" dirty="0"/>
+              <a:t>模块开发策略：尽量减少分支</a:t>
+            </a:r>
+          </a:p>
+        </p:txBody>
+      </p:sp>
+      <p:pic>
+        <p:nvPicPr>
           <p:cNvPr id="5" name="图片 4">
             <a:extLst>
               <a:ext uri="{FF2B5EF4-FFF2-40B4-BE49-F238E27FC236}">
@@ -6060,7 +6552,7 @@
 </p:sld>
 </file>
 
-<file path=ppt/slides/slide17.xml><?xml version="1.0" encoding="utf-8"?>
+<file path=ppt/slides/slide18.xml><?xml version="1.0" encoding="utf-8"?>
 <p:sld xmlns:a="http://schemas.openxmlformats.org/drawingml/2006/main" xmlns:r="http://schemas.openxmlformats.org/officeDocument/2006/relationships" xmlns:p="http://schemas.openxmlformats.org/presentationml/2006/main">
   <p:cSld>
     <p:spTree>
@@ -6686,6 +7178,41 @@
           </a:p>
         </p:txBody>
       </p:sp>
+      <p:sp>
+        <p:nvSpPr>
+          <p:cNvPr id="3" name="文本框 2">
+            <a:extLst>
+              <a:ext uri="{FF2B5EF4-FFF2-40B4-BE49-F238E27FC236}">
+                <a16:creationId xmlns:a16="http://schemas.microsoft.com/office/drawing/2014/main" id="{88D844F1-C039-B87C-66F2-47533FD0E479}"/>
+              </a:ext>
+            </a:extLst>
+          </p:cNvPr>
+          <p:cNvSpPr txBox="1"/>
+          <p:nvPr/>
+        </p:nvSpPr>
+        <p:spPr>
+          <a:xfrm>
+            <a:off x="0" y="6604084"/>
+            <a:ext cx="1665841" cy="253916"/>
+          </a:xfrm>
+          <a:prstGeom prst="rect">
+            <a:avLst/>
+          </a:prstGeom>
+          <a:noFill/>
+        </p:spPr>
+        <p:txBody>
+          <a:bodyPr wrap="none" rtlCol="0">
+            <a:spAutoFit/>
+          </a:bodyPr>
+          <a:lstStyle/>
+          <a:p>
+            <a:r>
+              <a:rPr lang="zh-CN" altLang="en-US" sz="1050" dirty="0"/>
+              <a:t>人人有饭吃，天天有事做</a:t>
+            </a:r>
+          </a:p>
+        </p:txBody>
+      </p:sp>
     </p:spTree>
     <p:extLst>
       <p:ext uri="{BB962C8B-B14F-4D97-AF65-F5344CB8AC3E}">
@@ -8996,8 +9523,8 @@
         </p:nvSpPr>
         <p:spPr>
           <a:xfrm>
-            <a:off x="838200" y="1178599"/>
-            <a:ext cx="10611255" cy="4620624"/>
+            <a:off x="838200" y="1110583"/>
+            <a:ext cx="10611255" cy="5451621"/>
           </a:xfrm>
           <a:prstGeom prst="rect">
             <a:avLst/>
@@ -9126,16 +9653,8 @@
               <a:buChar char="n"/>
             </a:pPr>
             <a:r>
-              <a:rPr lang="zh-CN" altLang="en-US" dirty="0">
-                <a:solidFill>
-                  <a:srgbClr val="0070C0"/>
-                </a:solidFill>
-              </a:rPr>
-              <a:t>从版本库签出的文件，只有到问题解决了（部署正式环境且用户确认升级成功）之后才可以签入</a:t>
-            </a:r>
-            <a:r>
               <a:rPr lang="zh-CN" altLang="en-US" dirty="0"/>
-              <a:t>。</a:t>
+              <a:t>版本库文件签出期间，开发人员每天下班前应该做代码备份，签入备份库。</a:t>
             </a:r>
             <a:endParaRPr lang="en-US" altLang="zh-CN" dirty="0"/>
           </a:p>
@@ -9149,7 +9668,49 @@
             </a:pPr>
             <a:r>
               <a:rPr lang="zh-CN" altLang="en-US" dirty="0"/>
-              <a:t>版本库文件签出期间，开发人员每天下班前应该做代码备份，签入备份库。</a:t>
+              <a:t>开发人员将白盒测试通过的</a:t>
+            </a:r>
+            <a:r>
+              <a:rPr lang="en-US" altLang="zh-CN" dirty="0"/>
+              <a:t>DLL</a:t>
+            </a:r>
+            <a:r>
+              <a:rPr lang="zh-CN" altLang="en-US" dirty="0"/>
+              <a:t>、数据库脚本等部署文件给到实施人员，经功能验证测试通过后发布到客户验证环境，客户验证通过后</a:t>
+            </a:r>
+            <a:r>
+              <a:rPr lang="zh-CN" altLang="en-US" dirty="0">
+                <a:solidFill>
+                  <a:srgbClr val="0070C0"/>
+                </a:solidFill>
+              </a:rPr>
+              <a:t>使用同一部署文件发布到客户正式环境</a:t>
+            </a:r>
+            <a:r>
+              <a:rPr lang="zh-CN" altLang="en-US" dirty="0"/>
+              <a:t>。</a:t>
+            </a:r>
+            <a:endParaRPr lang="en-US" altLang="zh-CN" dirty="0"/>
+          </a:p>
+          <a:p>
+            <a:pPr marL="285750" indent="-285750">
+              <a:lnSpc>
+                <a:spcPct val="150000"/>
+              </a:lnSpc>
+              <a:buFont typeface="Wingdings" panose="05000000000000000000" pitchFamily="2" charset="2"/>
+              <a:buChar char="n"/>
+            </a:pPr>
+            <a:r>
+              <a:rPr lang="zh-CN" altLang="en-US" dirty="0">
+                <a:solidFill>
+                  <a:srgbClr val="0070C0"/>
+                </a:solidFill>
+              </a:rPr>
+              <a:t>从版本库签出的文件，只有到问题解决了（部署正式环境且用户确认升级成功）之后才可以签入</a:t>
+            </a:r>
+            <a:r>
+              <a:rPr lang="zh-CN" altLang="en-US" dirty="0"/>
+              <a:t>。</a:t>
             </a:r>
             <a:endParaRPr lang="en-US" altLang="zh-CN" dirty="0"/>
           </a:p>
@@ -10601,4 +11162,299 @@
     </a:ext>
   </a:extLst>
 </a:theme>
+</file>
+
+<file path=ppt/theme/theme2.xml><?xml version="1.0" encoding="utf-8"?>
+<a:theme xmlns:a="http://schemas.openxmlformats.org/drawingml/2006/main" name="Office 主题​​">
+  <a:themeElements>
+    <a:clrScheme name="Office">
+      <a:dk1>
+        <a:sysClr val="windowText" lastClr="000000"/>
+      </a:dk1>
+      <a:lt1>
+        <a:sysClr val="window" lastClr="FFFFFF"/>
+      </a:lt1>
+      <a:dk2>
+        <a:srgbClr val="44546A"/>
+      </a:dk2>
+      <a:lt2>
+        <a:srgbClr val="E7E6E6"/>
+      </a:lt2>
+      <a:accent1>
+        <a:srgbClr val="4472C4"/>
+      </a:accent1>
+      <a:accent2>
+        <a:srgbClr val="ED7D31"/>
+      </a:accent2>
+      <a:accent3>
+        <a:srgbClr val="A5A5A5"/>
+      </a:accent3>
+      <a:accent4>
+        <a:srgbClr val="FFC000"/>
+      </a:accent4>
+      <a:accent5>
+        <a:srgbClr val="5B9BD5"/>
+      </a:accent5>
+      <a:accent6>
+        <a:srgbClr val="70AD47"/>
+      </a:accent6>
+      <a:hlink>
+        <a:srgbClr val="0563C1"/>
+      </a:hlink>
+      <a:folHlink>
+        <a:srgbClr val="954F72"/>
+      </a:folHlink>
+    </a:clrScheme>
+    <a:fontScheme name="Office">
+      <a:majorFont>
+        <a:latin typeface="等线 Light" panose="020F0302020204030204"/>
+        <a:ea typeface=""/>
+        <a:cs typeface=""/>
+        <a:font script="Jpan" typeface="游ゴシック Light"/>
+        <a:font script="Hang" typeface="맑은 고딕"/>
+        <a:font script="Hans" typeface="等线 Light"/>
+        <a:font script="Hant" typeface="新細明體"/>
+        <a:font script="Arab" typeface="Times New Roman"/>
+        <a:font script="Hebr" typeface="Times New Roman"/>
+        <a:font script="Thai" typeface="Angsana New"/>
+        <a:font script="Ethi" typeface="Nyala"/>
+        <a:font script="Beng" typeface="Vrinda"/>
+        <a:font script="Gujr" typeface="Shruti"/>
+        <a:font script="Khmr" typeface="MoolBoran"/>
+        <a:font script="Knda" typeface="Tunga"/>
+        <a:font script="Guru" typeface="Raavi"/>
+        <a:font script="Cans" typeface="Euphemia"/>
+        <a:font script="Cher" typeface="Plantagenet Cherokee"/>
+        <a:font script="Yiii" typeface="Microsoft Yi Baiti"/>
+        <a:font script="Tibt" typeface="Microsoft Himalaya"/>
+        <a:font script="Thaa" typeface="MV Boli"/>
+        <a:font script="Deva" typeface="Mangal"/>
+        <a:font script="Telu" typeface="Gautami"/>
+        <a:font script="Taml" typeface="Latha"/>
+        <a:font script="Syrc" typeface="Estrangelo Edessa"/>
+        <a:font script="Orya" typeface="Kalinga"/>
+        <a:font script="Mlym" typeface="Kartika"/>
+        <a:font script="Laoo" typeface="DokChampa"/>
+        <a:font script="Sinh" typeface="Iskoola Pota"/>
+        <a:font script="Mong" typeface="Mongolian Baiti"/>
+        <a:font script="Viet" typeface="Times New Roman"/>
+        <a:font script="Uigh" typeface="Microsoft Uighur"/>
+        <a:font script="Geor" typeface="Sylfaen"/>
+        <a:font script="Armn" typeface="Arial"/>
+        <a:font script="Bugi" typeface="Leelawadee UI"/>
+        <a:font script="Bopo" typeface="Microsoft JhengHei"/>
+        <a:font script="Java" typeface="Javanese Text"/>
+        <a:font script="Lisu" typeface="Segoe UI"/>
+        <a:font script="Mymr" typeface="Myanmar Text"/>
+        <a:font script="Nkoo" typeface="Ebrima"/>
+        <a:font script="Olck" typeface="Nirmala UI"/>
+        <a:font script="Osma" typeface="Ebrima"/>
+        <a:font script="Phag" typeface="Phagspa"/>
+        <a:font script="Syrn" typeface="Estrangelo Edessa"/>
+        <a:font script="Syrj" typeface="Estrangelo Edessa"/>
+        <a:font script="Syre" typeface="Estrangelo Edessa"/>
+        <a:font script="Sora" typeface="Nirmala UI"/>
+        <a:font script="Tale" typeface="Microsoft Tai Le"/>
+        <a:font script="Talu" typeface="Microsoft New Tai Lue"/>
+        <a:font script="Tfng" typeface="Ebrima"/>
+      </a:majorFont>
+      <a:minorFont>
+        <a:latin typeface="等线" panose="020F0502020204030204"/>
+        <a:ea typeface=""/>
+        <a:cs typeface=""/>
+        <a:font script="Jpan" typeface="游ゴシック"/>
+        <a:font script="Hang" typeface="맑은 고딕"/>
+        <a:font script="Hans" typeface="等线"/>
+        <a:font script="Hant" typeface="新細明體"/>
+        <a:font script="Arab" typeface="Arial"/>
+        <a:font script="Hebr" typeface="Arial"/>
+        <a:font script="Thai" typeface="Cordia New"/>
+        <a:font script="Ethi" typeface="Nyala"/>
+        <a:font script="Beng" typeface="Vrinda"/>
+        <a:font script="Gujr" typeface="Shruti"/>
+        <a:font script="Khmr" typeface="DaunPenh"/>
+        <a:font script="Knda" typeface="Tunga"/>
+        <a:font script="Guru" typeface="Raavi"/>
+        <a:font script="Cans" typeface="Euphemia"/>
+        <a:font script="Cher" typeface="Plantagenet Cherokee"/>
+        <a:font script="Yiii" typeface="Microsoft Yi Baiti"/>
+        <a:font script="Tibt" typeface="Microsoft Himalaya"/>
+        <a:font script="Thaa" typeface="MV Boli"/>
+        <a:font script="Deva" typeface="Mangal"/>
+        <a:font script="Telu" typeface="Gautami"/>
+        <a:font script="Taml" typeface="Latha"/>
+        <a:font script="Syrc" typeface="Estrangelo Edessa"/>
+        <a:font script="Orya" typeface="Kalinga"/>
+        <a:font script="Mlym" typeface="Kartika"/>
+        <a:font script="Laoo" typeface="DokChampa"/>
+        <a:font script="Sinh" typeface="Iskoola Pota"/>
+        <a:font script="Mong" typeface="Mongolian Baiti"/>
+        <a:font script="Viet" typeface="Arial"/>
+        <a:font script="Uigh" typeface="Microsoft Uighur"/>
+        <a:font script="Geor" typeface="Sylfaen"/>
+        <a:font script="Armn" typeface="Arial"/>
+        <a:font script="Bugi" typeface="Leelawadee UI"/>
+        <a:font script="Bopo" typeface="Microsoft JhengHei"/>
+        <a:font script="Java" typeface="Javanese Text"/>
+        <a:font script="Lisu" typeface="Segoe UI"/>
+        <a:font script="Mymr" typeface="Myanmar Text"/>
+        <a:font script="Nkoo" typeface="Ebrima"/>
+        <a:font script="Olck" typeface="Nirmala UI"/>
+        <a:font script="Osma" typeface="Ebrima"/>
+        <a:font script="Phag" typeface="Phagspa"/>
+        <a:font script="Syrn" typeface="Estrangelo Edessa"/>
+        <a:font script="Syrj" typeface="Estrangelo Edessa"/>
+        <a:font script="Syre" typeface="Estrangelo Edessa"/>
+        <a:font script="Sora" typeface="Nirmala UI"/>
+        <a:font script="Tale" typeface="Microsoft Tai Le"/>
+        <a:font script="Talu" typeface="Microsoft New Tai Lue"/>
+        <a:font script="Tfng" typeface="Ebrima"/>
+      </a:minorFont>
+    </a:fontScheme>
+    <a:fmtScheme name="Office">
+      <a:fillStyleLst>
+        <a:solidFill>
+          <a:schemeClr val="phClr"/>
+        </a:solidFill>
+        <a:gradFill rotWithShape="1">
+          <a:gsLst>
+            <a:gs pos="0">
+              <a:schemeClr val="phClr">
+                <a:lumMod val="110000"/>
+                <a:satMod val="105000"/>
+                <a:tint val="67000"/>
+              </a:schemeClr>
+            </a:gs>
+            <a:gs pos="50000">
+              <a:schemeClr val="phClr">
+                <a:lumMod val="105000"/>
+                <a:satMod val="103000"/>
+                <a:tint val="73000"/>
+              </a:schemeClr>
+            </a:gs>
+            <a:gs pos="100000">
+              <a:schemeClr val="phClr">
+                <a:lumMod val="105000"/>
+                <a:satMod val="109000"/>
+                <a:tint val="81000"/>
+              </a:schemeClr>
+            </a:gs>
+          </a:gsLst>
+          <a:lin ang="5400000" scaled="0"/>
+        </a:gradFill>
+        <a:gradFill rotWithShape="1">
+          <a:gsLst>
+            <a:gs pos="0">
+              <a:schemeClr val="phClr">
+                <a:satMod val="103000"/>
+                <a:lumMod val="102000"/>
+                <a:tint val="94000"/>
+              </a:schemeClr>
+            </a:gs>
+            <a:gs pos="50000">
+              <a:schemeClr val="phClr">
+                <a:satMod val="110000"/>
+                <a:lumMod val="100000"/>
+                <a:shade val="100000"/>
+              </a:schemeClr>
+            </a:gs>
+            <a:gs pos="100000">
+              <a:schemeClr val="phClr">
+                <a:lumMod val="99000"/>
+                <a:satMod val="120000"/>
+                <a:shade val="78000"/>
+              </a:schemeClr>
+            </a:gs>
+          </a:gsLst>
+          <a:lin ang="5400000" scaled="0"/>
+        </a:gradFill>
+      </a:fillStyleLst>
+      <a:lnStyleLst>
+        <a:ln w="6350" cap="flat" cmpd="sng" algn="ctr">
+          <a:solidFill>
+            <a:schemeClr val="phClr"/>
+          </a:solidFill>
+          <a:prstDash val="solid"/>
+          <a:miter lim="800000"/>
+        </a:ln>
+        <a:ln w="12700" cap="flat" cmpd="sng" algn="ctr">
+          <a:solidFill>
+            <a:schemeClr val="phClr"/>
+          </a:solidFill>
+          <a:prstDash val="solid"/>
+          <a:miter lim="800000"/>
+        </a:ln>
+        <a:ln w="19050" cap="flat" cmpd="sng" algn="ctr">
+          <a:solidFill>
+            <a:schemeClr val="phClr"/>
+          </a:solidFill>
+          <a:prstDash val="solid"/>
+          <a:miter lim="800000"/>
+        </a:ln>
+      </a:lnStyleLst>
+      <a:effectStyleLst>
+        <a:effectStyle>
+          <a:effectLst/>
+        </a:effectStyle>
+        <a:effectStyle>
+          <a:effectLst/>
+        </a:effectStyle>
+        <a:effectStyle>
+          <a:effectLst>
+            <a:outerShdw blurRad="57150" dist="19050" dir="5400000" algn="ctr" rotWithShape="0">
+              <a:srgbClr val="000000">
+                <a:alpha val="63000"/>
+              </a:srgbClr>
+            </a:outerShdw>
+          </a:effectLst>
+        </a:effectStyle>
+      </a:effectStyleLst>
+      <a:bgFillStyleLst>
+        <a:solidFill>
+          <a:schemeClr val="phClr"/>
+        </a:solidFill>
+        <a:solidFill>
+          <a:schemeClr val="phClr">
+            <a:tint val="95000"/>
+            <a:satMod val="170000"/>
+          </a:schemeClr>
+        </a:solidFill>
+        <a:gradFill rotWithShape="1">
+          <a:gsLst>
+            <a:gs pos="0">
+              <a:schemeClr val="phClr">
+                <a:tint val="93000"/>
+                <a:satMod val="150000"/>
+                <a:shade val="98000"/>
+                <a:lumMod val="102000"/>
+              </a:schemeClr>
+            </a:gs>
+            <a:gs pos="50000">
+              <a:schemeClr val="phClr">
+                <a:tint val="98000"/>
+                <a:satMod val="130000"/>
+                <a:shade val="90000"/>
+                <a:lumMod val="103000"/>
+              </a:schemeClr>
+            </a:gs>
+            <a:gs pos="100000">
+              <a:schemeClr val="phClr">
+                <a:shade val="63000"/>
+                <a:satMod val="120000"/>
+              </a:schemeClr>
+            </a:gs>
+          </a:gsLst>
+          <a:lin ang="5400000" scaled="0"/>
+        </a:gradFill>
+      </a:bgFillStyleLst>
+    </a:fmtScheme>
+  </a:themeElements>
+  <a:objectDefaults/>
+  <a:extraClrSchemeLst/>
+  <a:extLst>
+    <a:ext uri="{05A4C25C-085E-4340-85A3-A5531E510DB2}">
+      <thm15:themeFamily xmlns:thm15="http://schemas.microsoft.com/office/thememl/2012/main" name="Office Theme" id="{62F939B6-93AF-4DB8-9C6B-D6C7DFDC589F}" vid="{4A3C46E8-61CC-4603-A589-7422A47A8E4A}"/>
+    </a:ext>
+  </a:extLst>
+</a:theme>
 </file>
--- a/ISO/作业指导书/21问题处理清单及跟踪作业指导书 - 软件版本规划和控制.pptx
+++ b/ISO/作业指导书/21问题处理清单及跟踪作业指导书 - 软件版本规划和控制.pptx
@@ -5,27 +5,28 @@
     <p:sldMasterId id="2147483648" r:id="rId1"/>
   </p:sldMasterIdLst>
   <p:notesMasterIdLst>
-    <p:notesMasterId r:id="rId20"/>
+    <p:notesMasterId r:id="rId21"/>
   </p:notesMasterIdLst>
   <p:sldIdLst>
     <p:sldId id="256" r:id="rId2"/>
     <p:sldId id="257" r:id="rId3"/>
     <p:sldId id="280" r:id="rId4"/>
-    <p:sldId id="281" r:id="rId5"/>
-    <p:sldId id="283" r:id="rId6"/>
-    <p:sldId id="286" r:id="rId7"/>
-    <p:sldId id="282" r:id="rId8"/>
-    <p:sldId id="291" r:id="rId9"/>
-    <p:sldId id="285" r:id="rId10"/>
-    <p:sldId id="294" r:id="rId11"/>
-    <p:sldId id="292" r:id="rId12"/>
-    <p:sldId id="284" r:id="rId13"/>
-    <p:sldId id="297" r:id="rId14"/>
-    <p:sldId id="293" r:id="rId15"/>
-    <p:sldId id="287" r:id="rId16"/>
-    <p:sldId id="288" r:id="rId17"/>
-    <p:sldId id="290" r:id="rId18"/>
-    <p:sldId id="289" r:id="rId19"/>
+    <p:sldId id="298" r:id="rId5"/>
+    <p:sldId id="281" r:id="rId6"/>
+    <p:sldId id="283" r:id="rId7"/>
+    <p:sldId id="286" r:id="rId8"/>
+    <p:sldId id="282" r:id="rId9"/>
+    <p:sldId id="291" r:id="rId10"/>
+    <p:sldId id="285" r:id="rId11"/>
+    <p:sldId id="294" r:id="rId12"/>
+    <p:sldId id="292" r:id="rId13"/>
+    <p:sldId id="284" r:id="rId14"/>
+    <p:sldId id="297" r:id="rId15"/>
+    <p:sldId id="293" r:id="rId16"/>
+    <p:sldId id="287" r:id="rId17"/>
+    <p:sldId id="288" r:id="rId18"/>
+    <p:sldId id="290" r:id="rId19"/>
+    <p:sldId id="289" r:id="rId20"/>
   </p:sldIdLst>
   <p:sldSz cx="12192000" cy="6858000"/>
   <p:notesSz cx="6858000" cy="9144000"/>
@@ -226,7 +227,7 @@
           <a:p>
             <a:fld id="{C282855B-475D-462C-9146-D652E44A6146}" type="datetimeFigureOut">
               <a:rPr lang="zh-CN" altLang="en-US" smtClean="0"/>
-              <a:t>2023-11-02</a:t>
+              <a:t>2023-11-14</a:t>
             </a:fld>
             <a:endParaRPr lang="zh-CN" altLang="en-US"/>
           </a:p>
@@ -640,7 +641,7 @@
           <a:p>
             <a:fld id="{936DC3CE-B3BE-4193-B7CD-007BC062B0EA}" type="datetimeFigureOut">
               <a:rPr lang="zh-CN" altLang="en-US" smtClean="0"/>
-              <a:t>2023-11-02</a:t>
+              <a:t>2023-11-14</a:t>
             </a:fld>
             <a:endParaRPr lang="zh-CN" altLang="en-US"/>
           </a:p>
@@ -838,7 +839,7 @@
           <a:p>
             <a:fld id="{936DC3CE-B3BE-4193-B7CD-007BC062B0EA}" type="datetimeFigureOut">
               <a:rPr lang="zh-CN" altLang="en-US" smtClean="0"/>
-              <a:t>2023-11-02</a:t>
+              <a:t>2023-11-14</a:t>
             </a:fld>
             <a:endParaRPr lang="zh-CN" altLang="en-US"/>
           </a:p>
@@ -1046,7 +1047,7 @@
           <a:p>
             <a:fld id="{936DC3CE-B3BE-4193-B7CD-007BC062B0EA}" type="datetimeFigureOut">
               <a:rPr lang="zh-CN" altLang="en-US" smtClean="0"/>
-              <a:t>2023-11-02</a:t>
+              <a:t>2023-11-14</a:t>
             </a:fld>
             <a:endParaRPr lang="zh-CN" altLang="en-US"/>
           </a:p>
@@ -1244,7 +1245,7 @@
           <a:p>
             <a:fld id="{936DC3CE-B3BE-4193-B7CD-007BC062B0EA}" type="datetimeFigureOut">
               <a:rPr lang="zh-CN" altLang="en-US" smtClean="0"/>
-              <a:t>2023-11-02</a:t>
+              <a:t>2023-11-14</a:t>
             </a:fld>
             <a:endParaRPr lang="zh-CN" altLang="en-US"/>
           </a:p>
@@ -1519,7 +1520,7 @@
           <a:p>
             <a:fld id="{936DC3CE-B3BE-4193-B7CD-007BC062B0EA}" type="datetimeFigureOut">
               <a:rPr lang="zh-CN" altLang="en-US" smtClean="0"/>
-              <a:t>2023-11-02</a:t>
+              <a:t>2023-11-14</a:t>
             </a:fld>
             <a:endParaRPr lang="zh-CN" altLang="en-US"/>
           </a:p>
@@ -1784,7 +1785,7 @@
           <a:p>
             <a:fld id="{936DC3CE-B3BE-4193-B7CD-007BC062B0EA}" type="datetimeFigureOut">
               <a:rPr lang="zh-CN" altLang="en-US" smtClean="0"/>
-              <a:t>2023-11-02</a:t>
+              <a:t>2023-11-14</a:t>
             </a:fld>
             <a:endParaRPr lang="zh-CN" altLang="en-US"/>
           </a:p>
@@ -2196,7 +2197,7 @@
           <a:p>
             <a:fld id="{936DC3CE-B3BE-4193-B7CD-007BC062B0EA}" type="datetimeFigureOut">
               <a:rPr lang="zh-CN" altLang="en-US" smtClean="0"/>
-              <a:t>2023-11-02</a:t>
+              <a:t>2023-11-14</a:t>
             </a:fld>
             <a:endParaRPr lang="zh-CN" altLang="en-US"/>
           </a:p>
@@ -2337,7 +2338,7 @@
           <a:p>
             <a:fld id="{936DC3CE-B3BE-4193-B7CD-007BC062B0EA}" type="datetimeFigureOut">
               <a:rPr lang="zh-CN" altLang="en-US" smtClean="0"/>
-              <a:t>2023-11-02</a:t>
+              <a:t>2023-11-14</a:t>
             </a:fld>
             <a:endParaRPr lang="zh-CN" altLang="en-US"/>
           </a:p>
@@ -2450,7 +2451,7 @@
           <a:p>
             <a:fld id="{936DC3CE-B3BE-4193-B7CD-007BC062B0EA}" type="datetimeFigureOut">
               <a:rPr lang="zh-CN" altLang="en-US" smtClean="0"/>
-              <a:t>2023-11-02</a:t>
+              <a:t>2023-11-14</a:t>
             </a:fld>
             <a:endParaRPr lang="zh-CN" altLang="en-US"/>
           </a:p>
@@ -2761,7 +2762,7 @@
           <a:p>
             <a:fld id="{936DC3CE-B3BE-4193-B7CD-007BC062B0EA}" type="datetimeFigureOut">
               <a:rPr lang="zh-CN" altLang="en-US" smtClean="0"/>
-              <a:t>2023-11-02</a:t>
+              <a:t>2023-11-14</a:t>
             </a:fld>
             <a:endParaRPr lang="zh-CN" altLang="en-US"/>
           </a:p>
@@ -3049,7 +3050,7 @@
           <a:p>
             <a:fld id="{936DC3CE-B3BE-4193-B7CD-007BC062B0EA}" type="datetimeFigureOut">
               <a:rPr lang="zh-CN" altLang="en-US" smtClean="0"/>
-              <a:t>2023-11-02</a:t>
+              <a:t>2023-11-14</a:t>
             </a:fld>
             <a:endParaRPr lang="zh-CN" altLang="en-US"/>
           </a:p>
@@ -3290,7 +3291,7 @@
           <a:p>
             <a:fld id="{936DC3CE-B3BE-4193-B7CD-007BC062B0EA}" type="datetimeFigureOut">
               <a:rPr lang="zh-CN" altLang="en-US" smtClean="0"/>
-              <a:t>2023-11-02</a:t>
+              <a:t>2023-11-14</a:t>
             </a:fld>
             <a:endParaRPr lang="zh-CN" altLang="en-US"/>
           </a:p>
@@ -3923,16 +3924,18 @@
         </p:spPr>
         <p:style>
           <a:lnRef idx="2">
-            <a:schemeClr val="accent2"/>
+            <a:schemeClr val="accent2">
+              <a:shade val="50000"/>
+            </a:schemeClr>
           </a:lnRef>
           <a:fillRef idx="1">
-            <a:schemeClr val="lt1"/>
+            <a:schemeClr val="accent2"/>
           </a:fillRef>
           <a:effectRef idx="0">
             <a:schemeClr val="accent2"/>
           </a:effectRef>
           <a:fontRef idx="minor">
-            <a:schemeClr val="dk1"/>
+            <a:schemeClr val="lt1"/>
           </a:fontRef>
         </p:style>
         <p:txBody>
@@ -4036,6 +4039,41 @@
           </a:fontRef>
         </p:style>
       </p:cxnSp>
+      <p:sp>
+        <p:nvSpPr>
+          <p:cNvPr id="13" name="文本框 12">
+            <a:extLst>
+              <a:ext uri="{FF2B5EF4-FFF2-40B4-BE49-F238E27FC236}">
+                <a16:creationId xmlns:a16="http://schemas.microsoft.com/office/drawing/2014/main" id="{83E0C633-8330-DBEF-3552-889D03D6C200}"/>
+              </a:ext>
+            </a:extLst>
+          </p:cNvPr>
+          <p:cNvSpPr txBox="1"/>
+          <p:nvPr/>
+        </p:nvSpPr>
+        <p:spPr>
+          <a:xfrm>
+            <a:off x="3352907" y="2170103"/>
+            <a:ext cx="646331" cy="369332"/>
+          </a:xfrm>
+          <a:prstGeom prst="rect">
+            <a:avLst/>
+          </a:prstGeom>
+          <a:noFill/>
+        </p:spPr>
+        <p:txBody>
+          <a:bodyPr wrap="none" rtlCol="0">
+            <a:spAutoFit/>
+          </a:bodyPr>
+          <a:lstStyle/>
+          <a:p>
+            <a:r>
+              <a:rPr lang="zh-CN" altLang="en-US" dirty="0"/>
+              <a:t>签出</a:t>
+            </a:r>
+          </a:p>
+        </p:txBody>
+      </p:sp>
       <p:sp>
         <p:nvSpPr>
           <p:cNvPr id="35" name="椭圆 34">
@@ -4111,13 +4149,13 @@
           </a:prstGeom>
         </p:spPr>
         <p:style>
-          <a:lnRef idx="2">
+          <a:lnRef idx="1">
             <a:schemeClr val="accent4"/>
           </a:lnRef>
-          <a:fillRef idx="1">
-            <a:schemeClr val="lt1"/>
+          <a:fillRef idx="2">
+            <a:schemeClr val="accent4"/>
           </a:fillRef>
-          <a:effectRef idx="0">
+          <a:effectRef idx="1">
             <a:schemeClr val="accent4"/>
           </a:effectRef>
           <a:fontRef idx="minor">
@@ -4148,226 +4186,6 @@
         <p:spPr>
           <a:xfrm>
             <a:off x="4702733" y="3247313"/>
-            <a:ext cx="221673" cy="240142"/>
-          </a:xfrm>
-          <a:prstGeom prst="ellipse">
-            <a:avLst/>
-          </a:prstGeom>
-        </p:spPr>
-        <p:style>
-          <a:lnRef idx="2">
-            <a:schemeClr val="accent4"/>
-          </a:lnRef>
-          <a:fillRef idx="1">
-            <a:schemeClr val="lt1"/>
-          </a:fillRef>
-          <a:effectRef idx="0">
-            <a:schemeClr val="accent4"/>
-          </a:effectRef>
-          <a:fontRef idx="minor">
-            <a:schemeClr val="dk1"/>
-          </a:fontRef>
-        </p:style>
-        <p:txBody>
-          <a:bodyPr rtlCol="0" anchor="ctr"/>
-          <a:lstStyle/>
-          <a:p>
-            <a:pPr algn="ctr"/>
-            <a:endParaRPr lang="zh-CN" altLang="en-US"/>
-          </a:p>
-        </p:txBody>
-      </p:sp>
-      <p:sp>
-        <p:nvSpPr>
-          <p:cNvPr id="9" name="椭圆 8">
-            <a:extLst>
-              <a:ext uri="{FF2B5EF4-FFF2-40B4-BE49-F238E27FC236}">
-                <a16:creationId xmlns:a16="http://schemas.microsoft.com/office/drawing/2014/main" id="{1B9CC877-BB10-3A62-30FF-32B9023A4BF4}"/>
-              </a:ext>
-            </a:extLst>
-          </p:cNvPr>
-          <p:cNvSpPr/>
-          <p:nvPr/>
-        </p:nvSpPr>
-        <p:spPr>
-          <a:xfrm>
-            <a:off x="5892086" y="3247313"/>
-            <a:ext cx="221673" cy="240142"/>
-          </a:xfrm>
-          <a:prstGeom prst="ellipse">
-            <a:avLst/>
-          </a:prstGeom>
-        </p:spPr>
-        <p:style>
-          <a:lnRef idx="2">
-            <a:schemeClr val="accent4"/>
-          </a:lnRef>
-          <a:fillRef idx="1">
-            <a:schemeClr val="lt1"/>
-          </a:fillRef>
-          <a:effectRef idx="0">
-            <a:schemeClr val="accent4"/>
-          </a:effectRef>
-          <a:fontRef idx="minor">
-            <a:schemeClr val="dk1"/>
-          </a:fontRef>
-        </p:style>
-        <p:txBody>
-          <a:bodyPr rtlCol="0" anchor="ctr"/>
-          <a:lstStyle/>
-          <a:p>
-            <a:pPr algn="ctr"/>
-            <a:endParaRPr lang="zh-CN" altLang="en-US"/>
-          </a:p>
-        </p:txBody>
-      </p:sp>
-      <p:sp>
-        <p:nvSpPr>
-          <p:cNvPr id="10" name="椭圆 9">
-            <a:extLst>
-              <a:ext uri="{FF2B5EF4-FFF2-40B4-BE49-F238E27FC236}">
-                <a16:creationId xmlns:a16="http://schemas.microsoft.com/office/drawing/2014/main" id="{FCF36644-A3D4-E123-997E-D32EBEE89BC4}"/>
-              </a:ext>
-            </a:extLst>
-          </p:cNvPr>
-          <p:cNvSpPr/>
-          <p:nvPr/>
-        </p:nvSpPr>
-        <p:spPr>
-          <a:xfrm>
-            <a:off x="6937957" y="3247313"/>
-            <a:ext cx="221673" cy="240142"/>
-          </a:xfrm>
-          <a:prstGeom prst="ellipse">
-            <a:avLst/>
-          </a:prstGeom>
-        </p:spPr>
-        <p:style>
-          <a:lnRef idx="2">
-            <a:schemeClr val="accent4"/>
-          </a:lnRef>
-          <a:fillRef idx="1">
-            <a:schemeClr val="lt1"/>
-          </a:fillRef>
-          <a:effectRef idx="0">
-            <a:schemeClr val="accent4"/>
-          </a:effectRef>
-          <a:fontRef idx="minor">
-            <a:schemeClr val="dk1"/>
-          </a:fontRef>
-        </p:style>
-        <p:txBody>
-          <a:bodyPr rtlCol="0" anchor="ctr"/>
-          <a:lstStyle/>
-          <a:p>
-            <a:pPr algn="ctr"/>
-            <a:endParaRPr lang="zh-CN" altLang="en-US"/>
-          </a:p>
-        </p:txBody>
-      </p:sp>
-      <p:sp>
-        <p:nvSpPr>
-          <p:cNvPr id="12" name="椭圆 11">
-            <a:extLst>
-              <a:ext uri="{FF2B5EF4-FFF2-40B4-BE49-F238E27FC236}">
-                <a16:creationId xmlns:a16="http://schemas.microsoft.com/office/drawing/2014/main" id="{00D9E7C8-74AD-A842-2888-E93EF9F83596}"/>
-              </a:ext>
-            </a:extLst>
-          </p:cNvPr>
-          <p:cNvSpPr/>
-          <p:nvPr/>
-        </p:nvSpPr>
-        <p:spPr>
-          <a:xfrm>
-            <a:off x="7953490" y="3247313"/>
-            <a:ext cx="221673" cy="240142"/>
-          </a:xfrm>
-          <a:prstGeom prst="ellipse">
-            <a:avLst/>
-          </a:prstGeom>
-        </p:spPr>
-        <p:style>
-          <a:lnRef idx="2">
-            <a:schemeClr val="accent4"/>
-          </a:lnRef>
-          <a:fillRef idx="1">
-            <a:schemeClr val="lt1"/>
-          </a:fillRef>
-          <a:effectRef idx="0">
-            <a:schemeClr val="accent4"/>
-          </a:effectRef>
-          <a:fontRef idx="minor">
-            <a:schemeClr val="dk1"/>
-          </a:fontRef>
-        </p:style>
-        <p:txBody>
-          <a:bodyPr rtlCol="0" anchor="ctr"/>
-          <a:lstStyle/>
-          <a:p>
-            <a:pPr algn="ctr"/>
-            <a:endParaRPr lang="zh-CN" altLang="en-US"/>
-          </a:p>
-        </p:txBody>
-      </p:sp>
-      <p:sp>
-        <p:nvSpPr>
-          <p:cNvPr id="14" name="椭圆 13">
-            <a:extLst>
-              <a:ext uri="{FF2B5EF4-FFF2-40B4-BE49-F238E27FC236}">
-                <a16:creationId xmlns:a16="http://schemas.microsoft.com/office/drawing/2014/main" id="{1EC3404E-4463-8C2D-94D4-D88C83B8D7AC}"/>
-              </a:ext>
-            </a:extLst>
-          </p:cNvPr>
-          <p:cNvSpPr/>
-          <p:nvPr/>
-        </p:nvSpPr>
-        <p:spPr>
-          <a:xfrm>
-            <a:off x="2444687" y="3247313"/>
-            <a:ext cx="221673" cy="240142"/>
-          </a:xfrm>
-          <a:prstGeom prst="ellipse">
-            <a:avLst/>
-          </a:prstGeom>
-        </p:spPr>
-        <p:style>
-          <a:lnRef idx="2">
-            <a:schemeClr val="accent4"/>
-          </a:lnRef>
-          <a:fillRef idx="1">
-            <a:schemeClr val="lt1"/>
-          </a:fillRef>
-          <a:effectRef idx="0">
-            <a:schemeClr val="accent4"/>
-          </a:effectRef>
-          <a:fontRef idx="minor">
-            <a:schemeClr val="dk1"/>
-          </a:fontRef>
-        </p:style>
-        <p:txBody>
-          <a:bodyPr rtlCol="0" anchor="ctr"/>
-          <a:lstStyle/>
-          <a:p>
-            <a:pPr algn="ctr"/>
-            <a:endParaRPr lang="zh-CN" altLang="en-US"/>
-          </a:p>
-        </p:txBody>
-      </p:sp>
-      <p:sp>
-        <p:nvSpPr>
-          <p:cNvPr id="18" name="椭圆 17">
-            <a:extLst>
-              <a:ext uri="{FF2B5EF4-FFF2-40B4-BE49-F238E27FC236}">
-                <a16:creationId xmlns:a16="http://schemas.microsoft.com/office/drawing/2014/main" id="{91690D1E-9BF8-F240-1A23-1F60096DCC4E}"/>
-              </a:ext>
-            </a:extLst>
-          </p:cNvPr>
-          <p:cNvSpPr/>
-          <p:nvPr/>
-        </p:nvSpPr>
-        <p:spPr>
-          <a:xfrm>
-            <a:off x="11029874" y="3247313"/>
             <a:ext cx="221673" cy="240142"/>
           </a:xfrm>
           <a:prstGeom prst="ellipse">
@@ -4397,6 +4215,261 @@
           </a:p>
         </p:txBody>
       </p:sp>
+      <p:sp>
+        <p:nvSpPr>
+          <p:cNvPr id="9" name="椭圆 8">
+            <a:extLst>
+              <a:ext uri="{FF2B5EF4-FFF2-40B4-BE49-F238E27FC236}">
+                <a16:creationId xmlns:a16="http://schemas.microsoft.com/office/drawing/2014/main" id="{1B9CC877-BB10-3A62-30FF-32B9023A4BF4}"/>
+              </a:ext>
+            </a:extLst>
+          </p:cNvPr>
+          <p:cNvSpPr/>
+          <p:nvPr/>
+        </p:nvSpPr>
+        <p:spPr>
+          <a:xfrm>
+            <a:off x="5892086" y="3247313"/>
+            <a:ext cx="221673" cy="240142"/>
+          </a:xfrm>
+          <a:prstGeom prst="ellipse">
+            <a:avLst/>
+          </a:prstGeom>
+        </p:spPr>
+        <p:style>
+          <a:lnRef idx="1">
+            <a:schemeClr val="accent4"/>
+          </a:lnRef>
+          <a:fillRef idx="2">
+            <a:schemeClr val="accent4"/>
+          </a:fillRef>
+          <a:effectRef idx="1">
+            <a:schemeClr val="accent4"/>
+          </a:effectRef>
+          <a:fontRef idx="minor">
+            <a:schemeClr val="dk1"/>
+          </a:fontRef>
+        </p:style>
+        <p:txBody>
+          <a:bodyPr rtlCol="0" anchor="ctr"/>
+          <a:lstStyle/>
+          <a:p>
+            <a:pPr algn="ctr"/>
+            <a:endParaRPr lang="zh-CN" altLang="en-US"/>
+          </a:p>
+        </p:txBody>
+      </p:sp>
+      <p:sp>
+        <p:nvSpPr>
+          <p:cNvPr id="10" name="椭圆 9">
+            <a:extLst>
+              <a:ext uri="{FF2B5EF4-FFF2-40B4-BE49-F238E27FC236}">
+                <a16:creationId xmlns:a16="http://schemas.microsoft.com/office/drawing/2014/main" id="{FCF36644-A3D4-E123-997E-D32EBEE89BC4}"/>
+              </a:ext>
+            </a:extLst>
+          </p:cNvPr>
+          <p:cNvSpPr/>
+          <p:nvPr/>
+        </p:nvSpPr>
+        <p:spPr>
+          <a:xfrm>
+            <a:off x="6937957" y="3247313"/>
+            <a:ext cx="221673" cy="240142"/>
+          </a:xfrm>
+          <a:prstGeom prst="ellipse">
+            <a:avLst/>
+          </a:prstGeom>
+        </p:spPr>
+        <p:style>
+          <a:lnRef idx="1">
+            <a:schemeClr val="accent4"/>
+          </a:lnRef>
+          <a:fillRef idx="2">
+            <a:schemeClr val="accent4"/>
+          </a:fillRef>
+          <a:effectRef idx="1">
+            <a:schemeClr val="accent4"/>
+          </a:effectRef>
+          <a:fontRef idx="minor">
+            <a:schemeClr val="dk1"/>
+          </a:fontRef>
+        </p:style>
+        <p:txBody>
+          <a:bodyPr rtlCol="0" anchor="ctr"/>
+          <a:lstStyle/>
+          <a:p>
+            <a:pPr algn="ctr"/>
+            <a:endParaRPr lang="zh-CN" altLang="en-US"/>
+          </a:p>
+        </p:txBody>
+      </p:sp>
+      <p:sp>
+        <p:nvSpPr>
+          <p:cNvPr id="12" name="椭圆 11">
+            <a:extLst>
+              <a:ext uri="{FF2B5EF4-FFF2-40B4-BE49-F238E27FC236}">
+                <a16:creationId xmlns:a16="http://schemas.microsoft.com/office/drawing/2014/main" id="{00D9E7C8-74AD-A842-2888-E93EF9F83596}"/>
+              </a:ext>
+            </a:extLst>
+          </p:cNvPr>
+          <p:cNvSpPr/>
+          <p:nvPr/>
+        </p:nvSpPr>
+        <p:spPr>
+          <a:xfrm>
+            <a:off x="7953490" y="3247313"/>
+            <a:ext cx="221673" cy="240142"/>
+          </a:xfrm>
+          <a:prstGeom prst="ellipse">
+            <a:avLst/>
+          </a:prstGeom>
+        </p:spPr>
+        <p:style>
+          <a:lnRef idx="1">
+            <a:schemeClr val="accent4"/>
+          </a:lnRef>
+          <a:fillRef idx="2">
+            <a:schemeClr val="accent4"/>
+          </a:fillRef>
+          <a:effectRef idx="1">
+            <a:schemeClr val="accent4"/>
+          </a:effectRef>
+          <a:fontRef idx="minor">
+            <a:schemeClr val="dk1"/>
+          </a:fontRef>
+        </p:style>
+        <p:txBody>
+          <a:bodyPr rtlCol="0" anchor="ctr"/>
+          <a:lstStyle/>
+          <a:p>
+            <a:pPr algn="ctr"/>
+            <a:endParaRPr lang="zh-CN" altLang="en-US"/>
+          </a:p>
+        </p:txBody>
+      </p:sp>
+      <p:sp>
+        <p:nvSpPr>
+          <p:cNvPr id="14" name="椭圆 13">
+            <a:extLst>
+              <a:ext uri="{FF2B5EF4-FFF2-40B4-BE49-F238E27FC236}">
+                <a16:creationId xmlns:a16="http://schemas.microsoft.com/office/drawing/2014/main" id="{1EC3404E-4463-8C2D-94D4-D88C83B8D7AC}"/>
+              </a:ext>
+            </a:extLst>
+          </p:cNvPr>
+          <p:cNvSpPr/>
+          <p:nvPr/>
+        </p:nvSpPr>
+        <p:spPr>
+          <a:xfrm>
+            <a:off x="2444687" y="3247313"/>
+            <a:ext cx="221673" cy="240142"/>
+          </a:xfrm>
+          <a:prstGeom prst="ellipse">
+            <a:avLst/>
+          </a:prstGeom>
+        </p:spPr>
+        <p:style>
+          <a:lnRef idx="1">
+            <a:schemeClr val="accent4"/>
+          </a:lnRef>
+          <a:fillRef idx="2">
+            <a:schemeClr val="accent4"/>
+          </a:fillRef>
+          <a:effectRef idx="1">
+            <a:schemeClr val="accent4"/>
+          </a:effectRef>
+          <a:fontRef idx="minor">
+            <a:schemeClr val="dk1"/>
+          </a:fontRef>
+        </p:style>
+        <p:txBody>
+          <a:bodyPr rtlCol="0" anchor="ctr"/>
+          <a:lstStyle/>
+          <a:p>
+            <a:pPr algn="ctr"/>
+            <a:endParaRPr lang="zh-CN" altLang="en-US"/>
+          </a:p>
+        </p:txBody>
+      </p:sp>
+      <p:sp>
+        <p:nvSpPr>
+          <p:cNvPr id="15" name="文本框 14">
+            <a:extLst>
+              <a:ext uri="{FF2B5EF4-FFF2-40B4-BE49-F238E27FC236}">
+                <a16:creationId xmlns:a16="http://schemas.microsoft.com/office/drawing/2014/main" id="{98EBFCBB-A24F-6C34-3498-8BA74582FFE8}"/>
+              </a:ext>
+            </a:extLst>
+          </p:cNvPr>
+          <p:cNvSpPr txBox="1"/>
+          <p:nvPr/>
+        </p:nvSpPr>
+        <p:spPr>
+          <a:xfrm>
+            <a:off x="3011238" y="3660876"/>
+            <a:ext cx="1107996" cy="369332"/>
+          </a:xfrm>
+          <a:prstGeom prst="rect">
+            <a:avLst/>
+          </a:prstGeom>
+          <a:noFill/>
+        </p:spPr>
+        <p:txBody>
+          <a:bodyPr wrap="none" rtlCol="0">
+            <a:spAutoFit/>
+          </a:bodyPr>
+          <a:lstStyle/>
+          <a:p>
+            <a:r>
+              <a:rPr lang="zh-CN" altLang="en-US" dirty="0"/>
+              <a:t>启动开发</a:t>
+            </a:r>
+          </a:p>
+        </p:txBody>
+      </p:sp>
+      <p:sp>
+        <p:nvSpPr>
+          <p:cNvPr id="18" name="椭圆 17">
+            <a:extLst>
+              <a:ext uri="{FF2B5EF4-FFF2-40B4-BE49-F238E27FC236}">
+                <a16:creationId xmlns:a16="http://schemas.microsoft.com/office/drawing/2014/main" id="{91690D1E-9BF8-F240-1A23-1F60096DCC4E}"/>
+              </a:ext>
+            </a:extLst>
+          </p:cNvPr>
+          <p:cNvSpPr/>
+          <p:nvPr/>
+        </p:nvSpPr>
+        <p:spPr>
+          <a:xfrm>
+            <a:off x="11029874" y="3247313"/>
+            <a:ext cx="221673" cy="240142"/>
+          </a:xfrm>
+          <a:prstGeom prst="ellipse">
+            <a:avLst/>
+          </a:prstGeom>
+        </p:spPr>
+        <p:style>
+          <a:lnRef idx="1">
+            <a:schemeClr val="accent4"/>
+          </a:lnRef>
+          <a:fillRef idx="2">
+            <a:schemeClr val="accent4"/>
+          </a:fillRef>
+          <a:effectRef idx="1">
+            <a:schemeClr val="accent4"/>
+          </a:effectRef>
+          <a:fontRef idx="minor">
+            <a:schemeClr val="dk1"/>
+          </a:fontRef>
+        </p:style>
+        <p:txBody>
+          <a:bodyPr rtlCol="0" anchor="ctr"/>
+          <a:lstStyle/>
+          <a:p>
+            <a:pPr algn="ctr"/>
+            <a:endParaRPr lang="zh-CN" altLang="en-US"/>
+          </a:p>
+        </p:txBody>
+      </p:sp>
       <p:cxnSp>
         <p:nvCxnSpPr>
           <p:cNvPr id="19" name="直接箭头连接符 18">
@@ -4439,6 +4512,41 @@
           </a:fontRef>
         </p:style>
       </p:cxnSp>
+      <p:sp>
+        <p:nvSpPr>
+          <p:cNvPr id="25" name="文本框 24">
+            <a:extLst>
+              <a:ext uri="{FF2B5EF4-FFF2-40B4-BE49-F238E27FC236}">
+                <a16:creationId xmlns:a16="http://schemas.microsoft.com/office/drawing/2014/main" id="{CF9E82D3-8789-6412-983D-1DAEC1EE1B69}"/>
+              </a:ext>
+            </a:extLst>
+          </p:cNvPr>
+          <p:cNvSpPr txBox="1"/>
+          <p:nvPr/>
+        </p:nvSpPr>
+        <p:spPr>
+          <a:xfrm>
+            <a:off x="10568239" y="3654223"/>
+            <a:ext cx="1107996" cy="369332"/>
+          </a:xfrm>
+          <a:prstGeom prst="rect">
+            <a:avLst/>
+          </a:prstGeom>
+          <a:noFill/>
+        </p:spPr>
+        <p:txBody>
+          <a:bodyPr wrap="none" rtlCol="0">
+            <a:spAutoFit/>
+          </a:bodyPr>
+          <a:lstStyle/>
+          <a:p>
+            <a:r>
+              <a:rPr lang="zh-CN" altLang="en-US" dirty="0"/>
+              <a:t>基线定版</a:t>
+            </a:r>
+          </a:p>
+        </p:txBody>
+      </p:sp>
       <p:cxnSp>
         <p:nvCxnSpPr>
           <p:cNvPr id="26" name="连接符: 曲线 25">
@@ -4465,12 +4573,6 @@
             </a:avLst>
           </a:prstGeom>
           <a:ln>
-            <a:solidFill>
-              <a:schemeClr val="accent5">
-                <a:lumMod val="40000"/>
-                <a:lumOff val="60000"/>
-              </a:schemeClr>
-            </a:solidFill>
             <a:tailEnd type="triangle"/>
           </a:ln>
         </p:spPr>
@@ -4503,30 +4605,14 @@
         </p:nvSpPr>
         <p:spPr>
           <a:xfrm>
-            <a:off x="5406962" y="5378004"/>
+            <a:off x="5508010" y="3883491"/>
             <a:ext cx="1107996" cy="369332"/>
           </a:xfrm>
           <a:prstGeom prst="rect">
             <a:avLst/>
           </a:prstGeom>
-          <a:ln>
-            <a:noFill/>
-          </a:ln>
-        </p:spPr>
-        <p:style>
-          <a:lnRef idx="2">
-            <a:schemeClr val="accent6"/>
-          </a:lnRef>
-          <a:fillRef idx="1">
-            <a:schemeClr val="lt1"/>
-          </a:fillRef>
-          <a:effectRef idx="0">
-            <a:schemeClr val="accent6"/>
-          </a:effectRef>
-          <a:fontRef idx="minor">
-            <a:schemeClr val="dk1"/>
-          </a:fontRef>
-        </p:style>
+          <a:noFill/>
+        </p:spPr>
         <p:txBody>
           <a:bodyPr wrap="none" rtlCol="0">
             <a:spAutoFit/>
@@ -4566,12 +4652,6 @@
             </a:avLst>
           </a:prstGeom>
           <a:ln>
-            <a:solidFill>
-              <a:schemeClr val="accent5">
-                <a:lumMod val="40000"/>
-                <a:lumOff val="60000"/>
-              </a:schemeClr>
-            </a:solidFill>
             <a:tailEnd type="triangle"/>
           </a:ln>
         </p:spPr>
@@ -4616,12 +4696,6 @@
             </a:avLst>
           </a:prstGeom>
           <a:ln>
-            <a:solidFill>
-              <a:schemeClr val="accent5">
-                <a:lumMod val="40000"/>
-                <a:lumOff val="60000"/>
-              </a:schemeClr>
-            </a:solidFill>
             <a:tailEnd type="triangle"/>
           </a:ln>
         </p:spPr>
@@ -4664,12 +4738,6 @@
             <a:avLst/>
           </a:prstGeom>
           <a:ln>
-            <a:solidFill>
-              <a:schemeClr val="accent5">
-                <a:lumMod val="40000"/>
-                <a:lumOff val="60000"/>
-              </a:schemeClr>
-            </a:solidFill>
             <a:tailEnd type="triangle"/>
           </a:ln>
         </p:spPr>
@@ -4780,194 +4848,17 @@
           <a:p>
             <a:r>
               <a:rPr lang="zh-CN" altLang="en-US" dirty="0"/>
-              <a:t>模块开发策略：签出期间排故</a:t>
-            </a:r>
-          </a:p>
-        </p:txBody>
-      </p:sp>
-      <p:sp>
-        <p:nvSpPr>
-          <p:cNvPr id="2" name="椭圆 1">
-            <a:extLst>
-              <a:ext uri="{FF2B5EF4-FFF2-40B4-BE49-F238E27FC236}">
-                <a16:creationId xmlns:a16="http://schemas.microsoft.com/office/drawing/2014/main" id="{A30B12E1-552A-14D2-549B-6D66F94A1DF9}"/>
-              </a:ext>
-            </a:extLst>
-          </p:cNvPr>
-          <p:cNvSpPr/>
-          <p:nvPr/>
-        </p:nvSpPr>
-        <p:spPr>
-          <a:xfrm>
-            <a:off x="3861425" y="5747336"/>
-            <a:ext cx="382328" cy="399010"/>
-          </a:xfrm>
-          <a:prstGeom prst="ellipse">
-            <a:avLst/>
-          </a:prstGeom>
-        </p:spPr>
-        <p:style>
-          <a:lnRef idx="2">
-            <a:schemeClr val="accent2">
-              <a:shade val="50000"/>
-            </a:schemeClr>
-          </a:lnRef>
-          <a:fillRef idx="1">
-            <a:schemeClr val="accent2"/>
-          </a:fillRef>
-          <a:effectRef idx="0">
-            <a:schemeClr val="accent2"/>
-          </a:effectRef>
-          <a:fontRef idx="minor">
-            <a:schemeClr val="lt1"/>
-          </a:fontRef>
-        </p:style>
-        <p:txBody>
-          <a:bodyPr rtlCol="0" anchor="ctr"/>
-          <a:lstStyle/>
-          <a:p>
-            <a:pPr algn="ctr"/>
-            <a:endParaRPr lang="zh-CN" altLang="en-US" dirty="0"/>
-          </a:p>
-        </p:txBody>
-      </p:sp>
-      <p:cxnSp>
-        <p:nvCxnSpPr>
-          <p:cNvPr id="16" name="直接箭头连接符 15">
-            <a:extLst>
-              <a:ext uri="{FF2B5EF4-FFF2-40B4-BE49-F238E27FC236}">
-                <a16:creationId xmlns:a16="http://schemas.microsoft.com/office/drawing/2014/main" id="{EB2BCB83-0497-E612-AA64-81076D2B2747}"/>
-              </a:ext>
-            </a:extLst>
-          </p:cNvPr>
-          <p:cNvCxnSpPr>
-            <a:cxnSpLocks/>
-          </p:cNvCxnSpPr>
-          <p:nvPr/>
-        </p:nvCxnSpPr>
-        <p:spPr>
-          <a:xfrm flipV="1">
-            <a:off x="4243753" y="5936463"/>
-            <a:ext cx="3258026" cy="6919"/>
-          </a:xfrm>
-          <a:prstGeom prst="straightConnector1">
-            <a:avLst/>
-          </a:prstGeom>
-          <a:ln w="19050">
-            <a:prstDash val="lgDashDotDot"/>
-            <a:tailEnd type="triangle"/>
-          </a:ln>
-        </p:spPr>
-        <p:style>
-          <a:lnRef idx="1">
-            <a:schemeClr val="accent1"/>
-          </a:lnRef>
-          <a:fillRef idx="0">
-            <a:schemeClr val="accent1"/>
-          </a:fillRef>
-          <a:effectRef idx="0">
-            <a:schemeClr val="accent1"/>
-          </a:effectRef>
-          <a:fontRef idx="minor">
-            <a:schemeClr val="tx1"/>
-          </a:fontRef>
-        </p:style>
-      </p:cxnSp>
-      <p:sp>
-        <p:nvSpPr>
-          <p:cNvPr id="21" name="椭圆 20">
-            <a:extLst>
-              <a:ext uri="{FF2B5EF4-FFF2-40B4-BE49-F238E27FC236}">
-                <a16:creationId xmlns:a16="http://schemas.microsoft.com/office/drawing/2014/main" id="{DDD729C3-FAC9-AB0D-C050-4E103301ED4C}"/>
-              </a:ext>
-            </a:extLst>
-          </p:cNvPr>
-          <p:cNvSpPr/>
-          <p:nvPr/>
-        </p:nvSpPr>
-        <p:spPr>
-          <a:xfrm>
-            <a:off x="7501779" y="5740417"/>
-            <a:ext cx="382328" cy="399010"/>
-          </a:xfrm>
-          <a:prstGeom prst="ellipse">
-            <a:avLst/>
-          </a:prstGeom>
-        </p:spPr>
-        <p:style>
-          <a:lnRef idx="2">
-            <a:schemeClr val="accent6">
-              <a:shade val="50000"/>
-            </a:schemeClr>
-          </a:lnRef>
-          <a:fillRef idx="1">
-            <a:schemeClr val="accent6"/>
-          </a:fillRef>
-          <a:effectRef idx="0">
-            <a:schemeClr val="accent6"/>
-          </a:effectRef>
-          <a:fontRef idx="minor">
-            <a:schemeClr val="lt1"/>
-          </a:fontRef>
-        </p:style>
-        <p:txBody>
-          <a:bodyPr rtlCol="0" anchor="ctr"/>
-          <a:lstStyle/>
-          <a:p>
-            <a:pPr algn="ctr"/>
-            <a:endParaRPr lang="zh-CN" altLang="en-US" sz="1100" dirty="0"/>
-          </a:p>
-        </p:txBody>
-      </p:sp>
-      <p:cxnSp>
-        <p:nvCxnSpPr>
-          <p:cNvPr id="29" name="连接符: 曲线 28">
-            <a:extLst>
-              <a:ext uri="{FF2B5EF4-FFF2-40B4-BE49-F238E27FC236}">
-                <a16:creationId xmlns:a16="http://schemas.microsoft.com/office/drawing/2014/main" id="{072F4A4D-81DD-80ED-14F2-541657A2E0A6}"/>
-              </a:ext>
-            </a:extLst>
-          </p:cNvPr>
-          <p:cNvCxnSpPr>
-            <a:cxnSpLocks/>
-            <a:stCxn id="3" idx="2"/>
-            <a:endCxn id="2" idx="0"/>
-          </p:cNvCxnSpPr>
-          <p:nvPr/>
-        </p:nvCxnSpPr>
-        <p:spPr>
-          <a:xfrm rot="10800000" flipV="1">
-            <a:off x="4052590" y="1842724"/>
-            <a:ext cx="869679" cy="3904612"/>
-          </a:xfrm>
-          <a:prstGeom prst="curvedConnector2">
-            <a:avLst/>
-          </a:prstGeom>
-          <a:ln>
-            <a:tailEnd type="triangle"/>
-          </a:ln>
-        </p:spPr>
-        <p:style>
-          <a:lnRef idx="1">
-            <a:schemeClr val="accent1"/>
-          </a:lnRef>
-          <a:fillRef idx="0">
-            <a:schemeClr val="accent1"/>
-          </a:fillRef>
-          <a:effectRef idx="0">
-            <a:schemeClr val="accent1"/>
-          </a:effectRef>
-          <a:fontRef idx="minor">
-            <a:schemeClr val="tx1"/>
-          </a:fontRef>
-        </p:style>
-      </p:cxnSp>
-      <p:sp>
-        <p:nvSpPr>
-          <p:cNvPr id="39" name="文本框 38">
-            <a:extLst>
-              <a:ext uri="{FF2B5EF4-FFF2-40B4-BE49-F238E27FC236}">
-                <a16:creationId xmlns:a16="http://schemas.microsoft.com/office/drawing/2014/main" id="{1854A979-D76E-516B-FB92-E0BAA6A11CA0}"/>
+              <a:t>模块开发策略：配置库的使用</a:t>
+            </a:r>
+          </a:p>
+        </p:txBody>
+      </p:sp>
+      <p:sp>
+        <p:nvSpPr>
+          <p:cNvPr id="71" name="文本框 70">
+            <a:extLst>
+              <a:ext uri="{FF2B5EF4-FFF2-40B4-BE49-F238E27FC236}">
+                <a16:creationId xmlns:a16="http://schemas.microsoft.com/office/drawing/2014/main" id="{D1527BDE-AA71-A475-1230-641E6A506414}"/>
               </a:ext>
             </a:extLst>
           </p:cNvPr>
@@ -4976,7 +4867,7 @@
         </p:nvSpPr>
         <p:spPr>
           <a:xfrm>
-            <a:off x="3729423" y="6205954"/>
+            <a:off x="9819128" y="1969258"/>
             <a:ext cx="646331" cy="369332"/>
           </a:xfrm>
           <a:prstGeom prst="rect">
@@ -4992,666 +4883,7 @@
           <a:p>
             <a:r>
               <a:rPr lang="zh-CN" altLang="en-US" dirty="0"/>
-              <a:t>排故</a:t>
-            </a:r>
-          </a:p>
-        </p:txBody>
-      </p:sp>
-      <p:sp>
-        <p:nvSpPr>
-          <p:cNvPr id="40" name="文本框 39">
-            <a:extLst>
-              <a:ext uri="{FF2B5EF4-FFF2-40B4-BE49-F238E27FC236}">
-                <a16:creationId xmlns:a16="http://schemas.microsoft.com/office/drawing/2014/main" id="{DE033731-D799-4223-6778-59ACB898AF7E}"/>
-              </a:ext>
-            </a:extLst>
-          </p:cNvPr>
-          <p:cNvSpPr txBox="1"/>
-          <p:nvPr/>
-        </p:nvSpPr>
-        <p:spPr>
-          <a:xfrm>
-            <a:off x="7369778" y="6233297"/>
-            <a:ext cx="646331" cy="369332"/>
-          </a:xfrm>
-          <a:prstGeom prst="rect">
-            <a:avLst/>
-          </a:prstGeom>
-          <a:noFill/>
-        </p:spPr>
-        <p:txBody>
-          <a:bodyPr wrap="none" rtlCol="0">
-            <a:spAutoFit/>
-          </a:bodyPr>
-          <a:lstStyle/>
-          <a:p>
-            <a:r>
-              <a:rPr lang="zh-CN" altLang="en-US" dirty="0"/>
-              <a:t>修复</a:t>
-            </a:r>
-          </a:p>
-        </p:txBody>
-      </p:sp>
-      <p:sp>
-        <p:nvSpPr>
-          <p:cNvPr id="43" name="文本框 42">
-            <a:extLst>
-              <a:ext uri="{FF2B5EF4-FFF2-40B4-BE49-F238E27FC236}">
-                <a16:creationId xmlns:a16="http://schemas.microsoft.com/office/drawing/2014/main" id="{8890C947-72BE-4EEB-E07A-D1E6C13E0655}"/>
-              </a:ext>
-            </a:extLst>
-          </p:cNvPr>
-          <p:cNvSpPr txBox="1"/>
-          <p:nvPr/>
-        </p:nvSpPr>
-        <p:spPr>
-          <a:xfrm>
-            <a:off x="2318741" y="5019917"/>
-            <a:ext cx="1800493" cy="369332"/>
-          </a:xfrm>
-          <a:prstGeom prst="rect">
-            <a:avLst/>
-          </a:prstGeom>
-          <a:noFill/>
-        </p:spPr>
-        <p:txBody>
-          <a:bodyPr wrap="none" rtlCol="0">
-            <a:spAutoFit/>
-          </a:bodyPr>
-          <a:lstStyle/>
-          <a:p>
-            <a:r>
-              <a:rPr lang="zh-CN" altLang="en-US" dirty="0"/>
-              <a:t>下载到临时目录</a:t>
-            </a:r>
-          </a:p>
-        </p:txBody>
-      </p:sp>
-      <p:cxnSp>
-        <p:nvCxnSpPr>
-          <p:cNvPr id="46" name="直接箭头连接符 45">
-            <a:extLst>
-              <a:ext uri="{FF2B5EF4-FFF2-40B4-BE49-F238E27FC236}">
-                <a16:creationId xmlns:a16="http://schemas.microsoft.com/office/drawing/2014/main" id="{57C22540-DCD3-72A1-C126-634B54E2C3C5}"/>
-              </a:ext>
-            </a:extLst>
-          </p:cNvPr>
-          <p:cNvCxnSpPr>
-            <a:cxnSpLocks/>
-            <a:stCxn id="21" idx="0"/>
-            <a:endCxn id="50" idx="4"/>
-          </p:cNvCxnSpPr>
-          <p:nvPr/>
-        </p:nvCxnSpPr>
-        <p:spPr>
-          <a:xfrm flipV="1">
-            <a:off x="7692943" y="3502136"/>
-            <a:ext cx="1" cy="2238281"/>
-          </a:xfrm>
-          <a:prstGeom prst="straightConnector1">
-            <a:avLst/>
-          </a:prstGeom>
-          <a:ln w="19050">
-            <a:prstDash val="lgDashDotDot"/>
-            <a:tailEnd type="triangle"/>
-          </a:ln>
-        </p:spPr>
-        <p:style>
-          <a:lnRef idx="1">
-            <a:schemeClr val="accent1"/>
-          </a:lnRef>
-          <a:fillRef idx="0">
-            <a:schemeClr val="accent1"/>
-          </a:fillRef>
-          <a:effectRef idx="0">
-            <a:schemeClr val="accent1"/>
-          </a:effectRef>
-          <a:fontRef idx="minor">
-            <a:schemeClr val="tx1"/>
-          </a:fontRef>
-        </p:style>
-      </p:cxnSp>
-      <p:sp>
-        <p:nvSpPr>
-          <p:cNvPr id="50" name="椭圆 49">
-            <a:extLst>
-              <a:ext uri="{FF2B5EF4-FFF2-40B4-BE49-F238E27FC236}">
-                <a16:creationId xmlns:a16="http://schemas.microsoft.com/office/drawing/2014/main" id="{2787EE24-5FEA-335E-17F5-B768C3A52671}"/>
-              </a:ext>
-            </a:extLst>
-          </p:cNvPr>
-          <p:cNvSpPr/>
-          <p:nvPr/>
-        </p:nvSpPr>
-        <p:spPr>
-          <a:xfrm>
-            <a:off x="7582107" y="3261994"/>
-            <a:ext cx="221673" cy="240142"/>
-          </a:xfrm>
-          <a:prstGeom prst="ellipse">
-            <a:avLst/>
-          </a:prstGeom>
-        </p:spPr>
-        <p:style>
-          <a:lnRef idx="1">
-            <a:schemeClr val="accent4"/>
-          </a:lnRef>
-          <a:fillRef idx="2">
-            <a:schemeClr val="accent4"/>
-          </a:fillRef>
-          <a:effectRef idx="1">
-            <a:schemeClr val="accent4"/>
-          </a:effectRef>
-          <a:fontRef idx="minor">
-            <a:schemeClr val="dk1"/>
-          </a:fontRef>
-        </p:style>
-        <p:txBody>
-          <a:bodyPr rtlCol="0" anchor="ctr"/>
-          <a:lstStyle/>
-          <a:p>
-            <a:pPr algn="ctr"/>
-            <a:endParaRPr lang="zh-CN" altLang="en-US"/>
-          </a:p>
-        </p:txBody>
-      </p:sp>
-      <p:sp>
-        <p:nvSpPr>
-          <p:cNvPr id="54" name="文本框 53">
-            <a:extLst>
-              <a:ext uri="{FF2B5EF4-FFF2-40B4-BE49-F238E27FC236}">
-                <a16:creationId xmlns:a16="http://schemas.microsoft.com/office/drawing/2014/main" id="{6C8CAF7C-76D3-2FFE-E755-23BE924985E0}"/>
-              </a:ext>
-            </a:extLst>
-          </p:cNvPr>
-          <p:cNvSpPr txBox="1"/>
-          <p:nvPr/>
-        </p:nvSpPr>
-        <p:spPr>
-          <a:xfrm>
-            <a:off x="7121567" y="2816565"/>
-            <a:ext cx="1107996" cy="369332"/>
-          </a:xfrm>
-          <a:prstGeom prst="rect">
-            <a:avLst/>
-          </a:prstGeom>
-          <a:noFill/>
-        </p:spPr>
-        <p:txBody>
-          <a:bodyPr wrap="none" rtlCol="0">
-            <a:spAutoFit/>
-          </a:bodyPr>
-          <a:lstStyle/>
-          <a:p>
-            <a:r>
-              <a:rPr lang="zh-CN" altLang="en-US" dirty="0"/>
-              <a:t>合并代码</a:t>
-            </a:r>
-          </a:p>
-        </p:txBody>
-      </p:sp>
-      <p:sp>
-        <p:nvSpPr>
-          <p:cNvPr id="55" name="文本框 54">
-            <a:extLst>
-              <a:ext uri="{FF2B5EF4-FFF2-40B4-BE49-F238E27FC236}">
-                <a16:creationId xmlns:a16="http://schemas.microsoft.com/office/drawing/2014/main" id="{22CDBD4C-1867-B1EA-AD49-402EDAA5E402}"/>
-              </a:ext>
-            </a:extLst>
-          </p:cNvPr>
-          <p:cNvSpPr txBox="1"/>
-          <p:nvPr/>
-        </p:nvSpPr>
-        <p:spPr>
-          <a:xfrm>
-            <a:off x="7931776" y="3544978"/>
-            <a:ext cx="1107996" cy="369332"/>
-          </a:xfrm>
-          <a:prstGeom prst="rect">
-            <a:avLst/>
-          </a:prstGeom>
-          <a:noFill/>
-        </p:spPr>
-        <p:txBody>
-          <a:bodyPr wrap="none" rtlCol="0">
-            <a:spAutoFit/>
-          </a:bodyPr>
-          <a:lstStyle/>
-          <a:p>
-            <a:r>
-              <a:rPr lang="zh-CN" altLang="en-US" dirty="0"/>
-              <a:t>安排复测</a:t>
-            </a:r>
-          </a:p>
-        </p:txBody>
-      </p:sp>
-      <p:sp>
-        <p:nvSpPr>
-          <p:cNvPr id="56" name="椭圆 55">
-            <a:extLst>
-              <a:ext uri="{FF2B5EF4-FFF2-40B4-BE49-F238E27FC236}">
-                <a16:creationId xmlns:a16="http://schemas.microsoft.com/office/drawing/2014/main" id="{17D9544F-5577-4758-E740-A5B38A70492C}"/>
-              </a:ext>
-            </a:extLst>
-          </p:cNvPr>
-          <p:cNvSpPr/>
-          <p:nvPr/>
-        </p:nvSpPr>
-        <p:spPr>
-          <a:xfrm>
-            <a:off x="8324873" y="3256291"/>
-            <a:ext cx="221673" cy="240142"/>
-          </a:xfrm>
-          <a:prstGeom prst="ellipse">
-            <a:avLst/>
-          </a:prstGeom>
-        </p:spPr>
-        <p:style>
-          <a:lnRef idx="1">
-            <a:schemeClr val="accent4"/>
-          </a:lnRef>
-          <a:fillRef idx="2">
-            <a:schemeClr val="accent4"/>
-          </a:fillRef>
-          <a:effectRef idx="1">
-            <a:schemeClr val="accent4"/>
-          </a:effectRef>
-          <a:fontRef idx="minor">
-            <a:schemeClr val="dk1"/>
-          </a:fontRef>
-        </p:style>
-        <p:txBody>
-          <a:bodyPr rtlCol="0" anchor="ctr"/>
-          <a:lstStyle/>
-          <a:p>
-            <a:pPr algn="ctr"/>
-            <a:endParaRPr lang="zh-CN" altLang="en-US"/>
-          </a:p>
-        </p:txBody>
-      </p:sp>
-      <p:sp>
-        <p:nvSpPr>
-          <p:cNvPr id="57" name="椭圆 56">
-            <a:extLst>
-              <a:ext uri="{FF2B5EF4-FFF2-40B4-BE49-F238E27FC236}">
-                <a16:creationId xmlns:a16="http://schemas.microsoft.com/office/drawing/2014/main" id="{C4B7CD12-C725-CA0F-18D3-5C2D3387639E}"/>
-              </a:ext>
-            </a:extLst>
-          </p:cNvPr>
-          <p:cNvSpPr/>
-          <p:nvPr/>
-        </p:nvSpPr>
-        <p:spPr>
-          <a:xfrm>
-            <a:off x="4887727" y="5819851"/>
-            <a:ext cx="221673" cy="240142"/>
-          </a:xfrm>
-          <a:prstGeom prst="ellipse">
-            <a:avLst/>
-          </a:prstGeom>
-        </p:spPr>
-        <p:style>
-          <a:lnRef idx="1">
-            <a:schemeClr val="accent4"/>
-          </a:lnRef>
-          <a:fillRef idx="2">
-            <a:schemeClr val="accent4"/>
-          </a:fillRef>
-          <a:effectRef idx="1">
-            <a:schemeClr val="accent4"/>
-          </a:effectRef>
-          <a:fontRef idx="minor">
-            <a:schemeClr val="dk1"/>
-          </a:fontRef>
-        </p:style>
-        <p:txBody>
-          <a:bodyPr rtlCol="0" anchor="ctr"/>
-          <a:lstStyle/>
-          <a:p>
-            <a:pPr algn="ctr"/>
-            <a:endParaRPr lang="zh-CN" altLang="en-US"/>
-          </a:p>
-        </p:txBody>
-      </p:sp>
-      <p:sp>
-        <p:nvSpPr>
-          <p:cNvPr id="58" name="椭圆 57">
-            <a:extLst>
-              <a:ext uri="{FF2B5EF4-FFF2-40B4-BE49-F238E27FC236}">
-                <a16:creationId xmlns:a16="http://schemas.microsoft.com/office/drawing/2014/main" id="{C124CF2E-7C44-3395-0B4D-C8FAB75B9510}"/>
-              </a:ext>
-            </a:extLst>
-          </p:cNvPr>
-          <p:cNvSpPr/>
-          <p:nvPr/>
-        </p:nvSpPr>
-        <p:spPr>
-          <a:xfrm>
-            <a:off x="5642537" y="5819851"/>
-            <a:ext cx="221673" cy="240142"/>
-          </a:xfrm>
-          <a:prstGeom prst="ellipse">
-            <a:avLst/>
-          </a:prstGeom>
-        </p:spPr>
-        <p:style>
-          <a:lnRef idx="1">
-            <a:schemeClr val="accent4"/>
-          </a:lnRef>
-          <a:fillRef idx="2">
-            <a:schemeClr val="accent4"/>
-          </a:fillRef>
-          <a:effectRef idx="1">
-            <a:schemeClr val="accent4"/>
-          </a:effectRef>
-          <a:fontRef idx="minor">
-            <a:schemeClr val="dk1"/>
-          </a:fontRef>
-        </p:style>
-        <p:txBody>
-          <a:bodyPr rtlCol="0" anchor="ctr"/>
-          <a:lstStyle/>
-          <a:p>
-            <a:pPr algn="ctr"/>
-            <a:endParaRPr lang="zh-CN" altLang="en-US"/>
-          </a:p>
-        </p:txBody>
-      </p:sp>
-      <p:sp>
-        <p:nvSpPr>
-          <p:cNvPr id="59" name="椭圆 58">
-            <a:extLst>
-              <a:ext uri="{FF2B5EF4-FFF2-40B4-BE49-F238E27FC236}">
-                <a16:creationId xmlns:a16="http://schemas.microsoft.com/office/drawing/2014/main" id="{F268FF90-DD6D-15F4-466C-61B2D009BE5A}"/>
-              </a:ext>
-            </a:extLst>
-          </p:cNvPr>
-          <p:cNvSpPr/>
-          <p:nvPr/>
-        </p:nvSpPr>
-        <p:spPr>
-          <a:xfrm>
-            <a:off x="6525295" y="5819851"/>
-            <a:ext cx="221673" cy="240142"/>
-          </a:xfrm>
-          <a:prstGeom prst="ellipse">
-            <a:avLst/>
-          </a:prstGeom>
-        </p:spPr>
-        <p:style>
-          <a:lnRef idx="1">
-            <a:schemeClr val="accent4"/>
-          </a:lnRef>
-          <a:fillRef idx="2">
-            <a:schemeClr val="accent4"/>
-          </a:fillRef>
-          <a:effectRef idx="1">
-            <a:schemeClr val="accent4"/>
-          </a:effectRef>
-          <a:fontRef idx="minor">
-            <a:schemeClr val="dk1"/>
-          </a:fontRef>
-        </p:style>
-        <p:txBody>
-          <a:bodyPr rtlCol="0" anchor="ctr"/>
-          <a:lstStyle/>
-          <a:p>
-            <a:pPr algn="ctr"/>
-            <a:endParaRPr lang="zh-CN" altLang="en-US"/>
-          </a:p>
-        </p:txBody>
-      </p:sp>
-      <p:cxnSp>
-        <p:nvCxnSpPr>
-          <p:cNvPr id="60" name="连接符: 曲线 59">
-            <a:extLst>
-              <a:ext uri="{FF2B5EF4-FFF2-40B4-BE49-F238E27FC236}">
-                <a16:creationId xmlns:a16="http://schemas.microsoft.com/office/drawing/2014/main" id="{2D351B12-9FAA-5BA4-A10B-50052F90A6EE}"/>
-              </a:ext>
-            </a:extLst>
-          </p:cNvPr>
-          <p:cNvCxnSpPr>
-            <a:cxnSpLocks/>
-            <a:stCxn id="57" idx="0"/>
-          </p:cNvCxnSpPr>
-          <p:nvPr/>
-        </p:nvCxnSpPr>
-        <p:spPr>
-          <a:xfrm rot="5400000" flipH="1" flipV="1">
-            <a:off x="4906054" y="5274531"/>
-            <a:ext cx="637831" cy="452810"/>
-          </a:xfrm>
-          <a:prstGeom prst="curvedConnector3">
-            <a:avLst>
-              <a:gd name="adj1" fmla="val 50000"/>
-            </a:avLst>
-          </a:prstGeom>
-          <a:ln>
-            <a:tailEnd type="triangle"/>
-          </a:ln>
-        </p:spPr>
-        <p:style>
-          <a:lnRef idx="1">
-            <a:schemeClr val="accent1"/>
-          </a:lnRef>
-          <a:fillRef idx="0">
-            <a:schemeClr val="accent1"/>
-          </a:fillRef>
-          <a:effectRef idx="0">
-            <a:schemeClr val="accent1"/>
-          </a:effectRef>
-          <a:fontRef idx="minor">
-            <a:schemeClr val="tx1"/>
-          </a:fontRef>
-        </p:style>
-      </p:cxnSp>
-      <p:cxnSp>
-        <p:nvCxnSpPr>
-          <p:cNvPr id="63" name="连接符: 曲线 62">
-            <a:extLst>
-              <a:ext uri="{FF2B5EF4-FFF2-40B4-BE49-F238E27FC236}">
-                <a16:creationId xmlns:a16="http://schemas.microsoft.com/office/drawing/2014/main" id="{595FD316-EE12-ECA3-B23F-280C8E9EB33E}"/>
-              </a:ext>
-            </a:extLst>
-          </p:cNvPr>
-          <p:cNvCxnSpPr>
-            <a:cxnSpLocks/>
-            <a:stCxn id="58" idx="0"/>
-          </p:cNvCxnSpPr>
-          <p:nvPr/>
-        </p:nvCxnSpPr>
-        <p:spPr>
-          <a:xfrm rot="5400000" flipH="1" flipV="1">
-            <a:off x="5482080" y="5413197"/>
-            <a:ext cx="677948" cy="135360"/>
-          </a:xfrm>
-          <a:prstGeom prst="curvedConnector3">
-            <a:avLst>
-              <a:gd name="adj1" fmla="val 50000"/>
-            </a:avLst>
-          </a:prstGeom>
-          <a:ln>
-            <a:tailEnd type="triangle"/>
-          </a:ln>
-        </p:spPr>
-        <p:style>
-          <a:lnRef idx="1">
-            <a:schemeClr val="accent1"/>
-          </a:lnRef>
-          <a:fillRef idx="0">
-            <a:schemeClr val="accent1"/>
-          </a:fillRef>
-          <a:effectRef idx="0">
-            <a:schemeClr val="accent1"/>
-          </a:effectRef>
-          <a:fontRef idx="minor">
-            <a:schemeClr val="tx1"/>
-          </a:fontRef>
-        </p:style>
-      </p:cxnSp>
-      <p:cxnSp>
-        <p:nvCxnSpPr>
-          <p:cNvPr id="67" name="连接符: 曲线 66">
-            <a:extLst>
-              <a:ext uri="{FF2B5EF4-FFF2-40B4-BE49-F238E27FC236}">
-                <a16:creationId xmlns:a16="http://schemas.microsoft.com/office/drawing/2014/main" id="{773D5126-869A-17F0-6020-A59F39C62B89}"/>
-              </a:ext>
-            </a:extLst>
-          </p:cNvPr>
-          <p:cNvCxnSpPr>
-            <a:cxnSpLocks/>
-            <a:stCxn id="59" idx="0"/>
-          </p:cNvCxnSpPr>
-          <p:nvPr/>
-        </p:nvCxnSpPr>
-        <p:spPr>
-          <a:xfrm rot="16200000" flipV="1">
-            <a:off x="6160108" y="5343827"/>
-            <a:ext cx="677948" cy="274100"/>
-          </a:xfrm>
-          <a:prstGeom prst="curvedConnector3">
-            <a:avLst>
-              <a:gd name="adj1" fmla="val 50000"/>
-            </a:avLst>
-          </a:prstGeom>
-          <a:ln>
-            <a:tailEnd type="triangle"/>
-          </a:ln>
-        </p:spPr>
-        <p:style>
-          <a:lnRef idx="1">
-            <a:schemeClr val="accent1"/>
-          </a:lnRef>
-          <a:fillRef idx="0">
-            <a:schemeClr val="accent1"/>
-          </a:fillRef>
-          <a:effectRef idx="0">
-            <a:schemeClr val="accent1"/>
-          </a:effectRef>
-          <a:fontRef idx="minor">
-            <a:schemeClr val="tx1"/>
-          </a:fontRef>
-        </p:style>
-      </p:cxnSp>
-      <p:sp>
-        <p:nvSpPr>
-          <p:cNvPr id="71" name="椭圆 70">
-            <a:extLst>
-              <a:ext uri="{FF2B5EF4-FFF2-40B4-BE49-F238E27FC236}">
-                <a16:creationId xmlns:a16="http://schemas.microsoft.com/office/drawing/2014/main" id="{1DDD599A-A6C0-8FCE-0713-BF65AC7E5C7F}"/>
-              </a:ext>
-            </a:extLst>
-          </p:cNvPr>
-          <p:cNvSpPr/>
-          <p:nvPr/>
-        </p:nvSpPr>
-        <p:spPr>
-          <a:xfrm>
-            <a:off x="2824711" y="5816392"/>
-            <a:ext cx="221673" cy="240142"/>
-          </a:xfrm>
-          <a:prstGeom prst="ellipse">
-            <a:avLst/>
-          </a:prstGeom>
-        </p:spPr>
-        <p:style>
-          <a:lnRef idx="3">
-            <a:schemeClr val="lt1"/>
-          </a:lnRef>
-          <a:fillRef idx="1">
-            <a:schemeClr val="accent2"/>
-          </a:fillRef>
-          <a:effectRef idx="1">
-            <a:schemeClr val="accent2"/>
-          </a:effectRef>
-          <a:fontRef idx="minor">
-            <a:schemeClr val="lt1"/>
-          </a:fontRef>
-        </p:style>
-        <p:txBody>
-          <a:bodyPr rtlCol="0" anchor="ctr"/>
-          <a:lstStyle/>
-          <a:p>
-            <a:pPr algn="ctr"/>
-            <a:endParaRPr lang="zh-CN" altLang="en-US"/>
-          </a:p>
-        </p:txBody>
-      </p:sp>
-      <p:cxnSp>
-        <p:nvCxnSpPr>
-          <p:cNvPr id="72" name="直接箭头连接符 71">
-            <a:extLst>
-              <a:ext uri="{FF2B5EF4-FFF2-40B4-BE49-F238E27FC236}">
-                <a16:creationId xmlns:a16="http://schemas.microsoft.com/office/drawing/2014/main" id="{702C98DB-B8F0-4861-1242-A55F0EEB0503}"/>
-              </a:ext>
-            </a:extLst>
-          </p:cNvPr>
-          <p:cNvCxnSpPr>
-            <a:cxnSpLocks/>
-            <a:stCxn id="71" idx="6"/>
-            <a:endCxn id="2" idx="2"/>
-          </p:cNvCxnSpPr>
-          <p:nvPr/>
-        </p:nvCxnSpPr>
-        <p:spPr>
-          <a:xfrm>
-            <a:off x="3046384" y="5936463"/>
-            <a:ext cx="815041" cy="10378"/>
-          </a:xfrm>
-          <a:prstGeom prst="straightConnector1">
-            <a:avLst/>
-          </a:prstGeom>
-          <a:ln w="19050">
-            <a:prstDash val="lgDashDotDot"/>
-            <a:tailEnd type="triangle"/>
-          </a:ln>
-        </p:spPr>
-        <p:style>
-          <a:lnRef idx="1">
-            <a:schemeClr val="accent1"/>
-          </a:lnRef>
-          <a:fillRef idx="0">
-            <a:schemeClr val="accent1"/>
-          </a:fillRef>
-          <a:effectRef idx="0">
-            <a:schemeClr val="accent1"/>
-          </a:effectRef>
-          <a:fontRef idx="minor">
-            <a:schemeClr val="tx1"/>
-          </a:fontRef>
-        </p:style>
-      </p:cxnSp>
-      <p:sp>
-        <p:nvSpPr>
-          <p:cNvPr id="75" name="文本框 74">
-            <a:extLst>
-              <a:ext uri="{FF2B5EF4-FFF2-40B4-BE49-F238E27FC236}">
-                <a16:creationId xmlns:a16="http://schemas.microsoft.com/office/drawing/2014/main" id="{74855E7D-24D6-3C88-1CA1-D8BF6F0A5D94}"/>
-              </a:ext>
-            </a:extLst>
-          </p:cNvPr>
-          <p:cNvSpPr txBox="1"/>
-          <p:nvPr/>
-        </p:nvSpPr>
-        <p:spPr>
-          <a:xfrm>
-            <a:off x="2612381" y="6210118"/>
-            <a:ext cx="646331" cy="369332"/>
-          </a:xfrm>
-          <a:prstGeom prst="rect">
-            <a:avLst/>
-          </a:prstGeom>
-          <a:noFill/>
-        </p:spPr>
-        <p:txBody>
-          <a:bodyPr wrap="none" rtlCol="0">
-            <a:spAutoFit/>
-          </a:bodyPr>
-          <a:lstStyle/>
-          <a:p>
-            <a:r>
-              <a:rPr lang="zh-CN" altLang="en-US" dirty="0"/>
-              <a:t>接故</a:t>
+              <a:t>签入</a:t>
             </a:r>
           </a:p>
         </p:txBody>
@@ -5659,7 +4891,7 @@
     </p:spTree>
     <p:extLst>
       <p:ext uri="{BB962C8B-B14F-4D97-AF65-F5344CB8AC3E}">
-        <p14:creationId xmlns:p14="http://schemas.microsoft.com/office/powerpoint/2010/main" val="3217261712"/>
+        <p14:creationId xmlns:p14="http://schemas.microsoft.com/office/powerpoint/2010/main" val="1935497037"/>
       </p:ext>
     </p:extLst>
   </p:cSld>
@@ -5688,10 +4920,695 @@
       </p:grpSpPr>
       <p:sp>
         <p:nvSpPr>
-          <p:cNvPr id="3" name="文本框 2">
-            <a:extLst>
-              <a:ext uri="{FF2B5EF4-FFF2-40B4-BE49-F238E27FC236}">
-                <a16:creationId xmlns:a16="http://schemas.microsoft.com/office/drawing/2014/main" id="{30BE157A-1944-9CE0-F9C9-DA3537C9595C}"/>
+          <p:cNvPr id="3" name="流程图: 磁盘 2">
+            <a:extLst>
+              <a:ext uri="{FF2B5EF4-FFF2-40B4-BE49-F238E27FC236}">
+                <a16:creationId xmlns:a16="http://schemas.microsoft.com/office/drawing/2014/main" id="{C27364AB-DF09-8B3C-CE28-780E11F6DAC5}"/>
+              </a:ext>
+            </a:extLst>
+          </p:cNvPr>
+          <p:cNvSpPr/>
+          <p:nvPr/>
+        </p:nvSpPr>
+        <p:spPr>
+          <a:xfrm>
+            <a:off x="4922268" y="1443714"/>
+            <a:ext cx="2237362" cy="798019"/>
+          </a:xfrm>
+          <a:prstGeom prst="flowChartMagneticDisk">
+            <a:avLst/>
+          </a:prstGeom>
+          <a:ln/>
+        </p:spPr>
+        <p:style>
+          <a:lnRef idx="3">
+            <a:schemeClr val="lt1"/>
+          </a:lnRef>
+          <a:fillRef idx="1">
+            <a:schemeClr val="accent5"/>
+          </a:fillRef>
+          <a:effectRef idx="1">
+            <a:schemeClr val="accent5"/>
+          </a:effectRef>
+          <a:fontRef idx="minor">
+            <a:schemeClr val="lt1"/>
+          </a:fontRef>
+        </p:style>
+        <p:txBody>
+          <a:bodyPr rtlCol="0" anchor="ctr"/>
+          <a:lstStyle/>
+          <a:p>
+            <a:pPr algn="ctr"/>
+            <a:r>
+              <a:rPr lang="zh-CN" altLang="en-US" dirty="0"/>
+              <a:t>版本库</a:t>
+            </a:r>
+          </a:p>
+        </p:txBody>
+      </p:sp>
+      <p:sp>
+        <p:nvSpPr>
+          <p:cNvPr id="4" name="流程图: 磁盘 3">
+            <a:extLst>
+              <a:ext uri="{FF2B5EF4-FFF2-40B4-BE49-F238E27FC236}">
+                <a16:creationId xmlns:a16="http://schemas.microsoft.com/office/drawing/2014/main" id="{479C9416-DD60-7E4F-0664-201BC02B5A4F}"/>
+              </a:ext>
+            </a:extLst>
+          </p:cNvPr>
+          <p:cNvSpPr/>
+          <p:nvPr/>
+        </p:nvSpPr>
+        <p:spPr>
+          <a:xfrm>
+            <a:off x="4922268" y="4493035"/>
+            <a:ext cx="2237362" cy="798019"/>
+          </a:xfrm>
+          <a:prstGeom prst="flowChartMagneticDisk">
+            <a:avLst/>
+          </a:prstGeom>
+          <a:ln/>
+        </p:spPr>
+        <p:style>
+          <a:lnRef idx="3">
+            <a:schemeClr val="lt1"/>
+          </a:lnRef>
+          <a:fillRef idx="1">
+            <a:schemeClr val="accent5"/>
+          </a:fillRef>
+          <a:effectRef idx="1">
+            <a:schemeClr val="accent5"/>
+          </a:effectRef>
+          <a:fontRef idx="minor">
+            <a:schemeClr val="lt1"/>
+          </a:fontRef>
+        </p:style>
+        <p:txBody>
+          <a:bodyPr rtlCol="0" anchor="ctr"/>
+          <a:lstStyle/>
+          <a:p>
+            <a:pPr algn="ctr"/>
+            <a:r>
+              <a:rPr lang="zh-CN" altLang="en-US" dirty="0"/>
+              <a:t>备份库</a:t>
+            </a:r>
+          </a:p>
+        </p:txBody>
+      </p:sp>
+      <p:sp>
+        <p:nvSpPr>
+          <p:cNvPr id="5" name="椭圆 4">
+            <a:extLst>
+              <a:ext uri="{FF2B5EF4-FFF2-40B4-BE49-F238E27FC236}">
+                <a16:creationId xmlns:a16="http://schemas.microsoft.com/office/drawing/2014/main" id="{A918497B-F25B-E5F6-6692-F67819C9F45B}"/>
+              </a:ext>
+            </a:extLst>
+          </p:cNvPr>
+          <p:cNvSpPr/>
+          <p:nvPr/>
+        </p:nvSpPr>
+        <p:spPr>
+          <a:xfrm>
+            <a:off x="328329" y="2530457"/>
+            <a:ext cx="1665841" cy="1673854"/>
+          </a:xfrm>
+          <a:prstGeom prst="ellipse">
+            <a:avLst/>
+          </a:prstGeom>
+        </p:spPr>
+        <p:style>
+          <a:lnRef idx="2">
+            <a:schemeClr val="accent2"/>
+          </a:lnRef>
+          <a:fillRef idx="1">
+            <a:schemeClr val="lt1"/>
+          </a:fillRef>
+          <a:effectRef idx="0">
+            <a:schemeClr val="accent2"/>
+          </a:effectRef>
+          <a:fontRef idx="minor">
+            <a:schemeClr val="dk1"/>
+          </a:fontRef>
+        </p:style>
+        <p:txBody>
+          <a:bodyPr rtlCol="0" anchor="ctr"/>
+          <a:lstStyle/>
+          <a:p>
+            <a:pPr algn="ctr"/>
+            <a:r>
+              <a:rPr lang="en-US" altLang="zh-CN" dirty="0"/>
+              <a:t>23-10-01</a:t>
+            </a:r>
+            <a:r>
+              <a:rPr lang="zh-CN" altLang="en-US" dirty="0"/>
+              <a:t>批次需求</a:t>
+            </a:r>
+          </a:p>
+        </p:txBody>
+      </p:sp>
+      <p:cxnSp>
+        <p:nvCxnSpPr>
+          <p:cNvPr id="8" name="直接箭头连接符 7">
+            <a:extLst>
+              <a:ext uri="{FF2B5EF4-FFF2-40B4-BE49-F238E27FC236}">
+                <a16:creationId xmlns:a16="http://schemas.microsoft.com/office/drawing/2014/main" id="{B2C5F4B7-C00A-D3DF-43BB-4DE3527E8567}"/>
+              </a:ext>
+            </a:extLst>
+          </p:cNvPr>
+          <p:cNvCxnSpPr>
+            <a:cxnSpLocks/>
+          </p:cNvCxnSpPr>
+          <p:nvPr/>
+        </p:nvCxnSpPr>
+        <p:spPr>
+          <a:xfrm>
+            <a:off x="1994170" y="3367384"/>
+            <a:ext cx="6805448" cy="8978"/>
+          </a:xfrm>
+          <a:prstGeom prst="straightConnector1">
+            <a:avLst/>
+          </a:prstGeom>
+          <a:ln w="19050">
+            <a:prstDash val="lgDashDotDot"/>
+            <a:tailEnd type="triangle"/>
+          </a:ln>
+        </p:spPr>
+        <p:style>
+          <a:lnRef idx="1">
+            <a:schemeClr val="accent1"/>
+          </a:lnRef>
+          <a:fillRef idx="0">
+            <a:schemeClr val="accent1"/>
+          </a:fillRef>
+          <a:effectRef idx="0">
+            <a:schemeClr val="accent1"/>
+          </a:effectRef>
+          <a:fontRef idx="minor">
+            <a:schemeClr val="tx1"/>
+          </a:fontRef>
+        </p:style>
+      </p:cxnSp>
+      <p:cxnSp>
+        <p:nvCxnSpPr>
+          <p:cNvPr id="11" name="连接符: 曲线 10">
+            <a:extLst>
+              <a:ext uri="{FF2B5EF4-FFF2-40B4-BE49-F238E27FC236}">
+                <a16:creationId xmlns:a16="http://schemas.microsoft.com/office/drawing/2014/main" id="{2FDFC754-8CF5-685A-288D-77097901644A}"/>
+              </a:ext>
+            </a:extLst>
+          </p:cNvPr>
+          <p:cNvCxnSpPr>
+            <a:cxnSpLocks/>
+            <a:stCxn id="3" idx="2"/>
+            <a:endCxn id="6" idx="0"/>
+          </p:cNvCxnSpPr>
+          <p:nvPr/>
+        </p:nvCxnSpPr>
+        <p:spPr>
+          <a:xfrm rot="10800000" flipV="1">
+            <a:off x="3565238" y="1842723"/>
+            <a:ext cx="1357031" cy="1404589"/>
+          </a:xfrm>
+          <a:prstGeom prst="curvedConnector2">
+            <a:avLst/>
+          </a:prstGeom>
+          <a:ln>
+            <a:tailEnd type="triangle"/>
+          </a:ln>
+        </p:spPr>
+        <p:style>
+          <a:lnRef idx="1">
+            <a:schemeClr val="accent1"/>
+          </a:lnRef>
+          <a:fillRef idx="0">
+            <a:schemeClr val="accent1"/>
+          </a:fillRef>
+          <a:effectRef idx="0">
+            <a:schemeClr val="accent1"/>
+          </a:effectRef>
+          <a:fontRef idx="minor">
+            <a:schemeClr val="tx1"/>
+          </a:fontRef>
+        </p:style>
+      </p:cxnSp>
+      <p:sp>
+        <p:nvSpPr>
+          <p:cNvPr id="35" name="椭圆 34">
+            <a:extLst>
+              <a:ext uri="{FF2B5EF4-FFF2-40B4-BE49-F238E27FC236}">
+                <a16:creationId xmlns:a16="http://schemas.microsoft.com/office/drawing/2014/main" id="{015CF5DF-CE86-22BA-0173-DAEC6E03204F}"/>
+              </a:ext>
+            </a:extLst>
+          </p:cNvPr>
+          <p:cNvSpPr/>
+          <p:nvPr/>
+        </p:nvSpPr>
+        <p:spPr>
+          <a:xfrm>
+            <a:off x="8799618" y="2530457"/>
+            <a:ext cx="1665841" cy="1673854"/>
+          </a:xfrm>
+          <a:prstGeom prst="ellipse">
+            <a:avLst/>
+          </a:prstGeom>
+        </p:spPr>
+        <p:style>
+          <a:lnRef idx="2">
+            <a:schemeClr val="accent6">
+              <a:shade val="50000"/>
+            </a:schemeClr>
+          </a:lnRef>
+          <a:fillRef idx="1">
+            <a:schemeClr val="accent6"/>
+          </a:fillRef>
+          <a:effectRef idx="0">
+            <a:schemeClr val="accent6"/>
+          </a:effectRef>
+          <a:fontRef idx="minor">
+            <a:schemeClr val="lt1"/>
+          </a:fontRef>
+        </p:style>
+        <p:txBody>
+          <a:bodyPr rtlCol="0" anchor="ctr"/>
+          <a:lstStyle/>
+          <a:p>
+            <a:pPr algn="ctr"/>
+            <a:r>
+              <a:rPr lang="en-US" altLang="zh-CN" dirty="0"/>
+              <a:t>23-10-15</a:t>
+            </a:r>
+            <a:r>
+              <a:rPr lang="zh-CN" altLang="en-US" dirty="0"/>
+              <a:t>版本发布</a:t>
+            </a:r>
+          </a:p>
+        </p:txBody>
+      </p:sp>
+      <p:sp>
+        <p:nvSpPr>
+          <p:cNvPr id="6" name="椭圆 5">
+            <a:extLst>
+              <a:ext uri="{FF2B5EF4-FFF2-40B4-BE49-F238E27FC236}">
+                <a16:creationId xmlns:a16="http://schemas.microsoft.com/office/drawing/2014/main" id="{B1E9BB36-8CFE-F89F-6DEE-6A0F179C2658}"/>
+              </a:ext>
+            </a:extLst>
+          </p:cNvPr>
+          <p:cNvSpPr/>
+          <p:nvPr/>
+        </p:nvSpPr>
+        <p:spPr>
+          <a:xfrm>
+            <a:off x="3454400" y="3247313"/>
+            <a:ext cx="221673" cy="240142"/>
+          </a:xfrm>
+          <a:prstGeom prst="ellipse">
+            <a:avLst/>
+          </a:prstGeom>
+        </p:spPr>
+        <p:style>
+          <a:lnRef idx="2">
+            <a:schemeClr val="accent4"/>
+          </a:lnRef>
+          <a:fillRef idx="1">
+            <a:schemeClr val="lt1"/>
+          </a:fillRef>
+          <a:effectRef idx="0">
+            <a:schemeClr val="accent4"/>
+          </a:effectRef>
+          <a:fontRef idx="minor">
+            <a:schemeClr val="dk1"/>
+          </a:fontRef>
+        </p:style>
+        <p:txBody>
+          <a:bodyPr rtlCol="0" anchor="ctr"/>
+          <a:lstStyle/>
+          <a:p>
+            <a:pPr algn="ctr"/>
+            <a:endParaRPr lang="zh-CN" altLang="en-US" dirty="0"/>
+          </a:p>
+        </p:txBody>
+      </p:sp>
+      <p:sp>
+        <p:nvSpPr>
+          <p:cNvPr id="7" name="椭圆 6">
+            <a:extLst>
+              <a:ext uri="{FF2B5EF4-FFF2-40B4-BE49-F238E27FC236}">
+                <a16:creationId xmlns:a16="http://schemas.microsoft.com/office/drawing/2014/main" id="{C851D898-F811-E0F3-6C5C-7A31E93B7907}"/>
+              </a:ext>
+            </a:extLst>
+          </p:cNvPr>
+          <p:cNvSpPr/>
+          <p:nvPr/>
+        </p:nvSpPr>
+        <p:spPr>
+          <a:xfrm>
+            <a:off x="4702733" y="3247313"/>
+            <a:ext cx="221673" cy="240142"/>
+          </a:xfrm>
+          <a:prstGeom prst="ellipse">
+            <a:avLst/>
+          </a:prstGeom>
+        </p:spPr>
+        <p:style>
+          <a:lnRef idx="2">
+            <a:schemeClr val="accent4"/>
+          </a:lnRef>
+          <a:fillRef idx="1">
+            <a:schemeClr val="lt1"/>
+          </a:fillRef>
+          <a:effectRef idx="0">
+            <a:schemeClr val="accent4"/>
+          </a:effectRef>
+          <a:fontRef idx="minor">
+            <a:schemeClr val="dk1"/>
+          </a:fontRef>
+        </p:style>
+        <p:txBody>
+          <a:bodyPr rtlCol="0" anchor="ctr"/>
+          <a:lstStyle/>
+          <a:p>
+            <a:pPr algn="ctr"/>
+            <a:endParaRPr lang="zh-CN" altLang="en-US"/>
+          </a:p>
+        </p:txBody>
+      </p:sp>
+      <p:sp>
+        <p:nvSpPr>
+          <p:cNvPr id="9" name="椭圆 8">
+            <a:extLst>
+              <a:ext uri="{FF2B5EF4-FFF2-40B4-BE49-F238E27FC236}">
+                <a16:creationId xmlns:a16="http://schemas.microsoft.com/office/drawing/2014/main" id="{1B9CC877-BB10-3A62-30FF-32B9023A4BF4}"/>
+              </a:ext>
+            </a:extLst>
+          </p:cNvPr>
+          <p:cNvSpPr/>
+          <p:nvPr/>
+        </p:nvSpPr>
+        <p:spPr>
+          <a:xfrm>
+            <a:off x="5892086" y="3247313"/>
+            <a:ext cx="221673" cy="240142"/>
+          </a:xfrm>
+          <a:prstGeom prst="ellipse">
+            <a:avLst/>
+          </a:prstGeom>
+        </p:spPr>
+        <p:style>
+          <a:lnRef idx="2">
+            <a:schemeClr val="accent4"/>
+          </a:lnRef>
+          <a:fillRef idx="1">
+            <a:schemeClr val="lt1"/>
+          </a:fillRef>
+          <a:effectRef idx="0">
+            <a:schemeClr val="accent4"/>
+          </a:effectRef>
+          <a:fontRef idx="minor">
+            <a:schemeClr val="dk1"/>
+          </a:fontRef>
+        </p:style>
+        <p:txBody>
+          <a:bodyPr rtlCol="0" anchor="ctr"/>
+          <a:lstStyle/>
+          <a:p>
+            <a:pPr algn="ctr"/>
+            <a:endParaRPr lang="zh-CN" altLang="en-US"/>
+          </a:p>
+        </p:txBody>
+      </p:sp>
+      <p:sp>
+        <p:nvSpPr>
+          <p:cNvPr id="10" name="椭圆 9">
+            <a:extLst>
+              <a:ext uri="{FF2B5EF4-FFF2-40B4-BE49-F238E27FC236}">
+                <a16:creationId xmlns:a16="http://schemas.microsoft.com/office/drawing/2014/main" id="{FCF36644-A3D4-E123-997E-D32EBEE89BC4}"/>
+              </a:ext>
+            </a:extLst>
+          </p:cNvPr>
+          <p:cNvSpPr/>
+          <p:nvPr/>
+        </p:nvSpPr>
+        <p:spPr>
+          <a:xfrm>
+            <a:off x="6937957" y="3247313"/>
+            <a:ext cx="221673" cy="240142"/>
+          </a:xfrm>
+          <a:prstGeom prst="ellipse">
+            <a:avLst/>
+          </a:prstGeom>
+        </p:spPr>
+        <p:style>
+          <a:lnRef idx="2">
+            <a:schemeClr val="accent4"/>
+          </a:lnRef>
+          <a:fillRef idx="1">
+            <a:schemeClr val="lt1"/>
+          </a:fillRef>
+          <a:effectRef idx="0">
+            <a:schemeClr val="accent4"/>
+          </a:effectRef>
+          <a:fontRef idx="minor">
+            <a:schemeClr val="dk1"/>
+          </a:fontRef>
+        </p:style>
+        <p:txBody>
+          <a:bodyPr rtlCol="0" anchor="ctr"/>
+          <a:lstStyle/>
+          <a:p>
+            <a:pPr algn="ctr"/>
+            <a:endParaRPr lang="zh-CN" altLang="en-US"/>
+          </a:p>
+        </p:txBody>
+      </p:sp>
+      <p:sp>
+        <p:nvSpPr>
+          <p:cNvPr id="12" name="椭圆 11">
+            <a:extLst>
+              <a:ext uri="{FF2B5EF4-FFF2-40B4-BE49-F238E27FC236}">
+                <a16:creationId xmlns:a16="http://schemas.microsoft.com/office/drawing/2014/main" id="{00D9E7C8-74AD-A842-2888-E93EF9F83596}"/>
+              </a:ext>
+            </a:extLst>
+          </p:cNvPr>
+          <p:cNvSpPr/>
+          <p:nvPr/>
+        </p:nvSpPr>
+        <p:spPr>
+          <a:xfrm>
+            <a:off x="7953490" y="3247313"/>
+            <a:ext cx="221673" cy="240142"/>
+          </a:xfrm>
+          <a:prstGeom prst="ellipse">
+            <a:avLst/>
+          </a:prstGeom>
+        </p:spPr>
+        <p:style>
+          <a:lnRef idx="2">
+            <a:schemeClr val="accent4"/>
+          </a:lnRef>
+          <a:fillRef idx="1">
+            <a:schemeClr val="lt1"/>
+          </a:fillRef>
+          <a:effectRef idx="0">
+            <a:schemeClr val="accent4"/>
+          </a:effectRef>
+          <a:fontRef idx="minor">
+            <a:schemeClr val="dk1"/>
+          </a:fontRef>
+        </p:style>
+        <p:txBody>
+          <a:bodyPr rtlCol="0" anchor="ctr"/>
+          <a:lstStyle/>
+          <a:p>
+            <a:pPr algn="ctr"/>
+            <a:endParaRPr lang="zh-CN" altLang="en-US"/>
+          </a:p>
+        </p:txBody>
+      </p:sp>
+      <p:sp>
+        <p:nvSpPr>
+          <p:cNvPr id="14" name="椭圆 13">
+            <a:extLst>
+              <a:ext uri="{FF2B5EF4-FFF2-40B4-BE49-F238E27FC236}">
+                <a16:creationId xmlns:a16="http://schemas.microsoft.com/office/drawing/2014/main" id="{1EC3404E-4463-8C2D-94D4-D88C83B8D7AC}"/>
+              </a:ext>
+            </a:extLst>
+          </p:cNvPr>
+          <p:cNvSpPr/>
+          <p:nvPr/>
+        </p:nvSpPr>
+        <p:spPr>
+          <a:xfrm>
+            <a:off x="2444687" y="3247313"/>
+            <a:ext cx="221673" cy="240142"/>
+          </a:xfrm>
+          <a:prstGeom prst="ellipse">
+            <a:avLst/>
+          </a:prstGeom>
+        </p:spPr>
+        <p:style>
+          <a:lnRef idx="2">
+            <a:schemeClr val="accent4"/>
+          </a:lnRef>
+          <a:fillRef idx="1">
+            <a:schemeClr val="lt1"/>
+          </a:fillRef>
+          <a:effectRef idx="0">
+            <a:schemeClr val="accent4"/>
+          </a:effectRef>
+          <a:fontRef idx="minor">
+            <a:schemeClr val="dk1"/>
+          </a:fontRef>
+        </p:style>
+        <p:txBody>
+          <a:bodyPr rtlCol="0" anchor="ctr"/>
+          <a:lstStyle/>
+          <a:p>
+            <a:pPr algn="ctr"/>
+            <a:endParaRPr lang="zh-CN" altLang="en-US"/>
+          </a:p>
+        </p:txBody>
+      </p:sp>
+      <p:sp>
+        <p:nvSpPr>
+          <p:cNvPr id="18" name="椭圆 17">
+            <a:extLst>
+              <a:ext uri="{FF2B5EF4-FFF2-40B4-BE49-F238E27FC236}">
+                <a16:creationId xmlns:a16="http://schemas.microsoft.com/office/drawing/2014/main" id="{91690D1E-9BF8-F240-1A23-1F60096DCC4E}"/>
+              </a:ext>
+            </a:extLst>
+          </p:cNvPr>
+          <p:cNvSpPr/>
+          <p:nvPr/>
+        </p:nvSpPr>
+        <p:spPr>
+          <a:xfrm>
+            <a:off x="11029874" y="3247313"/>
+            <a:ext cx="221673" cy="240142"/>
+          </a:xfrm>
+          <a:prstGeom prst="ellipse">
+            <a:avLst/>
+          </a:prstGeom>
+        </p:spPr>
+        <p:style>
+          <a:lnRef idx="1">
+            <a:schemeClr val="accent4"/>
+          </a:lnRef>
+          <a:fillRef idx="2">
+            <a:schemeClr val="accent4"/>
+          </a:fillRef>
+          <a:effectRef idx="1">
+            <a:schemeClr val="accent4"/>
+          </a:effectRef>
+          <a:fontRef idx="minor">
+            <a:schemeClr val="dk1"/>
+          </a:fontRef>
+        </p:style>
+        <p:txBody>
+          <a:bodyPr rtlCol="0" anchor="ctr"/>
+          <a:lstStyle/>
+          <a:p>
+            <a:pPr algn="ctr"/>
+            <a:endParaRPr lang="zh-CN" altLang="en-US"/>
+          </a:p>
+        </p:txBody>
+      </p:sp>
+      <p:cxnSp>
+        <p:nvCxnSpPr>
+          <p:cNvPr id="19" name="直接箭头连接符 18">
+            <a:extLst>
+              <a:ext uri="{FF2B5EF4-FFF2-40B4-BE49-F238E27FC236}">
+                <a16:creationId xmlns:a16="http://schemas.microsoft.com/office/drawing/2014/main" id="{E91BDCC8-1817-FFD1-A692-EE845CA75FFD}"/>
+              </a:ext>
+            </a:extLst>
+          </p:cNvPr>
+          <p:cNvCxnSpPr>
+            <a:cxnSpLocks/>
+          </p:cNvCxnSpPr>
+          <p:nvPr/>
+        </p:nvCxnSpPr>
+        <p:spPr>
+          <a:xfrm>
+            <a:off x="10465459" y="3367384"/>
+            <a:ext cx="564415" cy="0"/>
+          </a:xfrm>
+          <a:prstGeom prst="straightConnector1">
+            <a:avLst/>
+          </a:prstGeom>
+          <a:ln w="19050">
+            <a:prstDash val="lgDashDotDot"/>
+            <a:tailEnd type="triangle"/>
+          </a:ln>
+        </p:spPr>
+        <p:style>
+          <a:lnRef idx="1">
+            <a:schemeClr val="accent1"/>
+          </a:lnRef>
+          <a:fillRef idx="0">
+            <a:schemeClr val="accent1"/>
+          </a:fillRef>
+          <a:effectRef idx="0">
+            <a:schemeClr val="accent1"/>
+          </a:effectRef>
+          <a:fontRef idx="minor">
+            <a:schemeClr val="tx1"/>
+          </a:fontRef>
+        </p:style>
+      </p:cxnSp>
+      <p:cxnSp>
+        <p:nvCxnSpPr>
+          <p:cNvPr id="26" name="连接符: 曲线 25">
+            <a:extLst>
+              <a:ext uri="{FF2B5EF4-FFF2-40B4-BE49-F238E27FC236}">
+                <a16:creationId xmlns:a16="http://schemas.microsoft.com/office/drawing/2014/main" id="{B8BC2B59-0077-C593-FA76-C9FB86B0F360}"/>
+              </a:ext>
+            </a:extLst>
+          </p:cNvPr>
+          <p:cNvCxnSpPr>
+            <a:cxnSpLocks/>
+            <a:stCxn id="7" idx="4"/>
+          </p:cNvCxnSpPr>
+          <p:nvPr/>
+        </p:nvCxnSpPr>
+        <p:spPr>
+          <a:xfrm rot="16200000" flipH="1">
+            <a:off x="4546575" y="3754450"/>
+            <a:ext cx="1125651" cy="591660"/>
+          </a:xfrm>
+          <a:prstGeom prst="curvedConnector3">
+            <a:avLst>
+              <a:gd name="adj1" fmla="val 50000"/>
+            </a:avLst>
+          </a:prstGeom>
+          <a:ln>
+            <a:solidFill>
+              <a:schemeClr val="accent5">
+                <a:lumMod val="40000"/>
+                <a:lumOff val="60000"/>
+              </a:schemeClr>
+            </a:solidFill>
+            <a:tailEnd type="triangle"/>
+          </a:ln>
+        </p:spPr>
+        <p:style>
+          <a:lnRef idx="1">
+            <a:schemeClr val="accent1"/>
+          </a:lnRef>
+          <a:fillRef idx="0">
+            <a:schemeClr val="accent1"/>
+          </a:fillRef>
+          <a:effectRef idx="0">
+            <a:schemeClr val="accent1"/>
+          </a:effectRef>
+          <a:fontRef idx="minor">
+            <a:schemeClr val="tx1"/>
+          </a:fontRef>
+        </p:style>
+      </p:cxnSp>
+      <p:sp>
+        <p:nvSpPr>
+          <p:cNvPr id="30" name="文本框 29">
+            <a:extLst>
+              <a:ext uri="{FF2B5EF4-FFF2-40B4-BE49-F238E27FC236}">
+                <a16:creationId xmlns:a16="http://schemas.microsoft.com/office/drawing/2014/main" id="{1B88332E-D6CF-D18D-754C-3BDC40D5EE79}"/>
               </a:ext>
             </a:extLst>
           </p:cNvPr>
@@ -5700,94 +5617,240 @@
         </p:nvSpPr>
         <p:spPr>
           <a:xfrm>
-            <a:off x="838200" y="1178599"/>
-            <a:ext cx="10611255" cy="3374129"/>
+            <a:off x="5406962" y="5378004"/>
+            <a:ext cx="1107996" cy="369332"/>
           </a:xfrm>
           <a:prstGeom prst="rect">
             <a:avLst/>
           </a:prstGeom>
-          <a:noFill/>
-        </p:spPr>
-        <p:txBody>
-          <a:bodyPr wrap="square" rtlCol="0">
+          <a:ln>
+            <a:noFill/>
+          </a:ln>
+        </p:spPr>
+        <p:style>
+          <a:lnRef idx="2">
+            <a:schemeClr val="accent6"/>
+          </a:lnRef>
+          <a:fillRef idx="1">
+            <a:schemeClr val="lt1"/>
+          </a:fillRef>
+          <a:effectRef idx="0">
+            <a:schemeClr val="accent6"/>
+          </a:effectRef>
+          <a:fontRef idx="minor">
+            <a:schemeClr val="dk1"/>
+          </a:fontRef>
+        </p:style>
+        <p:txBody>
+          <a:bodyPr wrap="none" rtlCol="0">
             <a:spAutoFit/>
           </a:bodyPr>
           <a:lstStyle/>
           <a:p>
-            <a:pPr>
-              <a:lnSpc>
-                <a:spcPct val="150000"/>
-              </a:lnSpc>
-            </a:pPr>
             <a:r>
               <a:rPr lang="zh-CN" altLang="en-US" dirty="0"/>
-              <a:t>这里提供的开发规范，是均衡利弊后的考虑，可参考采纳 ：</a:t>
-            </a:r>
-            <a:endParaRPr lang="en-US" altLang="zh-CN" dirty="0"/>
-          </a:p>
-          <a:p>
-            <a:pPr marL="285750" indent="-285750">
-              <a:lnSpc>
-                <a:spcPct val="150000"/>
-              </a:lnSpc>
-              <a:buFont typeface="Wingdings" panose="05000000000000000000" pitchFamily="2" charset="2"/>
-              <a:buChar char="n"/>
-            </a:pPr>
-            <a:r>
-              <a:rPr lang="zh-CN" altLang="en-US" dirty="0"/>
-              <a:t>如果同一个问题由两人以上处理，只要分工合理，各自签出自己负责的文档进行工作，可以互不干扰。</a:t>
-            </a:r>
-            <a:endParaRPr lang="en-US" altLang="zh-CN" dirty="0"/>
-          </a:p>
-          <a:p>
-            <a:pPr marL="285750" indent="-285750">
-              <a:lnSpc>
-                <a:spcPct val="150000"/>
-              </a:lnSpc>
-              <a:buFont typeface="Wingdings" panose="05000000000000000000" pitchFamily="2" charset="2"/>
-              <a:buChar char="n"/>
-            </a:pPr>
-            <a:r>
-              <a:rPr lang="zh-CN" altLang="en-US" dirty="0"/>
-              <a:t>需求分析师要分析和记录好问题和问题之间的上下游关系、问题和模块之间的对应关系、模块和模块之间的关联关系，基于此来对任务进度做跟踪，和客户讨论确定发版范围（问题清单里哪些已具备发版条件，哪些有关联需当期或延期一起发版）。</a:t>
-            </a:r>
-            <a:endParaRPr lang="en-US" altLang="zh-CN" dirty="0"/>
-          </a:p>
-          <a:p>
-            <a:pPr marL="285750" indent="-285750">
-              <a:lnSpc>
-                <a:spcPct val="150000"/>
-              </a:lnSpc>
-              <a:buFont typeface="Wingdings" panose="05000000000000000000" pitchFamily="2" charset="2"/>
-              <a:buChar char="n"/>
-            </a:pPr>
-            <a:r>
-              <a:rPr lang="zh-CN" altLang="en-US" dirty="0"/>
-              <a:t>关联模块，无法分拆上线，只要其中有一个模块未测试或验证通过，就应该一并延期到后续进行发版。</a:t>
-            </a:r>
-            <a:endParaRPr lang="en-US" altLang="zh-CN" dirty="0"/>
-          </a:p>
-          <a:p>
-            <a:pPr marL="285750" indent="-285750">
-              <a:lnSpc>
-                <a:spcPct val="150000"/>
-              </a:lnSpc>
-              <a:buFont typeface="Wingdings" panose="05000000000000000000" pitchFamily="2" charset="2"/>
-              <a:buChar char="n"/>
-            </a:pPr>
-            <a:r>
-              <a:rPr lang="zh-CN" altLang="en-US" dirty="0"/>
-              <a:t>如果下一批采集到的问题有涉及到当前正在处理的模块，赶不上本次的开发计划或无法插队，应该说服客户，只能等到本次升级完成后，安排到次一轮的升级计划中。</a:t>
-            </a:r>
-          </a:p>
-        </p:txBody>
-      </p:sp>
-      <p:sp>
-        <p:nvSpPr>
-          <p:cNvPr id="6" name="标题 1">
-            <a:extLst>
-              <a:ext uri="{FF2B5EF4-FFF2-40B4-BE49-F238E27FC236}">
-                <a16:creationId xmlns:a16="http://schemas.microsoft.com/office/drawing/2014/main" id="{72C3EFBE-B651-8D45-BA2F-26C62F3114D2}"/>
+              <a:t>增量备份</a:t>
+            </a:r>
+          </a:p>
+        </p:txBody>
+      </p:sp>
+      <p:cxnSp>
+        <p:nvCxnSpPr>
+          <p:cNvPr id="31" name="连接符: 曲线 30">
+            <a:extLst>
+              <a:ext uri="{FF2B5EF4-FFF2-40B4-BE49-F238E27FC236}">
+                <a16:creationId xmlns:a16="http://schemas.microsoft.com/office/drawing/2014/main" id="{2BCFC091-25CB-ECA6-8BD4-84B64741030A}"/>
+              </a:ext>
+            </a:extLst>
+          </p:cNvPr>
+          <p:cNvCxnSpPr>
+            <a:cxnSpLocks/>
+            <a:stCxn id="9" idx="4"/>
+          </p:cNvCxnSpPr>
+          <p:nvPr/>
+        </p:nvCxnSpPr>
+        <p:spPr>
+          <a:xfrm rot="5400000">
+            <a:off x="5414888" y="3998124"/>
+            <a:ext cx="1098705" cy="77366"/>
+          </a:xfrm>
+          <a:prstGeom prst="curvedConnector3">
+            <a:avLst>
+              <a:gd name="adj1" fmla="val 50000"/>
+            </a:avLst>
+          </a:prstGeom>
+          <a:ln>
+            <a:solidFill>
+              <a:schemeClr val="accent5">
+                <a:lumMod val="40000"/>
+                <a:lumOff val="60000"/>
+              </a:schemeClr>
+            </a:solidFill>
+            <a:tailEnd type="triangle"/>
+          </a:ln>
+        </p:spPr>
+        <p:style>
+          <a:lnRef idx="1">
+            <a:schemeClr val="accent1"/>
+          </a:lnRef>
+          <a:fillRef idx="0">
+            <a:schemeClr val="accent1"/>
+          </a:fillRef>
+          <a:effectRef idx="0">
+            <a:schemeClr val="accent1"/>
+          </a:effectRef>
+          <a:fontRef idx="minor">
+            <a:schemeClr val="tx1"/>
+          </a:fontRef>
+        </p:style>
+      </p:cxnSp>
+      <p:cxnSp>
+        <p:nvCxnSpPr>
+          <p:cNvPr id="34" name="连接符: 曲线 33">
+            <a:extLst>
+              <a:ext uri="{FF2B5EF4-FFF2-40B4-BE49-F238E27FC236}">
+                <a16:creationId xmlns:a16="http://schemas.microsoft.com/office/drawing/2014/main" id="{C669DB96-1FF4-BC21-D94F-C17A55E2F69C}"/>
+              </a:ext>
+            </a:extLst>
+          </p:cNvPr>
+          <p:cNvCxnSpPr>
+            <a:cxnSpLocks/>
+            <a:stCxn id="10" idx="4"/>
+          </p:cNvCxnSpPr>
+          <p:nvPr/>
+        </p:nvCxnSpPr>
+        <p:spPr>
+          <a:xfrm rot="5400000">
+            <a:off x="6148342" y="3712655"/>
+            <a:ext cx="1125653" cy="675252"/>
+          </a:xfrm>
+          <a:prstGeom prst="curvedConnector3">
+            <a:avLst>
+              <a:gd name="adj1" fmla="val 50000"/>
+            </a:avLst>
+          </a:prstGeom>
+          <a:ln>
+            <a:solidFill>
+              <a:schemeClr val="accent5">
+                <a:lumMod val="40000"/>
+                <a:lumOff val="60000"/>
+              </a:schemeClr>
+            </a:solidFill>
+            <a:tailEnd type="triangle"/>
+          </a:ln>
+        </p:spPr>
+        <p:style>
+          <a:lnRef idx="1">
+            <a:schemeClr val="accent1"/>
+          </a:lnRef>
+          <a:fillRef idx="0">
+            <a:schemeClr val="accent1"/>
+          </a:fillRef>
+          <a:effectRef idx="0">
+            <a:schemeClr val="accent1"/>
+          </a:effectRef>
+          <a:fontRef idx="minor">
+            <a:schemeClr val="tx1"/>
+          </a:fontRef>
+        </p:style>
+      </p:cxnSp>
+      <p:cxnSp>
+        <p:nvCxnSpPr>
+          <p:cNvPr id="38" name="连接符: 曲线 37">
+            <a:extLst>
+              <a:ext uri="{FF2B5EF4-FFF2-40B4-BE49-F238E27FC236}">
+                <a16:creationId xmlns:a16="http://schemas.microsoft.com/office/drawing/2014/main" id="{FAE28F63-7AEF-7000-1D9F-5283A48E06B3}"/>
+              </a:ext>
+            </a:extLst>
+          </p:cNvPr>
+          <p:cNvCxnSpPr>
+            <a:cxnSpLocks/>
+            <a:stCxn id="12" idx="4"/>
+          </p:cNvCxnSpPr>
+          <p:nvPr/>
+        </p:nvCxnSpPr>
+        <p:spPr>
+          <a:xfrm rot="5400000">
+            <a:off x="6806953" y="3355731"/>
+            <a:ext cx="1125651" cy="1389098"/>
+          </a:xfrm>
+          <a:prstGeom prst="curvedConnector2">
+            <a:avLst/>
+          </a:prstGeom>
+          <a:ln>
+            <a:solidFill>
+              <a:schemeClr val="accent5">
+                <a:lumMod val="40000"/>
+                <a:lumOff val="60000"/>
+              </a:schemeClr>
+            </a:solidFill>
+            <a:tailEnd type="triangle"/>
+          </a:ln>
+        </p:spPr>
+        <p:style>
+          <a:lnRef idx="1">
+            <a:schemeClr val="accent1"/>
+          </a:lnRef>
+          <a:fillRef idx="0">
+            <a:schemeClr val="accent1"/>
+          </a:fillRef>
+          <a:effectRef idx="0">
+            <a:schemeClr val="accent1"/>
+          </a:effectRef>
+          <a:fontRef idx="minor">
+            <a:schemeClr val="tx1"/>
+          </a:fontRef>
+        </p:style>
+      </p:cxnSp>
+      <p:cxnSp>
+        <p:nvCxnSpPr>
+          <p:cNvPr id="41" name="连接符: 曲线 40">
+            <a:extLst>
+              <a:ext uri="{FF2B5EF4-FFF2-40B4-BE49-F238E27FC236}">
+                <a16:creationId xmlns:a16="http://schemas.microsoft.com/office/drawing/2014/main" id="{59B9FA8A-5AC8-CD53-BCA2-90D613CC1558}"/>
+              </a:ext>
+            </a:extLst>
+          </p:cNvPr>
+          <p:cNvCxnSpPr>
+            <a:cxnSpLocks/>
+            <a:stCxn id="18" idx="0"/>
+            <a:endCxn id="3" idx="4"/>
+          </p:cNvCxnSpPr>
+          <p:nvPr/>
+        </p:nvCxnSpPr>
+        <p:spPr>
+          <a:xfrm rot="16200000" flipV="1">
+            <a:off x="8447877" y="554478"/>
+            <a:ext cx="1404589" cy="3981081"/>
+          </a:xfrm>
+          <a:prstGeom prst="curvedConnector2">
+            <a:avLst/>
+          </a:prstGeom>
+          <a:ln>
+            <a:tailEnd type="triangle"/>
+          </a:ln>
+        </p:spPr>
+        <p:style>
+          <a:lnRef idx="1">
+            <a:schemeClr val="accent1"/>
+          </a:lnRef>
+          <a:fillRef idx="0">
+            <a:schemeClr val="accent1"/>
+          </a:fillRef>
+          <a:effectRef idx="0">
+            <a:schemeClr val="accent1"/>
+          </a:effectRef>
+          <a:fontRef idx="minor">
+            <a:schemeClr val="tx1"/>
+          </a:fontRef>
+        </p:style>
+      </p:cxnSp>
+      <p:sp>
+        <p:nvSpPr>
+          <p:cNvPr id="65" name="标题 1">
+            <a:extLst>
+              <a:ext uri="{FF2B5EF4-FFF2-40B4-BE49-F238E27FC236}">
+                <a16:creationId xmlns:a16="http://schemas.microsoft.com/office/drawing/2014/main" id="{D7823C94-E47B-677C-BFCC-3574F2831CE5}"/>
               </a:ext>
             </a:extLst>
           </p:cNvPr>
@@ -5830,17 +5893,887 @@
           </a:lstStyle>
           <a:p>
             <a:r>
-              <a:rPr lang="zh-CN" altLang="en-US"/>
-              <a:t>模块升级策略：小瀑布不交替</a:t>
-            </a:r>
+              <a:rPr lang="zh-CN" altLang="en-US" dirty="0"/>
+              <a:t>模块开发策略：签出期间排故</a:t>
+            </a:r>
+          </a:p>
+        </p:txBody>
+      </p:sp>
+      <p:sp>
+        <p:nvSpPr>
+          <p:cNvPr id="2" name="椭圆 1">
+            <a:extLst>
+              <a:ext uri="{FF2B5EF4-FFF2-40B4-BE49-F238E27FC236}">
+                <a16:creationId xmlns:a16="http://schemas.microsoft.com/office/drawing/2014/main" id="{A30B12E1-552A-14D2-549B-6D66F94A1DF9}"/>
+              </a:ext>
+            </a:extLst>
+          </p:cNvPr>
+          <p:cNvSpPr/>
+          <p:nvPr/>
+        </p:nvSpPr>
+        <p:spPr>
+          <a:xfrm>
+            <a:off x="3861425" y="5747336"/>
+            <a:ext cx="382328" cy="399010"/>
+          </a:xfrm>
+          <a:prstGeom prst="ellipse">
+            <a:avLst/>
+          </a:prstGeom>
+        </p:spPr>
+        <p:style>
+          <a:lnRef idx="2">
+            <a:schemeClr val="accent2">
+              <a:shade val="50000"/>
+            </a:schemeClr>
+          </a:lnRef>
+          <a:fillRef idx="1">
+            <a:schemeClr val="accent2"/>
+          </a:fillRef>
+          <a:effectRef idx="0">
+            <a:schemeClr val="accent2"/>
+          </a:effectRef>
+          <a:fontRef idx="minor">
+            <a:schemeClr val="lt1"/>
+          </a:fontRef>
+        </p:style>
+        <p:txBody>
+          <a:bodyPr rtlCol="0" anchor="ctr"/>
+          <a:lstStyle/>
+          <a:p>
+            <a:pPr algn="ctr"/>
             <a:endParaRPr lang="zh-CN" altLang="en-US" dirty="0"/>
+          </a:p>
+        </p:txBody>
+      </p:sp>
+      <p:cxnSp>
+        <p:nvCxnSpPr>
+          <p:cNvPr id="16" name="直接箭头连接符 15">
+            <a:extLst>
+              <a:ext uri="{FF2B5EF4-FFF2-40B4-BE49-F238E27FC236}">
+                <a16:creationId xmlns:a16="http://schemas.microsoft.com/office/drawing/2014/main" id="{EB2BCB83-0497-E612-AA64-81076D2B2747}"/>
+              </a:ext>
+            </a:extLst>
+          </p:cNvPr>
+          <p:cNvCxnSpPr>
+            <a:cxnSpLocks/>
+          </p:cNvCxnSpPr>
+          <p:nvPr/>
+        </p:nvCxnSpPr>
+        <p:spPr>
+          <a:xfrm flipV="1">
+            <a:off x="4243753" y="5936463"/>
+            <a:ext cx="3258026" cy="6919"/>
+          </a:xfrm>
+          <a:prstGeom prst="straightConnector1">
+            <a:avLst/>
+          </a:prstGeom>
+          <a:ln w="19050">
+            <a:prstDash val="lgDashDotDot"/>
+            <a:tailEnd type="triangle"/>
+          </a:ln>
+        </p:spPr>
+        <p:style>
+          <a:lnRef idx="1">
+            <a:schemeClr val="accent1"/>
+          </a:lnRef>
+          <a:fillRef idx="0">
+            <a:schemeClr val="accent1"/>
+          </a:fillRef>
+          <a:effectRef idx="0">
+            <a:schemeClr val="accent1"/>
+          </a:effectRef>
+          <a:fontRef idx="minor">
+            <a:schemeClr val="tx1"/>
+          </a:fontRef>
+        </p:style>
+      </p:cxnSp>
+      <p:sp>
+        <p:nvSpPr>
+          <p:cNvPr id="21" name="椭圆 20">
+            <a:extLst>
+              <a:ext uri="{FF2B5EF4-FFF2-40B4-BE49-F238E27FC236}">
+                <a16:creationId xmlns:a16="http://schemas.microsoft.com/office/drawing/2014/main" id="{DDD729C3-FAC9-AB0D-C050-4E103301ED4C}"/>
+              </a:ext>
+            </a:extLst>
+          </p:cNvPr>
+          <p:cNvSpPr/>
+          <p:nvPr/>
+        </p:nvSpPr>
+        <p:spPr>
+          <a:xfrm>
+            <a:off x="7501779" y="5740417"/>
+            <a:ext cx="382328" cy="399010"/>
+          </a:xfrm>
+          <a:prstGeom prst="ellipse">
+            <a:avLst/>
+          </a:prstGeom>
+        </p:spPr>
+        <p:style>
+          <a:lnRef idx="2">
+            <a:schemeClr val="accent6">
+              <a:shade val="50000"/>
+            </a:schemeClr>
+          </a:lnRef>
+          <a:fillRef idx="1">
+            <a:schemeClr val="accent6"/>
+          </a:fillRef>
+          <a:effectRef idx="0">
+            <a:schemeClr val="accent6"/>
+          </a:effectRef>
+          <a:fontRef idx="minor">
+            <a:schemeClr val="lt1"/>
+          </a:fontRef>
+        </p:style>
+        <p:txBody>
+          <a:bodyPr rtlCol="0" anchor="ctr"/>
+          <a:lstStyle/>
+          <a:p>
+            <a:pPr algn="ctr"/>
+            <a:endParaRPr lang="zh-CN" altLang="en-US" sz="1100" dirty="0"/>
+          </a:p>
+        </p:txBody>
+      </p:sp>
+      <p:cxnSp>
+        <p:nvCxnSpPr>
+          <p:cNvPr id="29" name="连接符: 曲线 28">
+            <a:extLst>
+              <a:ext uri="{FF2B5EF4-FFF2-40B4-BE49-F238E27FC236}">
+                <a16:creationId xmlns:a16="http://schemas.microsoft.com/office/drawing/2014/main" id="{072F4A4D-81DD-80ED-14F2-541657A2E0A6}"/>
+              </a:ext>
+            </a:extLst>
+          </p:cNvPr>
+          <p:cNvCxnSpPr>
+            <a:cxnSpLocks/>
+            <a:stCxn id="3" idx="2"/>
+            <a:endCxn id="2" idx="0"/>
+          </p:cNvCxnSpPr>
+          <p:nvPr/>
+        </p:nvCxnSpPr>
+        <p:spPr>
+          <a:xfrm rot="10800000" flipV="1">
+            <a:off x="4052590" y="1842724"/>
+            <a:ext cx="869679" cy="3904612"/>
+          </a:xfrm>
+          <a:prstGeom prst="curvedConnector2">
+            <a:avLst/>
+          </a:prstGeom>
+          <a:ln>
+            <a:tailEnd type="triangle"/>
+          </a:ln>
+        </p:spPr>
+        <p:style>
+          <a:lnRef idx="1">
+            <a:schemeClr val="accent1"/>
+          </a:lnRef>
+          <a:fillRef idx="0">
+            <a:schemeClr val="accent1"/>
+          </a:fillRef>
+          <a:effectRef idx="0">
+            <a:schemeClr val="accent1"/>
+          </a:effectRef>
+          <a:fontRef idx="minor">
+            <a:schemeClr val="tx1"/>
+          </a:fontRef>
+        </p:style>
+      </p:cxnSp>
+      <p:sp>
+        <p:nvSpPr>
+          <p:cNvPr id="39" name="文本框 38">
+            <a:extLst>
+              <a:ext uri="{FF2B5EF4-FFF2-40B4-BE49-F238E27FC236}">
+                <a16:creationId xmlns:a16="http://schemas.microsoft.com/office/drawing/2014/main" id="{1854A979-D76E-516B-FB92-E0BAA6A11CA0}"/>
+              </a:ext>
+            </a:extLst>
+          </p:cNvPr>
+          <p:cNvSpPr txBox="1"/>
+          <p:nvPr/>
+        </p:nvSpPr>
+        <p:spPr>
+          <a:xfrm>
+            <a:off x="3729423" y="6205954"/>
+            <a:ext cx="646331" cy="369332"/>
+          </a:xfrm>
+          <a:prstGeom prst="rect">
+            <a:avLst/>
+          </a:prstGeom>
+          <a:noFill/>
+        </p:spPr>
+        <p:txBody>
+          <a:bodyPr wrap="none" rtlCol="0">
+            <a:spAutoFit/>
+          </a:bodyPr>
+          <a:lstStyle/>
+          <a:p>
+            <a:r>
+              <a:rPr lang="zh-CN" altLang="en-US" dirty="0"/>
+              <a:t>排故</a:t>
+            </a:r>
+          </a:p>
+        </p:txBody>
+      </p:sp>
+      <p:sp>
+        <p:nvSpPr>
+          <p:cNvPr id="40" name="文本框 39">
+            <a:extLst>
+              <a:ext uri="{FF2B5EF4-FFF2-40B4-BE49-F238E27FC236}">
+                <a16:creationId xmlns:a16="http://schemas.microsoft.com/office/drawing/2014/main" id="{DE033731-D799-4223-6778-59ACB898AF7E}"/>
+              </a:ext>
+            </a:extLst>
+          </p:cNvPr>
+          <p:cNvSpPr txBox="1"/>
+          <p:nvPr/>
+        </p:nvSpPr>
+        <p:spPr>
+          <a:xfrm>
+            <a:off x="7369778" y="6233297"/>
+            <a:ext cx="646331" cy="369332"/>
+          </a:xfrm>
+          <a:prstGeom prst="rect">
+            <a:avLst/>
+          </a:prstGeom>
+          <a:noFill/>
+        </p:spPr>
+        <p:txBody>
+          <a:bodyPr wrap="none" rtlCol="0">
+            <a:spAutoFit/>
+          </a:bodyPr>
+          <a:lstStyle/>
+          <a:p>
+            <a:r>
+              <a:rPr lang="zh-CN" altLang="en-US" dirty="0"/>
+              <a:t>修复</a:t>
+            </a:r>
+          </a:p>
+        </p:txBody>
+      </p:sp>
+      <p:sp>
+        <p:nvSpPr>
+          <p:cNvPr id="43" name="文本框 42">
+            <a:extLst>
+              <a:ext uri="{FF2B5EF4-FFF2-40B4-BE49-F238E27FC236}">
+                <a16:creationId xmlns:a16="http://schemas.microsoft.com/office/drawing/2014/main" id="{8890C947-72BE-4EEB-E07A-D1E6C13E0655}"/>
+              </a:ext>
+            </a:extLst>
+          </p:cNvPr>
+          <p:cNvSpPr txBox="1"/>
+          <p:nvPr/>
+        </p:nvSpPr>
+        <p:spPr>
+          <a:xfrm>
+            <a:off x="2318741" y="5019917"/>
+            <a:ext cx="1800493" cy="369332"/>
+          </a:xfrm>
+          <a:prstGeom prst="rect">
+            <a:avLst/>
+          </a:prstGeom>
+          <a:noFill/>
+        </p:spPr>
+        <p:txBody>
+          <a:bodyPr wrap="none" rtlCol="0">
+            <a:spAutoFit/>
+          </a:bodyPr>
+          <a:lstStyle/>
+          <a:p>
+            <a:r>
+              <a:rPr lang="zh-CN" altLang="en-US" dirty="0"/>
+              <a:t>下载到临时目录</a:t>
+            </a:r>
+          </a:p>
+        </p:txBody>
+      </p:sp>
+      <p:cxnSp>
+        <p:nvCxnSpPr>
+          <p:cNvPr id="46" name="直接箭头连接符 45">
+            <a:extLst>
+              <a:ext uri="{FF2B5EF4-FFF2-40B4-BE49-F238E27FC236}">
+                <a16:creationId xmlns:a16="http://schemas.microsoft.com/office/drawing/2014/main" id="{57C22540-DCD3-72A1-C126-634B54E2C3C5}"/>
+              </a:ext>
+            </a:extLst>
+          </p:cNvPr>
+          <p:cNvCxnSpPr>
+            <a:cxnSpLocks/>
+            <a:stCxn id="21" idx="0"/>
+            <a:endCxn id="50" idx="4"/>
+          </p:cNvCxnSpPr>
+          <p:nvPr/>
+        </p:nvCxnSpPr>
+        <p:spPr>
+          <a:xfrm flipV="1">
+            <a:off x="7692943" y="3502136"/>
+            <a:ext cx="1" cy="2238281"/>
+          </a:xfrm>
+          <a:prstGeom prst="straightConnector1">
+            <a:avLst/>
+          </a:prstGeom>
+          <a:ln w="19050">
+            <a:prstDash val="lgDashDotDot"/>
+            <a:tailEnd type="triangle"/>
+          </a:ln>
+        </p:spPr>
+        <p:style>
+          <a:lnRef idx="1">
+            <a:schemeClr val="accent1"/>
+          </a:lnRef>
+          <a:fillRef idx="0">
+            <a:schemeClr val="accent1"/>
+          </a:fillRef>
+          <a:effectRef idx="0">
+            <a:schemeClr val="accent1"/>
+          </a:effectRef>
+          <a:fontRef idx="minor">
+            <a:schemeClr val="tx1"/>
+          </a:fontRef>
+        </p:style>
+      </p:cxnSp>
+      <p:sp>
+        <p:nvSpPr>
+          <p:cNvPr id="50" name="椭圆 49">
+            <a:extLst>
+              <a:ext uri="{FF2B5EF4-FFF2-40B4-BE49-F238E27FC236}">
+                <a16:creationId xmlns:a16="http://schemas.microsoft.com/office/drawing/2014/main" id="{2787EE24-5FEA-335E-17F5-B768C3A52671}"/>
+              </a:ext>
+            </a:extLst>
+          </p:cNvPr>
+          <p:cNvSpPr/>
+          <p:nvPr/>
+        </p:nvSpPr>
+        <p:spPr>
+          <a:xfrm>
+            <a:off x="7582107" y="3261994"/>
+            <a:ext cx="221673" cy="240142"/>
+          </a:xfrm>
+          <a:prstGeom prst="ellipse">
+            <a:avLst/>
+          </a:prstGeom>
+        </p:spPr>
+        <p:style>
+          <a:lnRef idx="1">
+            <a:schemeClr val="accent4"/>
+          </a:lnRef>
+          <a:fillRef idx="2">
+            <a:schemeClr val="accent4"/>
+          </a:fillRef>
+          <a:effectRef idx="1">
+            <a:schemeClr val="accent4"/>
+          </a:effectRef>
+          <a:fontRef idx="minor">
+            <a:schemeClr val="dk1"/>
+          </a:fontRef>
+        </p:style>
+        <p:txBody>
+          <a:bodyPr rtlCol="0" anchor="ctr"/>
+          <a:lstStyle/>
+          <a:p>
+            <a:pPr algn="ctr"/>
+            <a:endParaRPr lang="zh-CN" altLang="en-US"/>
+          </a:p>
+        </p:txBody>
+      </p:sp>
+      <p:sp>
+        <p:nvSpPr>
+          <p:cNvPr id="54" name="文本框 53">
+            <a:extLst>
+              <a:ext uri="{FF2B5EF4-FFF2-40B4-BE49-F238E27FC236}">
+                <a16:creationId xmlns:a16="http://schemas.microsoft.com/office/drawing/2014/main" id="{6C8CAF7C-76D3-2FFE-E755-23BE924985E0}"/>
+              </a:ext>
+            </a:extLst>
+          </p:cNvPr>
+          <p:cNvSpPr txBox="1"/>
+          <p:nvPr/>
+        </p:nvSpPr>
+        <p:spPr>
+          <a:xfrm>
+            <a:off x="7121567" y="2816565"/>
+            <a:ext cx="1107996" cy="369332"/>
+          </a:xfrm>
+          <a:prstGeom prst="rect">
+            <a:avLst/>
+          </a:prstGeom>
+          <a:noFill/>
+        </p:spPr>
+        <p:txBody>
+          <a:bodyPr wrap="none" rtlCol="0">
+            <a:spAutoFit/>
+          </a:bodyPr>
+          <a:lstStyle/>
+          <a:p>
+            <a:r>
+              <a:rPr lang="zh-CN" altLang="en-US" dirty="0"/>
+              <a:t>合并代码</a:t>
+            </a:r>
+          </a:p>
+        </p:txBody>
+      </p:sp>
+      <p:sp>
+        <p:nvSpPr>
+          <p:cNvPr id="55" name="文本框 54">
+            <a:extLst>
+              <a:ext uri="{FF2B5EF4-FFF2-40B4-BE49-F238E27FC236}">
+                <a16:creationId xmlns:a16="http://schemas.microsoft.com/office/drawing/2014/main" id="{22CDBD4C-1867-B1EA-AD49-402EDAA5E402}"/>
+              </a:ext>
+            </a:extLst>
+          </p:cNvPr>
+          <p:cNvSpPr txBox="1"/>
+          <p:nvPr/>
+        </p:nvSpPr>
+        <p:spPr>
+          <a:xfrm>
+            <a:off x="7931776" y="3544978"/>
+            <a:ext cx="1107996" cy="369332"/>
+          </a:xfrm>
+          <a:prstGeom prst="rect">
+            <a:avLst/>
+          </a:prstGeom>
+          <a:noFill/>
+        </p:spPr>
+        <p:txBody>
+          <a:bodyPr wrap="none" rtlCol="0">
+            <a:spAutoFit/>
+          </a:bodyPr>
+          <a:lstStyle/>
+          <a:p>
+            <a:r>
+              <a:rPr lang="zh-CN" altLang="en-US" dirty="0"/>
+              <a:t>安排复测</a:t>
+            </a:r>
+          </a:p>
+        </p:txBody>
+      </p:sp>
+      <p:sp>
+        <p:nvSpPr>
+          <p:cNvPr id="56" name="椭圆 55">
+            <a:extLst>
+              <a:ext uri="{FF2B5EF4-FFF2-40B4-BE49-F238E27FC236}">
+                <a16:creationId xmlns:a16="http://schemas.microsoft.com/office/drawing/2014/main" id="{17D9544F-5577-4758-E740-A5B38A70492C}"/>
+              </a:ext>
+            </a:extLst>
+          </p:cNvPr>
+          <p:cNvSpPr/>
+          <p:nvPr/>
+        </p:nvSpPr>
+        <p:spPr>
+          <a:xfrm>
+            <a:off x="8324873" y="3256291"/>
+            <a:ext cx="221673" cy="240142"/>
+          </a:xfrm>
+          <a:prstGeom prst="ellipse">
+            <a:avLst/>
+          </a:prstGeom>
+        </p:spPr>
+        <p:style>
+          <a:lnRef idx="1">
+            <a:schemeClr val="accent4"/>
+          </a:lnRef>
+          <a:fillRef idx="2">
+            <a:schemeClr val="accent4"/>
+          </a:fillRef>
+          <a:effectRef idx="1">
+            <a:schemeClr val="accent4"/>
+          </a:effectRef>
+          <a:fontRef idx="minor">
+            <a:schemeClr val="dk1"/>
+          </a:fontRef>
+        </p:style>
+        <p:txBody>
+          <a:bodyPr rtlCol="0" anchor="ctr"/>
+          <a:lstStyle/>
+          <a:p>
+            <a:pPr algn="ctr"/>
+            <a:endParaRPr lang="zh-CN" altLang="en-US"/>
+          </a:p>
+        </p:txBody>
+      </p:sp>
+      <p:sp>
+        <p:nvSpPr>
+          <p:cNvPr id="57" name="椭圆 56">
+            <a:extLst>
+              <a:ext uri="{FF2B5EF4-FFF2-40B4-BE49-F238E27FC236}">
+                <a16:creationId xmlns:a16="http://schemas.microsoft.com/office/drawing/2014/main" id="{C4B7CD12-C725-CA0F-18D3-5C2D3387639E}"/>
+              </a:ext>
+            </a:extLst>
+          </p:cNvPr>
+          <p:cNvSpPr/>
+          <p:nvPr/>
+        </p:nvSpPr>
+        <p:spPr>
+          <a:xfrm>
+            <a:off x="4887727" y="5819851"/>
+            <a:ext cx="221673" cy="240142"/>
+          </a:xfrm>
+          <a:prstGeom prst="ellipse">
+            <a:avLst/>
+          </a:prstGeom>
+        </p:spPr>
+        <p:style>
+          <a:lnRef idx="1">
+            <a:schemeClr val="accent4"/>
+          </a:lnRef>
+          <a:fillRef idx="2">
+            <a:schemeClr val="accent4"/>
+          </a:fillRef>
+          <a:effectRef idx="1">
+            <a:schemeClr val="accent4"/>
+          </a:effectRef>
+          <a:fontRef idx="minor">
+            <a:schemeClr val="dk1"/>
+          </a:fontRef>
+        </p:style>
+        <p:txBody>
+          <a:bodyPr rtlCol="0" anchor="ctr"/>
+          <a:lstStyle/>
+          <a:p>
+            <a:pPr algn="ctr"/>
+            <a:endParaRPr lang="zh-CN" altLang="en-US"/>
+          </a:p>
+        </p:txBody>
+      </p:sp>
+      <p:sp>
+        <p:nvSpPr>
+          <p:cNvPr id="58" name="椭圆 57">
+            <a:extLst>
+              <a:ext uri="{FF2B5EF4-FFF2-40B4-BE49-F238E27FC236}">
+                <a16:creationId xmlns:a16="http://schemas.microsoft.com/office/drawing/2014/main" id="{C124CF2E-7C44-3395-0B4D-C8FAB75B9510}"/>
+              </a:ext>
+            </a:extLst>
+          </p:cNvPr>
+          <p:cNvSpPr/>
+          <p:nvPr/>
+        </p:nvSpPr>
+        <p:spPr>
+          <a:xfrm>
+            <a:off x="5642537" y="5819851"/>
+            <a:ext cx="221673" cy="240142"/>
+          </a:xfrm>
+          <a:prstGeom prst="ellipse">
+            <a:avLst/>
+          </a:prstGeom>
+        </p:spPr>
+        <p:style>
+          <a:lnRef idx="1">
+            <a:schemeClr val="accent4"/>
+          </a:lnRef>
+          <a:fillRef idx="2">
+            <a:schemeClr val="accent4"/>
+          </a:fillRef>
+          <a:effectRef idx="1">
+            <a:schemeClr val="accent4"/>
+          </a:effectRef>
+          <a:fontRef idx="minor">
+            <a:schemeClr val="dk1"/>
+          </a:fontRef>
+        </p:style>
+        <p:txBody>
+          <a:bodyPr rtlCol="0" anchor="ctr"/>
+          <a:lstStyle/>
+          <a:p>
+            <a:pPr algn="ctr"/>
+            <a:endParaRPr lang="zh-CN" altLang="en-US"/>
+          </a:p>
+        </p:txBody>
+      </p:sp>
+      <p:sp>
+        <p:nvSpPr>
+          <p:cNvPr id="59" name="椭圆 58">
+            <a:extLst>
+              <a:ext uri="{FF2B5EF4-FFF2-40B4-BE49-F238E27FC236}">
+                <a16:creationId xmlns:a16="http://schemas.microsoft.com/office/drawing/2014/main" id="{F268FF90-DD6D-15F4-466C-61B2D009BE5A}"/>
+              </a:ext>
+            </a:extLst>
+          </p:cNvPr>
+          <p:cNvSpPr/>
+          <p:nvPr/>
+        </p:nvSpPr>
+        <p:spPr>
+          <a:xfrm>
+            <a:off x="6525295" y="5819851"/>
+            <a:ext cx="221673" cy="240142"/>
+          </a:xfrm>
+          <a:prstGeom prst="ellipse">
+            <a:avLst/>
+          </a:prstGeom>
+        </p:spPr>
+        <p:style>
+          <a:lnRef idx="1">
+            <a:schemeClr val="accent4"/>
+          </a:lnRef>
+          <a:fillRef idx="2">
+            <a:schemeClr val="accent4"/>
+          </a:fillRef>
+          <a:effectRef idx="1">
+            <a:schemeClr val="accent4"/>
+          </a:effectRef>
+          <a:fontRef idx="minor">
+            <a:schemeClr val="dk1"/>
+          </a:fontRef>
+        </p:style>
+        <p:txBody>
+          <a:bodyPr rtlCol="0" anchor="ctr"/>
+          <a:lstStyle/>
+          <a:p>
+            <a:pPr algn="ctr"/>
+            <a:endParaRPr lang="zh-CN" altLang="en-US"/>
+          </a:p>
+        </p:txBody>
+      </p:sp>
+      <p:cxnSp>
+        <p:nvCxnSpPr>
+          <p:cNvPr id="60" name="连接符: 曲线 59">
+            <a:extLst>
+              <a:ext uri="{FF2B5EF4-FFF2-40B4-BE49-F238E27FC236}">
+                <a16:creationId xmlns:a16="http://schemas.microsoft.com/office/drawing/2014/main" id="{2D351B12-9FAA-5BA4-A10B-50052F90A6EE}"/>
+              </a:ext>
+            </a:extLst>
+          </p:cNvPr>
+          <p:cNvCxnSpPr>
+            <a:cxnSpLocks/>
+            <a:stCxn id="57" idx="0"/>
+          </p:cNvCxnSpPr>
+          <p:nvPr/>
+        </p:nvCxnSpPr>
+        <p:spPr>
+          <a:xfrm rot="5400000" flipH="1" flipV="1">
+            <a:off x="4906054" y="5274531"/>
+            <a:ext cx="637831" cy="452810"/>
+          </a:xfrm>
+          <a:prstGeom prst="curvedConnector3">
+            <a:avLst>
+              <a:gd name="adj1" fmla="val 50000"/>
+            </a:avLst>
+          </a:prstGeom>
+          <a:ln>
+            <a:tailEnd type="triangle"/>
+          </a:ln>
+        </p:spPr>
+        <p:style>
+          <a:lnRef idx="1">
+            <a:schemeClr val="accent1"/>
+          </a:lnRef>
+          <a:fillRef idx="0">
+            <a:schemeClr val="accent1"/>
+          </a:fillRef>
+          <a:effectRef idx="0">
+            <a:schemeClr val="accent1"/>
+          </a:effectRef>
+          <a:fontRef idx="minor">
+            <a:schemeClr val="tx1"/>
+          </a:fontRef>
+        </p:style>
+      </p:cxnSp>
+      <p:cxnSp>
+        <p:nvCxnSpPr>
+          <p:cNvPr id="63" name="连接符: 曲线 62">
+            <a:extLst>
+              <a:ext uri="{FF2B5EF4-FFF2-40B4-BE49-F238E27FC236}">
+                <a16:creationId xmlns:a16="http://schemas.microsoft.com/office/drawing/2014/main" id="{595FD316-EE12-ECA3-B23F-280C8E9EB33E}"/>
+              </a:ext>
+            </a:extLst>
+          </p:cNvPr>
+          <p:cNvCxnSpPr>
+            <a:cxnSpLocks/>
+            <a:stCxn id="58" idx="0"/>
+          </p:cNvCxnSpPr>
+          <p:nvPr/>
+        </p:nvCxnSpPr>
+        <p:spPr>
+          <a:xfrm rot="5400000" flipH="1" flipV="1">
+            <a:off x="5482080" y="5413197"/>
+            <a:ext cx="677948" cy="135360"/>
+          </a:xfrm>
+          <a:prstGeom prst="curvedConnector3">
+            <a:avLst>
+              <a:gd name="adj1" fmla="val 50000"/>
+            </a:avLst>
+          </a:prstGeom>
+          <a:ln>
+            <a:tailEnd type="triangle"/>
+          </a:ln>
+        </p:spPr>
+        <p:style>
+          <a:lnRef idx="1">
+            <a:schemeClr val="accent1"/>
+          </a:lnRef>
+          <a:fillRef idx="0">
+            <a:schemeClr val="accent1"/>
+          </a:fillRef>
+          <a:effectRef idx="0">
+            <a:schemeClr val="accent1"/>
+          </a:effectRef>
+          <a:fontRef idx="minor">
+            <a:schemeClr val="tx1"/>
+          </a:fontRef>
+        </p:style>
+      </p:cxnSp>
+      <p:cxnSp>
+        <p:nvCxnSpPr>
+          <p:cNvPr id="67" name="连接符: 曲线 66">
+            <a:extLst>
+              <a:ext uri="{FF2B5EF4-FFF2-40B4-BE49-F238E27FC236}">
+                <a16:creationId xmlns:a16="http://schemas.microsoft.com/office/drawing/2014/main" id="{773D5126-869A-17F0-6020-A59F39C62B89}"/>
+              </a:ext>
+            </a:extLst>
+          </p:cNvPr>
+          <p:cNvCxnSpPr>
+            <a:cxnSpLocks/>
+            <a:stCxn id="59" idx="0"/>
+          </p:cNvCxnSpPr>
+          <p:nvPr/>
+        </p:nvCxnSpPr>
+        <p:spPr>
+          <a:xfrm rot="16200000" flipV="1">
+            <a:off x="6160108" y="5343827"/>
+            <a:ext cx="677948" cy="274100"/>
+          </a:xfrm>
+          <a:prstGeom prst="curvedConnector3">
+            <a:avLst>
+              <a:gd name="adj1" fmla="val 50000"/>
+            </a:avLst>
+          </a:prstGeom>
+          <a:ln>
+            <a:tailEnd type="triangle"/>
+          </a:ln>
+        </p:spPr>
+        <p:style>
+          <a:lnRef idx="1">
+            <a:schemeClr val="accent1"/>
+          </a:lnRef>
+          <a:fillRef idx="0">
+            <a:schemeClr val="accent1"/>
+          </a:fillRef>
+          <a:effectRef idx="0">
+            <a:schemeClr val="accent1"/>
+          </a:effectRef>
+          <a:fontRef idx="minor">
+            <a:schemeClr val="tx1"/>
+          </a:fontRef>
+        </p:style>
+      </p:cxnSp>
+      <p:sp>
+        <p:nvSpPr>
+          <p:cNvPr id="71" name="椭圆 70">
+            <a:extLst>
+              <a:ext uri="{FF2B5EF4-FFF2-40B4-BE49-F238E27FC236}">
+                <a16:creationId xmlns:a16="http://schemas.microsoft.com/office/drawing/2014/main" id="{1DDD599A-A6C0-8FCE-0713-BF65AC7E5C7F}"/>
+              </a:ext>
+            </a:extLst>
+          </p:cNvPr>
+          <p:cNvSpPr/>
+          <p:nvPr/>
+        </p:nvSpPr>
+        <p:spPr>
+          <a:xfrm>
+            <a:off x="2824711" y="5816392"/>
+            <a:ext cx="221673" cy="240142"/>
+          </a:xfrm>
+          <a:prstGeom prst="ellipse">
+            <a:avLst/>
+          </a:prstGeom>
+        </p:spPr>
+        <p:style>
+          <a:lnRef idx="3">
+            <a:schemeClr val="lt1"/>
+          </a:lnRef>
+          <a:fillRef idx="1">
+            <a:schemeClr val="accent2"/>
+          </a:fillRef>
+          <a:effectRef idx="1">
+            <a:schemeClr val="accent2"/>
+          </a:effectRef>
+          <a:fontRef idx="minor">
+            <a:schemeClr val="lt1"/>
+          </a:fontRef>
+        </p:style>
+        <p:txBody>
+          <a:bodyPr rtlCol="0" anchor="ctr"/>
+          <a:lstStyle/>
+          <a:p>
+            <a:pPr algn="ctr"/>
+            <a:endParaRPr lang="zh-CN" altLang="en-US"/>
+          </a:p>
+        </p:txBody>
+      </p:sp>
+      <p:cxnSp>
+        <p:nvCxnSpPr>
+          <p:cNvPr id="72" name="直接箭头连接符 71">
+            <a:extLst>
+              <a:ext uri="{FF2B5EF4-FFF2-40B4-BE49-F238E27FC236}">
+                <a16:creationId xmlns:a16="http://schemas.microsoft.com/office/drawing/2014/main" id="{702C98DB-B8F0-4861-1242-A55F0EEB0503}"/>
+              </a:ext>
+            </a:extLst>
+          </p:cNvPr>
+          <p:cNvCxnSpPr>
+            <a:cxnSpLocks/>
+            <a:stCxn id="71" idx="6"/>
+            <a:endCxn id="2" idx="2"/>
+          </p:cNvCxnSpPr>
+          <p:nvPr/>
+        </p:nvCxnSpPr>
+        <p:spPr>
+          <a:xfrm>
+            <a:off x="3046384" y="5936463"/>
+            <a:ext cx="815041" cy="10378"/>
+          </a:xfrm>
+          <a:prstGeom prst="straightConnector1">
+            <a:avLst/>
+          </a:prstGeom>
+          <a:ln w="19050">
+            <a:prstDash val="lgDashDotDot"/>
+            <a:tailEnd type="triangle"/>
+          </a:ln>
+        </p:spPr>
+        <p:style>
+          <a:lnRef idx="1">
+            <a:schemeClr val="accent1"/>
+          </a:lnRef>
+          <a:fillRef idx="0">
+            <a:schemeClr val="accent1"/>
+          </a:fillRef>
+          <a:effectRef idx="0">
+            <a:schemeClr val="accent1"/>
+          </a:effectRef>
+          <a:fontRef idx="minor">
+            <a:schemeClr val="tx1"/>
+          </a:fontRef>
+        </p:style>
+      </p:cxnSp>
+      <p:sp>
+        <p:nvSpPr>
+          <p:cNvPr id="75" name="文本框 74">
+            <a:extLst>
+              <a:ext uri="{FF2B5EF4-FFF2-40B4-BE49-F238E27FC236}">
+                <a16:creationId xmlns:a16="http://schemas.microsoft.com/office/drawing/2014/main" id="{74855E7D-24D6-3C88-1CA1-D8BF6F0A5D94}"/>
+              </a:ext>
+            </a:extLst>
+          </p:cNvPr>
+          <p:cNvSpPr txBox="1"/>
+          <p:nvPr/>
+        </p:nvSpPr>
+        <p:spPr>
+          <a:xfrm>
+            <a:off x="2612381" y="6210118"/>
+            <a:ext cx="646331" cy="369332"/>
+          </a:xfrm>
+          <a:prstGeom prst="rect">
+            <a:avLst/>
+          </a:prstGeom>
+          <a:noFill/>
+        </p:spPr>
+        <p:txBody>
+          <a:bodyPr wrap="none" rtlCol="0">
+            <a:spAutoFit/>
+          </a:bodyPr>
+          <a:lstStyle/>
+          <a:p>
+            <a:r>
+              <a:rPr lang="zh-CN" altLang="en-US" dirty="0"/>
+              <a:t>接故</a:t>
+            </a:r>
           </a:p>
         </p:txBody>
       </p:sp>
     </p:spTree>
     <p:extLst>
       <p:ext uri="{BB962C8B-B14F-4D97-AF65-F5344CB8AC3E}">
-        <p14:creationId xmlns:p14="http://schemas.microsoft.com/office/powerpoint/2010/main" val="1850864727"/>
+        <p14:creationId xmlns:p14="http://schemas.microsoft.com/office/powerpoint/2010/main" val="3217261712"/>
       </p:ext>
     </p:extLst>
   </p:cSld>
@@ -5869,133 +6802,159 @@
       </p:grpSpPr>
       <p:sp>
         <p:nvSpPr>
-          <p:cNvPr id="2" name="标题 1">
-            <a:extLst>
-              <a:ext uri="{FF2B5EF4-FFF2-40B4-BE49-F238E27FC236}">
-                <a16:creationId xmlns:a16="http://schemas.microsoft.com/office/drawing/2014/main" id="{9203AA04-3D70-46A3-8D3D-FB1CA9218721}"/>
-              </a:ext>
-            </a:extLst>
-          </p:cNvPr>
-          <p:cNvSpPr>
-            <a:spLocks noGrp="1"/>
+          <p:cNvPr id="3" name="文本框 2">
+            <a:extLst>
+              <a:ext uri="{FF2B5EF4-FFF2-40B4-BE49-F238E27FC236}">
+                <a16:creationId xmlns:a16="http://schemas.microsoft.com/office/drawing/2014/main" id="{30BE157A-1944-9CE0-F9C9-DA3537C9595C}"/>
+              </a:ext>
+            </a:extLst>
+          </p:cNvPr>
+          <p:cNvSpPr txBox="1"/>
+          <p:nvPr/>
+        </p:nvSpPr>
+        <p:spPr>
+          <a:xfrm>
+            <a:off x="838200" y="1178599"/>
+            <a:ext cx="10611255" cy="3374129"/>
+          </a:xfrm>
+          <a:prstGeom prst="rect">
+            <a:avLst/>
+          </a:prstGeom>
+          <a:noFill/>
+        </p:spPr>
+        <p:txBody>
+          <a:bodyPr wrap="square" rtlCol="0">
+            <a:spAutoFit/>
+          </a:bodyPr>
+          <a:lstStyle/>
+          <a:p>
+            <a:pPr>
+              <a:lnSpc>
+                <a:spcPct val="150000"/>
+              </a:lnSpc>
+            </a:pPr>
+            <a:r>
+              <a:rPr lang="zh-CN" altLang="en-US" dirty="0"/>
+              <a:t>这里提供的开发规范，是均衡利弊后的考虑，可参考采纳 ：</a:t>
+            </a:r>
+            <a:endParaRPr lang="en-US" altLang="zh-CN" dirty="0"/>
+          </a:p>
+          <a:p>
+            <a:pPr marL="285750" indent="-285750">
+              <a:lnSpc>
+                <a:spcPct val="150000"/>
+              </a:lnSpc>
+              <a:buFont typeface="Wingdings" panose="05000000000000000000" pitchFamily="2" charset="2"/>
+              <a:buChar char="n"/>
+            </a:pPr>
+            <a:r>
+              <a:rPr lang="zh-CN" altLang="en-US" dirty="0"/>
+              <a:t>如果同一个问题由两人以上处理，只要分工合理，各自签出自己负责的文档进行工作，可以互不干扰。</a:t>
+            </a:r>
+            <a:endParaRPr lang="en-US" altLang="zh-CN" dirty="0"/>
+          </a:p>
+          <a:p>
+            <a:pPr marL="285750" indent="-285750">
+              <a:lnSpc>
+                <a:spcPct val="150000"/>
+              </a:lnSpc>
+              <a:buFont typeface="Wingdings" panose="05000000000000000000" pitchFamily="2" charset="2"/>
+              <a:buChar char="n"/>
+            </a:pPr>
+            <a:r>
+              <a:rPr lang="zh-CN" altLang="en-US" dirty="0"/>
+              <a:t>需求分析师要分析和记录好问题和问题之间的上下游关系、问题和模块之间的对应关系、模块和模块之间的关联关系，基于此来对任务进度做跟踪，和客户讨论确定发版范围（问题清单里哪些已具备发版条件，哪些有关联需当期或延期一起发版）。</a:t>
+            </a:r>
+            <a:endParaRPr lang="en-US" altLang="zh-CN" dirty="0"/>
+          </a:p>
+          <a:p>
+            <a:pPr marL="285750" indent="-285750">
+              <a:lnSpc>
+                <a:spcPct val="150000"/>
+              </a:lnSpc>
+              <a:buFont typeface="Wingdings" panose="05000000000000000000" pitchFamily="2" charset="2"/>
+              <a:buChar char="n"/>
+            </a:pPr>
+            <a:r>
+              <a:rPr lang="zh-CN" altLang="en-US" dirty="0"/>
+              <a:t>关联模块，无法分拆上线，只要其中有一个模块未测试或验证通过，就应该一并延期到后续进行发版。</a:t>
+            </a:r>
+            <a:endParaRPr lang="en-US" altLang="zh-CN" dirty="0"/>
+          </a:p>
+          <a:p>
+            <a:pPr marL="285750" indent="-285750">
+              <a:lnSpc>
+                <a:spcPct val="150000"/>
+              </a:lnSpc>
+              <a:buFont typeface="Wingdings" panose="05000000000000000000" pitchFamily="2" charset="2"/>
+              <a:buChar char="n"/>
+            </a:pPr>
+            <a:r>
+              <a:rPr lang="zh-CN" altLang="en-US" dirty="0"/>
+              <a:t>如果下一批采集到的问题有涉及到当前正在处理的模块，赶不上本次的开发计划或无法插队，应该说服客户，只能等到本次升级完成后，安排到次一轮的升级计划中。</a:t>
+            </a:r>
+          </a:p>
+        </p:txBody>
+      </p:sp>
+      <p:sp>
+        <p:nvSpPr>
+          <p:cNvPr id="6" name="标题 1">
+            <a:extLst>
+              <a:ext uri="{FF2B5EF4-FFF2-40B4-BE49-F238E27FC236}">
+                <a16:creationId xmlns:a16="http://schemas.microsoft.com/office/drawing/2014/main" id="{72C3EFBE-B651-8D45-BA2F-26C62F3114D2}"/>
+              </a:ext>
+            </a:extLst>
+          </p:cNvPr>
+          <p:cNvSpPr txBox="1">
+            <a:spLocks/>
           </p:cNvSpPr>
-          <p:nvPr>
-            <p:ph type="title"/>
-          </p:nvPr>
+          <p:nvPr/>
         </p:nvSpPr>
         <p:spPr>
           <a:xfrm>
             <a:off x="838200" y="321226"/>
             <a:ext cx="10515600" cy="701731"/>
           </a:xfrm>
-        </p:spPr>
-        <p:txBody>
-          <a:bodyPr>
+          <a:prstGeom prst="rect">
+            <a:avLst/>
+          </a:prstGeom>
+        </p:spPr>
+        <p:txBody>
+          <a:bodyPr vert="horz" lIns="91440" tIns="45720" rIns="91440" bIns="45720" rtlCol="0" anchor="ctr">
             <a:spAutoFit/>
           </a:bodyPr>
-          <a:lstStyle/>
-          <a:p>
-            <a:r>
-              <a:rPr lang="zh-CN" altLang="en-US" dirty="0"/>
+          <a:lstStyle>
+            <a:lvl1pPr algn="l" defTabSz="914400" rtl="0" eaLnBrk="1" latinLnBrk="0" hangingPunct="1">
+              <a:lnSpc>
+                <a:spcPct val="90000"/>
+              </a:lnSpc>
+              <a:spcBef>
+                <a:spcPct val="0"/>
+              </a:spcBef>
+              <a:buNone/>
+              <a:defRPr sz="4400" kern="1200">
+                <a:solidFill>
+                  <a:schemeClr val="tx1"/>
+                </a:solidFill>
+                <a:latin typeface="+mj-lt"/>
+                <a:ea typeface="+mj-ea"/>
+                <a:cs typeface="+mj-cs"/>
+              </a:defRPr>
+            </a:lvl1pPr>
+          </a:lstStyle>
+          <a:p>
+            <a:r>
+              <a:rPr lang="zh-CN" altLang="en-US"/>
               <a:t>模块升级策略：小瀑布不交替</a:t>
             </a:r>
-          </a:p>
-        </p:txBody>
-      </p:sp>
-      <p:pic>
-        <p:nvPicPr>
-          <p:cNvPr id="56" name="图片 55">
-            <a:extLst>
-              <a:ext uri="{FF2B5EF4-FFF2-40B4-BE49-F238E27FC236}">
-                <a16:creationId xmlns:a16="http://schemas.microsoft.com/office/drawing/2014/main" id="{F16817ED-EB92-D479-47F0-7422B0B00BD6}"/>
-              </a:ext>
-            </a:extLst>
-          </p:cNvPr>
-          <p:cNvPicPr>
-            <a:picLocks noChangeAspect="1"/>
-          </p:cNvPicPr>
-          <p:nvPr/>
-        </p:nvPicPr>
-        <p:blipFill>
-          <a:blip r:embed="rId2">
-            <a:extLst>
-              <a:ext uri="{28A0092B-C50C-407E-A947-70E740481C1C}">
-                <a14:useLocalDpi xmlns:a14="http://schemas.microsoft.com/office/drawing/2010/main" val="0"/>
-              </a:ext>
-            </a:extLst>
-          </a:blip>
-          <a:stretch>
-            <a:fillRect/>
-          </a:stretch>
-        </p:blipFill>
-        <p:spPr>
-          <a:xfrm>
-            <a:off x="226291" y="1147262"/>
-            <a:ext cx="11739418" cy="5710738"/>
-          </a:xfrm>
-          <a:prstGeom prst="rect">
-            <a:avLst/>
-          </a:prstGeom>
-        </p:spPr>
-      </p:pic>
-      <p:sp>
-        <p:nvSpPr>
-          <p:cNvPr id="57" name="椭圆 56">
-            <a:extLst>
-              <a:ext uri="{FF2B5EF4-FFF2-40B4-BE49-F238E27FC236}">
-                <a16:creationId xmlns:a16="http://schemas.microsoft.com/office/drawing/2014/main" id="{0449E0DB-4617-1D51-667C-845342BA8875}"/>
-              </a:ext>
-            </a:extLst>
-          </p:cNvPr>
-          <p:cNvSpPr/>
-          <p:nvPr/>
-        </p:nvSpPr>
-        <p:spPr>
-          <a:xfrm>
-            <a:off x="5588001" y="3509818"/>
-            <a:ext cx="147782" cy="138546"/>
-          </a:xfrm>
-          <a:prstGeom prst="ellipse">
-            <a:avLst/>
-          </a:prstGeom>
-          <a:solidFill>
-            <a:srgbClr val="FF0000"/>
-          </a:solidFill>
-          <a:ln>
-            <a:solidFill>
-              <a:srgbClr val="FF0000"/>
-            </a:solidFill>
-          </a:ln>
-        </p:spPr>
-        <p:style>
-          <a:lnRef idx="2">
-            <a:schemeClr val="accent1">
-              <a:shade val="50000"/>
-            </a:schemeClr>
-          </a:lnRef>
-          <a:fillRef idx="1">
-            <a:schemeClr val="accent1"/>
-          </a:fillRef>
-          <a:effectRef idx="0">
-            <a:schemeClr val="accent1"/>
-          </a:effectRef>
-          <a:fontRef idx="minor">
-            <a:schemeClr val="lt1"/>
-          </a:fontRef>
-        </p:style>
-        <p:txBody>
-          <a:bodyPr rtlCol="0" anchor="ctr"/>
-          <a:lstStyle/>
-          <a:p>
-            <a:pPr algn="ctr"/>
-            <a:endParaRPr lang="zh-CN" altLang="en-US"/>
+            <a:endParaRPr lang="zh-CN" altLang="en-US" dirty="0"/>
           </a:p>
         </p:txBody>
       </p:sp>
     </p:spTree>
     <p:extLst>
       <p:ext uri="{BB962C8B-B14F-4D97-AF65-F5344CB8AC3E}">
-        <p14:creationId xmlns:p14="http://schemas.microsoft.com/office/powerpoint/2010/main" val="3729696353"/>
+        <p14:creationId xmlns:p14="http://schemas.microsoft.com/office/powerpoint/2010/main" val="1850864727"/>
       </p:ext>
     </p:extLst>
   </p:cSld>
@@ -6024,135 +6983,133 @@
       </p:grpSpPr>
       <p:sp>
         <p:nvSpPr>
-          <p:cNvPr id="3" name="文本框 2">
-            <a:extLst>
-              <a:ext uri="{FF2B5EF4-FFF2-40B4-BE49-F238E27FC236}">
-                <a16:creationId xmlns:a16="http://schemas.microsoft.com/office/drawing/2014/main" id="{30BE157A-1944-9CE0-F9C9-DA3537C9595C}"/>
-              </a:ext>
-            </a:extLst>
-          </p:cNvPr>
-          <p:cNvSpPr txBox="1"/>
-          <p:nvPr/>
-        </p:nvSpPr>
-        <p:spPr>
-          <a:xfrm>
-            <a:off x="838200" y="1178599"/>
-            <a:ext cx="10611255" cy="1296637"/>
-          </a:xfrm>
-          <a:prstGeom prst="rect">
-            <a:avLst/>
-          </a:prstGeom>
-          <a:noFill/>
-        </p:spPr>
-        <p:txBody>
-          <a:bodyPr wrap="square" rtlCol="0">
+          <p:cNvPr id="2" name="标题 1">
+            <a:extLst>
+              <a:ext uri="{FF2B5EF4-FFF2-40B4-BE49-F238E27FC236}">
+                <a16:creationId xmlns:a16="http://schemas.microsoft.com/office/drawing/2014/main" id="{9203AA04-3D70-46A3-8D3D-FB1CA9218721}"/>
+              </a:ext>
+            </a:extLst>
+          </p:cNvPr>
+          <p:cNvSpPr>
+            <a:spLocks noGrp="1"/>
+          </p:cNvSpPr>
+          <p:nvPr>
+            <p:ph type="title"/>
+          </p:nvPr>
+        </p:nvSpPr>
+        <p:spPr>
+          <a:xfrm>
+            <a:off x="838200" y="321226"/>
+            <a:ext cx="10515600" cy="701731"/>
+          </a:xfrm>
+        </p:spPr>
+        <p:txBody>
+          <a:bodyPr>
             <a:spAutoFit/>
           </a:bodyPr>
           <a:lstStyle/>
           <a:p>
-            <a:pPr>
-              <a:lnSpc>
-                <a:spcPct val="150000"/>
-              </a:lnSpc>
-            </a:pPr>
             <a:r>
               <a:rPr lang="zh-CN" altLang="en-US" dirty="0"/>
-              <a:t>这里提供的开发规范，是均衡利弊后的考虑，可参考采纳 ：</a:t>
-            </a:r>
-            <a:endParaRPr lang="en-US" altLang="zh-CN" dirty="0"/>
-          </a:p>
-          <a:p>
-            <a:pPr marL="285750" indent="-285750">
-              <a:lnSpc>
-                <a:spcPct val="150000"/>
-              </a:lnSpc>
-              <a:buFont typeface="Wingdings" panose="05000000000000000000" pitchFamily="2" charset="2"/>
-              <a:buChar char="n"/>
-            </a:pPr>
-            <a:r>
-              <a:rPr lang="zh-CN" altLang="en-US" dirty="0"/>
-              <a:t>所谓“模块”，本文</a:t>
-            </a:r>
-            <a:r>
-              <a:rPr lang="zh-CN" altLang="en-US" sz="1800" dirty="0"/>
-              <a:t>特指可切割出来纳入本次问题处理工作的最小范围的代码文件、工程文件等的集合。</a:t>
-            </a:r>
-            <a:endParaRPr lang="en-US" altLang="zh-CN" sz="1800" dirty="0"/>
-          </a:p>
-          <a:p>
-            <a:pPr marL="285750" indent="-285750">
-              <a:lnSpc>
-                <a:spcPct val="150000"/>
-              </a:lnSpc>
-              <a:buFont typeface="Wingdings" panose="05000000000000000000" pitchFamily="2" charset="2"/>
-              <a:buChar char="n"/>
-            </a:pPr>
-            <a:r>
-              <a:rPr lang="zh-CN" altLang="en-US" dirty="0"/>
-              <a:t>模块的边界范围应该尽可能小，如果变得越来越庞大，有必要通过代码重构等设计技巧进行拆解重组。</a:t>
-            </a:r>
-            <a:endParaRPr lang="en-US" altLang="zh-CN" dirty="0"/>
-          </a:p>
-        </p:txBody>
-      </p:sp>
-      <p:sp>
-        <p:nvSpPr>
-          <p:cNvPr id="6" name="标题 1">
-            <a:extLst>
-              <a:ext uri="{FF2B5EF4-FFF2-40B4-BE49-F238E27FC236}">
-                <a16:creationId xmlns:a16="http://schemas.microsoft.com/office/drawing/2014/main" id="{72C3EFBE-B651-8D45-BA2F-26C62F3114D2}"/>
-              </a:ext>
-            </a:extLst>
-          </p:cNvPr>
-          <p:cNvSpPr txBox="1">
-            <a:spLocks/>
-          </p:cNvSpPr>
-          <p:nvPr/>
-        </p:nvSpPr>
-        <p:spPr>
-          <a:xfrm>
-            <a:off x="838200" y="321226"/>
-            <a:ext cx="10515600" cy="701731"/>
+              <a:t>模块升级策略：小瀑布不交替</a:t>
+            </a:r>
+          </a:p>
+        </p:txBody>
+      </p:sp>
+      <p:pic>
+        <p:nvPicPr>
+          <p:cNvPr id="56" name="图片 55">
+            <a:extLst>
+              <a:ext uri="{FF2B5EF4-FFF2-40B4-BE49-F238E27FC236}">
+                <a16:creationId xmlns:a16="http://schemas.microsoft.com/office/drawing/2014/main" id="{F16817ED-EB92-D479-47F0-7422B0B00BD6}"/>
+              </a:ext>
+            </a:extLst>
+          </p:cNvPr>
+          <p:cNvPicPr>
+            <a:picLocks noChangeAspect="1"/>
+          </p:cNvPicPr>
+          <p:nvPr/>
+        </p:nvPicPr>
+        <p:blipFill>
+          <a:blip r:embed="rId2">
+            <a:extLst>
+              <a:ext uri="{28A0092B-C50C-407E-A947-70E740481C1C}">
+                <a14:useLocalDpi xmlns:a14="http://schemas.microsoft.com/office/drawing/2010/main" val="0"/>
+              </a:ext>
+            </a:extLst>
+          </a:blip>
+          <a:stretch>
+            <a:fillRect/>
+          </a:stretch>
+        </p:blipFill>
+        <p:spPr>
+          <a:xfrm>
+            <a:off x="226291" y="1147262"/>
+            <a:ext cx="11739418" cy="5710738"/>
           </a:xfrm>
           <a:prstGeom prst="rect">
             <a:avLst/>
           </a:prstGeom>
         </p:spPr>
-        <p:txBody>
-          <a:bodyPr vert="horz" lIns="91440" tIns="45720" rIns="91440" bIns="45720" rtlCol="0" anchor="ctr">
-            <a:spAutoFit/>
-          </a:bodyPr>
-          <a:lstStyle>
-            <a:lvl1pPr algn="l" defTabSz="914400" rtl="0" eaLnBrk="1" latinLnBrk="0" hangingPunct="1">
-              <a:lnSpc>
-                <a:spcPct val="90000"/>
-              </a:lnSpc>
-              <a:spcBef>
-                <a:spcPct val="0"/>
-              </a:spcBef>
-              <a:buNone/>
-              <a:defRPr sz="4400" kern="1200">
-                <a:solidFill>
-                  <a:schemeClr val="tx1"/>
-                </a:solidFill>
-                <a:latin typeface="+mj-lt"/>
-                <a:ea typeface="+mj-ea"/>
-                <a:cs typeface="+mj-cs"/>
-              </a:defRPr>
-            </a:lvl1pPr>
-          </a:lstStyle>
-          <a:p>
-            <a:r>
-              <a:rPr lang="zh-CN" altLang="en-US" dirty="0"/>
-              <a:t>模块升级策略：小模块靠重构</a:t>
-            </a:r>
+      </p:pic>
+      <p:sp>
+        <p:nvSpPr>
+          <p:cNvPr id="57" name="椭圆 56">
+            <a:extLst>
+              <a:ext uri="{FF2B5EF4-FFF2-40B4-BE49-F238E27FC236}">
+                <a16:creationId xmlns:a16="http://schemas.microsoft.com/office/drawing/2014/main" id="{0449E0DB-4617-1D51-667C-845342BA8875}"/>
+              </a:ext>
+            </a:extLst>
+          </p:cNvPr>
+          <p:cNvSpPr/>
+          <p:nvPr/>
+        </p:nvSpPr>
+        <p:spPr>
+          <a:xfrm>
+            <a:off x="5588001" y="3509818"/>
+            <a:ext cx="147782" cy="138546"/>
+          </a:xfrm>
+          <a:prstGeom prst="ellipse">
+            <a:avLst/>
+          </a:prstGeom>
+          <a:solidFill>
+            <a:srgbClr val="FF0000"/>
+          </a:solidFill>
+          <a:ln>
+            <a:solidFill>
+              <a:srgbClr val="FF0000"/>
+            </a:solidFill>
+          </a:ln>
+        </p:spPr>
+        <p:style>
+          <a:lnRef idx="2">
+            <a:schemeClr val="accent1">
+              <a:shade val="50000"/>
+            </a:schemeClr>
+          </a:lnRef>
+          <a:fillRef idx="1">
+            <a:schemeClr val="accent1"/>
+          </a:fillRef>
+          <a:effectRef idx="0">
+            <a:schemeClr val="accent1"/>
+          </a:effectRef>
+          <a:fontRef idx="minor">
+            <a:schemeClr val="lt1"/>
+          </a:fontRef>
+        </p:style>
+        <p:txBody>
+          <a:bodyPr rtlCol="0" anchor="ctr"/>
+          <a:lstStyle/>
+          <a:p>
+            <a:pPr algn="ctr"/>
+            <a:endParaRPr lang="zh-CN" altLang="en-US"/>
           </a:p>
         </p:txBody>
       </p:sp>
     </p:spTree>
     <p:extLst>
       <p:ext uri="{BB962C8B-B14F-4D97-AF65-F5344CB8AC3E}">
-        <p14:creationId xmlns:p14="http://schemas.microsoft.com/office/powerpoint/2010/main" val="1693509101"/>
+        <p14:creationId xmlns:p14="http://schemas.microsoft.com/office/powerpoint/2010/main" val="3729696353"/>
       </p:ext>
     </p:extLst>
   </p:cSld>
@@ -6181,10 +7138,10 @@
       </p:grpSpPr>
       <p:sp>
         <p:nvSpPr>
-          <p:cNvPr id="4" name="文本框 3">
-            <a:extLst>
-              <a:ext uri="{FF2B5EF4-FFF2-40B4-BE49-F238E27FC236}">
-                <a16:creationId xmlns:a16="http://schemas.microsoft.com/office/drawing/2014/main" id="{57E7016D-F20C-4F34-8A19-F1C79881003D}"/>
+          <p:cNvPr id="3" name="文本框 2">
+            <a:extLst>
+              <a:ext uri="{FF2B5EF4-FFF2-40B4-BE49-F238E27FC236}">
+                <a16:creationId xmlns:a16="http://schemas.microsoft.com/office/drawing/2014/main" id="{30BE157A-1944-9CE0-F9C9-DA3537C9595C}"/>
               </a:ext>
             </a:extLst>
           </p:cNvPr>
@@ -6193,8 +7150,8 @@
         </p:nvSpPr>
         <p:spPr>
           <a:xfrm>
-            <a:off x="2986432" y="2838967"/>
-            <a:ext cx="6219135" cy="590033"/>
+            <a:off x="838200" y="1178599"/>
+            <a:ext cx="10611255" cy="1296637"/>
           </a:xfrm>
           <a:prstGeom prst="rect">
             <a:avLst/>
@@ -6213,33 +7170,103 @@
               </a:lnSpc>
             </a:pPr>
             <a:r>
-              <a:rPr lang="zh-CN" altLang="en-US" sz="2400" dirty="0"/>
-              <a:t>附件一：在</a:t>
-            </a:r>
-            <a:r>
-              <a:rPr lang="en-US" altLang="zh-CN" sz="2400" dirty="0"/>
-              <a:t>VS</a:t>
-            </a:r>
-            <a:r>
-              <a:rPr lang="zh-CN" altLang="en-US" sz="2400" dirty="0"/>
-              <a:t>工具上配置</a:t>
-            </a:r>
-            <a:r>
-              <a:rPr lang="en-US" altLang="zh-CN" sz="2400" dirty="0"/>
-              <a:t>TFS</a:t>
-            </a:r>
-            <a:r>
-              <a:rPr lang="zh-CN" altLang="en-US" sz="2400" dirty="0"/>
-              <a:t>的“签出独占锁”</a:t>
-            </a:r>
-            <a:endParaRPr lang="en-US" altLang="zh-CN" sz="2400" dirty="0"/>
+              <a:rPr lang="zh-CN" altLang="en-US" dirty="0"/>
+              <a:t>这里提供的开发规范，是均衡利弊后的考虑，可参考采纳 ：</a:t>
+            </a:r>
+            <a:endParaRPr lang="en-US" altLang="zh-CN" dirty="0"/>
+          </a:p>
+          <a:p>
+            <a:pPr marL="285750" indent="-285750">
+              <a:lnSpc>
+                <a:spcPct val="150000"/>
+              </a:lnSpc>
+              <a:buFont typeface="Wingdings" panose="05000000000000000000" pitchFamily="2" charset="2"/>
+              <a:buChar char="n"/>
+            </a:pPr>
+            <a:r>
+              <a:rPr lang="zh-CN" altLang="en-US" dirty="0"/>
+              <a:t>所谓“模块”，本文</a:t>
+            </a:r>
+            <a:r>
+              <a:rPr lang="zh-CN" altLang="en-US" sz="1800" dirty="0"/>
+              <a:t>特指可切割出来纳入本次问题处理工作的最小范围的代码文件、工程文件等的集合。</a:t>
+            </a:r>
+            <a:endParaRPr lang="en-US" altLang="zh-CN" sz="1800" dirty="0"/>
+          </a:p>
+          <a:p>
+            <a:pPr marL="285750" indent="-285750">
+              <a:lnSpc>
+                <a:spcPct val="150000"/>
+              </a:lnSpc>
+              <a:buFont typeface="Wingdings" panose="05000000000000000000" pitchFamily="2" charset="2"/>
+              <a:buChar char="n"/>
+            </a:pPr>
+            <a:r>
+              <a:rPr lang="zh-CN" altLang="en-US" dirty="0"/>
+              <a:t>模块的边界范围应该尽可能小，如果变得越来越庞大，有必要通过代码重构等设计技巧进行拆解重组。</a:t>
+            </a:r>
+            <a:endParaRPr lang="en-US" altLang="zh-CN" dirty="0"/>
+          </a:p>
+        </p:txBody>
+      </p:sp>
+      <p:sp>
+        <p:nvSpPr>
+          <p:cNvPr id="6" name="标题 1">
+            <a:extLst>
+              <a:ext uri="{FF2B5EF4-FFF2-40B4-BE49-F238E27FC236}">
+                <a16:creationId xmlns:a16="http://schemas.microsoft.com/office/drawing/2014/main" id="{72C3EFBE-B651-8D45-BA2F-26C62F3114D2}"/>
+              </a:ext>
+            </a:extLst>
+          </p:cNvPr>
+          <p:cNvSpPr txBox="1">
+            <a:spLocks/>
+          </p:cNvSpPr>
+          <p:nvPr/>
+        </p:nvSpPr>
+        <p:spPr>
+          <a:xfrm>
+            <a:off x="838200" y="321226"/>
+            <a:ext cx="10515600" cy="701731"/>
+          </a:xfrm>
+          <a:prstGeom prst="rect">
+            <a:avLst/>
+          </a:prstGeom>
+        </p:spPr>
+        <p:txBody>
+          <a:bodyPr vert="horz" lIns="91440" tIns="45720" rIns="91440" bIns="45720" rtlCol="0" anchor="ctr">
+            <a:spAutoFit/>
+          </a:bodyPr>
+          <a:lstStyle>
+            <a:lvl1pPr algn="l" defTabSz="914400" rtl="0" eaLnBrk="1" latinLnBrk="0" hangingPunct="1">
+              <a:lnSpc>
+                <a:spcPct val="90000"/>
+              </a:lnSpc>
+              <a:spcBef>
+                <a:spcPct val="0"/>
+              </a:spcBef>
+              <a:buNone/>
+              <a:defRPr sz="4400" kern="1200">
+                <a:solidFill>
+                  <a:schemeClr val="tx1"/>
+                </a:solidFill>
+                <a:latin typeface="+mj-lt"/>
+                <a:ea typeface="+mj-ea"/>
+                <a:cs typeface="+mj-cs"/>
+              </a:defRPr>
+            </a:lvl1pPr>
+          </a:lstStyle>
+          <a:p>
+            <a:r>
+              <a:rPr lang="zh-CN" altLang="en-US" dirty="0"/>
+              <a:t>模块升级策略：小模块靠重构</a:t>
+            </a:r>
           </a:p>
         </p:txBody>
       </p:sp>
     </p:spTree>
     <p:extLst>
       <p:ext uri="{BB962C8B-B14F-4D97-AF65-F5344CB8AC3E}">
-        <p14:creationId xmlns:p14="http://schemas.microsoft.com/office/powerpoint/2010/main" val="1977275524"/>
+        <p14:creationId xmlns:p14="http://schemas.microsoft.com/office/powerpoint/2010/main" val="1693509101"/>
       </p:ext>
     </p:extLst>
   </p:cSld>
@@ -6268,79 +7295,65 @@
       </p:grpSpPr>
       <p:sp>
         <p:nvSpPr>
-          <p:cNvPr id="2" name="标题 1">
-            <a:extLst>
-              <a:ext uri="{FF2B5EF4-FFF2-40B4-BE49-F238E27FC236}">
-                <a16:creationId xmlns:a16="http://schemas.microsoft.com/office/drawing/2014/main" id="{9203AA04-3D70-46A3-8D3D-FB1CA9218721}"/>
-              </a:ext>
-            </a:extLst>
-          </p:cNvPr>
-          <p:cNvSpPr>
-            <a:spLocks noGrp="1"/>
-          </p:cNvSpPr>
-          <p:nvPr>
-            <p:ph type="title"/>
-          </p:nvPr>
-        </p:nvSpPr>
-        <p:spPr>
-          <a:xfrm>
-            <a:off x="838200" y="321226"/>
-            <a:ext cx="10515600" cy="701731"/>
-          </a:xfrm>
-        </p:spPr>
-        <p:txBody>
-          <a:bodyPr>
+          <p:cNvPr id="4" name="文本框 3">
+            <a:extLst>
+              <a:ext uri="{FF2B5EF4-FFF2-40B4-BE49-F238E27FC236}">
+                <a16:creationId xmlns:a16="http://schemas.microsoft.com/office/drawing/2014/main" id="{57E7016D-F20C-4F34-8A19-F1C79881003D}"/>
+              </a:ext>
+            </a:extLst>
+          </p:cNvPr>
+          <p:cNvSpPr txBox="1"/>
+          <p:nvPr/>
+        </p:nvSpPr>
+        <p:spPr>
+          <a:xfrm>
+            <a:off x="2986432" y="2838967"/>
+            <a:ext cx="6219135" cy="590033"/>
+          </a:xfrm>
+          <a:prstGeom prst="rect">
+            <a:avLst/>
+          </a:prstGeom>
+          <a:noFill/>
+        </p:spPr>
+        <p:txBody>
+          <a:bodyPr wrap="square" rtlCol="0">
             <a:spAutoFit/>
           </a:bodyPr>
           <a:lstStyle/>
           <a:p>
-            <a:r>
-              <a:rPr lang="zh-CN" altLang="en-US" dirty="0"/>
-              <a:t>模块开发策略：尽量减少分支</a:t>
-            </a:r>
-          </a:p>
-        </p:txBody>
-      </p:sp>
-      <p:pic>
-        <p:nvPicPr>
-          <p:cNvPr id="4" name="图片 3">
-            <a:extLst>
-              <a:ext uri="{FF2B5EF4-FFF2-40B4-BE49-F238E27FC236}">
-                <a16:creationId xmlns:a16="http://schemas.microsoft.com/office/drawing/2014/main" id="{5947F681-3947-3E83-1739-0AFBEA4E98FB}"/>
-              </a:ext>
-            </a:extLst>
-          </p:cNvPr>
-          <p:cNvPicPr>
-            <a:picLocks noChangeAspect="1"/>
-          </p:cNvPicPr>
-          <p:nvPr/>
-        </p:nvPicPr>
-        <p:blipFill>
-          <a:blip r:embed="rId2">
-            <a:extLst>
-              <a:ext uri="{28A0092B-C50C-407E-A947-70E740481C1C}">
-                <a14:useLocalDpi xmlns:a14="http://schemas.microsoft.com/office/drawing/2010/main" val="0"/>
-              </a:ext>
-            </a:extLst>
-          </a:blip>
-          <a:stretch>
-            <a:fillRect/>
-          </a:stretch>
-        </p:blipFill>
-        <p:spPr>
-          <a:xfrm>
-            <a:off x="2817592" y="1062488"/>
-            <a:ext cx="6556816" cy="5795512"/>
-          </a:xfrm>
-          <a:prstGeom prst="rect">
-            <a:avLst/>
-          </a:prstGeom>
-        </p:spPr>
-      </p:pic>
+            <a:pPr>
+              <a:lnSpc>
+                <a:spcPct val="150000"/>
+              </a:lnSpc>
+            </a:pPr>
+            <a:r>
+              <a:rPr lang="zh-CN" altLang="en-US" sz="2400" dirty="0"/>
+              <a:t>附件一：在</a:t>
+            </a:r>
+            <a:r>
+              <a:rPr lang="en-US" altLang="zh-CN" sz="2400" dirty="0"/>
+              <a:t>VS</a:t>
+            </a:r>
+            <a:r>
+              <a:rPr lang="zh-CN" altLang="en-US" sz="2400" dirty="0"/>
+              <a:t>工具上配置</a:t>
+            </a:r>
+            <a:r>
+              <a:rPr lang="en-US" altLang="zh-CN" sz="2400" dirty="0"/>
+              <a:t>TFS</a:t>
+            </a:r>
+            <a:r>
+              <a:rPr lang="zh-CN" altLang="en-US" sz="2400" dirty="0"/>
+              <a:t>的“签出独占锁”</a:t>
+            </a:r>
+            <a:endParaRPr lang="en-US" altLang="zh-CN" sz="2400" dirty="0"/>
+          </a:p>
+        </p:txBody>
+      </p:sp>
     </p:spTree>
     <p:extLst>
       <p:ext uri="{BB962C8B-B14F-4D97-AF65-F5344CB8AC3E}">
-        <p14:creationId xmlns:p14="http://schemas.microsoft.com/office/powerpoint/2010/main" val="4024053514"/>
+        <p14:creationId xmlns:p14="http://schemas.microsoft.com/office/powerpoint/2010/main" val="1977275524"/>
       </p:ext>
     </p:extLst>
   </p:cSld>
@@ -6407,7 +7420,7 @@
           <p:cNvPr id="4" name="图片 3">
             <a:extLst>
               <a:ext uri="{FF2B5EF4-FFF2-40B4-BE49-F238E27FC236}">
-                <a16:creationId xmlns:a16="http://schemas.microsoft.com/office/drawing/2014/main" id="{2BB9CD59-01CA-3F9D-430A-B5C3807132E5}"/>
+                <a16:creationId xmlns:a16="http://schemas.microsoft.com/office/drawing/2014/main" id="{5947F681-3947-3E83-1739-0AFBEA4E98FB}"/>
               </a:ext>
             </a:extLst>
           </p:cNvPr>
@@ -6430,8 +7443,8 @@
         </p:blipFill>
         <p:spPr>
           <a:xfrm>
-            <a:off x="2838168" y="1515927"/>
-            <a:ext cx="6515664" cy="4643268"/>
+            <a:off x="2817592" y="1062488"/>
+            <a:ext cx="6556816" cy="5795512"/>
           </a:xfrm>
           <a:prstGeom prst="rect">
             <a:avLst/>
@@ -6441,7 +7454,7 @@
     </p:spTree>
     <p:extLst>
       <p:ext uri="{BB962C8B-B14F-4D97-AF65-F5344CB8AC3E}">
-        <p14:creationId xmlns:p14="http://schemas.microsoft.com/office/powerpoint/2010/main" val="868294780"/>
+        <p14:creationId xmlns:p14="http://schemas.microsoft.com/office/powerpoint/2010/main" val="4024053514"/>
       </p:ext>
     </p:extLst>
   </p:cSld>
@@ -6505,6 +7518,107 @@
       </p:sp>
       <p:pic>
         <p:nvPicPr>
+          <p:cNvPr id="4" name="图片 3">
+            <a:extLst>
+              <a:ext uri="{FF2B5EF4-FFF2-40B4-BE49-F238E27FC236}">
+                <a16:creationId xmlns:a16="http://schemas.microsoft.com/office/drawing/2014/main" id="{2BB9CD59-01CA-3F9D-430A-B5C3807132E5}"/>
+              </a:ext>
+            </a:extLst>
+          </p:cNvPr>
+          <p:cNvPicPr>
+            <a:picLocks noChangeAspect="1"/>
+          </p:cNvPicPr>
+          <p:nvPr/>
+        </p:nvPicPr>
+        <p:blipFill>
+          <a:blip r:embed="rId2">
+            <a:extLst>
+              <a:ext uri="{28A0092B-C50C-407E-A947-70E740481C1C}">
+                <a14:useLocalDpi xmlns:a14="http://schemas.microsoft.com/office/drawing/2010/main" val="0"/>
+              </a:ext>
+            </a:extLst>
+          </a:blip>
+          <a:stretch>
+            <a:fillRect/>
+          </a:stretch>
+        </p:blipFill>
+        <p:spPr>
+          <a:xfrm>
+            <a:off x="2838168" y="1515927"/>
+            <a:ext cx="6515664" cy="4643268"/>
+          </a:xfrm>
+          <a:prstGeom prst="rect">
+            <a:avLst/>
+          </a:prstGeom>
+        </p:spPr>
+      </p:pic>
+    </p:spTree>
+    <p:extLst>
+      <p:ext uri="{BB962C8B-B14F-4D97-AF65-F5344CB8AC3E}">
+        <p14:creationId xmlns:p14="http://schemas.microsoft.com/office/powerpoint/2010/main" val="868294780"/>
+      </p:ext>
+    </p:extLst>
+  </p:cSld>
+  <p:clrMapOvr>
+    <a:masterClrMapping/>
+  </p:clrMapOvr>
+</p:sld>
+</file>
+
+<file path=ppt/slides/slide18.xml><?xml version="1.0" encoding="utf-8"?>
+<p:sld xmlns:a="http://schemas.openxmlformats.org/drawingml/2006/main" xmlns:r="http://schemas.openxmlformats.org/officeDocument/2006/relationships" xmlns:p="http://schemas.openxmlformats.org/presentationml/2006/main">
+  <p:cSld>
+    <p:spTree>
+      <p:nvGrpSpPr>
+        <p:cNvPr id="1" name=""/>
+        <p:cNvGrpSpPr/>
+        <p:nvPr/>
+      </p:nvGrpSpPr>
+      <p:grpSpPr>
+        <a:xfrm>
+          <a:off x="0" y="0"/>
+          <a:ext cx="0" cy="0"/>
+          <a:chOff x="0" y="0"/>
+          <a:chExt cx="0" cy="0"/>
+        </a:xfrm>
+      </p:grpSpPr>
+      <p:sp>
+        <p:nvSpPr>
+          <p:cNvPr id="2" name="标题 1">
+            <a:extLst>
+              <a:ext uri="{FF2B5EF4-FFF2-40B4-BE49-F238E27FC236}">
+                <a16:creationId xmlns:a16="http://schemas.microsoft.com/office/drawing/2014/main" id="{9203AA04-3D70-46A3-8D3D-FB1CA9218721}"/>
+              </a:ext>
+            </a:extLst>
+          </p:cNvPr>
+          <p:cNvSpPr>
+            <a:spLocks noGrp="1"/>
+          </p:cNvSpPr>
+          <p:nvPr>
+            <p:ph type="title"/>
+          </p:nvPr>
+        </p:nvSpPr>
+        <p:spPr>
+          <a:xfrm>
+            <a:off x="838200" y="321226"/>
+            <a:ext cx="10515600" cy="701731"/>
+          </a:xfrm>
+        </p:spPr>
+        <p:txBody>
+          <a:bodyPr>
+            <a:spAutoFit/>
+          </a:bodyPr>
+          <a:lstStyle/>
+          <a:p>
+            <a:r>
+              <a:rPr lang="zh-CN" altLang="en-US" dirty="0"/>
+              <a:t>模块开发策略：尽量减少分支</a:t>
+            </a:r>
+          </a:p>
+        </p:txBody>
+      </p:sp>
+      <p:pic>
+        <p:nvPicPr>
           <p:cNvPr id="5" name="图片 4">
             <a:extLst>
               <a:ext uri="{FF2B5EF4-FFF2-40B4-BE49-F238E27FC236}">
@@ -6552,7 +7666,7 @@
 </p:sld>
 </file>
 
-<file path=ppt/slides/slide18.xml><?xml version="1.0" encoding="utf-8"?>
+<file path=ppt/slides/slide19.xml><?xml version="1.0" encoding="utf-8"?>
 <p:sld xmlns:a="http://schemas.openxmlformats.org/drawingml/2006/main" xmlns:r="http://schemas.openxmlformats.org/officeDocument/2006/relationships" xmlns:p="http://schemas.openxmlformats.org/presentationml/2006/main">
   <p:cSld>
     <p:spTree>
@@ -7273,7 +8387,7 @@
           <a:p>
             <a:r>
               <a:rPr lang="zh-CN" altLang="en-US" dirty="0"/>
-              <a:t>问题处理策略：分解细化问题</a:t>
+              <a:t>版本升级过程：递进滚动式升级</a:t>
             </a:r>
           </a:p>
         </p:txBody>
@@ -7283,7 +8397,7 @@
           <p:cNvPr id="3" name="文本框 2">
             <a:extLst>
               <a:ext uri="{FF2B5EF4-FFF2-40B4-BE49-F238E27FC236}">
-                <a16:creationId xmlns:a16="http://schemas.microsoft.com/office/drawing/2014/main" id="{110BC22F-C308-B07E-7C27-E803FEAA3174}"/>
+                <a16:creationId xmlns:a16="http://schemas.microsoft.com/office/drawing/2014/main" id="{88D844F1-C039-B87C-66F2-47533FD0E479}"/>
               </a:ext>
             </a:extLst>
           </p:cNvPr>
@@ -7292,8 +8406,8 @@
         </p:nvSpPr>
         <p:spPr>
           <a:xfrm>
-            <a:off x="7066545" y="2972777"/>
-            <a:ext cx="941283" cy="369332"/>
+            <a:off x="0" y="6604084"/>
+            <a:ext cx="1665841" cy="253916"/>
           </a:xfrm>
           <a:prstGeom prst="rect">
             <a:avLst/>
@@ -7307,604 +8421,52 @@
           <a:lstStyle/>
           <a:p>
             <a:r>
-              <a:rPr lang="zh-CN" altLang="en-US" dirty="0"/>
-              <a:t>问题</a:t>
-            </a:r>
-            <a:r>
-              <a:rPr lang="en-US" altLang="zh-CN" dirty="0"/>
-              <a:t>1.1</a:t>
-            </a:r>
-            <a:endParaRPr lang="zh-CN" altLang="en-US" dirty="0"/>
-          </a:p>
-        </p:txBody>
-      </p:sp>
-      <p:sp>
-        <p:nvSpPr>
-          <p:cNvPr id="4" name="文本框 3">
-            <a:extLst>
-              <a:ext uri="{FF2B5EF4-FFF2-40B4-BE49-F238E27FC236}">
-                <a16:creationId xmlns:a16="http://schemas.microsoft.com/office/drawing/2014/main" id="{DAE9320F-8259-5AEF-0A83-B9470ACECCAF}"/>
-              </a:ext>
-            </a:extLst>
-          </p:cNvPr>
-          <p:cNvSpPr txBox="1"/>
-          <p:nvPr/>
-        </p:nvSpPr>
-        <p:spPr>
-          <a:xfrm>
-            <a:off x="7066544" y="3586995"/>
-            <a:ext cx="941283" cy="369332"/>
+              <a:rPr lang="zh-CN" altLang="en-US" sz="1050" dirty="0"/>
+              <a:t>人人有饭吃，天天有事做</a:t>
+            </a:r>
+          </a:p>
+        </p:txBody>
+      </p:sp>
+      <p:pic>
+        <p:nvPicPr>
+          <p:cNvPr id="7" name="图片 6">
+            <a:extLst>
+              <a:ext uri="{FF2B5EF4-FFF2-40B4-BE49-F238E27FC236}">
+                <a16:creationId xmlns:a16="http://schemas.microsoft.com/office/drawing/2014/main" id="{6D93AE9F-81FD-5774-B577-93B670D487E7}"/>
+              </a:ext>
+            </a:extLst>
+          </p:cNvPr>
+          <p:cNvPicPr>
+            <a:picLocks noChangeAspect="1"/>
+          </p:cNvPicPr>
+          <p:nvPr/>
+        </p:nvPicPr>
+        <p:blipFill>
+          <a:blip r:embed="rId2">
+            <a:extLst>
+              <a:ext uri="{28A0092B-C50C-407E-A947-70E740481C1C}">
+                <a14:useLocalDpi xmlns:a14="http://schemas.microsoft.com/office/drawing/2010/main" val="0"/>
+              </a:ext>
+            </a:extLst>
+          </a:blip>
+          <a:stretch>
+            <a:fillRect/>
+          </a:stretch>
+        </p:blipFill>
+        <p:spPr>
+          <a:xfrm>
+            <a:off x="0" y="1171222"/>
+            <a:ext cx="12192000" cy="5686778"/>
           </a:xfrm>
           <a:prstGeom prst="rect">
             <a:avLst/>
           </a:prstGeom>
-          <a:noFill/>
-        </p:spPr>
-        <p:txBody>
-          <a:bodyPr wrap="none" rtlCol="0">
-            <a:spAutoFit/>
-          </a:bodyPr>
-          <a:lstStyle/>
-          <a:p>
-            <a:r>
-              <a:rPr lang="zh-CN" altLang="en-US" dirty="0"/>
-              <a:t>问题</a:t>
-            </a:r>
-            <a:r>
-              <a:rPr lang="en-US" altLang="zh-CN" dirty="0"/>
-              <a:t>1.2</a:t>
-            </a:r>
-            <a:endParaRPr lang="zh-CN" altLang="en-US" dirty="0"/>
-          </a:p>
-        </p:txBody>
-      </p:sp>
-      <p:sp>
-        <p:nvSpPr>
-          <p:cNvPr id="6" name="文本框 5">
-            <a:extLst>
-              <a:ext uri="{FF2B5EF4-FFF2-40B4-BE49-F238E27FC236}">
-                <a16:creationId xmlns:a16="http://schemas.microsoft.com/office/drawing/2014/main" id="{25A05E86-48C1-775B-993B-4744AAA442B7}"/>
-              </a:ext>
-            </a:extLst>
-          </p:cNvPr>
-          <p:cNvSpPr txBox="1"/>
-          <p:nvPr/>
-        </p:nvSpPr>
-        <p:spPr>
-          <a:xfrm>
-            <a:off x="9056981" y="2972777"/>
-            <a:ext cx="793807" cy="369332"/>
-          </a:xfrm>
-          <a:prstGeom prst="rect">
-            <a:avLst/>
-          </a:prstGeom>
-          <a:noFill/>
-        </p:spPr>
-        <p:txBody>
-          <a:bodyPr wrap="none" rtlCol="0">
-            <a:spAutoFit/>
-          </a:bodyPr>
-          <a:lstStyle/>
-          <a:p>
-            <a:r>
-              <a:rPr lang="zh-CN" altLang="en-US" dirty="0"/>
-              <a:t>模块</a:t>
-            </a:r>
-            <a:r>
-              <a:rPr lang="en-US" altLang="zh-CN" dirty="0"/>
-              <a:t>A</a:t>
-            </a:r>
-            <a:endParaRPr lang="zh-CN" altLang="en-US" dirty="0"/>
-          </a:p>
-        </p:txBody>
-      </p:sp>
-      <p:sp>
-        <p:nvSpPr>
-          <p:cNvPr id="7" name="文本框 6">
-            <a:extLst>
-              <a:ext uri="{FF2B5EF4-FFF2-40B4-BE49-F238E27FC236}">
-                <a16:creationId xmlns:a16="http://schemas.microsoft.com/office/drawing/2014/main" id="{BE5060B4-5410-968B-0EA4-DA4AB010C3F0}"/>
-              </a:ext>
-            </a:extLst>
-          </p:cNvPr>
-          <p:cNvSpPr txBox="1"/>
-          <p:nvPr/>
-        </p:nvSpPr>
-        <p:spPr>
-          <a:xfrm>
-            <a:off x="9056981" y="3586995"/>
-            <a:ext cx="793807" cy="369332"/>
-          </a:xfrm>
-          <a:prstGeom prst="rect">
-            <a:avLst/>
-          </a:prstGeom>
-          <a:noFill/>
-        </p:spPr>
-        <p:txBody>
-          <a:bodyPr wrap="none" rtlCol="0">
-            <a:spAutoFit/>
-          </a:bodyPr>
-          <a:lstStyle/>
-          <a:p>
-            <a:r>
-              <a:rPr lang="zh-CN" altLang="en-US" dirty="0"/>
-              <a:t>模块</a:t>
-            </a:r>
-            <a:r>
-              <a:rPr lang="en-US" altLang="zh-CN" dirty="0"/>
-              <a:t>B</a:t>
-            </a:r>
-            <a:endParaRPr lang="zh-CN" altLang="en-US" dirty="0"/>
-          </a:p>
-        </p:txBody>
-      </p:sp>
-      <p:cxnSp>
-        <p:nvCxnSpPr>
-          <p:cNvPr id="10" name="直接箭头连接符 9">
-            <a:extLst>
-              <a:ext uri="{FF2B5EF4-FFF2-40B4-BE49-F238E27FC236}">
-                <a16:creationId xmlns:a16="http://schemas.microsoft.com/office/drawing/2014/main" id="{2C0C3F39-AEEC-255A-4DB1-5E245BC87B65}"/>
-              </a:ext>
-            </a:extLst>
-          </p:cNvPr>
-          <p:cNvCxnSpPr>
-            <a:cxnSpLocks/>
-            <a:stCxn id="3" idx="3"/>
-            <a:endCxn id="6" idx="1"/>
-          </p:cNvCxnSpPr>
-          <p:nvPr/>
-        </p:nvCxnSpPr>
-        <p:spPr>
-          <a:xfrm>
-            <a:off x="8007828" y="3157443"/>
-            <a:ext cx="1049153" cy="0"/>
-          </a:xfrm>
-          <a:prstGeom prst="straightConnector1">
-            <a:avLst/>
-          </a:prstGeom>
-          <a:ln>
-            <a:tailEnd type="triangle"/>
-          </a:ln>
-        </p:spPr>
-        <p:style>
-          <a:lnRef idx="1">
-            <a:schemeClr val="accent1"/>
-          </a:lnRef>
-          <a:fillRef idx="0">
-            <a:schemeClr val="accent1"/>
-          </a:fillRef>
-          <a:effectRef idx="0">
-            <a:schemeClr val="accent1"/>
-          </a:effectRef>
-          <a:fontRef idx="minor">
-            <a:schemeClr val="tx1"/>
-          </a:fontRef>
-        </p:style>
-      </p:cxnSp>
-      <p:cxnSp>
-        <p:nvCxnSpPr>
-          <p:cNvPr id="12" name="直接箭头连接符 11">
-            <a:extLst>
-              <a:ext uri="{FF2B5EF4-FFF2-40B4-BE49-F238E27FC236}">
-                <a16:creationId xmlns:a16="http://schemas.microsoft.com/office/drawing/2014/main" id="{479EF792-6887-1589-2651-727AFB154092}"/>
-              </a:ext>
-            </a:extLst>
-          </p:cNvPr>
-          <p:cNvCxnSpPr>
-            <a:cxnSpLocks/>
-            <a:stCxn id="4" idx="3"/>
-            <a:endCxn id="7" idx="1"/>
-          </p:cNvCxnSpPr>
-          <p:nvPr/>
-        </p:nvCxnSpPr>
-        <p:spPr>
-          <a:xfrm>
-            <a:off x="8007827" y="3771661"/>
-            <a:ext cx="1049154" cy="0"/>
-          </a:xfrm>
-          <a:prstGeom prst="straightConnector1">
-            <a:avLst/>
-          </a:prstGeom>
-          <a:ln>
-            <a:tailEnd type="triangle"/>
-          </a:ln>
-        </p:spPr>
-        <p:style>
-          <a:lnRef idx="1">
-            <a:schemeClr val="accent1"/>
-          </a:lnRef>
-          <a:fillRef idx="0">
-            <a:schemeClr val="accent1"/>
-          </a:fillRef>
-          <a:effectRef idx="0">
-            <a:schemeClr val="accent1"/>
-          </a:effectRef>
-          <a:fontRef idx="minor">
-            <a:schemeClr val="tx1"/>
-          </a:fontRef>
-        </p:style>
-      </p:cxnSp>
-      <p:sp>
-        <p:nvSpPr>
-          <p:cNvPr id="39" name="文本框 38">
-            <a:extLst>
-              <a:ext uri="{FF2B5EF4-FFF2-40B4-BE49-F238E27FC236}">
-                <a16:creationId xmlns:a16="http://schemas.microsoft.com/office/drawing/2014/main" id="{B9DEEF36-6645-C089-AD85-6E1433FCE9FE}"/>
-              </a:ext>
-            </a:extLst>
-          </p:cNvPr>
-          <p:cNvSpPr txBox="1"/>
-          <p:nvPr/>
-        </p:nvSpPr>
-        <p:spPr>
-          <a:xfrm>
-            <a:off x="1088685" y="2976891"/>
-            <a:ext cx="768159" cy="369332"/>
-          </a:xfrm>
-          <a:prstGeom prst="rect">
-            <a:avLst/>
-          </a:prstGeom>
-          <a:noFill/>
-        </p:spPr>
-        <p:txBody>
-          <a:bodyPr wrap="none" rtlCol="0">
-            <a:spAutoFit/>
-          </a:bodyPr>
-          <a:lstStyle/>
-          <a:p>
-            <a:r>
-              <a:rPr lang="zh-CN" altLang="en-US" dirty="0"/>
-              <a:t>问题</a:t>
-            </a:r>
-            <a:r>
-              <a:rPr lang="en-US" altLang="zh-CN" dirty="0"/>
-              <a:t>1</a:t>
-            </a:r>
-            <a:endParaRPr lang="zh-CN" altLang="en-US" dirty="0"/>
-          </a:p>
-        </p:txBody>
-      </p:sp>
-      <p:sp>
-        <p:nvSpPr>
-          <p:cNvPr id="42" name="文本框 41">
-            <a:extLst>
-              <a:ext uri="{FF2B5EF4-FFF2-40B4-BE49-F238E27FC236}">
-                <a16:creationId xmlns:a16="http://schemas.microsoft.com/office/drawing/2014/main" id="{1AF32BD0-D280-E721-8106-27C462A1A982}"/>
-              </a:ext>
-            </a:extLst>
-          </p:cNvPr>
-          <p:cNvSpPr txBox="1"/>
-          <p:nvPr/>
-        </p:nvSpPr>
-        <p:spPr>
-          <a:xfrm>
-            <a:off x="3079121" y="2976891"/>
-            <a:ext cx="793807" cy="369332"/>
-          </a:xfrm>
-          <a:prstGeom prst="rect">
-            <a:avLst/>
-          </a:prstGeom>
-          <a:noFill/>
-        </p:spPr>
-        <p:txBody>
-          <a:bodyPr wrap="none" rtlCol="0">
-            <a:spAutoFit/>
-          </a:bodyPr>
-          <a:lstStyle/>
-          <a:p>
-            <a:r>
-              <a:rPr lang="zh-CN" altLang="en-US" dirty="0"/>
-              <a:t>模块</a:t>
-            </a:r>
-            <a:r>
-              <a:rPr lang="en-US" altLang="zh-CN" dirty="0"/>
-              <a:t>A</a:t>
-            </a:r>
-            <a:endParaRPr lang="zh-CN" altLang="en-US" dirty="0"/>
-          </a:p>
-        </p:txBody>
-      </p:sp>
-      <p:sp>
-        <p:nvSpPr>
-          <p:cNvPr id="43" name="文本框 42">
-            <a:extLst>
-              <a:ext uri="{FF2B5EF4-FFF2-40B4-BE49-F238E27FC236}">
-                <a16:creationId xmlns:a16="http://schemas.microsoft.com/office/drawing/2014/main" id="{130E2FE0-7794-0A68-76BD-73D914CE8A9D}"/>
-              </a:ext>
-            </a:extLst>
-          </p:cNvPr>
-          <p:cNvSpPr txBox="1"/>
-          <p:nvPr/>
-        </p:nvSpPr>
-        <p:spPr>
-          <a:xfrm>
-            <a:off x="3079121" y="3591109"/>
-            <a:ext cx="793807" cy="369332"/>
-          </a:xfrm>
-          <a:prstGeom prst="rect">
-            <a:avLst/>
-          </a:prstGeom>
-          <a:noFill/>
-        </p:spPr>
-        <p:txBody>
-          <a:bodyPr wrap="none" rtlCol="0">
-            <a:spAutoFit/>
-          </a:bodyPr>
-          <a:lstStyle/>
-          <a:p>
-            <a:r>
-              <a:rPr lang="zh-CN" altLang="en-US" dirty="0"/>
-              <a:t>模块</a:t>
-            </a:r>
-            <a:r>
-              <a:rPr lang="en-US" altLang="zh-CN" dirty="0"/>
-              <a:t>B</a:t>
-            </a:r>
-            <a:endParaRPr lang="zh-CN" altLang="en-US" dirty="0"/>
-          </a:p>
-        </p:txBody>
-      </p:sp>
-      <p:cxnSp>
-        <p:nvCxnSpPr>
-          <p:cNvPr id="45" name="直接箭头连接符 44">
-            <a:extLst>
-              <a:ext uri="{FF2B5EF4-FFF2-40B4-BE49-F238E27FC236}">
-                <a16:creationId xmlns:a16="http://schemas.microsoft.com/office/drawing/2014/main" id="{6416ED16-2782-34ED-C9D9-782D9EF28173}"/>
-              </a:ext>
-            </a:extLst>
-          </p:cNvPr>
-          <p:cNvCxnSpPr>
-            <a:cxnSpLocks/>
-            <a:stCxn id="39" idx="3"/>
-            <a:endCxn id="42" idx="1"/>
-          </p:cNvCxnSpPr>
-          <p:nvPr/>
-        </p:nvCxnSpPr>
-        <p:spPr>
-          <a:xfrm>
-            <a:off x="1856844" y="3161557"/>
-            <a:ext cx="1222277" cy="0"/>
-          </a:xfrm>
-          <a:prstGeom prst="straightConnector1">
-            <a:avLst/>
-          </a:prstGeom>
-          <a:ln>
-            <a:tailEnd type="triangle"/>
-          </a:ln>
-        </p:spPr>
-        <p:style>
-          <a:lnRef idx="1">
-            <a:schemeClr val="accent1"/>
-          </a:lnRef>
-          <a:fillRef idx="0">
-            <a:schemeClr val="accent1"/>
-          </a:fillRef>
-          <a:effectRef idx="0">
-            <a:schemeClr val="accent1"/>
-          </a:effectRef>
-          <a:fontRef idx="minor">
-            <a:schemeClr val="tx1"/>
-          </a:fontRef>
-        </p:style>
-      </p:cxnSp>
-      <p:cxnSp>
-        <p:nvCxnSpPr>
-          <p:cNvPr id="46" name="直接箭头连接符 45">
-            <a:extLst>
-              <a:ext uri="{FF2B5EF4-FFF2-40B4-BE49-F238E27FC236}">
-                <a16:creationId xmlns:a16="http://schemas.microsoft.com/office/drawing/2014/main" id="{B1A9BF31-C97A-6CBC-95B5-C14CDA436131}"/>
-              </a:ext>
-            </a:extLst>
-          </p:cNvPr>
-          <p:cNvCxnSpPr>
-            <a:cxnSpLocks/>
-            <a:stCxn id="39" idx="3"/>
-            <a:endCxn id="43" idx="1"/>
-          </p:cNvCxnSpPr>
-          <p:nvPr/>
-        </p:nvCxnSpPr>
-        <p:spPr>
-          <a:xfrm>
-            <a:off x="1856844" y="3161557"/>
-            <a:ext cx="1222277" cy="614218"/>
-          </a:xfrm>
-          <a:prstGeom prst="straightConnector1">
-            <a:avLst/>
-          </a:prstGeom>
-          <a:ln>
-            <a:tailEnd type="triangle"/>
-          </a:ln>
-        </p:spPr>
-        <p:style>
-          <a:lnRef idx="1">
-            <a:schemeClr val="accent1"/>
-          </a:lnRef>
-          <a:fillRef idx="0">
-            <a:schemeClr val="accent1"/>
-          </a:fillRef>
-          <a:effectRef idx="0">
-            <a:schemeClr val="accent1"/>
-          </a:effectRef>
-          <a:fontRef idx="minor">
-            <a:schemeClr val="tx1"/>
-          </a:fontRef>
-        </p:style>
-      </p:cxnSp>
-      <p:sp>
-        <p:nvSpPr>
-          <p:cNvPr id="55" name="箭头: 右 54">
-            <a:extLst>
-              <a:ext uri="{FF2B5EF4-FFF2-40B4-BE49-F238E27FC236}">
-                <a16:creationId xmlns:a16="http://schemas.microsoft.com/office/drawing/2014/main" id="{5B7410CD-2689-58B2-7710-77A79A8F93D9}"/>
-              </a:ext>
-            </a:extLst>
-          </p:cNvPr>
-          <p:cNvSpPr/>
-          <p:nvPr/>
-        </p:nvSpPr>
-        <p:spPr>
-          <a:xfrm>
-            <a:off x="4989445" y="3136507"/>
-            <a:ext cx="960582" cy="369332"/>
-          </a:xfrm>
-          <a:prstGeom prst="rightArrow">
-            <a:avLst/>
-          </a:prstGeom>
-        </p:spPr>
-        <p:style>
-          <a:lnRef idx="2">
-            <a:schemeClr val="accent1">
-              <a:shade val="50000"/>
-            </a:schemeClr>
-          </a:lnRef>
-          <a:fillRef idx="1">
-            <a:schemeClr val="accent1"/>
-          </a:fillRef>
-          <a:effectRef idx="0">
-            <a:schemeClr val="accent1"/>
-          </a:effectRef>
-          <a:fontRef idx="minor">
-            <a:schemeClr val="lt1"/>
-          </a:fontRef>
-        </p:style>
-        <p:txBody>
-          <a:bodyPr rtlCol="0" anchor="ctr"/>
-          <a:lstStyle/>
-          <a:p>
-            <a:pPr algn="ctr"/>
-            <a:endParaRPr lang="zh-CN" altLang="en-US"/>
-          </a:p>
-        </p:txBody>
-      </p:sp>
-      <p:cxnSp>
-        <p:nvCxnSpPr>
-          <p:cNvPr id="56" name="直接箭头连接符 55">
-            <a:extLst>
-              <a:ext uri="{FF2B5EF4-FFF2-40B4-BE49-F238E27FC236}">
-                <a16:creationId xmlns:a16="http://schemas.microsoft.com/office/drawing/2014/main" id="{112C717A-A8D2-3714-0C5D-C09748E9F71F}"/>
-              </a:ext>
-            </a:extLst>
-          </p:cNvPr>
-          <p:cNvCxnSpPr>
-            <a:cxnSpLocks/>
-            <a:stCxn id="6" idx="2"/>
-            <a:endCxn id="7" idx="0"/>
-          </p:cNvCxnSpPr>
-          <p:nvPr/>
-        </p:nvCxnSpPr>
-        <p:spPr>
-          <a:xfrm>
-            <a:off x="9453885" y="3342109"/>
-            <a:ext cx="0" cy="244886"/>
-          </a:xfrm>
-          <a:prstGeom prst="straightConnector1">
-            <a:avLst/>
-          </a:prstGeom>
-          <a:ln>
-            <a:prstDash val="lgDashDotDot"/>
-            <a:headEnd type="arrow" w="med" len="med"/>
-            <a:tailEnd type="arrow" w="med" len="med"/>
-          </a:ln>
-        </p:spPr>
-        <p:style>
-          <a:lnRef idx="1">
-            <a:schemeClr val="accent1"/>
-          </a:lnRef>
-          <a:fillRef idx="0">
-            <a:schemeClr val="accent1"/>
-          </a:fillRef>
-          <a:effectRef idx="0">
-            <a:schemeClr val="accent1"/>
-          </a:effectRef>
-          <a:fontRef idx="minor">
-            <a:schemeClr val="tx1"/>
-          </a:fontRef>
-        </p:style>
-      </p:cxnSp>
-      <p:cxnSp>
-        <p:nvCxnSpPr>
-          <p:cNvPr id="5" name="直接箭头连接符 4">
-            <a:extLst>
-              <a:ext uri="{FF2B5EF4-FFF2-40B4-BE49-F238E27FC236}">
-                <a16:creationId xmlns:a16="http://schemas.microsoft.com/office/drawing/2014/main" id="{95A8BEC7-983B-0986-1EB4-B274DD9811CB}"/>
-              </a:ext>
-            </a:extLst>
-          </p:cNvPr>
-          <p:cNvCxnSpPr>
-            <a:cxnSpLocks/>
-            <a:stCxn id="3" idx="2"/>
-            <a:endCxn id="4" idx="0"/>
-          </p:cNvCxnSpPr>
-          <p:nvPr/>
-        </p:nvCxnSpPr>
-        <p:spPr>
-          <a:xfrm flipH="1">
-            <a:off x="7537186" y="3342109"/>
-            <a:ext cx="1" cy="244886"/>
-          </a:xfrm>
-          <a:prstGeom prst="straightConnector1">
-            <a:avLst/>
-          </a:prstGeom>
-          <a:ln>
-            <a:prstDash val="lgDashDotDot"/>
-            <a:headEnd type="arrow" w="med" len="med"/>
-            <a:tailEnd type="arrow" w="med" len="med"/>
-          </a:ln>
-        </p:spPr>
-        <p:style>
-          <a:lnRef idx="1">
-            <a:schemeClr val="accent1"/>
-          </a:lnRef>
-          <a:fillRef idx="0">
-            <a:schemeClr val="accent1"/>
-          </a:fillRef>
-          <a:effectRef idx="0">
-            <a:schemeClr val="accent1"/>
-          </a:effectRef>
-          <a:fontRef idx="minor">
-            <a:schemeClr val="tx1"/>
-          </a:fontRef>
-        </p:style>
-      </p:cxnSp>
-      <p:sp>
-        <p:nvSpPr>
-          <p:cNvPr id="11" name="文本框 10">
-            <a:extLst>
-              <a:ext uri="{FF2B5EF4-FFF2-40B4-BE49-F238E27FC236}">
-                <a16:creationId xmlns:a16="http://schemas.microsoft.com/office/drawing/2014/main" id="{2D77D272-72D3-7A89-01EA-8A853249A0BC}"/>
-              </a:ext>
-            </a:extLst>
-          </p:cNvPr>
-          <p:cNvSpPr txBox="1"/>
-          <p:nvPr/>
-        </p:nvSpPr>
-        <p:spPr>
-          <a:xfrm>
-            <a:off x="0" y="6604084"/>
-            <a:ext cx="6340197" cy="253916"/>
-          </a:xfrm>
-          <a:prstGeom prst="rect">
-            <a:avLst/>
-          </a:prstGeom>
-          <a:noFill/>
-        </p:spPr>
-        <p:txBody>
-          <a:bodyPr wrap="none" rtlCol="0">
-            <a:spAutoFit/>
-          </a:bodyPr>
-          <a:lstStyle/>
-          <a:p>
-            <a:r>
-              <a:rPr lang="zh-CN" altLang="en-US" sz="1050" dirty="0"/>
-              <a:t>注：所谓“模块”，本文特指可切割出来纳入本次问题处理工作的最小范围的代码文件、工程文件等的集合</a:t>
-            </a:r>
-          </a:p>
-        </p:txBody>
-      </p:sp>
+        </p:spPr>
+      </p:pic>
     </p:spTree>
     <p:extLst>
       <p:ext uri="{BB962C8B-B14F-4D97-AF65-F5344CB8AC3E}">
-        <p14:creationId xmlns:p14="http://schemas.microsoft.com/office/powerpoint/2010/main" val="2516000958"/>
+        <p14:creationId xmlns:p14="http://schemas.microsoft.com/office/powerpoint/2010/main" val="3241786116"/>
       </p:ext>
     </p:extLst>
   </p:cSld>
@@ -7961,7 +8523,7 @@
           <a:p>
             <a:r>
               <a:rPr lang="zh-CN" altLang="en-US" dirty="0"/>
-              <a:t>问题处理策略：分析衍生问题</a:t>
+              <a:t>问题处理策略：分解细化问题</a:t>
             </a:r>
           </a:p>
         </p:txBody>
@@ -7980,8 +8542,8 @@
         </p:nvSpPr>
         <p:spPr>
           <a:xfrm>
-            <a:off x="2605822" y="3895603"/>
-            <a:ext cx="768159" cy="369332"/>
+            <a:off x="7066545" y="2972777"/>
+            <a:ext cx="941283" cy="369332"/>
           </a:xfrm>
           <a:prstGeom prst="rect">
             <a:avLst/>
@@ -8000,7 +8562,7 @@
             </a:r>
             <a:r>
               <a:rPr lang="en-US" altLang="zh-CN" dirty="0"/>
-              <a:t>2</a:t>
+              <a:t>1.1</a:t>
             </a:r>
             <a:endParaRPr lang="zh-CN" altLang="en-US" dirty="0"/>
           </a:p>
@@ -8008,10 +8570,10 @@
       </p:sp>
       <p:sp>
         <p:nvSpPr>
-          <p:cNvPr id="6" name="文本框 5">
-            <a:extLst>
-              <a:ext uri="{FF2B5EF4-FFF2-40B4-BE49-F238E27FC236}">
-                <a16:creationId xmlns:a16="http://schemas.microsoft.com/office/drawing/2014/main" id="{25A05E86-48C1-775B-993B-4744AAA442B7}"/>
+          <p:cNvPr id="4" name="文本框 3">
+            <a:extLst>
+              <a:ext uri="{FF2B5EF4-FFF2-40B4-BE49-F238E27FC236}">
+                <a16:creationId xmlns:a16="http://schemas.microsoft.com/office/drawing/2014/main" id="{DAE9320F-8259-5AEF-0A83-B9470ACECCAF}"/>
               </a:ext>
             </a:extLst>
           </p:cNvPr>
@@ -8020,8 +8582,8 @@
         </p:nvSpPr>
         <p:spPr>
           <a:xfrm>
-            <a:off x="4596258" y="3895603"/>
-            <a:ext cx="793807" cy="369332"/>
+            <a:off x="7066544" y="3586995"/>
+            <a:ext cx="941283" cy="369332"/>
           </a:xfrm>
           <a:prstGeom prst="rect">
             <a:avLst/>
@@ -8036,6 +8598,46 @@
           <a:p>
             <a:r>
               <a:rPr lang="zh-CN" altLang="en-US" dirty="0"/>
+              <a:t>问题</a:t>
+            </a:r>
+            <a:r>
+              <a:rPr lang="en-US" altLang="zh-CN" dirty="0"/>
+              <a:t>1.2</a:t>
+            </a:r>
+            <a:endParaRPr lang="zh-CN" altLang="en-US" dirty="0"/>
+          </a:p>
+        </p:txBody>
+      </p:sp>
+      <p:sp>
+        <p:nvSpPr>
+          <p:cNvPr id="6" name="文本框 5">
+            <a:extLst>
+              <a:ext uri="{FF2B5EF4-FFF2-40B4-BE49-F238E27FC236}">
+                <a16:creationId xmlns:a16="http://schemas.microsoft.com/office/drawing/2014/main" id="{25A05E86-48C1-775B-993B-4744AAA442B7}"/>
+              </a:ext>
+            </a:extLst>
+          </p:cNvPr>
+          <p:cNvSpPr txBox="1"/>
+          <p:nvPr/>
+        </p:nvSpPr>
+        <p:spPr>
+          <a:xfrm>
+            <a:off x="9056981" y="2972777"/>
+            <a:ext cx="793807" cy="369332"/>
+          </a:xfrm>
+          <a:prstGeom prst="rect">
+            <a:avLst/>
+          </a:prstGeom>
+          <a:noFill/>
+        </p:spPr>
+        <p:txBody>
+          <a:bodyPr wrap="none" rtlCol="0">
+            <a:spAutoFit/>
+          </a:bodyPr>
+          <a:lstStyle/>
+          <a:p>
+            <a:r>
+              <a:rPr lang="zh-CN" altLang="en-US" dirty="0"/>
               <a:t>模块</a:t>
             </a:r>
             <a:r>
@@ -8060,7 +8662,7 @@
         </p:nvSpPr>
         <p:spPr>
           <a:xfrm>
-            <a:off x="4596257" y="4883605"/>
+            <a:off x="9056981" y="3586995"/>
             <a:ext cx="793807" cy="369332"/>
           </a:xfrm>
           <a:prstGeom prst="rect">
@@ -8104,8 +8706,8 @@
         </p:nvCxnSpPr>
         <p:spPr>
           <a:xfrm>
-            <a:off x="3373981" y="4080269"/>
-            <a:ext cx="1222277" cy="0"/>
+            <a:off x="8007828" y="3157443"/>
+            <a:ext cx="1049153" cy="0"/>
           </a:xfrm>
           <a:prstGeom prst="straightConnector1">
             <a:avLst/>
@@ -8140,21 +8742,20 @@
           </p:cNvPr>
           <p:cNvCxnSpPr>
             <a:cxnSpLocks/>
-            <a:stCxn id="6" idx="2"/>
-            <a:endCxn id="7" idx="0"/>
+            <a:stCxn id="4" idx="3"/>
+            <a:endCxn id="7" idx="1"/>
           </p:cNvCxnSpPr>
           <p:nvPr/>
         </p:nvCxnSpPr>
         <p:spPr>
-          <a:xfrm flipH="1">
-            <a:off x="4993161" y="4264935"/>
-            <a:ext cx="1" cy="618670"/>
+          <a:xfrm>
+            <a:off x="8007827" y="3771661"/>
+            <a:ext cx="1049154" cy="0"/>
           </a:xfrm>
           <a:prstGeom prst="straightConnector1">
             <a:avLst/>
           </a:prstGeom>
           <a:ln>
-            <a:prstDash val="lgDashDotDot"/>
             <a:tailEnd type="triangle"/>
           </a:ln>
         </p:spPr>
@@ -8175,10 +8776,10 @@
       </p:cxnSp>
       <p:sp>
         <p:nvSpPr>
-          <p:cNvPr id="19" name="文本框 18">
-            <a:extLst>
-              <a:ext uri="{FF2B5EF4-FFF2-40B4-BE49-F238E27FC236}">
-                <a16:creationId xmlns:a16="http://schemas.microsoft.com/office/drawing/2014/main" id="{9F4D7C13-97DB-32D9-834A-8FA337C0526C}"/>
+          <p:cNvPr id="39" name="文本框 38">
+            <a:extLst>
+              <a:ext uri="{FF2B5EF4-FFF2-40B4-BE49-F238E27FC236}">
+                <a16:creationId xmlns:a16="http://schemas.microsoft.com/office/drawing/2014/main" id="{B9DEEF36-6645-C089-AD85-6E1433FCE9FE}"/>
               </a:ext>
             </a:extLst>
           </p:cNvPr>
@@ -8187,8 +8788,8 @@
         </p:nvSpPr>
         <p:spPr>
           <a:xfrm>
-            <a:off x="6612342" y="4883605"/>
-            <a:ext cx="941283" cy="369332"/>
+            <a:off x="1088685" y="2976891"/>
+            <a:ext cx="768159" cy="369332"/>
           </a:xfrm>
           <a:prstGeom prst="rect">
             <a:avLst/>
@@ -8207,62 +8808,18 @@
             </a:r>
             <a:r>
               <a:rPr lang="en-US" altLang="zh-CN" dirty="0"/>
-              <a:t>2.2</a:t>
+              <a:t>1</a:t>
             </a:r>
             <a:endParaRPr lang="zh-CN" altLang="en-US" dirty="0"/>
           </a:p>
         </p:txBody>
       </p:sp>
-      <p:cxnSp>
-        <p:nvCxnSpPr>
-          <p:cNvPr id="11" name="直接箭头连接符 10">
-            <a:extLst>
-              <a:ext uri="{FF2B5EF4-FFF2-40B4-BE49-F238E27FC236}">
-                <a16:creationId xmlns:a16="http://schemas.microsoft.com/office/drawing/2014/main" id="{D34A0CFE-4E57-79A6-60AE-51E2CEA028C6}"/>
-              </a:ext>
-            </a:extLst>
-          </p:cNvPr>
-          <p:cNvCxnSpPr>
-            <a:cxnSpLocks/>
-            <a:stCxn id="7" idx="3"/>
-            <a:endCxn id="19" idx="1"/>
-          </p:cNvCxnSpPr>
-          <p:nvPr/>
-        </p:nvCxnSpPr>
-        <p:spPr>
-          <a:xfrm>
-            <a:off x="5390064" y="5068271"/>
-            <a:ext cx="1222278" cy="0"/>
-          </a:xfrm>
-          <a:prstGeom prst="straightConnector1">
-            <a:avLst/>
-          </a:prstGeom>
-          <a:ln>
-            <a:prstDash val="lgDashDotDot"/>
-            <a:tailEnd type="triangle"/>
-          </a:ln>
-        </p:spPr>
-        <p:style>
-          <a:lnRef idx="1">
-            <a:schemeClr val="accent1"/>
-          </a:lnRef>
-          <a:fillRef idx="0">
-            <a:schemeClr val="accent1"/>
-          </a:fillRef>
-          <a:effectRef idx="0">
-            <a:schemeClr val="accent1"/>
-          </a:effectRef>
-          <a:fontRef idx="minor">
-            <a:schemeClr val="tx1"/>
-          </a:fontRef>
-        </p:style>
-      </p:cxnSp>
-      <p:sp>
-        <p:nvSpPr>
-          <p:cNvPr id="22" name="文本框 21">
-            <a:extLst>
-              <a:ext uri="{FF2B5EF4-FFF2-40B4-BE49-F238E27FC236}">
-                <a16:creationId xmlns:a16="http://schemas.microsoft.com/office/drawing/2014/main" id="{C3C07565-25A2-9BA6-952E-765ACF4E59EE}"/>
+      <p:sp>
+        <p:nvSpPr>
+          <p:cNvPr id="42" name="文本框 41">
+            <a:extLst>
+              <a:ext uri="{FF2B5EF4-FFF2-40B4-BE49-F238E27FC236}">
+                <a16:creationId xmlns:a16="http://schemas.microsoft.com/office/drawing/2014/main" id="{1AF32BD0-D280-E721-8106-27C462A1A982}"/>
               </a:ext>
             </a:extLst>
           </p:cNvPr>
@@ -8271,8 +8828,8 @@
         </p:nvSpPr>
         <p:spPr>
           <a:xfrm>
-            <a:off x="2605822" y="2253633"/>
-            <a:ext cx="768159" cy="369332"/>
+            <a:off x="3079121" y="2976891"/>
+            <a:ext cx="793807" cy="369332"/>
           </a:xfrm>
           <a:prstGeom prst="rect">
             <a:avLst/>
@@ -8287,11 +8844,11 @@
           <a:p>
             <a:r>
               <a:rPr lang="zh-CN" altLang="en-US" dirty="0"/>
-              <a:t>问题</a:t>
+              <a:t>模块</a:t>
             </a:r>
             <a:r>
               <a:rPr lang="en-US" altLang="zh-CN" dirty="0"/>
-              <a:t>1</a:t>
+              <a:t>A</a:t>
             </a:r>
             <a:endParaRPr lang="zh-CN" altLang="en-US" dirty="0"/>
           </a:p>
@@ -8299,10 +8856,10 @@
       </p:sp>
       <p:sp>
         <p:nvSpPr>
-          <p:cNvPr id="23" name="文本框 22">
-            <a:extLst>
-              <a:ext uri="{FF2B5EF4-FFF2-40B4-BE49-F238E27FC236}">
-                <a16:creationId xmlns:a16="http://schemas.microsoft.com/office/drawing/2014/main" id="{DC930FE9-302B-1965-E880-B8D81F4AC7C7}"/>
+          <p:cNvPr id="43" name="文本框 42">
+            <a:extLst>
+              <a:ext uri="{FF2B5EF4-FFF2-40B4-BE49-F238E27FC236}">
+                <a16:creationId xmlns:a16="http://schemas.microsoft.com/office/drawing/2014/main" id="{130E2FE0-7794-0A68-76BD-73D914CE8A9D}"/>
               </a:ext>
             </a:extLst>
           </p:cNvPr>
@@ -8311,7 +8868,7 @@
         </p:nvSpPr>
         <p:spPr>
           <a:xfrm>
-            <a:off x="4596258" y="2253633"/>
+            <a:off x="3079121" y="3591109"/>
             <a:ext cx="793807" cy="369332"/>
           </a:xfrm>
           <a:prstGeom prst="rect">
@@ -8331,7 +8888,7 @@
             </a:r>
             <a:r>
               <a:rPr lang="en-US" altLang="zh-CN" dirty="0"/>
-              <a:t>A</a:t>
+              <a:t>B</a:t>
             </a:r>
             <a:endParaRPr lang="zh-CN" altLang="en-US" dirty="0"/>
           </a:p>
@@ -8339,113 +8896,29 @@
       </p:sp>
       <p:cxnSp>
         <p:nvCxnSpPr>
-          <p:cNvPr id="25" name="直接箭头连接符 24">
-            <a:extLst>
-              <a:ext uri="{FF2B5EF4-FFF2-40B4-BE49-F238E27FC236}">
-                <a16:creationId xmlns:a16="http://schemas.microsoft.com/office/drawing/2014/main" id="{04A6AB89-DFDB-4F5B-AF6F-F898BD9F329F}"/>
+          <p:cNvPr id="45" name="直接箭头连接符 44">
+            <a:extLst>
+              <a:ext uri="{FF2B5EF4-FFF2-40B4-BE49-F238E27FC236}">
+                <a16:creationId xmlns:a16="http://schemas.microsoft.com/office/drawing/2014/main" id="{6416ED16-2782-34ED-C9D9-782D9EF28173}"/>
               </a:ext>
             </a:extLst>
           </p:cNvPr>
           <p:cNvCxnSpPr>
             <a:cxnSpLocks/>
-            <a:stCxn id="22" idx="3"/>
-            <a:endCxn id="23" idx="1"/>
+            <a:stCxn id="39" idx="3"/>
+            <a:endCxn id="42" idx="1"/>
           </p:cNvCxnSpPr>
           <p:nvPr/>
         </p:nvCxnSpPr>
         <p:spPr>
           <a:xfrm>
-            <a:off x="3373981" y="2438299"/>
+            <a:off x="1856844" y="3161557"/>
             <a:ext cx="1222277" cy="0"/>
           </a:xfrm>
           <a:prstGeom prst="straightConnector1">
             <a:avLst/>
           </a:prstGeom>
           <a:ln>
-            <a:tailEnd type="triangle"/>
-          </a:ln>
-        </p:spPr>
-        <p:style>
-          <a:lnRef idx="1">
-            <a:schemeClr val="accent1"/>
-          </a:lnRef>
-          <a:fillRef idx="0">
-            <a:schemeClr val="accent1"/>
-          </a:fillRef>
-          <a:effectRef idx="0">
-            <a:schemeClr val="accent1"/>
-          </a:effectRef>
-          <a:fontRef idx="minor">
-            <a:schemeClr val="tx1"/>
-          </a:fontRef>
-        </p:style>
-      </p:cxnSp>
-      <p:sp>
-        <p:nvSpPr>
-          <p:cNvPr id="27" name="文本框 26">
-            <a:extLst>
-              <a:ext uri="{FF2B5EF4-FFF2-40B4-BE49-F238E27FC236}">
-                <a16:creationId xmlns:a16="http://schemas.microsoft.com/office/drawing/2014/main" id="{B31B3231-C70C-C017-E71D-A97808D427C3}"/>
-              </a:ext>
-            </a:extLst>
-          </p:cNvPr>
-          <p:cNvSpPr txBox="1"/>
-          <p:nvPr/>
-        </p:nvSpPr>
-        <p:spPr>
-          <a:xfrm>
-            <a:off x="6612342" y="2253633"/>
-            <a:ext cx="941283" cy="369332"/>
-          </a:xfrm>
-          <a:prstGeom prst="rect">
-            <a:avLst/>
-          </a:prstGeom>
-          <a:noFill/>
-        </p:spPr>
-        <p:txBody>
-          <a:bodyPr wrap="none" rtlCol="0">
-            <a:spAutoFit/>
-          </a:bodyPr>
-          <a:lstStyle/>
-          <a:p>
-            <a:r>
-              <a:rPr lang="zh-CN" altLang="en-US" dirty="0"/>
-              <a:t>问题</a:t>
-            </a:r>
-            <a:r>
-              <a:rPr lang="en-US" altLang="zh-CN" dirty="0"/>
-              <a:t>1.2</a:t>
-            </a:r>
-            <a:endParaRPr lang="zh-CN" altLang="en-US" dirty="0"/>
-          </a:p>
-        </p:txBody>
-      </p:sp>
-      <p:cxnSp>
-        <p:nvCxnSpPr>
-          <p:cNvPr id="28" name="直接箭头连接符 27">
-            <a:extLst>
-              <a:ext uri="{FF2B5EF4-FFF2-40B4-BE49-F238E27FC236}">
-                <a16:creationId xmlns:a16="http://schemas.microsoft.com/office/drawing/2014/main" id="{5EC41BE3-1161-7FAA-7CE9-A8EEBCBEA620}"/>
-              </a:ext>
-            </a:extLst>
-          </p:cNvPr>
-          <p:cNvCxnSpPr>
-            <a:cxnSpLocks/>
-            <a:stCxn id="23" idx="3"/>
-            <a:endCxn id="27" idx="1"/>
-          </p:cNvCxnSpPr>
-          <p:nvPr/>
-        </p:nvCxnSpPr>
-        <p:spPr>
-          <a:xfrm>
-            <a:off x="5390065" y="2438299"/>
-            <a:ext cx="1222277" cy="0"/>
-          </a:xfrm>
-          <a:prstGeom prst="straightConnector1">
-            <a:avLst/>
-          </a:prstGeom>
-          <a:ln>
-            <a:prstDash val="lgDashDotDot"/>
             <a:tailEnd type="triangle"/>
           </a:ln>
         </p:spPr>
@@ -8466,31 +8939,121 @@
       </p:cxnSp>
       <p:cxnSp>
         <p:nvCxnSpPr>
-          <p:cNvPr id="38" name="连接符: 曲线 37">
-            <a:extLst>
-              <a:ext uri="{FF2B5EF4-FFF2-40B4-BE49-F238E27FC236}">
-                <a16:creationId xmlns:a16="http://schemas.microsoft.com/office/drawing/2014/main" id="{345E177C-1D42-D4B1-CF81-9ED305AD2232}"/>
+          <p:cNvPr id="46" name="直接箭头连接符 45">
+            <a:extLst>
+              <a:ext uri="{FF2B5EF4-FFF2-40B4-BE49-F238E27FC236}">
+                <a16:creationId xmlns:a16="http://schemas.microsoft.com/office/drawing/2014/main" id="{B1A9BF31-C97A-6CBC-95B5-C14CDA436131}"/>
               </a:ext>
             </a:extLst>
           </p:cNvPr>
           <p:cNvCxnSpPr>
-            <a:stCxn id="27" idx="0"/>
-            <a:endCxn id="23" idx="0"/>
+            <a:cxnSpLocks/>
+            <a:stCxn id="39" idx="3"/>
+            <a:endCxn id="43" idx="1"/>
           </p:cNvCxnSpPr>
           <p:nvPr/>
         </p:nvCxnSpPr>
         <p:spPr>
-          <a:xfrm rot="16200000" flipV="1">
-            <a:off x="6038073" y="1208722"/>
-            <a:ext cx="12700" cy="2089822"/>
-          </a:xfrm>
-          <a:prstGeom prst="curvedConnector3">
-            <a:avLst>
-              <a:gd name="adj1" fmla="val 1800000"/>
-            </a:avLst>
+          <a:xfrm>
+            <a:off x="1856844" y="3161557"/>
+            <a:ext cx="1222277" cy="614218"/>
+          </a:xfrm>
+          <a:prstGeom prst="straightConnector1">
+            <a:avLst/>
           </a:prstGeom>
           <a:ln>
             <a:tailEnd type="triangle"/>
+          </a:ln>
+        </p:spPr>
+        <p:style>
+          <a:lnRef idx="1">
+            <a:schemeClr val="accent1"/>
+          </a:lnRef>
+          <a:fillRef idx="0">
+            <a:schemeClr val="accent1"/>
+          </a:fillRef>
+          <a:effectRef idx="0">
+            <a:schemeClr val="accent1"/>
+          </a:effectRef>
+          <a:fontRef idx="minor">
+            <a:schemeClr val="tx1"/>
+          </a:fontRef>
+        </p:style>
+      </p:cxnSp>
+      <p:sp>
+        <p:nvSpPr>
+          <p:cNvPr id="55" name="箭头: 右 54">
+            <a:extLst>
+              <a:ext uri="{FF2B5EF4-FFF2-40B4-BE49-F238E27FC236}">
+                <a16:creationId xmlns:a16="http://schemas.microsoft.com/office/drawing/2014/main" id="{5B7410CD-2689-58B2-7710-77A79A8F93D9}"/>
+              </a:ext>
+            </a:extLst>
+          </p:cNvPr>
+          <p:cNvSpPr/>
+          <p:nvPr/>
+        </p:nvSpPr>
+        <p:spPr>
+          <a:xfrm>
+            <a:off x="4989445" y="3136507"/>
+            <a:ext cx="960582" cy="369332"/>
+          </a:xfrm>
+          <a:prstGeom prst="rightArrow">
+            <a:avLst/>
+          </a:prstGeom>
+        </p:spPr>
+        <p:style>
+          <a:lnRef idx="2">
+            <a:schemeClr val="accent1">
+              <a:shade val="50000"/>
+            </a:schemeClr>
+          </a:lnRef>
+          <a:fillRef idx="1">
+            <a:schemeClr val="accent1"/>
+          </a:fillRef>
+          <a:effectRef idx="0">
+            <a:schemeClr val="accent1"/>
+          </a:effectRef>
+          <a:fontRef idx="minor">
+            <a:schemeClr val="lt1"/>
+          </a:fontRef>
+        </p:style>
+        <p:txBody>
+          <a:bodyPr rtlCol="0" anchor="ctr"/>
+          <a:lstStyle/>
+          <a:p>
+            <a:pPr algn="ctr"/>
+            <a:endParaRPr lang="zh-CN" altLang="en-US"/>
+          </a:p>
+        </p:txBody>
+      </p:sp>
+      <p:cxnSp>
+        <p:nvCxnSpPr>
+          <p:cNvPr id="56" name="直接箭头连接符 55">
+            <a:extLst>
+              <a:ext uri="{FF2B5EF4-FFF2-40B4-BE49-F238E27FC236}">
+                <a16:creationId xmlns:a16="http://schemas.microsoft.com/office/drawing/2014/main" id="{112C717A-A8D2-3714-0C5D-C09748E9F71F}"/>
+              </a:ext>
+            </a:extLst>
+          </p:cNvPr>
+          <p:cNvCxnSpPr>
+            <a:cxnSpLocks/>
+            <a:stCxn id="6" idx="2"/>
+            <a:endCxn id="7" idx="0"/>
+          </p:cNvCxnSpPr>
+          <p:nvPr/>
+        </p:nvCxnSpPr>
+        <p:spPr>
+          <a:xfrm>
+            <a:off x="9453885" y="3342109"/>
+            <a:ext cx="0" cy="244886"/>
+          </a:xfrm>
+          <a:prstGeom prst="straightConnector1">
+            <a:avLst/>
+          </a:prstGeom>
+          <a:ln>
+            <a:prstDash val="lgDashDotDot"/>
+            <a:headEnd type="arrow" w="med" len="med"/>
+            <a:tailEnd type="arrow" w="med" len="med"/>
           </a:ln>
         </p:spPr>
         <p:style>
@@ -8510,32 +9073,32 @@
       </p:cxnSp>
       <p:cxnSp>
         <p:nvCxnSpPr>
-          <p:cNvPr id="39" name="连接符: 曲线 38">
-            <a:extLst>
-              <a:ext uri="{FF2B5EF4-FFF2-40B4-BE49-F238E27FC236}">
-                <a16:creationId xmlns:a16="http://schemas.microsoft.com/office/drawing/2014/main" id="{48069B73-AAD0-2412-D436-A2050DA5A463}"/>
+          <p:cNvPr id="5" name="直接箭头连接符 4">
+            <a:extLst>
+              <a:ext uri="{FF2B5EF4-FFF2-40B4-BE49-F238E27FC236}">
+                <a16:creationId xmlns:a16="http://schemas.microsoft.com/office/drawing/2014/main" id="{95A8BEC7-983B-0986-1EB4-B274DD9811CB}"/>
               </a:ext>
             </a:extLst>
           </p:cNvPr>
           <p:cNvCxnSpPr>
             <a:cxnSpLocks/>
-            <a:stCxn id="19" idx="2"/>
-            <a:endCxn id="7" idx="2"/>
+            <a:stCxn id="3" idx="2"/>
+            <a:endCxn id="4" idx="0"/>
           </p:cNvCxnSpPr>
           <p:nvPr/>
         </p:nvCxnSpPr>
         <p:spPr>
-          <a:xfrm rot="5400000">
-            <a:off x="6038073" y="4208026"/>
-            <a:ext cx="12700" cy="2089823"/>
-          </a:xfrm>
-          <a:prstGeom prst="curvedConnector3">
-            <a:avLst>
-              <a:gd name="adj1" fmla="val 1800000"/>
-            </a:avLst>
+          <a:xfrm flipH="1">
+            <a:off x="7537186" y="3342109"/>
+            <a:ext cx="1" cy="244886"/>
+          </a:xfrm>
+          <a:prstGeom prst="straightConnector1">
+            <a:avLst/>
           </a:prstGeom>
           <a:ln>
-            <a:tailEnd type="triangle"/>
+            <a:prstDash val="lgDashDotDot"/>
+            <a:headEnd type="arrow" w="med" len="med"/>
+            <a:tailEnd type="arrow" w="med" len="med"/>
           </a:ln>
         </p:spPr>
         <p:style>
@@ -8555,10 +9118,10 @@
       </p:cxnSp>
       <p:sp>
         <p:nvSpPr>
-          <p:cNvPr id="4" name="文本框 3">
-            <a:extLst>
-              <a:ext uri="{FF2B5EF4-FFF2-40B4-BE49-F238E27FC236}">
-                <a16:creationId xmlns:a16="http://schemas.microsoft.com/office/drawing/2014/main" id="{1C36AB8E-EC7B-CD16-A4E8-F361EE7EF5B9}"/>
+          <p:cNvPr id="11" name="文本框 10">
+            <a:extLst>
+              <a:ext uri="{FF2B5EF4-FFF2-40B4-BE49-F238E27FC236}">
+                <a16:creationId xmlns:a16="http://schemas.microsoft.com/office/drawing/2014/main" id="{2D77D272-72D3-7A89-01EA-8A853249A0BC}"/>
               </a:ext>
             </a:extLst>
           </p:cNvPr>
@@ -8591,7 +9154,7 @@
     </p:spTree>
     <p:extLst>
       <p:ext uri="{BB962C8B-B14F-4D97-AF65-F5344CB8AC3E}">
-        <p14:creationId xmlns:p14="http://schemas.microsoft.com/office/powerpoint/2010/main" val="3194168704"/>
+        <p14:creationId xmlns:p14="http://schemas.microsoft.com/office/powerpoint/2010/main" val="2516000958"/>
       </p:ext>
     </p:extLst>
   </p:cSld>
@@ -8648,17 +9211,17 @@
           <a:p>
             <a:r>
               <a:rPr lang="zh-CN" altLang="en-US" dirty="0"/>
-              <a:t>模块开发策略：分析模块耦合</a:t>
-            </a:r>
-          </a:p>
-        </p:txBody>
-      </p:sp>
-      <p:sp>
-        <p:nvSpPr>
-          <p:cNvPr id="18" name="文本框 17">
-            <a:extLst>
-              <a:ext uri="{FF2B5EF4-FFF2-40B4-BE49-F238E27FC236}">
-                <a16:creationId xmlns:a16="http://schemas.microsoft.com/office/drawing/2014/main" id="{4B9A821C-D442-BB04-43E5-5E46CC7844A6}"/>
+              <a:t>问题处理策略：分析衍生问题</a:t>
+            </a:r>
+          </a:p>
+        </p:txBody>
+      </p:sp>
+      <p:sp>
+        <p:nvSpPr>
+          <p:cNvPr id="3" name="文本框 2">
+            <a:extLst>
+              <a:ext uri="{FF2B5EF4-FFF2-40B4-BE49-F238E27FC236}">
+                <a16:creationId xmlns:a16="http://schemas.microsoft.com/office/drawing/2014/main" id="{110BC22F-C308-B07E-7C27-E803FEAA3174}"/>
               </a:ext>
             </a:extLst>
           </p:cNvPr>
@@ -8667,8 +9230,8 @@
         </p:nvSpPr>
         <p:spPr>
           <a:xfrm>
-            <a:off x="5302393" y="3207329"/>
-            <a:ext cx="774571" cy="369332"/>
+            <a:off x="2605822" y="3895603"/>
+            <a:ext cx="768159" cy="369332"/>
           </a:xfrm>
           <a:prstGeom prst="rect">
             <a:avLst/>
@@ -8683,11 +9246,11 @@
           <a:p>
             <a:r>
               <a:rPr lang="zh-CN" altLang="en-US" dirty="0"/>
-              <a:t>模块</a:t>
+              <a:t>问题</a:t>
             </a:r>
             <a:r>
               <a:rPr lang="en-US" altLang="zh-CN" dirty="0"/>
-              <a:t>B</a:t>
+              <a:t>2</a:t>
             </a:r>
             <a:endParaRPr lang="zh-CN" altLang="en-US" dirty="0"/>
           </a:p>
@@ -8695,10 +9258,10 @@
       </p:sp>
       <p:sp>
         <p:nvSpPr>
-          <p:cNvPr id="19" name="文本框 18">
-            <a:extLst>
-              <a:ext uri="{FF2B5EF4-FFF2-40B4-BE49-F238E27FC236}">
-                <a16:creationId xmlns:a16="http://schemas.microsoft.com/office/drawing/2014/main" id="{9F4D7C13-97DB-32D9-834A-8FA337C0526C}"/>
+          <p:cNvPr id="6" name="文本框 5">
+            <a:extLst>
+              <a:ext uri="{FF2B5EF4-FFF2-40B4-BE49-F238E27FC236}">
+                <a16:creationId xmlns:a16="http://schemas.microsoft.com/office/drawing/2014/main" id="{25A05E86-48C1-775B-993B-4744AAA442B7}"/>
               </a:ext>
             </a:extLst>
           </p:cNvPr>
@@ -8707,8 +9270,8 @@
         </p:nvSpPr>
         <p:spPr>
           <a:xfrm>
-            <a:off x="5287164" y="4137739"/>
-            <a:ext cx="805029" cy="369332"/>
+            <a:off x="4596258" y="3895603"/>
+            <a:ext cx="793807" cy="369332"/>
           </a:xfrm>
           <a:prstGeom prst="rect">
             <a:avLst/>
@@ -8727,7 +9290,7 @@
             </a:r>
             <a:r>
               <a:rPr lang="en-US" altLang="zh-CN" dirty="0"/>
-              <a:t>D</a:t>
+              <a:t>A</a:t>
             </a:r>
             <a:endParaRPr lang="zh-CN" altLang="en-US" dirty="0"/>
           </a:p>
@@ -8735,10 +9298,10 @@
       </p:sp>
       <p:sp>
         <p:nvSpPr>
-          <p:cNvPr id="30" name="文本框 29">
-            <a:extLst>
-              <a:ext uri="{FF2B5EF4-FFF2-40B4-BE49-F238E27FC236}">
-                <a16:creationId xmlns:a16="http://schemas.microsoft.com/office/drawing/2014/main" id="{6E9B74A7-C003-FE13-FE5E-F1505496963B}"/>
+          <p:cNvPr id="7" name="文本框 6">
+            <a:extLst>
+              <a:ext uri="{FF2B5EF4-FFF2-40B4-BE49-F238E27FC236}">
+                <a16:creationId xmlns:a16="http://schemas.microsoft.com/office/drawing/2014/main" id="{BE5060B4-5410-968B-0EA4-DA4AB010C3F0}"/>
               </a:ext>
             </a:extLst>
           </p:cNvPr>
@@ -8747,8 +9310,8 @@
         </p:nvSpPr>
         <p:spPr>
           <a:xfrm>
-            <a:off x="7281407" y="3207329"/>
-            <a:ext cx="788999" cy="369332"/>
+            <a:off x="4596257" y="4883605"/>
+            <a:ext cx="793807" cy="369332"/>
           </a:xfrm>
           <a:prstGeom prst="rect">
             <a:avLst/>
@@ -8767,7 +9330,7 @@
             </a:r>
             <a:r>
               <a:rPr lang="en-US" altLang="zh-CN" dirty="0"/>
-              <a:t>C</a:t>
+              <a:t>B</a:t>
             </a:r>
             <a:endParaRPr lang="zh-CN" altLang="en-US" dirty="0"/>
           </a:p>
@@ -8775,28 +9338,29 @@
       </p:sp>
       <p:cxnSp>
         <p:nvCxnSpPr>
-          <p:cNvPr id="6" name="直接箭头连接符 5">
-            <a:extLst>
-              <a:ext uri="{FF2B5EF4-FFF2-40B4-BE49-F238E27FC236}">
-                <a16:creationId xmlns:a16="http://schemas.microsoft.com/office/drawing/2014/main" id="{5F74E9DB-67A5-1658-516E-C931DCC4360A}"/>
+          <p:cNvPr id="10" name="直接箭头连接符 9">
+            <a:extLst>
+              <a:ext uri="{FF2B5EF4-FFF2-40B4-BE49-F238E27FC236}">
+                <a16:creationId xmlns:a16="http://schemas.microsoft.com/office/drawing/2014/main" id="{2C0C3F39-AEEC-255A-4DB1-5E245BC87B65}"/>
               </a:ext>
             </a:extLst>
           </p:cNvPr>
           <p:cNvCxnSpPr>
             <a:cxnSpLocks/>
+            <a:stCxn id="3" idx="3"/>
+            <a:endCxn id="6" idx="1"/>
           </p:cNvCxnSpPr>
           <p:nvPr/>
         </p:nvCxnSpPr>
         <p:spPr>
           <a:xfrm>
-            <a:off x="6076964" y="3391995"/>
-            <a:ext cx="1204443" cy="0"/>
+            <a:off x="3373981" y="4080269"/>
+            <a:ext cx="1222277" cy="0"/>
           </a:xfrm>
           <a:prstGeom prst="straightConnector1">
             <a:avLst/>
           </a:prstGeom>
           <a:ln>
-            <a:prstDash val="lgDashDotDot"/>
             <a:tailEnd type="triangle"/>
           </a:ln>
         </p:spPr>
@@ -8817,22 +9381,24 @@
       </p:cxnSp>
       <p:cxnSp>
         <p:nvCxnSpPr>
-          <p:cNvPr id="9" name="直接箭头连接符 8">
-            <a:extLst>
-              <a:ext uri="{FF2B5EF4-FFF2-40B4-BE49-F238E27FC236}">
-                <a16:creationId xmlns:a16="http://schemas.microsoft.com/office/drawing/2014/main" id="{DF92655C-924C-D362-104E-2F31CDC97C44}"/>
+          <p:cNvPr id="12" name="直接箭头连接符 11">
+            <a:extLst>
+              <a:ext uri="{FF2B5EF4-FFF2-40B4-BE49-F238E27FC236}">
+                <a16:creationId xmlns:a16="http://schemas.microsoft.com/office/drawing/2014/main" id="{479EF792-6887-1589-2651-727AFB154092}"/>
               </a:ext>
             </a:extLst>
           </p:cNvPr>
           <p:cNvCxnSpPr>
             <a:cxnSpLocks/>
+            <a:stCxn id="6" idx="2"/>
+            <a:endCxn id="7" idx="0"/>
           </p:cNvCxnSpPr>
           <p:nvPr/>
         </p:nvCxnSpPr>
         <p:spPr>
-          <a:xfrm flipV="1">
-            <a:off x="5685871" y="3576661"/>
-            <a:ext cx="0" cy="561078"/>
+          <a:xfrm flipH="1">
+            <a:off x="4993161" y="4264935"/>
+            <a:ext cx="1" cy="618670"/>
           </a:xfrm>
           <a:prstGeom prst="straightConnector1">
             <a:avLst/>
@@ -8859,10 +9425,10 @@
       </p:cxnSp>
       <p:sp>
         <p:nvSpPr>
-          <p:cNvPr id="12" name="文本框 11">
-            <a:extLst>
-              <a:ext uri="{FF2B5EF4-FFF2-40B4-BE49-F238E27FC236}">
-                <a16:creationId xmlns:a16="http://schemas.microsoft.com/office/drawing/2014/main" id="{18BA9047-7164-64D0-9687-2A4365309760}"/>
+          <p:cNvPr id="19" name="文本框 18">
+            <a:extLst>
+              <a:ext uri="{FF2B5EF4-FFF2-40B4-BE49-F238E27FC236}">
+                <a16:creationId xmlns:a16="http://schemas.microsoft.com/office/drawing/2014/main" id="{9F4D7C13-97DB-32D9-834A-8FA337C0526C}"/>
               </a:ext>
             </a:extLst>
           </p:cNvPr>
@@ -8871,8 +9437,8 @@
         </p:nvSpPr>
         <p:spPr>
           <a:xfrm>
-            <a:off x="3330344" y="3207329"/>
-            <a:ext cx="768159" cy="369332"/>
+            <a:off x="6612342" y="4883605"/>
+            <a:ext cx="941283" cy="369332"/>
           </a:xfrm>
           <a:prstGeom prst="rect">
             <a:avLst/>
@@ -8891,7 +9457,7 @@
             </a:r>
             <a:r>
               <a:rPr lang="en-US" altLang="zh-CN" dirty="0"/>
-              <a:t>2</a:t>
+              <a:t>2.2</a:t>
             </a:r>
             <a:endParaRPr lang="zh-CN" altLang="en-US" dirty="0"/>
           </a:p>
@@ -8899,27 +9465,30 @@
       </p:sp>
       <p:cxnSp>
         <p:nvCxnSpPr>
-          <p:cNvPr id="13" name="直接箭头连接符 12">
-            <a:extLst>
-              <a:ext uri="{FF2B5EF4-FFF2-40B4-BE49-F238E27FC236}">
-                <a16:creationId xmlns:a16="http://schemas.microsoft.com/office/drawing/2014/main" id="{CEDB2CE3-817C-D526-368C-A21AEEDDFB5B}"/>
+          <p:cNvPr id="11" name="直接箭头连接符 10">
+            <a:extLst>
+              <a:ext uri="{FF2B5EF4-FFF2-40B4-BE49-F238E27FC236}">
+                <a16:creationId xmlns:a16="http://schemas.microsoft.com/office/drawing/2014/main" id="{D34A0CFE-4E57-79A6-60AE-51E2CEA028C6}"/>
               </a:ext>
             </a:extLst>
           </p:cNvPr>
           <p:cNvCxnSpPr>
             <a:cxnSpLocks/>
+            <a:stCxn id="7" idx="3"/>
+            <a:endCxn id="19" idx="1"/>
           </p:cNvCxnSpPr>
           <p:nvPr/>
         </p:nvCxnSpPr>
         <p:spPr>
           <a:xfrm>
-            <a:off x="4098503" y="3391995"/>
-            <a:ext cx="1203890" cy="0"/>
+            <a:off x="5390064" y="5068271"/>
+            <a:ext cx="1222278" cy="0"/>
           </a:xfrm>
           <a:prstGeom prst="straightConnector1">
             <a:avLst/>
           </a:prstGeom>
           <a:ln>
+            <a:prstDash val="lgDashDotDot"/>
             <a:tailEnd type="triangle"/>
           </a:ln>
         </p:spPr>
@@ -8940,10 +9509,10 @@
       </p:cxnSp>
       <p:sp>
         <p:nvSpPr>
-          <p:cNvPr id="21" name="文本框 20">
-            <a:extLst>
-              <a:ext uri="{FF2B5EF4-FFF2-40B4-BE49-F238E27FC236}">
-                <a16:creationId xmlns:a16="http://schemas.microsoft.com/office/drawing/2014/main" id="{356729CB-8991-A015-DFE3-B77861606F7A}"/>
+          <p:cNvPr id="22" name="文本框 21">
+            <a:extLst>
+              <a:ext uri="{FF2B5EF4-FFF2-40B4-BE49-F238E27FC236}">
+                <a16:creationId xmlns:a16="http://schemas.microsoft.com/office/drawing/2014/main" id="{C3C07565-25A2-9BA6-952E-765ACF4E59EE}"/>
               </a:ext>
             </a:extLst>
           </p:cNvPr>
@@ -8952,8 +9521,8 @@
         </p:nvSpPr>
         <p:spPr>
           <a:xfrm>
-            <a:off x="5287164" y="2276919"/>
-            <a:ext cx="805029" cy="369332"/>
+            <a:off x="2605822" y="2253633"/>
+            <a:ext cx="768159" cy="369332"/>
           </a:xfrm>
           <a:prstGeom prst="rect">
             <a:avLst/>
@@ -8961,13 +9530,53 @@
           <a:noFill/>
         </p:spPr>
         <p:txBody>
-          <a:bodyPr wrap="square" rtlCol="0">
+          <a:bodyPr wrap="none" rtlCol="0">
             <a:spAutoFit/>
           </a:bodyPr>
           <a:lstStyle/>
           <a:p>
             <a:r>
               <a:rPr lang="zh-CN" altLang="en-US" dirty="0"/>
+              <a:t>问题</a:t>
+            </a:r>
+            <a:r>
+              <a:rPr lang="en-US" altLang="zh-CN" dirty="0"/>
+              <a:t>1</a:t>
+            </a:r>
+            <a:endParaRPr lang="zh-CN" altLang="en-US" dirty="0"/>
+          </a:p>
+        </p:txBody>
+      </p:sp>
+      <p:sp>
+        <p:nvSpPr>
+          <p:cNvPr id="23" name="文本框 22">
+            <a:extLst>
+              <a:ext uri="{FF2B5EF4-FFF2-40B4-BE49-F238E27FC236}">
+                <a16:creationId xmlns:a16="http://schemas.microsoft.com/office/drawing/2014/main" id="{DC930FE9-302B-1965-E880-B8D81F4AC7C7}"/>
+              </a:ext>
+            </a:extLst>
+          </p:cNvPr>
+          <p:cNvSpPr txBox="1"/>
+          <p:nvPr/>
+        </p:nvSpPr>
+        <p:spPr>
+          <a:xfrm>
+            <a:off x="4596258" y="2253633"/>
+            <a:ext cx="793807" cy="369332"/>
+          </a:xfrm>
+          <a:prstGeom prst="rect">
+            <a:avLst/>
+          </a:prstGeom>
+          <a:noFill/>
+        </p:spPr>
+        <p:txBody>
+          <a:bodyPr wrap="none" rtlCol="0">
+            <a:spAutoFit/>
+          </a:bodyPr>
+          <a:lstStyle/>
+          <a:p>
+            <a:r>
+              <a:rPr lang="zh-CN" altLang="en-US" dirty="0"/>
               <a:t>模块</a:t>
             </a:r>
             <a:r>
@@ -8980,28 +9589,29 @@
       </p:sp>
       <p:cxnSp>
         <p:nvCxnSpPr>
-          <p:cNvPr id="22" name="直接箭头连接符 21">
-            <a:extLst>
-              <a:ext uri="{FF2B5EF4-FFF2-40B4-BE49-F238E27FC236}">
-                <a16:creationId xmlns:a16="http://schemas.microsoft.com/office/drawing/2014/main" id="{3EDCCE24-2753-2C77-951A-4372553142A0}"/>
+          <p:cNvPr id="25" name="直接箭头连接符 24">
+            <a:extLst>
+              <a:ext uri="{FF2B5EF4-FFF2-40B4-BE49-F238E27FC236}">
+                <a16:creationId xmlns:a16="http://schemas.microsoft.com/office/drawing/2014/main" id="{04A6AB89-DFDB-4F5B-AF6F-F898BD9F329F}"/>
               </a:ext>
             </a:extLst>
           </p:cNvPr>
           <p:cNvCxnSpPr>
             <a:cxnSpLocks/>
+            <a:stCxn id="22" idx="3"/>
+            <a:endCxn id="23" idx="1"/>
           </p:cNvCxnSpPr>
           <p:nvPr/>
         </p:nvCxnSpPr>
         <p:spPr>
           <a:xfrm>
-            <a:off x="5682064" y="2646251"/>
-            <a:ext cx="0" cy="561078"/>
+            <a:off x="3373981" y="2438299"/>
+            <a:ext cx="1222277" cy="0"/>
           </a:xfrm>
           <a:prstGeom prst="straightConnector1">
             <a:avLst/>
           </a:prstGeom>
           <a:ln>
-            <a:prstDash val="lgDashDotDot"/>
             <a:tailEnd type="triangle"/>
           </a:ln>
         </p:spPr>
@@ -9025,7 +9635,7 @@
           <p:cNvPr id="27" name="文本框 26">
             <a:extLst>
               <a:ext uri="{FF2B5EF4-FFF2-40B4-BE49-F238E27FC236}">
-                <a16:creationId xmlns:a16="http://schemas.microsoft.com/office/drawing/2014/main" id="{D2994994-41F3-3DC0-661E-D785F015A761}"/>
+                <a16:creationId xmlns:a16="http://schemas.microsoft.com/office/drawing/2014/main" id="{B31B3231-C70C-C017-E71D-A97808D427C3}"/>
               </a:ext>
             </a:extLst>
           </p:cNvPr>
@@ -9034,8 +9644,8 @@
         </p:nvSpPr>
         <p:spPr>
           <a:xfrm>
-            <a:off x="3330344" y="2269838"/>
-            <a:ext cx="768159" cy="369332"/>
+            <a:off x="6612342" y="2253633"/>
+            <a:ext cx="941283" cy="369332"/>
           </a:xfrm>
           <a:prstGeom prst="rect">
             <a:avLst/>
@@ -9054,7 +9664,7 @@
             </a:r>
             <a:r>
               <a:rPr lang="en-US" altLang="zh-CN" dirty="0"/>
-              <a:t>1</a:t>
+              <a:t>1.2</a:t>
             </a:r>
             <a:endParaRPr lang="zh-CN" altLang="en-US" dirty="0"/>
           </a:p>
@@ -9065,26 +9675,27 @@
           <p:cNvPr id="28" name="直接箭头连接符 27">
             <a:extLst>
               <a:ext uri="{FF2B5EF4-FFF2-40B4-BE49-F238E27FC236}">
-                <a16:creationId xmlns:a16="http://schemas.microsoft.com/office/drawing/2014/main" id="{FEC4321E-11C8-4DE5-0C91-15E0DE6EA095}"/>
+                <a16:creationId xmlns:a16="http://schemas.microsoft.com/office/drawing/2014/main" id="{5EC41BE3-1161-7FAA-7CE9-A8EEBCBEA620}"/>
               </a:ext>
             </a:extLst>
           </p:cNvPr>
           <p:cNvCxnSpPr>
             <a:cxnSpLocks/>
-            <a:stCxn id="27" idx="3"/>
-            <a:endCxn id="21" idx="1"/>
+            <a:stCxn id="23" idx="3"/>
+            <a:endCxn id="27" idx="1"/>
           </p:cNvCxnSpPr>
           <p:nvPr/>
         </p:nvCxnSpPr>
         <p:spPr>
           <a:xfrm>
-            <a:off x="4098503" y="2454504"/>
-            <a:ext cx="1188661" cy="7081"/>
+            <a:off x="5390065" y="2438299"/>
+            <a:ext cx="1222277" cy="0"/>
           </a:xfrm>
           <a:prstGeom prst="straightConnector1">
             <a:avLst/>
           </a:prstGeom>
           <a:ln>
+            <a:prstDash val="lgDashDotDot"/>
             <a:tailEnd type="triangle"/>
           </a:ln>
         </p:spPr>
@@ -9103,12 +9714,101 @@
           </a:fontRef>
         </p:style>
       </p:cxnSp>
-      <p:sp>
-        <p:nvSpPr>
-          <p:cNvPr id="7" name="文本框 6">
-            <a:extLst>
-              <a:ext uri="{FF2B5EF4-FFF2-40B4-BE49-F238E27FC236}">
-                <a16:creationId xmlns:a16="http://schemas.microsoft.com/office/drawing/2014/main" id="{CA305117-2355-1361-0545-5DBD93A6530F}"/>
+      <p:cxnSp>
+        <p:nvCxnSpPr>
+          <p:cNvPr id="38" name="连接符: 曲线 37">
+            <a:extLst>
+              <a:ext uri="{FF2B5EF4-FFF2-40B4-BE49-F238E27FC236}">
+                <a16:creationId xmlns:a16="http://schemas.microsoft.com/office/drawing/2014/main" id="{345E177C-1D42-D4B1-CF81-9ED305AD2232}"/>
+              </a:ext>
+            </a:extLst>
+          </p:cNvPr>
+          <p:cNvCxnSpPr>
+            <a:stCxn id="27" idx="0"/>
+            <a:endCxn id="23" idx="0"/>
+          </p:cNvCxnSpPr>
+          <p:nvPr/>
+        </p:nvCxnSpPr>
+        <p:spPr>
+          <a:xfrm rot="16200000" flipV="1">
+            <a:off x="6038073" y="1208722"/>
+            <a:ext cx="12700" cy="2089822"/>
+          </a:xfrm>
+          <a:prstGeom prst="curvedConnector3">
+            <a:avLst>
+              <a:gd name="adj1" fmla="val 1800000"/>
+            </a:avLst>
+          </a:prstGeom>
+          <a:ln>
+            <a:tailEnd type="triangle"/>
+          </a:ln>
+        </p:spPr>
+        <p:style>
+          <a:lnRef idx="1">
+            <a:schemeClr val="accent1"/>
+          </a:lnRef>
+          <a:fillRef idx="0">
+            <a:schemeClr val="accent1"/>
+          </a:fillRef>
+          <a:effectRef idx="0">
+            <a:schemeClr val="accent1"/>
+          </a:effectRef>
+          <a:fontRef idx="minor">
+            <a:schemeClr val="tx1"/>
+          </a:fontRef>
+        </p:style>
+      </p:cxnSp>
+      <p:cxnSp>
+        <p:nvCxnSpPr>
+          <p:cNvPr id="39" name="连接符: 曲线 38">
+            <a:extLst>
+              <a:ext uri="{FF2B5EF4-FFF2-40B4-BE49-F238E27FC236}">
+                <a16:creationId xmlns:a16="http://schemas.microsoft.com/office/drawing/2014/main" id="{48069B73-AAD0-2412-D436-A2050DA5A463}"/>
+              </a:ext>
+            </a:extLst>
+          </p:cNvPr>
+          <p:cNvCxnSpPr>
+            <a:cxnSpLocks/>
+            <a:stCxn id="19" idx="2"/>
+            <a:endCxn id="7" idx="2"/>
+          </p:cNvCxnSpPr>
+          <p:nvPr/>
+        </p:nvCxnSpPr>
+        <p:spPr>
+          <a:xfrm rot="5400000">
+            <a:off x="6038073" y="4208026"/>
+            <a:ext cx="12700" cy="2089823"/>
+          </a:xfrm>
+          <a:prstGeom prst="curvedConnector3">
+            <a:avLst>
+              <a:gd name="adj1" fmla="val 1800000"/>
+            </a:avLst>
+          </a:prstGeom>
+          <a:ln>
+            <a:tailEnd type="triangle"/>
+          </a:ln>
+        </p:spPr>
+        <p:style>
+          <a:lnRef idx="1">
+            <a:schemeClr val="accent1"/>
+          </a:lnRef>
+          <a:fillRef idx="0">
+            <a:schemeClr val="accent1"/>
+          </a:fillRef>
+          <a:effectRef idx="0">
+            <a:schemeClr val="accent1"/>
+          </a:effectRef>
+          <a:fontRef idx="minor">
+            <a:schemeClr val="tx1"/>
+          </a:fontRef>
+        </p:style>
+      </p:cxnSp>
+      <p:sp>
+        <p:nvSpPr>
+          <p:cNvPr id="4" name="文本框 3">
+            <a:extLst>
+              <a:ext uri="{FF2B5EF4-FFF2-40B4-BE49-F238E27FC236}">
+                <a16:creationId xmlns:a16="http://schemas.microsoft.com/office/drawing/2014/main" id="{1C36AB8E-EC7B-CD16-A4E8-F361EE7EF5B9}"/>
               </a:ext>
             </a:extLst>
           </p:cNvPr>
@@ -9141,7 +9841,7 @@
     </p:spTree>
     <p:extLst>
       <p:ext uri="{BB962C8B-B14F-4D97-AF65-F5344CB8AC3E}">
-        <p14:creationId xmlns:p14="http://schemas.microsoft.com/office/powerpoint/2010/main" val="396907793"/>
+        <p14:creationId xmlns:p14="http://schemas.microsoft.com/office/powerpoint/2010/main" val="3194168704"/>
       </p:ext>
     </p:extLst>
   </p:cSld>
@@ -9198,7 +9898,7 @@
           <a:p>
             <a:r>
               <a:rPr lang="zh-CN" altLang="en-US" dirty="0"/>
-              <a:t>模块开发策略：合并开发任务</a:t>
+              <a:t>模块开发策略：分析模块耦合</a:t>
             </a:r>
           </a:p>
         </p:txBody>
@@ -9217,8 +9917,8 @@
         </p:nvSpPr>
         <p:spPr>
           <a:xfrm>
-            <a:off x="4032193" y="2939474"/>
-            <a:ext cx="768159" cy="369332"/>
+            <a:off x="5302393" y="3207329"/>
+            <a:ext cx="774571" cy="369332"/>
           </a:xfrm>
           <a:prstGeom prst="rect">
             <a:avLst/>
@@ -9233,11 +9933,11 @@
           <a:p>
             <a:r>
               <a:rPr lang="zh-CN" altLang="en-US" dirty="0"/>
-              <a:t>问题</a:t>
+              <a:t>模块</a:t>
             </a:r>
             <a:r>
               <a:rPr lang="en-US" altLang="zh-CN" dirty="0"/>
-              <a:t>1</a:t>
+              <a:t>B</a:t>
             </a:r>
             <a:endParaRPr lang="zh-CN" altLang="en-US" dirty="0"/>
           </a:p>
@@ -9257,8 +9957,8 @@
         </p:nvSpPr>
         <p:spPr>
           <a:xfrm>
-            <a:off x="4032192" y="3553692"/>
-            <a:ext cx="768159" cy="369332"/>
+            <a:off x="5287164" y="4137739"/>
+            <a:ext cx="805029" cy="369332"/>
           </a:xfrm>
           <a:prstGeom prst="rect">
             <a:avLst/>
@@ -9273,11 +9973,11 @@
           <a:p>
             <a:r>
               <a:rPr lang="zh-CN" altLang="en-US" dirty="0"/>
-              <a:t>问题</a:t>
+              <a:t>模块</a:t>
             </a:r>
             <a:r>
               <a:rPr lang="en-US" altLang="zh-CN" dirty="0"/>
-              <a:t>2</a:t>
+              <a:t>D</a:t>
             </a:r>
             <a:endParaRPr lang="zh-CN" altLang="en-US" dirty="0"/>
           </a:p>
@@ -9297,8 +9997,8 @@
         </p:nvSpPr>
         <p:spPr>
           <a:xfrm>
-            <a:off x="6022629" y="2939474"/>
-            <a:ext cx="793807" cy="369332"/>
+            <a:off x="7281407" y="3207329"/>
+            <a:ext cx="788999" cy="369332"/>
           </a:xfrm>
           <a:prstGeom prst="rect">
             <a:avLst/>
@@ -9317,7 +10017,7 @@
             </a:r>
             <a:r>
               <a:rPr lang="en-US" altLang="zh-CN" dirty="0"/>
-              <a:t>A</a:t>
+              <a:t>C</a:t>
             </a:r>
             <a:endParaRPr lang="zh-CN" altLang="en-US" dirty="0"/>
           </a:p>
@@ -9325,29 +10025,28 @@
       </p:sp>
       <p:cxnSp>
         <p:nvCxnSpPr>
-          <p:cNvPr id="33" name="直接箭头连接符 32">
-            <a:extLst>
-              <a:ext uri="{FF2B5EF4-FFF2-40B4-BE49-F238E27FC236}">
-                <a16:creationId xmlns:a16="http://schemas.microsoft.com/office/drawing/2014/main" id="{D0F10704-0786-C99D-9B4B-6013835DAF98}"/>
+          <p:cNvPr id="6" name="直接箭头连接符 5">
+            <a:extLst>
+              <a:ext uri="{FF2B5EF4-FFF2-40B4-BE49-F238E27FC236}">
+                <a16:creationId xmlns:a16="http://schemas.microsoft.com/office/drawing/2014/main" id="{5F74E9DB-67A5-1658-516E-C931DCC4360A}"/>
               </a:ext>
             </a:extLst>
           </p:cNvPr>
           <p:cNvCxnSpPr>
             <a:cxnSpLocks/>
-            <a:stCxn id="18" idx="3"/>
-            <a:endCxn id="30" idx="1"/>
           </p:cNvCxnSpPr>
           <p:nvPr/>
         </p:nvCxnSpPr>
         <p:spPr>
           <a:xfrm>
-            <a:off x="4800352" y="3124140"/>
-            <a:ext cx="1222277" cy="0"/>
+            <a:off x="6076964" y="3391995"/>
+            <a:ext cx="1204443" cy="0"/>
           </a:xfrm>
           <a:prstGeom prst="straightConnector1">
             <a:avLst/>
           </a:prstGeom>
           <a:ln>
+            <a:prstDash val="lgDashDotDot"/>
             <a:tailEnd type="triangle"/>
           </a:ln>
         </p:spPr>
@@ -9368,29 +10067,28 @@
       </p:cxnSp>
       <p:cxnSp>
         <p:nvCxnSpPr>
-          <p:cNvPr id="34" name="直接箭头连接符 33">
-            <a:extLst>
-              <a:ext uri="{FF2B5EF4-FFF2-40B4-BE49-F238E27FC236}">
-                <a16:creationId xmlns:a16="http://schemas.microsoft.com/office/drawing/2014/main" id="{7DBF4B7A-7D58-8068-56C7-CB593E807DE7}"/>
+          <p:cNvPr id="9" name="直接箭头连接符 8">
+            <a:extLst>
+              <a:ext uri="{FF2B5EF4-FFF2-40B4-BE49-F238E27FC236}">
+                <a16:creationId xmlns:a16="http://schemas.microsoft.com/office/drawing/2014/main" id="{DF92655C-924C-D362-104E-2F31CDC97C44}"/>
               </a:ext>
             </a:extLst>
           </p:cNvPr>
           <p:cNvCxnSpPr>
             <a:cxnSpLocks/>
-            <a:stCxn id="19" idx="3"/>
-            <a:endCxn id="30" idx="1"/>
           </p:cNvCxnSpPr>
           <p:nvPr/>
         </p:nvCxnSpPr>
         <p:spPr>
           <a:xfrm flipV="1">
-            <a:off x="4800351" y="3124140"/>
-            <a:ext cx="1222278" cy="614218"/>
+            <a:off x="5685871" y="3576661"/>
+            <a:ext cx="0" cy="561078"/>
           </a:xfrm>
           <a:prstGeom prst="straightConnector1">
             <a:avLst/>
           </a:prstGeom>
           <a:ln>
+            <a:prstDash val="lgDashDotDot"/>
             <a:tailEnd type="triangle"/>
           </a:ln>
         </p:spPr>
@@ -9411,10 +10109,10 @@
       </p:cxnSp>
       <p:sp>
         <p:nvSpPr>
-          <p:cNvPr id="3" name="文本框 2">
-            <a:extLst>
-              <a:ext uri="{FF2B5EF4-FFF2-40B4-BE49-F238E27FC236}">
-                <a16:creationId xmlns:a16="http://schemas.microsoft.com/office/drawing/2014/main" id="{DB6141F8-6D12-85A3-B008-701C4A46DEEB}"/>
+          <p:cNvPr id="12" name="文本框 11">
+            <a:extLst>
+              <a:ext uri="{FF2B5EF4-FFF2-40B4-BE49-F238E27FC236}">
+                <a16:creationId xmlns:a16="http://schemas.microsoft.com/office/drawing/2014/main" id="{18BA9047-7164-64D0-9687-2A4365309760}"/>
               </a:ext>
             </a:extLst>
           </p:cNvPr>
@@ -9423,8 +10121,8 @@
         </p:nvSpPr>
         <p:spPr>
           <a:xfrm>
-            <a:off x="0" y="6604084"/>
-            <a:ext cx="6340197" cy="253916"/>
+            <a:off x="3330344" y="3207329"/>
+            <a:ext cx="768159" cy="369332"/>
           </a:xfrm>
           <a:prstGeom prst="rect">
             <a:avLst/>
@@ -9438,6 +10136,252 @@
           <a:lstStyle/>
           <a:p>
             <a:r>
+              <a:rPr lang="zh-CN" altLang="en-US" dirty="0"/>
+              <a:t>问题</a:t>
+            </a:r>
+            <a:r>
+              <a:rPr lang="en-US" altLang="zh-CN" dirty="0"/>
+              <a:t>2</a:t>
+            </a:r>
+            <a:endParaRPr lang="zh-CN" altLang="en-US" dirty="0"/>
+          </a:p>
+        </p:txBody>
+      </p:sp>
+      <p:cxnSp>
+        <p:nvCxnSpPr>
+          <p:cNvPr id="13" name="直接箭头连接符 12">
+            <a:extLst>
+              <a:ext uri="{FF2B5EF4-FFF2-40B4-BE49-F238E27FC236}">
+                <a16:creationId xmlns:a16="http://schemas.microsoft.com/office/drawing/2014/main" id="{CEDB2CE3-817C-D526-368C-A21AEEDDFB5B}"/>
+              </a:ext>
+            </a:extLst>
+          </p:cNvPr>
+          <p:cNvCxnSpPr>
+            <a:cxnSpLocks/>
+          </p:cNvCxnSpPr>
+          <p:nvPr/>
+        </p:nvCxnSpPr>
+        <p:spPr>
+          <a:xfrm>
+            <a:off x="4098503" y="3391995"/>
+            <a:ext cx="1203890" cy="0"/>
+          </a:xfrm>
+          <a:prstGeom prst="straightConnector1">
+            <a:avLst/>
+          </a:prstGeom>
+          <a:ln>
+            <a:tailEnd type="triangle"/>
+          </a:ln>
+        </p:spPr>
+        <p:style>
+          <a:lnRef idx="1">
+            <a:schemeClr val="accent1"/>
+          </a:lnRef>
+          <a:fillRef idx="0">
+            <a:schemeClr val="accent1"/>
+          </a:fillRef>
+          <a:effectRef idx="0">
+            <a:schemeClr val="accent1"/>
+          </a:effectRef>
+          <a:fontRef idx="minor">
+            <a:schemeClr val="tx1"/>
+          </a:fontRef>
+        </p:style>
+      </p:cxnSp>
+      <p:sp>
+        <p:nvSpPr>
+          <p:cNvPr id="21" name="文本框 20">
+            <a:extLst>
+              <a:ext uri="{FF2B5EF4-FFF2-40B4-BE49-F238E27FC236}">
+                <a16:creationId xmlns:a16="http://schemas.microsoft.com/office/drawing/2014/main" id="{356729CB-8991-A015-DFE3-B77861606F7A}"/>
+              </a:ext>
+            </a:extLst>
+          </p:cNvPr>
+          <p:cNvSpPr txBox="1"/>
+          <p:nvPr/>
+        </p:nvSpPr>
+        <p:spPr>
+          <a:xfrm>
+            <a:off x="5287164" y="2276919"/>
+            <a:ext cx="805029" cy="369332"/>
+          </a:xfrm>
+          <a:prstGeom prst="rect">
+            <a:avLst/>
+          </a:prstGeom>
+          <a:noFill/>
+        </p:spPr>
+        <p:txBody>
+          <a:bodyPr wrap="square" rtlCol="0">
+            <a:spAutoFit/>
+          </a:bodyPr>
+          <a:lstStyle/>
+          <a:p>
+            <a:r>
+              <a:rPr lang="zh-CN" altLang="en-US" dirty="0"/>
+              <a:t>模块</a:t>
+            </a:r>
+            <a:r>
+              <a:rPr lang="en-US" altLang="zh-CN" dirty="0"/>
+              <a:t>A</a:t>
+            </a:r>
+            <a:endParaRPr lang="zh-CN" altLang="en-US" dirty="0"/>
+          </a:p>
+        </p:txBody>
+      </p:sp>
+      <p:cxnSp>
+        <p:nvCxnSpPr>
+          <p:cNvPr id="22" name="直接箭头连接符 21">
+            <a:extLst>
+              <a:ext uri="{FF2B5EF4-FFF2-40B4-BE49-F238E27FC236}">
+                <a16:creationId xmlns:a16="http://schemas.microsoft.com/office/drawing/2014/main" id="{3EDCCE24-2753-2C77-951A-4372553142A0}"/>
+              </a:ext>
+            </a:extLst>
+          </p:cNvPr>
+          <p:cNvCxnSpPr>
+            <a:cxnSpLocks/>
+          </p:cNvCxnSpPr>
+          <p:nvPr/>
+        </p:nvCxnSpPr>
+        <p:spPr>
+          <a:xfrm>
+            <a:off x="5682064" y="2646251"/>
+            <a:ext cx="0" cy="561078"/>
+          </a:xfrm>
+          <a:prstGeom prst="straightConnector1">
+            <a:avLst/>
+          </a:prstGeom>
+          <a:ln>
+            <a:prstDash val="lgDashDotDot"/>
+            <a:tailEnd type="triangle"/>
+          </a:ln>
+        </p:spPr>
+        <p:style>
+          <a:lnRef idx="1">
+            <a:schemeClr val="accent1"/>
+          </a:lnRef>
+          <a:fillRef idx="0">
+            <a:schemeClr val="accent1"/>
+          </a:fillRef>
+          <a:effectRef idx="0">
+            <a:schemeClr val="accent1"/>
+          </a:effectRef>
+          <a:fontRef idx="minor">
+            <a:schemeClr val="tx1"/>
+          </a:fontRef>
+        </p:style>
+      </p:cxnSp>
+      <p:sp>
+        <p:nvSpPr>
+          <p:cNvPr id="27" name="文本框 26">
+            <a:extLst>
+              <a:ext uri="{FF2B5EF4-FFF2-40B4-BE49-F238E27FC236}">
+                <a16:creationId xmlns:a16="http://schemas.microsoft.com/office/drawing/2014/main" id="{D2994994-41F3-3DC0-661E-D785F015A761}"/>
+              </a:ext>
+            </a:extLst>
+          </p:cNvPr>
+          <p:cNvSpPr txBox="1"/>
+          <p:nvPr/>
+        </p:nvSpPr>
+        <p:spPr>
+          <a:xfrm>
+            <a:off x="3330344" y="2269838"/>
+            <a:ext cx="768159" cy="369332"/>
+          </a:xfrm>
+          <a:prstGeom prst="rect">
+            <a:avLst/>
+          </a:prstGeom>
+          <a:noFill/>
+        </p:spPr>
+        <p:txBody>
+          <a:bodyPr wrap="none" rtlCol="0">
+            <a:spAutoFit/>
+          </a:bodyPr>
+          <a:lstStyle/>
+          <a:p>
+            <a:r>
+              <a:rPr lang="zh-CN" altLang="en-US" dirty="0"/>
+              <a:t>问题</a:t>
+            </a:r>
+            <a:r>
+              <a:rPr lang="en-US" altLang="zh-CN" dirty="0"/>
+              <a:t>1</a:t>
+            </a:r>
+            <a:endParaRPr lang="zh-CN" altLang="en-US" dirty="0"/>
+          </a:p>
+        </p:txBody>
+      </p:sp>
+      <p:cxnSp>
+        <p:nvCxnSpPr>
+          <p:cNvPr id="28" name="直接箭头连接符 27">
+            <a:extLst>
+              <a:ext uri="{FF2B5EF4-FFF2-40B4-BE49-F238E27FC236}">
+                <a16:creationId xmlns:a16="http://schemas.microsoft.com/office/drawing/2014/main" id="{FEC4321E-11C8-4DE5-0C91-15E0DE6EA095}"/>
+              </a:ext>
+            </a:extLst>
+          </p:cNvPr>
+          <p:cNvCxnSpPr>
+            <a:cxnSpLocks/>
+            <a:stCxn id="27" idx="3"/>
+            <a:endCxn id="21" idx="1"/>
+          </p:cNvCxnSpPr>
+          <p:nvPr/>
+        </p:nvCxnSpPr>
+        <p:spPr>
+          <a:xfrm>
+            <a:off x="4098503" y="2454504"/>
+            <a:ext cx="1188661" cy="7081"/>
+          </a:xfrm>
+          <a:prstGeom prst="straightConnector1">
+            <a:avLst/>
+          </a:prstGeom>
+          <a:ln>
+            <a:tailEnd type="triangle"/>
+          </a:ln>
+        </p:spPr>
+        <p:style>
+          <a:lnRef idx="1">
+            <a:schemeClr val="accent1"/>
+          </a:lnRef>
+          <a:fillRef idx="0">
+            <a:schemeClr val="accent1"/>
+          </a:fillRef>
+          <a:effectRef idx="0">
+            <a:schemeClr val="accent1"/>
+          </a:effectRef>
+          <a:fontRef idx="minor">
+            <a:schemeClr val="tx1"/>
+          </a:fontRef>
+        </p:style>
+      </p:cxnSp>
+      <p:sp>
+        <p:nvSpPr>
+          <p:cNvPr id="7" name="文本框 6">
+            <a:extLst>
+              <a:ext uri="{FF2B5EF4-FFF2-40B4-BE49-F238E27FC236}">
+                <a16:creationId xmlns:a16="http://schemas.microsoft.com/office/drawing/2014/main" id="{CA305117-2355-1361-0545-5DBD93A6530F}"/>
+              </a:ext>
+            </a:extLst>
+          </p:cNvPr>
+          <p:cNvSpPr txBox="1"/>
+          <p:nvPr/>
+        </p:nvSpPr>
+        <p:spPr>
+          <a:xfrm>
+            <a:off x="0" y="6604084"/>
+            <a:ext cx="6340197" cy="253916"/>
+          </a:xfrm>
+          <a:prstGeom prst="rect">
+            <a:avLst/>
+          </a:prstGeom>
+          <a:noFill/>
+        </p:spPr>
+        <p:txBody>
+          <a:bodyPr wrap="none" rtlCol="0">
+            <a:spAutoFit/>
+          </a:bodyPr>
+          <a:lstStyle/>
+          <a:p>
+            <a:r>
               <a:rPr lang="zh-CN" altLang="en-US" sz="1050" dirty="0"/>
               <a:t>注：所谓“模块”，本文特指可切割出来纳入本次问题处理工作的最小范围的代码文件、工程文件等的集合</a:t>
             </a:r>
@@ -9447,7 +10391,7 @@
     </p:spTree>
     <p:extLst>
       <p:ext uri="{BB962C8B-B14F-4D97-AF65-F5344CB8AC3E}">
-        <p14:creationId xmlns:p14="http://schemas.microsoft.com/office/powerpoint/2010/main" val="4042766009"/>
+        <p14:creationId xmlns:p14="http://schemas.microsoft.com/office/powerpoint/2010/main" val="396907793"/>
       </p:ext>
     </p:extLst>
   </p:cSld>
@@ -9504,17 +10448,17 @@
           <a:p>
             <a:r>
               <a:rPr lang="zh-CN" altLang="en-US" dirty="0"/>
-              <a:t>模块开发策略：尽量减少分支</a:t>
-            </a:r>
-          </a:p>
-        </p:txBody>
-      </p:sp>
-      <p:sp>
-        <p:nvSpPr>
-          <p:cNvPr id="3" name="文本框 2">
-            <a:extLst>
-              <a:ext uri="{FF2B5EF4-FFF2-40B4-BE49-F238E27FC236}">
-                <a16:creationId xmlns:a16="http://schemas.microsoft.com/office/drawing/2014/main" id="{30BE157A-1944-9CE0-F9C9-DA3537C9595C}"/>
+              <a:t>模块开发策略：合并开发任务</a:t>
+            </a:r>
+          </a:p>
+        </p:txBody>
+      </p:sp>
+      <p:sp>
+        <p:nvSpPr>
+          <p:cNvPr id="18" name="文本框 17">
+            <a:extLst>
+              <a:ext uri="{FF2B5EF4-FFF2-40B4-BE49-F238E27FC236}">
+                <a16:creationId xmlns:a16="http://schemas.microsoft.com/office/drawing/2014/main" id="{4B9A821C-D442-BB04-43E5-5E46CC7844A6}"/>
               </a:ext>
             </a:extLst>
           </p:cNvPr>
@@ -9523,8 +10467,8 @@
         </p:nvSpPr>
         <p:spPr>
           <a:xfrm>
-            <a:off x="838200" y="1110583"/>
-            <a:ext cx="10611255" cy="5451621"/>
+            <a:off x="4032193" y="2939474"/>
+            <a:ext cx="768159" cy="369332"/>
           </a:xfrm>
           <a:prstGeom prst="rect">
             <a:avLst/>
@@ -9532,213 +10476,220 @@
           <a:noFill/>
         </p:spPr>
         <p:txBody>
-          <a:bodyPr wrap="square" rtlCol="0">
+          <a:bodyPr wrap="none" rtlCol="0">
             <a:spAutoFit/>
           </a:bodyPr>
           <a:lstStyle/>
           <a:p>
-            <a:pPr>
-              <a:lnSpc>
-                <a:spcPct val="150000"/>
-              </a:lnSpc>
-            </a:pPr>
             <a:r>
               <a:rPr lang="zh-CN" altLang="en-US" dirty="0"/>
-              <a:t>这里提供的开发规范，是均衡利弊后的考虑，可参考采纳：</a:t>
-            </a:r>
-            <a:endParaRPr lang="en-US" altLang="zh-CN" dirty="0"/>
-          </a:p>
-          <a:p>
-            <a:pPr marL="285750" indent="-285750">
-              <a:lnSpc>
-                <a:spcPct val="150000"/>
-              </a:lnSpc>
-              <a:buFont typeface="Wingdings" panose="05000000000000000000" pitchFamily="2" charset="2"/>
-              <a:buChar char="n"/>
-            </a:pPr>
-            <a:r>
-              <a:rPr lang="zh-CN" altLang="en-US" dirty="0">
-                <a:solidFill>
-                  <a:srgbClr val="0070C0"/>
-                </a:solidFill>
-              </a:rPr>
-              <a:t>独占式签出</a:t>
-            </a:r>
+              <a:t>问题</a:t>
+            </a:r>
+            <a:r>
+              <a:rPr lang="en-US" altLang="zh-CN" dirty="0"/>
+              <a:t>1</a:t>
+            </a:r>
+            <a:endParaRPr lang="zh-CN" altLang="en-US" dirty="0"/>
+          </a:p>
+        </p:txBody>
+      </p:sp>
+      <p:sp>
+        <p:nvSpPr>
+          <p:cNvPr id="19" name="文本框 18">
+            <a:extLst>
+              <a:ext uri="{FF2B5EF4-FFF2-40B4-BE49-F238E27FC236}">
+                <a16:creationId xmlns:a16="http://schemas.microsoft.com/office/drawing/2014/main" id="{9F4D7C13-97DB-32D9-834A-8FA337C0526C}"/>
+              </a:ext>
+            </a:extLst>
+          </p:cNvPr>
+          <p:cNvSpPr txBox="1"/>
+          <p:nvPr/>
+        </p:nvSpPr>
+        <p:spPr>
+          <a:xfrm>
+            <a:off x="4032192" y="3553692"/>
+            <a:ext cx="768159" cy="369332"/>
+          </a:xfrm>
+          <a:prstGeom prst="rect">
+            <a:avLst/>
+          </a:prstGeom>
+          <a:noFill/>
+        </p:spPr>
+        <p:txBody>
+          <a:bodyPr wrap="none" rtlCol="0">
+            <a:spAutoFit/>
+          </a:bodyPr>
+          <a:lstStyle/>
+          <a:p>
             <a:r>
               <a:rPr lang="zh-CN" altLang="en-US" dirty="0"/>
-              <a:t>。尽量不用配置库的分支合并功能，以最大可能减少人为差错，以及额外的管理成本。</a:t>
-            </a:r>
-            <a:endParaRPr lang="en-US" altLang="zh-CN" dirty="0"/>
-          </a:p>
-          <a:p>
-            <a:pPr marL="285750" indent="-285750">
-              <a:lnSpc>
-                <a:spcPct val="150000"/>
-              </a:lnSpc>
-              <a:buFont typeface="Wingdings" panose="05000000000000000000" pitchFamily="2" charset="2"/>
-              <a:buChar char="n"/>
-            </a:pPr>
+              <a:t>问题</a:t>
+            </a:r>
+            <a:r>
+              <a:rPr lang="en-US" altLang="zh-CN" dirty="0"/>
+              <a:t>2</a:t>
+            </a:r>
+            <a:endParaRPr lang="zh-CN" altLang="en-US" dirty="0"/>
+          </a:p>
+        </p:txBody>
+      </p:sp>
+      <p:sp>
+        <p:nvSpPr>
+          <p:cNvPr id="30" name="文本框 29">
+            <a:extLst>
+              <a:ext uri="{FF2B5EF4-FFF2-40B4-BE49-F238E27FC236}">
+                <a16:creationId xmlns:a16="http://schemas.microsoft.com/office/drawing/2014/main" id="{6E9B74A7-C003-FE13-FE5E-F1505496963B}"/>
+              </a:ext>
+            </a:extLst>
+          </p:cNvPr>
+          <p:cNvSpPr txBox="1"/>
+          <p:nvPr/>
+        </p:nvSpPr>
+        <p:spPr>
+          <a:xfrm>
+            <a:off x="6022629" y="2939474"/>
+            <a:ext cx="793807" cy="369332"/>
+          </a:xfrm>
+          <a:prstGeom prst="rect">
+            <a:avLst/>
+          </a:prstGeom>
+          <a:noFill/>
+        </p:spPr>
+        <p:txBody>
+          <a:bodyPr wrap="none" rtlCol="0">
+            <a:spAutoFit/>
+          </a:bodyPr>
+          <a:lstStyle/>
+          <a:p>
             <a:r>
               <a:rPr lang="zh-CN" altLang="en-US" dirty="0"/>
-              <a:t>使用两套不同款配置库管理工具，一款用于发布版本控制（</a:t>
-            </a:r>
-            <a:r>
-              <a:rPr lang="zh-CN" altLang="en-US" dirty="0">
-                <a:solidFill>
-                  <a:srgbClr val="0070C0"/>
-                </a:solidFill>
-              </a:rPr>
-              <a:t>版本库</a:t>
-            </a:r>
-            <a:r>
-              <a:rPr lang="zh-CN" altLang="en-US" dirty="0"/>
-              <a:t>），一款用于日常备份（</a:t>
-            </a:r>
-            <a:r>
-              <a:rPr lang="zh-CN" altLang="en-US" dirty="0">
-                <a:solidFill>
-                  <a:srgbClr val="0070C0"/>
-                </a:solidFill>
-              </a:rPr>
-              <a:t>备份库</a:t>
-            </a:r>
-            <a:r>
-              <a:rPr lang="zh-CN" altLang="en-US" dirty="0"/>
-              <a:t>）。</a:t>
-            </a:r>
-            <a:endParaRPr lang="en-US" altLang="zh-CN" dirty="0"/>
-          </a:p>
-          <a:p>
-            <a:pPr marL="285750" indent="-285750">
-              <a:lnSpc>
-                <a:spcPct val="150000"/>
-              </a:lnSpc>
-              <a:buFont typeface="Wingdings" panose="05000000000000000000" pitchFamily="2" charset="2"/>
-              <a:buChar char="n"/>
-            </a:pPr>
-            <a:r>
-              <a:rPr lang="zh-CN" altLang="en-US" dirty="0">
-                <a:solidFill>
-                  <a:srgbClr val="0070C0"/>
-                </a:solidFill>
-              </a:rPr>
-              <a:t>版本库始终与正式环境保持一致</a:t>
-            </a:r>
-            <a:r>
-              <a:rPr lang="zh-CN" altLang="en-US" dirty="0"/>
-              <a:t>。也就是说可以随时从版本库下载整套代码，编译出的执行文件，与下载的配置文件、存储过程、视图等脚本，以及第三方组件一起，可以直接覆盖部署到正式环境。</a:t>
-            </a:r>
-            <a:endParaRPr lang="en-US" altLang="zh-CN" dirty="0"/>
-          </a:p>
-          <a:p>
-            <a:pPr marL="285750" indent="-285750">
-              <a:lnSpc>
-                <a:spcPct val="150000"/>
-              </a:lnSpc>
-              <a:buFont typeface="Wingdings" panose="05000000000000000000" pitchFamily="2" charset="2"/>
-              <a:buChar char="n"/>
-            </a:pPr>
-            <a:r>
-              <a:rPr lang="zh-CN" altLang="en-US" dirty="0"/>
-              <a:t>处理问题时，仅从版本库签出与问题相关的代码文件（包括配置文件、存储过程、视图等脚本）。</a:t>
-            </a:r>
-            <a:endParaRPr lang="en-US" altLang="zh-CN" dirty="0"/>
-          </a:p>
-          <a:p>
-            <a:pPr marL="285750" indent="-285750">
-              <a:lnSpc>
-                <a:spcPct val="150000"/>
-              </a:lnSpc>
-              <a:buFont typeface="Wingdings" panose="05000000000000000000" pitchFamily="2" charset="2"/>
-              <a:buChar char="n"/>
-            </a:pPr>
-            <a:r>
-              <a:rPr lang="zh-CN" altLang="en-US" dirty="0"/>
-              <a:t>版本库文件签出期间，开发人员每天下班前应该做代码备份，签入备份库。</a:t>
-            </a:r>
-            <a:endParaRPr lang="en-US" altLang="zh-CN" dirty="0"/>
-          </a:p>
-          <a:p>
-            <a:pPr marL="285750" indent="-285750">
-              <a:lnSpc>
-                <a:spcPct val="150000"/>
-              </a:lnSpc>
-              <a:buFont typeface="Wingdings" panose="05000000000000000000" pitchFamily="2" charset="2"/>
-              <a:buChar char="n"/>
-            </a:pPr>
-            <a:r>
-              <a:rPr lang="zh-CN" altLang="en-US" dirty="0"/>
-              <a:t>开发人员将白盒测试通过的</a:t>
+              <a:t>模块</a:t>
             </a:r>
             <a:r>
               <a:rPr lang="en-US" altLang="zh-CN" dirty="0"/>
-              <a:t>DLL</a:t>
-            </a:r>
-            <a:r>
-              <a:rPr lang="zh-CN" altLang="en-US" dirty="0"/>
-              <a:t>、数据库脚本等部署文件给到实施人员，经功能验证测试通过后发布到客户验证环境，客户验证通过后</a:t>
-            </a:r>
-            <a:r>
-              <a:rPr lang="zh-CN" altLang="en-US" dirty="0">
-                <a:solidFill>
-                  <a:srgbClr val="0070C0"/>
-                </a:solidFill>
-              </a:rPr>
-              <a:t>使用同一部署文件发布到客户正式环境</a:t>
-            </a:r>
-            <a:r>
-              <a:rPr lang="zh-CN" altLang="en-US" dirty="0"/>
-              <a:t>。</a:t>
-            </a:r>
-            <a:endParaRPr lang="en-US" altLang="zh-CN" dirty="0"/>
-          </a:p>
-          <a:p>
-            <a:pPr marL="285750" indent="-285750">
-              <a:lnSpc>
-                <a:spcPct val="150000"/>
-              </a:lnSpc>
-              <a:buFont typeface="Wingdings" panose="05000000000000000000" pitchFamily="2" charset="2"/>
-              <a:buChar char="n"/>
-            </a:pPr>
-            <a:r>
-              <a:rPr lang="zh-CN" altLang="en-US" dirty="0">
-                <a:solidFill>
-                  <a:srgbClr val="0070C0"/>
-                </a:solidFill>
-              </a:rPr>
-              <a:t>从版本库签出的文件，只有到问题解决了（部署正式环境且用户确认升级成功）之后才可以签入</a:t>
-            </a:r>
-            <a:r>
-              <a:rPr lang="zh-CN" altLang="en-US" dirty="0"/>
-              <a:t>。</a:t>
-            </a:r>
-            <a:endParaRPr lang="en-US" altLang="zh-CN" dirty="0"/>
-          </a:p>
-          <a:p>
-            <a:pPr marL="285750" indent="-285750">
-              <a:lnSpc>
-                <a:spcPct val="150000"/>
-              </a:lnSpc>
-              <a:buFont typeface="Wingdings" panose="05000000000000000000" pitchFamily="2" charset="2"/>
-              <a:buChar char="n"/>
-            </a:pPr>
-            <a:r>
-              <a:rPr lang="zh-CN" altLang="en-US" dirty="0"/>
-              <a:t>版本库文件签出期间，如果有涉及用户报故，应该另开临时目录从版本库下载代码，修改、编译、测试和发布，经用户确认已得到修复后，需在新版发布前将修复内容合并到签出文件里，并安排复测。</a:t>
-            </a:r>
-            <a:endParaRPr lang="en-US" altLang="zh-CN" dirty="0"/>
-          </a:p>
-          <a:p>
-            <a:pPr marL="285750" indent="-285750">
-              <a:lnSpc>
-                <a:spcPct val="150000"/>
-              </a:lnSpc>
-              <a:buFont typeface="Wingdings" panose="05000000000000000000" pitchFamily="2" charset="2"/>
-              <a:buChar char="n"/>
-            </a:pPr>
-            <a:r>
-              <a:rPr lang="zh-CN" altLang="en-US" dirty="0"/>
-              <a:t>修复期间，临时目录也应做代码备份，每天签入备份库。升级完成后，可定期清理本地临时目录。</a:t>
+              <a:t>A</a:t>
+            </a:r>
+            <a:endParaRPr lang="zh-CN" altLang="en-US" dirty="0"/>
+          </a:p>
+        </p:txBody>
+      </p:sp>
+      <p:cxnSp>
+        <p:nvCxnSpPr>
+          <p:cNvPr id="33" name="直接箭头连接符 32">
+            <a:extLst>
+              <a:ext uri="{FF2B5EF4-FFF2-40B4-BE49-F238E27FC236}">
+                <a16:creationId xmlns:a16="http://schemas.microsoft.com/office/drawing/2014/main" id="{D0F10704-0786-C99D-9B4B-6013835DAF98}"/>
+              </a:ext>
+            </a:extLst>
+          </p:cNvPr>
+          <p:cNvCxnSpPr>
+            <a:cxnSpLocks/>
+            <a:stCxn id="18" idx="3"/>
+            <a:endCxn id="30" idx="1"/>
+          </p:cNvCxnSpPr>
+          <p:nvPr/>
+        </p:nvCxnSpPr>
+        <p:spPr>
+          <a:xfrm>
+            <a:off x="4800352" y="3124140"/>
+            <a:ext cx="1222277" cy="0"/>
+          </a:xfrm>
+          <a:prstGeom prst="straightConnector1">
+            <a:avLst/>
+          </a:prstGeom>
+          <a:ln>
+            <a:tailEnd type="triangle"/>
+          </a:ln>
+        </p:spPr>
+        <p:style>
+          <a:lnRef idx="1">
+            <a:schemeClr val="accent1"/>
+          </a:lnRef>
+          <a:fillRef idx="0">
+            <a:schemeClr val="accent1"/>
+          </a:fillRef>
+          <a:effectRef idx="0">
+            <a:schemeClr val="accent1"/>
+          </a:effectRef>
+          <a:fontRef idx="minor">
+            <a:schemeClr val="tx1"/>
+          </a:fontRef>
+        </p:style>
+      </p:cxnSp>
+      <p:cxnSp>
+        <p:nvCxnSpPr>
+          <p:cNvPr id="34" name="直接箭头连接符 33">
+            <a:extLst>
+              <a:ext uri="{FF2B5EF4-FFF2-40B4-BE49-F238E27FC236}">
+                <a16:creationId xmlns:a16="http://schemas.microsoft.com/office/drawing/2014/main" id="{7DBF4B7A-7D58-8068-56C7-CB593E807DE7}"/>
+              </a:ext>
+            </a:extLst>
+          </p:cNvPr>
+          <p:cNvCxnSpPr>
+            <a:cxnSpLocks/>
+            <a:stCxn id="19" idx="3"/>
+            <a:endCxn id="30" idx="1"/>
+          </p:cNvCxnSpPr>
+          <p:nvPr/>
+        </p:nvCxnSpPr>
+        <p:spPr>
+          <a:xfrm flipV="1">
+            <a:off x="4800351" y="3124140"/>
+            <a:ext cx="1222278" cy="614218"/>
+          </a:xfrm>
+          <a:prstGeom prst="straightConnector1">
+            <a:avLst/>
+          </a:prstGeom>
+          <a:ln>
+            <a:tailEnd type="triangle"/>
+          </a:ln>
+        </p:spPr>
+        <p:style>
+          <a:lnRef idx="1">
+            <a:schemeClr val="accent1"/>
+          </a:lnRef>
+          <a:fillRef idx="0">
+            <a:schemeClr val="accent1"/>
+          </a:fillRef>
+          <a:effectRef idx="0">
+            <a:schemeClr val="accent1"/>
+          </a:effectRef>
+          <a:fontRef idx="minor">
+            <a:schemeClr val="tx1"/>
+          </a:fontRef>
+        </p:style>
+      </p:cxnSp>
+      <p:sp>
+        <p:nvSpPr>
+          <p:cNvPr id="3" name="文本框 2">
+            <a:extLst>
+              <a:ext uri="{FF2B5EF4-FFF2-40B4-BE49-F238E27FC236}">
+                <a16:creationId xmlns:a16="http://schemas.microsoft.com/office/drawing/2014/main" id="{DB6141F8-6D12-85A3-B008-701C4A46DEEB}"/>
+              </a:ext>
+            </a:extLst>
+          </p:cNvPr>
+          <p:cNvSpPr txBox="1"/>
+          <p:nvPr/>
+        </p:nvSpPr>
+        <p:spPr>
+          <a:xfrm>
+            <a:off x="0" y="6604084"/>
+            <a:ext cx="6340197" cy="253916"/>
+          </a:xfrm>
+          <a:prstGeom prst="rect">
+            <a:avLst/>
+          </a:prstGeom>
+          <a:noFill/>
+        </p:spPr>
+        <p:txBody>
+          <a:bodyPr wrap="none" rtlCol="0">
+            <a:spAutoFit/>
+          </a:bodyPr>
+          <a:lstStyle/>
+          <a:p>
+            <a:r>
+              <a:rPr lang="zh-CN" altLang="en-US" sz="1050" dirty="0"/>
+              <a:t>注：所谓“模块”，本文特指可切割出来纳入本次问题处理工作的最小范围的代码文件、工程文件等的集合</a:t>
             </a:r>
           </a:p>
         </p:txBody>
@@ -9746,7 +10697,7 @@
     </p:spTree>
     <p:extLst>
       <p:ext uri="{BB962C8B-B14F-4D97-AF65-F5344CB8AC3E}">
-        <p14:creationId xmlns:p14="http://schemas.microsoft.com/office/powerpoint/2010/main" val="1173924523"/>
+        <p14:creationId xmlns:p14="http://schemas.microsoft.com/office/powerpoint/2010/main" val="4042766009"/>
       </p:ext>
     </p:extLst>
   </p:cSld>
@@ -9775,596 +10726,45 @@
       </p:grpSpPr>
       <p:sp>
         <p:nvSpPr>
-          <p:cNvPr id="3" name="流程图: 磁盘 2">
-            <a:extLst>
-              <a:ext uri="{FF2B5EF4-FFF2-40B4-BE49-F238E27FC236}">
-                <a16:creationId xmlns:a16="http://schemas.microsoft.com/office/drawing/2014/main" id="{C27364AB-DF09-8B3C-CE28-780E11F6DAC5}"/>
-              </a:ext>
-            </a:extLst>
-          </p:cNvPr>
-          <p:cNvSpPr/>
-          <p:nvPr/>
-        </p:nvSpPr>
-        <p:spPr>
-          <a:xfrm>
-            <a:off x="4922268" y="1443714"/>
-            <a:ext cx="2237362" cy="798019"/>
-          </a:xfrm>
-          <a:prstGeom prst="flowChartMagneticDisk">
-            <a:avLst/>
-          </a:prstGeom>
-          <a:ln/>
-        </p:spPr>
-        <p:style>
-          <a:lnRef idx="3">
-            <a:schemeClr val="lt1"/>
-          </a:lnRef>
-          <a:fillRef idx="1">
-            <a:schemeClr val="accent5"/>
-          </a:fillRef>
-          <a:effectRef idx="1">
-            <a:schemeClr val="accent5"/>
-          </a:effectRef>
-          <a:fontRef idx="minor">
-            <a:schemeClr val="lt1"/>
-          </a:fontRef>
-        </p:style>
-        <p:txBody>
-          <a:bodyPr rtlCol="0" anchor="ctr"/>
-          <a:lstStyle/>
-          <a:p>
-            <a:pPr algn="ctr"/>
-            <a:r>
-              <a:rPr lang="zh-CN" altLang="en-US" dirty="0"/>
-              <a:t>版本库</a:t>
-            </a:r>
-          </a:p>
-        </p:txBody>
-      </p:sp>
-      <p:sp>
-        <p:nvSpPr>
-          <p:cNvPr id="4" name="流程图: 磁盘 3">
-            <a:extLst>
-              <a:ext uri="{FF2B5EF4-FFF2-40B4-BE49-F238E27FC236}">
-                <a16:creationId xmlns:a16="http://schemas.microsoft.com/office/drawing/2014/main" id="{479C9416-DD60-7E4F-0664-201BC02B5A4F}"/>
-              </a:ext>
-            </a:extLst>
-          </p:cNvPr>
-          <p:cNvSpPr/>
-          <p:nvPr/>
-        </p:nvSpPr>
-        <p:spPr>
-          <a:xfrm>
-            <a:off x="4922268" y="4493035"/>
-            <a:ext cx="2237362" cy="798019"/>
-          </a:xfrm>
-          <a:prstGeom prst="flowChartMagneticDisk">
-            <a:avLst/>
-          </a:prstGeom>
-          <a:ln/>
-        </p:spPr>
-        <p:style>
-          <a:lnRef idx="3">
-            <a:schemeClr val="lt1"/>
-          </a:lnRef>
-          <a:fillRef idx="1">
-            <a:schemeClr val="accent5"/>
-          </a:fillRef>
-          <a:effectRef idx="1">
-            <a:schemeClr val="accent5"/>
-          </a:effectRef>
-          <a:fontRef idx="minor">
-            <a:schemeClr val="lt1"/>
-          </a:fontRef>
-        </p:style>
-        <p:txBody>
-          <a:bodyPr rtlCol="0" anchor="ctr"/>
-          <a:lstStyle/>
-          <a:p>
-            <a:pPr algn="ctr"/>
-            <a:r>
-              <a:rPr lang="zh-CN" altLang="en-US" dirty="0"/>
-              <a:t>备份库</a:t>
-            </a:r>
-          </a:p>
-        </p:txBody>
-      </p:sp>
-      <p:sp>
-        <p:nvSpPr>
-          <p:cNvPr id="5" name="椭圆 4">
-            <a:extLst>
-              <a:ext uri="{FF2B5EF4-FFF2-40B4-BE49-F238E27FC236}">
-                <a16:creationId xmlns:a16="http://schemas.microsoft.com/office/drawing/2014/main" id="{A918497B-F25B-E5F6-6692-F67819C9F45B}"/>
-              </a:ext>
-            </a:extLst>
-          </p:cNvPr>
-          <p:cNvSpPr/>
-          <p:nvPr/>
-        </p:nvSpPr>
-        <p:spPr>
-          <a:xfrm>
-            <a:off x="328329" y="2530457"/>
-            <a:ext cx="1665841" cy="1673854"/>
-          </a:xfrm>
-          <a:prstGeom prst="ellipse">
-            <a:avLst/>
-          </a:prstGeom>
-        </p:spPr>
-        <p:style>
-          <a:lnRef idx="2">
-            <a:schemeClr val="accent2">
-              <a:shade val="50000"/>
-            </a:schemeClr>
-          </a:lnRef>
-          <a:fillRef idx="1">
-            <a:schemeClr val="accent2"/>
-          </a:fillRef>
-          <a:effectRef idx="0">
-            <a:schemeClr val="accent2"/>
-          </a:effectRef>
-          <a:fontRef idx="minor">
-            <a:schemeClr val="lt1"/>
-          </a:fontRef>
-        </p:style>
-        <p:txBody>
-          <a:bodyPr rtlCol="0" anchor="ctr"/>
-          <a:lstStyle/>
-          <a:p>
-            <a:pPr algn="ctr"/>
-            <a:r>
-              <a:rPr lang="en-US" altLang="zh-CN" dirty="0"/>
-              <a:t>23-10-01</a:t>
-            </a:r>
-            <a:r>
-              <a:rPr lang="zh-CN" altLang="en-US" dirty="0"/>
-              <a:t>批次需求</a:t>
-            </a:r>
-          </a:p>
-        </p:txBody>
-      </p:sp>
-      <p:cxnSp>
-        <p:nvCxnSpPr>
-          <p:cNvPr id="8" name="直接箭头连接符 7">
-            <a:extLst>
-              <a:ext uri="{FF2B5EF4-FFF2-40B4-BE49-F238E27FC236}">
-                <a16:creationId xmlns:a16="http://schemas.microsoft.com/office/drawing/2014/main" id="{B2C5F4B7-C00A-D3DF-43BB-4DE3527E8567}"/>
-              </a:ext>
-            </a:extLst>
-          </p:cNvPr>
-          <p:cNvCxnSpPr>
-            <a:cxnSpLocks/>
-          </p:cNvCxnSpPr>
-          <p:nvPr/>
-        </p:nvCxnSpPr>
-        <p:spPr>
-          <a:xfrm>
-            <a:off x="1994170" y="3367384"/>
-            <a:ext cx="6805448" cy="8978"/>
-          </a:xfrm>
-          <a:prstGeom prst="straightConnector1">
-            <a:avLst/>
-          </a:prstGeom>
-          <a:ln w="19050">
-            <a:prstDash val="lgDashDotDot"/>
-            <a:tailEnd type="triangle"/>
-          </a:ln>
-        </p:spPr>
-        <p:style>
-          <a:lnRef idx="1">
-            <a:schemeClr val="accent1"/>
-          </a:lnRef>
-          <a:fillRef idx="0">
-            <a:schemeClr val="accent1"/>
-          </a:fillRef>
-          <a:effectRef idx="0">
-            <a:schemeClr val="accent1"/>
-          </a:effectRef>
-          <a:fontRef idx="minor">
-            <a:schemeClr val="tx1"/>
-          </a:fontRef>
-        </p:style>
-      </p:cxnSp>
-      <p:cxnSp>
-        <p:nvCxnSpPr>
-          <p:cNvPr id="11" name="连接符: 曲线 10">
-            <a:extLst>
-              <a:ext uri="{FF2B5EF4-FFF2-40B4-BE49-F238E27FC236}">
-                <a16:creationId xmlns:a16="http://schemas.microsoft.com/office/drawing/2014/main" id="{2FDFC754-8CF5-685A-288D-77097901644A}"/>
-              </a:ext>
-            </a:extLst>
-          </p:cNvPr>
-          <p:cNvCxnSpPr>
-            <a:cxnSpLocks/>
-            <a:stCxn id="3" idx="2"/>
-            <a:endCxn id="6" idx="0"/>
-          </p:cNvCxnSpPr>
-          <p:nvPr/>
-        </p:nvCxnSpPr>
-        <p:spPr>
-          <a:xfrm rot="10800000" flipV="1">
-            <a:off x="3565238" y="1842723"/>
-            <a:ext cx="1357031" cy="1404589"/>
-          </a:xfrm>
-          <a:prstGeom prst="curvedConnector2">
-            <a:avLst/>
-          </a:prstGeom>
-          <a:ln>
-            <a:tailEnd type="triangle"/>
-          </a:ln>
-        </p:spPr>
-        <p:style>
-          <a:lnRef idx="1">
-            <a:schemeClr val="accent1"/>
-          </a:lnRef>
-          <a:fillRef idx="0">
-            <a:schemeClr val="accent1"/>
-          </a:fillRef>
-          <a:effectRef idx="0">
-            <a:schemeClr val="accent1"/>
-          </a:effectRef>
-          <a:fontRef idx="minor">
-            <a:schemeClr val="tx1"/>
-          </a:fontRef>
-        </p:style>
-      </p:cxnSp>
-      <p:sp>
-        <p:nvSpPr>
-          <p:cNvPr id="13" name="文本框 12">
-            <a:extLst>
-              <a:ext uri="{FF2B5EF4-FFF2-40B4-BE49-F238E27FC236}">
-                <a16:creationId xmlns:a16="http://schemas.microsoft.com/office/drawing/2014/main" id="{83E0C633-8330-DBEF-3552-889D03D6C200}"/>
-              </a:ext>
-            </a:extLst>
-          </p:cNvPr>
-          <p:cNvSpPr txBox="1"/>
-          <p:nvPr/>
-        </p:nvSpPr>
-        <p:spPr>
-          <a:xfrm>
-            <a:off x="3352907" y="2170103"/>
-            <a:ext cx="646331" cy="369332"/>
-          </a:xfrm>
-          <a:prstGeom prst="rect">
-            <a:avLst/>
-          </a:prstGeom>
-          <a:noFill/>
-        </p:spPr>
-        <p:txBody>
-          <a:bodyPr wrap="none" rtlCol="0">
+          <p:cNvPr id="2" name="标题 1">
+            <a:extLst>
+              <a:ext uri="{FF2B5EF4-FFF2-40B4-BE49-F238E27FC236}">
+                <a16:creationId xmlns:a16="http://schemas.microsoft.com/office/drawing/2014/main" id="{9203AA04-3D70-46A3-8D3D-FB1CA9218721}"/>
+              </a:ext>
+            </a:extLst>
+          </p:cNvPr>
+          <p:cNvSpPr>
+            <a:spLocks noGrp="1"/>
+          </p:cNvSpPr>
+          <p:nvPr>
+            <p:ph type="title"/>
+          </p:nvPr>
+        </p:nvSpPr>
+        <p:spPr>
+          <a:xfrm>
+            <a:off x="838200" y="321226"/>
+            <a:ext cx="10515600" cy="701731"/>
+          </a:xfrm>
+        </p:spPr>
+        <p:txBody>
+          <a:bodyPr>
             <a:spAutoFit/>
           </a:bodyPr>
           <a:lstStyle/>
           <a:p>
             <a:r>
               <a:rPr lang="zh-CN" altLang="en-US" dirty="0"/>
-              <a:t>签出</a:t>
-            </a:r>
-          </a:p>
-        </p:txBody>
-      </p:sp>
-      <p:sp>
-        <p:nvSpPr>
-          <p:cNvPr id="35" name="椭圆 34">
-            <a:extLst>
-              <a:ext uri="{FF2B5EF4-FFF2-40B4-BE49-F238E27FC236}">
-                <a16:creationId xmlns:a16="http://schemas.microsoft.com/office/drawing/2014/main" id="{015CF5DF-CE86-22BA-0173-DAEC6E03204F}"/>
-              </a:ext>
-            </a:extLst>
-          </p:cNvPr>
-          <p:cNvSpPr/>
-          <p:nvPr/>
-        </p:nvSpPr>
-        <p:spPr>
-          <a:xfrm>
-            <a:off x="8799618" y="2530457"/>
-            <a:ext cx="1665841" cy="1673854"/>
-          </a:xfrm>
-          <a:prstGeom prst="ellipse">
-            <a:avLst/>
-          </a:prstGeom>
-        </p:spPr>
-        <p:style>
-          <a:lnRef idx="2">
-            <a:schemeClr val="accent6">
-              <a:shade val="50000"/>
-            </a:schemeClr>
-          </a:lnRef>
-          <a:fillRef idx="1">
-            <a:schemeClr val="accent6"/>
-          </a:fillRef>
-          <a:effectRef idx="0">
-            <a:schemeClr val="accent6"/>
-          </a:effectRef>
-          <a:fontRef idx="minor">
-            <a:schemeClr val="lt1"/>
-          </a:fontRef>
-        </p:style>
-        <p:txBody>
-          <a:bodyPr rtlCol="0" anchor="ctr"/>
-          <a:lstStyle/>
-          <a:p>
-            <a:pPr algn="ctr"/>
-            <a:r>
-              <a:rPr lang="en-US" altLang="zh-CN" dirty="0"/>
-              <a:t>23-10-15</a:t>
-            </a:r>
-            <a:r>
-              <a:rPr lang="zh-CN" altLang="en-US" dirty="0"/>
-              <a:t>版本发布</a:t>
-            </a:r>
-          </a:p>
-        </p:txBody>
-      </p:sp>
-      <p:sp>
-        <p:nvSpPr>
-          <p:cNvPr id="6" name="椭圆 5">
-            <a:extLst>
-              <a:ext uri="{FF2B5EF4-FFF2-40B4-BE49-F238E27FC236}">
-                <a16:creationId xmlns:a16="http://schemas.microsoft.com/office/drawing/2014/main" id="{B1E9BB36-8CFE-F89F-6DEE-6A0F179C2658}"/>
-              </a:ext>
-            </a:extLst>
-          </p:cNvPr>
-          <p:cNvSpPr/>
-          <p:nvPr/>
-        </p:nvSpPr>
-        <p:spPr>
-          <a:xfrm>
-            <a:off x="3454400" y="3247313"/>
-            <a:ext cx="221673" cy="240142"/>
-          </a:xfrm>
-          <a:prstGeom prst="ellipse">
-            <a:avLst/>
-          </a:prstGeom>
-        </p:spPr>
-        <p:style>
-          <a:lnRef idx="1">
-            <a:schemeClr val="accent4"/>
-          </a:lnRef>
-          <a:fillRef idx="2">
-            <a:schemeClr val="accent4"/>
-          </a:fillRef>
-          <a:effectRef idx="1">
-            <a:schemeClr val="accent4"/>
-          </a:effectRef>
-          <a:fontRef idx="minor">
-            <a:schemeClr val="dk1"/>
-          </a:fontRef>
-        </p:style>
-        <p:txBody>
-          <a:bodyPr rtlCol="0" anchor="ctr"/>
-          <a:lstStyle/>
-          <a:p>
-            <a:pPr algn="ctr"/>
-            <a:endParaRPr lang="zh-CN" altLang="en-US" dirty="0"/>
-          </a:p>
-        </p:txBody>
-      </p:sp>
-      <p:sp>
-        <p:nvSpPr>
-          <p:cNvPr id="7" name="椭圆 6">
-            <a:extLst>
-              <a:ext uri="{FF2B5EF4-FFF2-40B4-BE49-F238E27FC236}">
-                <a16:creationId xmlns:a16="http://schemas.microsoft.com/office/drawing/2014/main" id="{C851D898-F811-E0F3-6C5C-7A31E93B7907}"/>
-              </a:ext>
-            </a:extLst>
-          </p:cNvPr>
-          <p:cNvSpPr/>
-          <p:nvPr/>
-        </p:nvSpPr>
-        <p:spPr>
-          <a:xfrm>
-            <a:off x="4702733" y="3247313"/>
-            <a:ext cx="221673" cy="240142"/>
-          </a:xfrm>
-          <a:prstGeom prst="ellipse">
-            <a:avLst/>
-          </a:prstGeom>
-        </p:spPr>
-        <p:style>
-          <a:lnRef idx="1">
-            <a:schemeClr val="accent4"/>
-          </a:lnRef>
-          <a:fillRef idx="2">
-            <a:schemeClr val="accent4"/>
-          </a:fillRef>
-          <a:effectRef idx="1">
-            <a:schemeClr val="accent4"/>
-          </a:effectRef>
-          <a:fontRef idx="minor">
-            <a:schemeClr val="dk1"/>
-          </a:fontRef>
-        </p:style>
-        <p:txBody>
-          <a:bodyPr rtlCol="0" anchor="ctr"/>
-          <a:lstStyle/>
-          <a:p>
-            <a:pPr algn="ctr"/>
-            <a:endParaRPr lang="zh-CN" altLang="en-US"/>
-          </a:p>
-        </p:txBody>
-      </p:sp>
-      <p:sp>
-        <p:nvSpPr>
-          <p:cNvPr id="9" name="椭圆 8">
-            <a:extLst>
-              <a:ext uri="{FF2B5EF4-FFF2-40B4-BE49-F238E27FC236}">
-                <a16:creationId xmlns:a16="http://schemas.microsoft.com/office/drawing/2014/main" id="{1B9CC877-BB10-3A62-30FF-32B9023A4BF4}"/>
-              </a:ext>
-            </a:extLst>
-          </p:cNvPr>
-          <p:cNvSpPr/>
-          <p:nvPr/>
-        </p:nvSpPr>
-        <p:spPr>
-          <a:xfrm>
-            <a:off x="5892086" y="3247313"/>
-            <a:ext cx="221673" cy="240142"/>
-          </a:xfrm>
-          <a:prstGeom prst="ellipse">
-            <a:avLst/>
-          </a:prstGeom>
-        </p:spPr>
-        <p:style>
-          <a:lnRef idx="1">
-            <a:schemeClr val="accent4"/>
-          </a:lnRef>
-          <a:fillRef idx="2">
-            <a:schemeClr val="accent4"/>
-          </a:fillRef>
-          <a:effectRef idx="1">
-            <a:schemeClr val="accent4"/>
-          </a:effectRef>
-          <a:fontRef idx="minor">
-            <a:schemeClr val="dk1"/>
-          </a:fontRef>
-        </p:style>
-        <p:txBody>
-          <a:bodyPr rtlCol="0" anchor="ctr"/>
-          <a:lstStyle/>
-          <a:p>
-            <a:pPr algn="ctr"/>
-            <a:endParaRPr lang="zh-CN" altLang="en-US"/>
-          </a:p>
-        </p:txBody>
-      </p:sp>
-      <p:sp>
-        <p:nvSpPr>
-          <p:cNvPr id="10" name="椭圆 9">
-            <a:extLst>
-              <a:ext uri="{FF2B5EF4-FFF2-40B4-BE49-F238E27FC236}">
-                <a16:creationId xmlns:a16="http://schemas.microsoft.com/office/drawing/2014/main" id="{FCF36644-A3D4-E123-997E-D32EBEE89BC4}"/>
-              </a:ext>
-            </a:extLst>
-          </p:cNvPr>
-          <p:cNvSpPr/>
-          <p:nvPr/>
-        </p:nvSpPr>
-        <p:spPr>
-          <a:xfrm>
-            <a:off x="6937957" y="3247313"/>
-            <a:ext cx="221673" cy="240142"/>
-          </a:xfrm>
-          <a:prstGeom prst="ellipse">
-            <a:avLst/>
-          </a:prstGeom>
-        </p:spPr>
-        <p:style>
-          <a:lnRef idx="1">
-            <a:schemeClr val="accent4"/>
-          </a:lnRef>
-          <a:fillRef idx="2">
-            <a:schemeClr val="accent4"/>
-          </a:fillRef>
-          <a:effectRef idx="1">
-            <a:schemeClr val="accent4"/>
-          </a:effectRef>
-          <a:fontRef idx="minor">
-            <a:schemeClr val="dk1"/>
-          </a:fontRef>
-        </p:style>
-        <p:txBody>
-          <a:bodyPr rtlCol="0" anchor="ctr"/>
-          <a:lstStyle/>
-          <a:p>
-            <a:pPr algn="ctr"/>
-            <a:endParaRPr lang="zh-CN" altLang="en-US"/>
-          </a:p>
-        </p:txBody>
-      </p:sp>
-      <p:sp>
-        <p:nvSpPr>
-          <p:cNvPr id="12" name="椭圆 11">
-            <a:extLst>
-              <a:ext uri="{FF2B5EF4-FFF2-40B4-BE49-F238E27FC236}">
-                <a16:creationId xmlns:a16="http://schemas.microsoft.com/office/drawing/2014/main" id="{00D9E7C8-74AD-A842-2888-E93EF9F83596}"/>
-              </a:ext>
-            </a:extLst>
-          </p:cNvPr>
-          <p:cNvSpPr/>
-          <p:nvPr/>
-        </p:nvSpPr>
-        <p:spPr>
-          <a:xfrm>
-            <a:off x="7953490" y="3247313"/>
-            <a:ext cx="221673" cy="240142"/>
-          </a:xfrm>
-          <a:prstGeom prst="ellipse">
-            <a:avLst/>
-          </a:prstGeom>
-        </p:spPr>
-        <p:style>
-          <a:lnRef idx="1">
-            <a:schemeClr val="accent4"/>
-          </a:lnRef>
-          <a:fillRef idx="2">
-            <a:schemeClr val="accent4"/>
-          </a:fillRef>
-          <a:effectRef idx="1">
-            <a:schemeClr val="accent4"/>
-          </a:effectRef>
-          <a:fontRef idx="minor">
-            <a:schemeClr val="dk1"/>
-          </a:fontRef>
-        </p:style>
-        <p:txBody>
-          <a:bodyPr rtlCol="0" anchor="ctr"/>
-          <a:lstStyle/>
-          <a:p>
-            <a:pPr algn="ctr"/>
-            <a:endParaRPr lang="zh-CN" altLang="en-US"/>
-          </a:p>
-        </p:txBody>
-      </p:sp>
-      <p:sp>
-        <p:nvSpPr>
-          <p:cNvPr id="14" name="椭圆 13">
-            <a:extLst>
-              <a:ext uri="{FF2B5EF4-FFF2-40B4-BE49-F238E27FC236}">
-                <a16:creationId xmlns:a16="http://schemas.microsoft.com/office/drawing/2014/main" id="{1EC3404E-4463-8C2D-94D4-D88C83B8D7AC}"/>
-              </a:ext>
-            </a:extLst>
-          </p:cNvPr>
-          <p:cNvSpPr/>
-          <p:nvPr/>
-        </p:nvSpPr>
-        <p:spPr>
-          <a:xfrm>
-            <a:off x="2444687" y="3247313"/>
-            <a:ext cx="221673" cy="240142"/>
-          </a:xfrm>
-          <a:prstGeom prst="ellipse">
-            <a:avLst/>
-          </a:prstGeom>
-        </p:spPr>
-        <p:style>
-          <a:lnRef idx="1">
-            <a:schemeClr val="accent4"/>
-          </a:lnRef>
-          <a:fillRef idx="2">
-            <a:schemeClr val="accent4"/>
-          </a:fillRef>
-          <a:effectRef idx="1">
-            <a:schemeClr val="accent4"/>
-          </a:effectRef>
-          <a:fontRef idx="minor">
-            <a:schemeClr val="dk1"/>
-          </a:fontRef>
-        </p:style>
-        <p:txBody>
-          <a:bodyPr rtlCol="0" anchor="ctr"/>
-          <a:lstStyle/>
-          <a:p>
-            <a:pPr algn="ctr"/>
-            <a:endParaRPr lang="zh-CN" altLang="en-US"/>
-          </a:p>
-        </p:txBody>
-      </p:sp>
-      <p:sp>
-        <p:nvSpPr>
-          <p:cNvPr id="15" name="文本框 14">
-            <a:extLst>
-              <a:ext uri="{FF2B5EF4-FFF2-40B4-BE49-F238E27FC236}">
-                <a16:creationId xmlns:a16="http://schemas.microsoft.com/office/drawing/2014/main" id="{98EBFCBB-A24F-6C34-3498-8BA74582FFE8}"/>
+              <a:t>模块开发策略：尽量减少分支</a:t>
+            </a:r>
+          </a:p>
+        </p:txBody>
+      </p:sp>
+      <p:sp>
+        <p:nvSpPr>
+          <p:cNvPr id="3" name="文本框 2">
+            <a:extLst>
+              <a:ext uri="{FF2B5EF4-FFF2-40B4-BE49-F238E27FC236}">
+                <a16:creationId xmlns:a16="http://schemas.microsoft.com/office/drawing/2014/main" id="{30BE157A-1944-9CE0-F9C9-DA3537C9595C}"/>
               </a:ext>
             </a:extLst>
           </p:cNvPr>
@@ -10373,8 +10773,8 @@
         </p:nvSpPr>
         <p:spPr>
           <a:xfrm>
-            <a:off x="3011238" y="3660876"/>
-            <a:ext cx="1107996" cy="369332"/>
+            <a:off x="838200" y="1110583"/>
+            <a:ext cx="10611255" cy="5451621"/>
           </a:xfrm>
           <a:prstGeom prst="rect">
             <a:avLst/>
@@ -10382,476 +10782,213 @@
           <a:noFill/>
         </p:spPr>
         <p:txBody>
-          <a:bodyPr wrap="none" rtlCol="0">
+          <a:bodyPr wrap="square" rtlCol="0">
             <a:spAutoFit/>
           </a:bodyPr>
           <a:lstStyle/>
           <a:p>
+            <a:pPr>
+              <a:lnSpc>
+                <a:spcPct val="150000"/>
+              </a:lnSpc>
+            </a:pPr>
             <a:r>
               <a:rPr lang="zh-CN" altLang="en-US" dirty="0"/>
-              <a:t>启动开发</a:t>
-            </a:r>
-          </a:p>
-        </p:txBody>
-      </p:sp>
-      <p:sp>
-        <p:nvSpPr>
-          <p:cNvPr id="18" name="椭圆 17">
-            <a:extLst>
-              <a:ext uri="{FF2B5EF4-FFF2-40B4-BE49-F238E27FC236}">
-                <a16:creationId xmlns:a16="http://schemas.microsoft.com/office/drawing/2014/main" id="{91690D1E-9BF8-F240-1A23-1F60096DCC4E}"/>
-              </a:ext>
-            </a:extLst>
-          </p:cNvPr>
-          <p:cNvSpPr/>
-          <p:nvPr/>
-        </p:nvSpPr>
-        <p:spPr>
-          <a:xfrm>
-            <a:off x="11029874" y="3247313"/>
-            <a:ext cx="221673" cy="240142"/>
-          </a:xfrm>
-          <a:prstGeom prst="ellipse">
-            <a:avLst/>
-          </a:prstGeom>
-        </p:spPr>
-        <p:style>
-          <a:lnRef idx="1">
-            <a:schemeClr val="accent4"/>
-          </a:lnRef>
-          <a:fillRef idx="2">
-            <a:schemeClr val="accent4"/>
-          </a:fillRef>
-          <a:effectRef idx="1">
-            <a:schemeClr val="accent4"/>
-          </a:effectRef>
-          <a:fontRef idx="minor">
-            <a:schemeClr val="dk1"/>
-          </a:fontRef>
-        </p:style>
-        <p:txBody>
-          <a:bodyPr rtlCol="0" anchor="ctr"/>
-          <a:lstStyle/>
-          <a:p>
-            <a:pPr algn="ctr"/>
-            <a:endParaRPr lang="zh-CN" altLang="en-US"/>
-          </a:p>
-        </p:txBody>
-      </p:sp>
-      <p:cxnSp>
-        <p:nvCxnSpPr>
-          <p:cNvPr id="19" name="直接箭头连接符 18">
-            <a:extLst>
-              <a:ext uri="{FF2B5EF4-FFF2-40B4-BE49-F238E27FC236}">
-                <a16:creationId xmlns:a16="http://schemas.microsoft.com/office/drawing/2014/main" id="{E91BDCC8-1817-FFD1-A692-EE845CA75FFD}"/>
-              </a:ext>
-            </a:extLst>
-          </p:cNvPr>
-          <p:cNvCxnSpPr>
-            <a:cxnSpLocks/>
-          </p:cNvCxnSpPr>
-          <p:nvPr/>
-        </p:nvCxnSpPr>
-        <p:spPr>
-          <a:xfrm>
-            <a:off x="10465459" y="3367384"/>
-            <a:ext cx="564415" cy="0"/>
-          </a:xfrm>
-          <a:prstGeom prst="straightConnector1">
-            <a:avLst/>
-          </a:prstGeom>
-          <a:ln w="19050">
-            <a:prstDash val="lgDashDotDot"/>
-            <a:tailEnd type="triangle"/>
-          </a:ln>
-        </p:spPr>
-        <p:style>
-          <a:lnRef idx="1">
-            <a:schemeClr val="accent1"/>
-          </a:lnRef>
-          <a:fillRef idx="0">
-            <a:schemeClr val="accent1"/>
-          </a:fillRef>
-          <a:effectRef idx="0">
-            <a:schemeClr val="accent1"/>
-          </a:effectRef>
-          <a:fontRef idx="minor">
-            <a:schemeClr val="tx1"/>
-          </a:fontRef>
-        </p:style>
-      </p:cxnSp>
-      <p:sp>
-        <p:nvSpPr>
-          <p:cNvPr id="25" name="文本框 24">
-            <a:extLst>
-              <a:ext uri="{FF2B5EF4-FFF2-40B4-BE49-F238E27FC236}">
-                <a16:creationId xmlns:a16="http://schemas.microsoft.com/office/drawing/2014/main" id="{CF9E82D3-8789-6412-983D-1DAEC1EE1B69}"/>
-              </a:ext>
-            </a:extLst>
-          </p:cNvPr>
-          <p:cNvSpPr txBox="1"/>
-          <p:nvPr/>
-        </p:nvSpPr>
-        <p:spPr>
-          <a:xfrm>
-            <a:off x="10568239" y="3654223"/>
-            <a:ext cx="1107996" cy="369332"/>
-          </a:xfrm>
-          <a:prstGeom prst="rect">
-            <a:avLst/>
-          </a:prstGeom>
-          <a:noFill/>
-        </p:spPr>
-        <p:txBody>
-          <a:bodyPr wrap="none" rtlCol="0">
-            <a:spAutoFit/>
-          </a:bodyPr>
-          <a:lstStyle/>
-          <a:p>
+              <a:t>这里提供的开发规范，是均衡利弊后的考虑，可参考采纳：</a:t>
+            </a:r>
+            <a:endParaRPr lang="en-US" altLang="zh-CN" dirty="0"/>
+          </a:p>
+          <a:p>
+            <a:pPr marL="285750" indent="-285750">
+              <a:lnSpc>
+                <a:spcPct val="150000"/>
+              </a:lnSpc>
+              <a:buFont typeface="Wingdings" panose="05000000000000000000" pitchFamily="2" charset="2"/>
+              <a:buChar char="n"/>
+            </a:pPr>
+            <a:r>
+              <a:rPr lang="zh-CN" altLang="en-US" dirty="0">
+                <a:solidFill>
+                  <a:srgbClr val="0070C0"/>
+                </a:solidFill>
+              </a:rPr>
+              <a:t>独占式签出</a:t>
+            </a:r>
             <a:r>
               <a:rPr lang="zh-CN" altLang="en-US" dirty="0"/>
-              <a:t>基线定版</a:t>
-            </a:r>
-          </a:p>
-        </p:txBody>
-      </p:sp>
-      <p:cxnSp>
-        <p:nvCxnSpPr>
-          <p:cNvPr id="26" name="连接符: 曲线 25">
-            <a:extLst>
-              <a:ext uri="{FF2B5EF4-FFF2-40B4-BE49-F238E27FC236}">
-                <a16:creationId xmlns:a16="http://schemas.microsoft.com/office/drawing/2014/main" id="{B8BC2B59-0077-C593-FA76-C9FB86B0F360}"/>
-              </a:ext>
-            </a:extLst>
-          </p:cNvPr>
-          <p:cNvCxnSpPr>
-            <a:cxnSpLocks/>
-            <a:stCxn id="7" idx="4"/>
-          </p:cNvCxnSpPr>
-          <p:nvPr/>
-        </p:nvCxnSpPr>
-        <p:spPr>
-          <a:xfrm rot="16200000" flipH="1">
-            <a:off x="4546575" y="3754450"/>
-            <a:ext cx="1125651" cy="591660"/>
-          </a:xfrm>
-          <a:prstGeom prst="curvedConnector3">
-            <a:avLst>
-              <a:gd name="adj1" fmla="val 50000"/>
-            </a:avLst>
-          </a:prstGeom>
-          <a:ln>
-            <a:tailEnd type="triangle"/>
-          </a:ln>
-        </p:spPr>
-        <p:style>
-          <a:lnRef idx="1">
-            <a:schemeClr val="accent1"/>
-          </a:lnRef>
-          <a:fillRef idx="0">
-            <a:schemeClr val="accent1"/>
-          </a:fillRef>
-          <a:effectRef idx="0">
-            <a:schemeClr val="accent1"/>
-          </a:effectRef>
-          <a:fontRef idx="minor">
-            <a:schemeClr val="tx1"/>
-          </a:fontRef>
-        </p:style>
-      </p:cxnSp>
-      <p:sp>
-        <p:nvSpPr>
-          <p:cNvPr id="30" name="文本框 29">
-            <a:extLst>
-              <a:ext uri="{FF2B5EF4-FFF2-40B4-BE49-F238E27FC236}">
-                <a16:creationId xmlns:a16="http://schemas.microsoft.com/office/drawing/2014/main" id="{1B88332E-D6CF-D18D-754C-3BDC40D5EE79}"/>
-              </a:ext>
-            </a:extLst>
-          </p:cNvPr>
-          <p:cNvSpPr txBox="1"/>
-          <p:nvPr/>
-        </p:nvSpPr>
-        <p:spPr>
-          <a:xfrm>
-            <a:off x="5508010" y="3883491"/>
-            <a:ext cx="1107996" cy="369332"/>
-          </a:xfrm>
-          <a:prstGeom prst="rect">
-            <a:avLst/>
-          </a:prstGeom>
-          <a:noFill/>
-        </p:spPr>
-        <p:txBody>
-          <a:bodyPr wrap="none" rtlCol="0">
-            <a:spAutoFit/>
-          </a:bodyPr>
-          <a:lstStyle/>
-          <a:p>
+              <a:t>。尽量不用配置库的分支合并功能，以最大可能减少人为差错，以及额外的管理成本。</a:t>
+            </a:r>
+            <a:endParaRPr lang="en-US" altLang="zh-CN" dirty="0"/>
+          </a:p>
+          <a:p>
+            <a:pPr marL="285750" indent="-285750">
+              <a:lnSpc>
+                <a:spcPct val="150000"/>
+              </a:lnSpc>
+              <a:buFont typeface="Wingdings" panose="05000000000000000000" pitchFamily="2" charset="2"/>
+              <a:buChar char="n"/>
+            </a:pPr>
             <a:r>
               <a:rPr lang="zh-CN" altLang="en-US" dirty="0"/>
-              <a:t>增量备份</a:t>
-            </a:r>
-          </a:p>
-        </p:txBody>
-      </p:sp>
-      <p:cxnSp>
-        <p:nvCxnSpPr>
-          <p:cNvPr id="31" name="连接符: 曲线 30">
-            <a:extLst>
-              <a:ext uri="{FF2B5EF4-FFF2-40B4-BE49-F238E27FC236}">
-                <a16:creationId xmlns:a16="http://schemas.microsoft.com/office/drawing/2014/main" id="{2BCFC091-25CB-ECA6-8BD4-84B64741030A}"/>
-              </a:ext>
-            </a:extLst>
-          </p:cNvPr>
-          <p:cNvCxnSpPr>
-            <a:cxnSpLocks/>
-            <a:stCxn id="9" idx="4"/>
-          </p:cNvCxnSpPr>
-          <p:nvPr/>
-        </p:nvCxnSpPr>
-        <p:spPr>
-          <a:xfrm rot="5400000">
-            <a:off x="5414888" y="3998124"/>
-            <a:ext cx="1098705" cy="77366"/>
-          </a:xfrm>
-          <a:prstGeom prst="curvedConnector3">
-            <a:avLst>
-              <a:gd name="adj1" fmla="val 50000"/>
-            </a:avLst>
-          </a:prstGeom>
-          <a:ln>
-            <a:tailEnd type="triangle"/>
-          </a:ln>
-        </p:spPr>
-        <p:style>
-          <a:lnRef idx="1">
-            <a:schemeClr val="accent1"/>
-          </a:lnRef>
-          <a:fillRef idx="0">
-            <a:schemeClr val="accent1"/>
-          </a:fillRef>
-          <a:effectRef idx="0">
-            <a:schemeClr val="accent1"/>
-          </a:effectRef>
-          <a:fontRef idx="minor">
-            <a:schemeClr val="tx1"/>
-          </a:fontRef>
-        </p:style>
-      </p:cxnSp>
-      <p:cxnSp>
-        <p:nvCxnSpPr>
-          <p:cNvPr id="34" name="连接符: 曲线 33">
-            <a:extLst>
-              <a:ext uri="{FF2B5EF4-FFF2-40B4-BE49-F238E27FC236}">
-                <a16:creationId xmlns:a16="http://schemas.microsoft.com/office/drawing/2014/main" id="{C669DB96-1FF4-BC21-D94F-C17A55E2F69C}"/>
-              </a:ext>
-            </a:extLst>
-          </p:cNvPr>
-          <p:cNvCxnSpPr>
-            <a:cxnSpLocks/>
-            <a:stCxn id="10" idx="4"/>
-          </p:cNvCxnSpPr>
-          <p:nvPr/>
-        </p:nvCxnSpPr>
-        <p:spPr>
-          <a:xfrm rot="5400000">
-            <a:off x="6148342" y="3712655"/>
-            <a:ext cx="1125653" cy="675252"/>
-          </a:xfrm>
-          <a:prstGeom prst="curvedConnector3">
-            <a:avLst>
-              <a:gd name="adj1" fmla="val 50000"/>
-            </a:avLst>
-          </a:prstGeom>
-          <a:ln>
-            <a:tailEnd type="triangle"/>
-          </a:ln>
-        </p:spPr>
-        <p:style>
-          <a:lnRef idx="1">
-            <a:schemeClr val="accent1"/>
-          </a:lnRef>
-          <a:fillRef idx="0">
-            <a:schemeClr val="accent1"/>
-          </a:fillRef>
-          <a:effectRef idx="0">
-            <a:schemeClr val="accent1"/>
-          </a:effectRef>
-          <a:fontRef idx="minor">
-            <a:schemeClr val="tx1"/>
-          </a:fontRef>
-        </p:style>
-      </p:cxnSp>
-      <p:cxnSp>
-        <p:nvCxnSpPr>
-          <p:cNvPr id="38" name="连接符: 曲线 37">
-            <a:extLst>
-              <a:ext uri="{FF2B5EF4-FFF2-40B4-BE49-F238E27FC236}">
-                <a16:creationId xmlns:a16="http://schemas.microsoft.com/office/drawing/2014/main" id="{FAE28F63-7AEF-7000-1D9F-5283A48E06B3}"/>
-              </a:ext>
-            </a:extLst>
-          </p:cNvPr>
-          <p:cNvCxnSpPr>
-            <a:cxnSpLocks/>
-            <a:stCxn id="12" idx="4"/>
-          </p:cNvCxnSpPr>
-          <p:nvPr/>
-        </p:nvCxnSpPr>
-        <p:spPr>
-          <a:xfrm rot="5400000">
-            <a:off x="6806953" y="3355731"/>
-            <a:ext cx="1125651" cy="1389098"/>
-          </a:xfrm>
-          <a:prstGeom prst="curvedConnector2">
-            <a:avLst/>
-          </a:prstGeom>
-          <a:ln>
-            <a:tailEnd type="triangle"/>
-          </a:ln>
-        </p:spPr>
-        <p:style>
-          <a:lnRef idx="1">
-            <a:schemeClr val="accent1"/>
-          </a:lnRef>
-          <a:fillRef idx="0">
-            <a:schemeClr val="accent1"/>
-          </a:fillRef>
-          <a:effectRef idx="0">
-            <a:schemeClr val="accent1"/>
-          </a:effectRef>
-          <a:fontRef idx="minor">
-            <a:schemeClr val="tx1"/>
-          </a:fontRef>
-        </p:style>
-      </p:cxnSp>
-      <p:cxnSp>
-        <p:nvCxnSpPr>
-          <p:cNvPr id="41" name="连接符: 曲线 40">
-            <a:extLst>
-              <a:ext uri="{FF2B5EF4-FFF2-40B4-BE49-F238E27FC236}">
-                <a16:creationId xmlns:a16="http://schemas.microsoft.com/office/drawing/2014/main" id="{59B9FA8A-5AC8-CD53-BCA2-90D613CC1558}"/>
-              </a:ext>
-            </a:extLst>
-          </p:cNvPr>
-          <p:cNvCxnSpPr>
-            <a:cxnSpLocks/>
-            <a:stCxn id="18" idx="0"/>
-            <a:endCxn id="3" idx="4"/>
-          </p:cNvCxnSpPr>
-          <p:nvPr/>
-        </p:nvCxnSpPr>
-        <p:spPr>
-          <a:xfrm rot="16200000" flipV="1">
-            <a:off x="8447877" y="554478"/>
-            <a:ext cx="1404589" cy="3981081"/>
-          </a:xfrm>
-          <a:prstGeom prst="curvedConnector2">
-            <a:avLst/>
-          </a:prstGeom>
-          <a:ln>
-            <a:tailEnd type="triangle"/>
-          </a:ln>
-        </p:spPr>
-        <p:style>
-          <a:lnRef idx="1">
-            <a:schemeClr val="accent1"/>
-          </a:lnRef>
-          <a:fillRef idx="0">
-            <a:schemeClr val="accent1"/>
-          </a:fillRef>
-          <a:effectRef idx="0">
-            <a:schemeClr val="accent1"/>
-          </a:effectRef>
-          <a:fontRef idx="minor">
-            <a:schemeClr val="tx1"/>
-          </a:fontRef>
-        </p:style>
-      </p:cxnSp>
-      <p:sp>
-        <p:nvSpPr>
-          <p:cNvPr id="65" name="标题 1">
-            <a:extLst>
-              <a:ext uri="{FF2B5EF4-FFF2-40B4-BE49-F238E27FC236}">
-                <a16:creationId xmlns:a16="http://schemas.microsoft.com/office/drawing/2014/main" id="{D7823C94-E47B-677C-BFCC-3574F2831CE5}"/>
-              </a:ext>
-            </a:extLst>
-          </p:cNvPr>
-          <p:cNvSpPr txBox="1">
-            <a:spLocks/>
-          </p:cNvSpPr>
-          <p:nvPr/>
-        </p:nvSpPr>
-        <p:spPr>
-          <a:xfrm>
-            <a:off x="838200" y="321226"/>
-            <a:ext cx="10515600" cy="701731"/>
-          </a:xfrm>
-          <a:prstGeom prst="rect">
-            <a:avLst/>
-          </a:prstGeom>
-        </p:spPr>
-        <p:txBody>
-          <a:bodyPr vert="horz" lIns="91440" tIns="45720" rIns="91440" bIns="45720" rtlCol="0" anchor="ctr">
-            <a:spAutoFit/>
-          </a:bodyPr>
-          <a:lstStyle>
-            <a:lvl1pPr algn="l" defTabSz="914400" rtl="0" eaLnBrk="1" latinLnBrk="0" hangingPunct="1">
+              <a:t>使用两套不同款配置库管理工具，一款用于发布版本控制（</a:t>
+            </a:r>
+            <a:r>
+              <a:rPr lang="zh-CN" altLang="en-US" dirty="0">
+                <a:solidFill>
+                  <a:srgbClr val="0070C0"/>
+                </a:solidFill>
+              </a:rPr>
+              <a:t>版本库</a:t>
+            </a:r>
+            <a:r>
+              <a:rPr lang="zh-CN" altLang="en-US" dirty="0"/>
+              <a:t>），一款用于日常备份（</a:t>
+            </a:r>
+            <a:r>
+              <a:rPr lang="zh-CN" altLang="en-US" dirty="0">
+                <a:solidFill>
+                  <a:srgbClr val="0070C0"/>
+                </a:solidFill>
+              </a:rPr>
+              <a:t>备份库</a:t>
+            </a:r>
+            <a:r>
+              <a:rPr lang="zh-CN" altLang="en-US" dirty="0"/>
+              <a:t>）。</a:t>
+            </a:r>
+            <a:endParaRPr lang="en-US" altLang="zh-CN" dirty="0"/>
+          </a:p>
+          <a:p>
+            <a:pPr marL="285750" indent="-285750">
               <a:lnSpc>
-                <a:spcPct val="90000"/>
+                <a:spcPct val="150000"/>
               </a:lnSpc>
-              <a:spcBef>
-                <a:spcPct val="0"/>
-              </a:spcBef>
-              <a:buNone/>
-              <a:defRPr sz="4400" kern="1200">
+              <a:buFont typeface="Wingdings" panose="05000000000000000000" pitchFamily="2" charset="2"/>
+              <a:buChar char="n"/>
+            </a:pPr>
+            <a:r>
+              <a:rPr lang="zh-CN" altLang="en-US" dirty="0">
                 <a:solidFill>
-                  <a:schemeClr val="tx1"/>
+                  <a:srgbClr val="0070C0"/>
                 </a:solidFill>
-                <a:latin typeface="+mj-lt"/>
-                <a:ea typeface="+mj-ea"/>
-                <a:cs typeface="+mj-cs"/>
-              </a:defRPr>
-            </a:lvl1pPr>
-          </a:lstStyle>
-          <a:p>
+              </a:rPr>
+              <a:t>版本库始终与正式环境保持一致</a:t>
+            </a:r>
             <a:r>
               <a:rPr lang="zh-CN" altLang="en-US" dirty="0"/>
-              <a:t>模块开发策略：配置库的使用</a:t>
-            </a:r>
-          </a:p>
-        </p:txBody>
-      </p:sp>
-      <p:sp>
-        <p:nvSpPr>
-          <p:cNvPr id="71" name="文本框 70">
-            <a:extLst>
-              <a:ext uri="{FF2B5EF4-FFF2-40B4-BE49-F238E27FC236}">
-                <a16:creationId xmlns:a16="http://schemas.microsoft.com/office/drawing/2014/main" id="{D1527BDE-AA71-A475-1230-641E6A506414}"/>
-              </a:ext>
-            </a:extLst>
-          </p:cNvPr>
-          <p:cNvSpPr txBox="1"/>
-          <p:nvPr/>
-        </p:nvSpPr>
-        <p:spPr>
-          <a:xfrm>
-            <a:off x="9819128" y="1969258"/>
-            <a:ext cx="646331" cy="369332"/>
-          </a:xfrm>
-          <a:prstGeom prst="rect">
-            <a:avLst/>
-          </a:prstGeom>
-          <a:noFill/>
-        </p:spPr>
-        <p:txBody>
-          <a:bodyPr wrap="none" rtlCol="0">
-            <a:spAutoFit/>
-          </a:bodyPr>
-          <a:lstStyle/>
-          <a:p>
+              <a:t>。也就是说可以随时从版本库下载整套代码，编译出的执行文件，与下载的配置文件、存储过程、视图等脚本，以及第三方组件一起，可以直接覆盖部署到正式环境。</a:t>
+            </a:r>
+            <a:endParaRPr lang="en-US" altLang="zh-CN" dirty="0"/>
+          </a:p>
+          <a:p>
+            <a:pPr marL="285750" indent="-285750">
+              <a:lnSpc>
+                <a:spcPct val="150000"/>
+              </a:lnSpc>
+              <a:buFont typeface="Wingdings" panose="05000000000000000000" pitchFamily="2" charset="2"/>
+              <a:buChar char="n"/>
+            </a:pPr>
             <a:r>
               <a:rPr lang="zh-CN" altLang="en-US" dirty="0"/>
-              <a:t>签入</a:t>
+              <a:t>处理问题时，仅从版本库签出与问题相关的代码文件（包括配置文件、存储过程、视图等脚本）。</a:t>
+            </a:r>
+            <a:endParaRPr lang="en-US" altLang="zh-CN" dirty="0"/>
+          </a:p>
+          <a:p>
+            <a:pPr marL="285750" indent="-285750">
+              <a:lnSpc>
+                <a:spcPct val="150000"/>
+              </a:lnSpc>
+              <a:buFont typeface="Wingdings" panose="05000000000000000000" pitchFamily="2" charset="2"/>
+              <a:buChar char="n"/>
+            </a:pPr>
+            <a:r>
+              <a:rPr lang="zh-CN" altLang="en-US" dirty="0"/>
+              <a:t>版本库文件签出期间，开发人员每天下班前应该做代码备份，签入备份库。</a:t>
+            </a:r>
+            <a:endParaRPr lang="en-US" altLang="zh-CN" dirty="0"/>
+          </a:p>
+          <a:p>
+            <a:pPr marL="285750" indent="-285750">
+              <a:lnSpc>
+                <a:spcPct val="150000"/>
+              </a:lnSpc>
+              <a:buFont typeface="Wingdings" panose="05000000000000000000" pitchFamily="2" charset="2"/>
+              <a:buChar char="n"/>
+            </a:pPr>
+            <a:r>
+              <a:rPr lang="zh-CN" altLang="en-US" dirty="0"/>
+              <a:t>开发人员将白盒测试通过的</a:t>
+            </a:r>
+            <a:r>
+              <a:rPr lang="en-US" altLang="zh-CN" dirty="0"/>
+              <a:t>DLL</a:t>
+            </a:r>
+            <a:r>
+              <a:rPr lang="zh-CN" altLang="en-US" dirty="0"/>
+              <a:t>、数据库脚本等部署文件给到实施人员，经功能验证测试通过后发布到客户验证环境，客户验证通过后</a:t>
+            </a:r>
+            <a:r>
+              <a:rPr lang="zh-CN" altLang="en-US" dirty="0">
+                <a:solidFill>
+                  <a:srgbClr val="0070C0"/>
+                </a:solidFill>
+              </a:rPr>
+              <a:t>使用同一部署文件发布到客户正式环境</a:t>
+            </a:r>
+            <a:r>
+              <a:rPr lang="zh-CN" altLang="en-US" dirty="0"/>
+              <a:t>。</a:t>
+            </a:r>
+            <a:endParaRPr lang="en-US" altLang="zh-CN" dirty="0"/>
+          </a:p>
+          <a:p>
+            <a:pPr marL="285750" indent="-285750">
+              <a:lnSpc>
+                <a:spcPct val="150000"/>
+              </a:lnSpc>
+              <a:buFont typeface="Wingdings" panose="05000000000000000000" pitchFamily="2" charset="2"/>
+              <a:buChar char="n"/>
+            </a:pPr>
+            <a:r>
+              <a:rPr lang="zh-CN" altLang="en-US" dirty="0">
+                <a:solidFill>
+                  <a:srgbClr val="0070C0"/>
+                </a:solidFill>
+              </a:rPr>
+              <a:t>从版本库签出的文件，只有到问题解决了（部署正式环境且用户确认升级成功）之后才可以签入</a:t>
+            </a:r>
+            <a:r>
+              <a:rPr lang="zh-CN" altLang="en-US" dirty="0"/>
+              <a:t>。</a:t>
+            </a:r>
+            <a:endParaRPr lang="en-US" altLang="zh-CN" dirty="0"/>
+          </a:p>
+          <a:p>
+            <a:pPr marL="285750" indent="-285750">
+              <a:lnSpc>
+                <a:spcPct val="150000"/>
+              </a:lnSpc>
+              <a:buFont typeface="Wingdings" panose="05000000000000000000" pitchFamily="2" charset="2"/>
+              <a:buChar char="n"/>
+            </a:pPr>
+            <a:r>
+              <a:rPr lang="zh-CN" altLang="en-US" dirty="0"/>
+              <a:t>版本库文件签出期间，如果有涉及用户报故，应该另开临时目录从版本库下载代码，修改、编译、测试和发布，经用户确认已得到修复后，需在新版发布前将修复内容合并到签出文件里，并安排复测。</a:t>
+            </a:r>
+            <a:endParaRPr lang="en-US" altLang="zh-CN" dirty="0"/>
+          </a:p>
+          <a:p>
+            <a:pPr marL="285750" indent="-285750">
+              <a:lnSpc>
+                <a:spcPct val="150000"/>
+              </a:lnSpc>
+              <a:buFont typeface="Wingdings" panose="05000000000000000000" pitchFamily="2" charset="2"/>
+              <a:buChar char="n"/>
+            </a:pPr>
+            <a:r>
+              <a:rPr lang="zh-CN" altLang="en-US" dirty="0"/>
+              <a:t>修复期间，临时目录也应做代码备份，每天签入备份库。升级完成后，可定期清理本地临时目录。</a:t>
             </a:r>
           </a:p>
         </p:txBody>
@@ -10859,7 +10996,7 @@
     </p:spTree>
     <p:extLst>
       <p:ext uri="{BB962C8B-B14F-4D97-AF65-F5344CB8AC3E}">
-        <p14:creationId xmlns:p14="http://schemas.microsoft.com/office/powerpoint/2010/main" val="1935497037"/>
+        <p14:creationId xmlns:p14="http://schemas.microsoft.com/office/powerpoint/2010/main" val="1173924523"/>
       </p:ext>
     </p:extLst>
   </p:cSld>
